--- a/Ors_Vivian_3_presentation_082022.pptx
+++ b/Ors_Vivian_3_presentation_082022.pptx
@@ -27,8 +27,11 @@
     <p:sldId id="510" r:id="rId21"/>
     <p:sldId id="506" r:id="rId22"/>
     <p:sldId id="512" r:id="rId23"/>
-    <p:sldId id="515" r:id="rId24"/>
-    <p:sldId id="516" r:id="rId25"/>
+    <p:sldId id="517" r:id="rId24"/>
+    <p:sldId id="513" r:id="rId25"/>
+    <p:sldId id="514" r:id="rId26"/>
+    <p:sldId id="515" r:id="rId27"/>
+    <p:sldId id="516" r:id="rId28"/>
   </p:sldIdLst>
   <p:sldSz cx="12192000" cy="6858000"/>
   <p:notesSz cx="6858000" cy="9144000"/>
@@ -12103,10 +12106,10 @@
       </p:grpSpPr>
       <p:sp>
         <p:nvSpPr>
-          <p:cNvPr id="2" name="Titre 1">
-            <a:extLst>
-              <a:ext uri="{FF2B5EF4-FFF2-40B4-BE49-F238E27FC236}">
-                <a16:creationId xmlns:a16="http://schemas.microsoft.com/office/drawing/2014/main" id="{62EDAB49-663B-20A7-4386-A8BC2BEB0D35}"/>
+          <p:cNvPr id="8" name="Espace réservé du numéro de diapositive 2">
+            <a:extLst>
+              <a:ext uri="{FF2B5EF4-FFF2-40B4-BE49-F238E27FC236}">
+                <a16:creationId xmlns:a16="http://schemas.microsoft.com/office/drawing/2014/main" id="{401D1855-D5DB-757A-D335-4F769C1A9B9F}"/>
               </a:ext>
             </a:extLst>
           </p:cNvPr>
@@ -12116,75 +12119,6 @@
           <p:nvPr>
             <p:custDataLst>
               <p:tags r:id="rId1"/>
-            </p:custDataLst>
-          </p:nvPr>
-        </p:nvSpPr>
-        <p:spPr>
-          <a:xfrm>
-            <a:off x="3048000" y="390269"/>
-            <a:ext cx="6096000" cy="1062625"/>
-          </a:xfrm>
-          <a:prstGeom prst="rect">
-            <a:avLst/>
-          </a:prstGeom>
-        </p:spPr>
-        <p:txBody>
-          <a:bodyPr vert="horz" lIns="91440" tIns="45720" rIns="91440" bIns="45720" rtlCol="0" anchor="t">
-            <a:noAutofit/>
-          </a:bodyPr>
-          <a:lstStyle>
-            <a:lvl1pPr algn="ctr" defTabSz="914400" rtl="0" eaLnBrk="1" latinLnBrk="0" hangingPunct="1">
-              <a:lnSpc>
-                <a:spcPct val="90000"/>
-              </a:lnSpc>
-              <a:spcBef>
-                <a:spcPct val="0"/>
-              </a:spcBef>
-              <a:buNone/>
-              <a:defRPr sz="6000" kern="1200">
-                <a:solidFill>
-                  <a:schemeClr val="tx1"/>
-                </a:solidFill>
-                <a:latin typeface="+mj-lt"/>
-                <a:ea typeface="+mj-ea"/>
-                <a:cs typeface="+mj-cs"/>
-              </a:defRPr>
-            </a:lvl1pPr>
-          </a:lstStyle>
-          <a:p>
-            <a:pPr algn="l">
-              <a:lnSpc>
-                <a:spcPct val="150000"/>
-              </a:lnSpc>
-            </a:pPr>
-            <a:r>
-              <a:rPr lang="fr-FR" sz="4800" cap="all" dirty="0">
-                <a:solidFill>
-                  <a:srgbClr val="621516"/>
-                </a:solidFill>
-                <a:latin typeface="Segoe UI Black" panose="020B0A02040204020203" pitchFamily="34" charset="0"/>
-                <a:ea typeface="Segoe UI Black" panose="020B0A02040204020203" pitchFamily="34" charset="0"/>
-              </a:rPr>
-              <a:t>IV – CONCLUSION :</a:t>
-            </a:r>
-          </a:p>
-        </p:txBody>
-      </p:sp>
-      <p:sp>
-        <p:nvSpPr>
-          <p:cNvPr id="8" name="Espace réservé du numéro de diapositive 2">
-            <a:extLst>
-              <a:ext uri="{FF2B5EF4-FFF2-40B4-BE49-F238E27FC236}">
-                <a16:creationId xmlns:a16="http://schemas.microsoft.com/office/drawing/2014/main" id="{401D1855-D5DB-757A-D335-4F769C1A9B9F}"/>
-              </a:ext>
-            </a:extLst>
-          </p:cNvPr>
-          <p:cNvSpPr txBox="1">
-            <a:spLocks/>
-          </p:cNvSpPr>
-          <p:nvPr>
-            <p:custDataLst>
-              <p:tags r:id="rId2"/>
             </p:custDataLst>
           </p:nvPr>
         </p:nvSpPr>
@@ -12318,30 +12252,23 @@
       </p:sp>
       <p:pic>
         <p:nvPicPr>
-          <p:cNvPr id="3" name="Graphique 2" descr="Engrenage">
-            <a:extLst>
-              <a:ext uri="{FF2B5EF4-FFF2-40B4-BE49-F238E27FC236}">
-                <a16:creationId xmlns:a16="http://schemas.microsoft.com/office/drawing/2014/main" id="{2E58558E-7EDA-C72D-ED1A-2AF3F87718E0}"/>
+          <p:cNvPr id="3" name="Image 2">
+            <a:extLst>
+              <a:ext uri="{FF2B5EF4-FFF2-40B4-BE49-F238E27FC236}">
+                <a16:creationId xmlns:a16="http://schemas.microsoft.com/office/drawing/2014/main" id="{D3A08B9A-93F9-F830-D685-7FDD3FDA25FC}"/>
               </a:ext>
             </a:extLst>
           </p:cNvPr>
           <p:cNvPicPr>
             <a:picLocks noChangeAspect="1"/>
           </p:cNvPicPr>
-          <p:nvPr>
-            <p:custDataLst>
-              <p:tags r:id="rId3"/>
-            </p:custDataLst>
-          </p:nvPr>
+          <p:nvPr/>
         </p:nvPicPr>
         <p:blipFill>
-          <a:blip r:embed="rId12">
+          <a:blip r:embed="rId3">
             <a:extLst>
               <a:ext uri="{28A0092B-C50C-407E-A947-70E740481C1C}">
                 <a14:useLocalDpi xmlns:a14="http://schemas.microsoft.com/office/drawing/2010/main" val="0"/>
-              </a:ext>
-              <a:ext uri="{96DAC541-7B7A-43D3-8B79-37D633B846F1}">
-                <asvg:svgBlip xmlns:asvg="http://schemas.microsoft.com/office/drawing/2016/SVG/main" r:embed="rId13"/>
               </a:ext>
             </a:extLst>
           </a:blip>
@@ -12351,443 +12278,18 @@
         </p:blipFill>
         <p:spPr>
           <a:xfrm>
-            <a:off x="1201371" y="1506485"/>
-            <a:ext cx="888261" cy="914400"/>
+            <a:off x="0" y="0"/>
+            <a:ext cx="12192000" cy="6138538"/>
           </a:xfrm>
           <a:prstGeom prst="rect">
             <a:avLst/>
           </a:prstGeom>
         </p:spPr>
       </p:pic>
-      <p:sp>
-        <p:nvSpPr>
-          <p:cNvPr id="4" name="Titre 1">
-            <a:extLst>
-              <a:ext uri="{FF2B5EF4-FFF2-40B4-BE49-F238E27FC236}">
-                <a16:creationId xmlns:a16="http://schemas.microsoft.com/office/drawing/2014/main" id="{E6FBF720-CE6A-6DEB-168B-A1D2452B8BC6}"/>
-              </a:ext>
-            </a:extLst>
-          </p:cNvPr>
-          <p:cNvSpPr txBox="1">
-            <a:spLocks/>
-          </p:cNvSpPr>
-          <p:nvPr>
-            <p:custDataLst>
-              <p:tags r:id="rId4"/>
-            </p:custDataLst>
-          </p:nvPr>
-        </p:nvSpPr>
-        <p:spPr>
-          <a:xfrm>
-            <a:off x="2089632" y="1676580"/>
-            <a:ext cx="6095999" cy="778324"/>
-          </a:xfrm>
-          <a:prstGeom prst="rect">
-            <a:avLst/>
-          </a:prstGeom>
-        </p:spPr>
-        <p:txBody>
-          <a:bodyPr vert="horz" lIns="91440" tIns="45720" rIns="91440" bIns="45720" rtlCol="0" anchor="t">
-            <a:noAutofit/>
-          </a:bodyPr>
-          <a:lstStyle>
-            <a:lvl1pPr algn="ctr" defTabSz="914400" rtl="0" eaLnBrk="1" latinLnBrk="0" hangingPunct="1">
-              <a:lnSpc>
-                <a:spcPct val="90000"/>
-              </a:lnSpc>
-              <a:spcBef>
-                <a:spcPct val="0"/>
-              </a:spcBef>
-              <a:buNone/>
-              <a:defRPr sz="6000" kern="1200">
-                <a:solidFill>
-                  <a:schemeClr val="tx1"/>
-                </a:solidFill>
-                <a:latin typeface="+mj-lt"/>
-                <a:ea typeface="+mj-ea"/>
-                <a:cs typeface="+mj-cs"/>
-              </a:defRPr>
-            </a:lvl1pPr>
-          </a:lstStyle>
-          <a:p>
-            <a:pPr algn="l">
-              <a:lnSpc>
-                <a:spcPct val="100000"/>
-              </a:lnSpc>
-            </a:pPr>
-            <a:r>
-              <a:rPr lang="fr-FR" sz="2800" dirty="0">
-                <a:solidFill>
-                  <a:srgbClr val="525252"/>
-                </a:solidFill>
-                <a:latin typeface="Franklin Gothic Heavy" panose="020B0903020102020204" pitchFamily="34" charset="0"/>
-              </a:rPr>
-              <a:t>LE DÉPLOIEMENT A ÉTÉ PRÉPARÉ…</a:t>
-            </a:r>
-            <a:endParaRPr lang="fr-FR" sz="2800" cap="all" dirty="0">
-              <a:solidFill>
-                <a:srgbClr val="10181D"/>
-              </a:solidFill>
-              <a:latin typeface="Franklin Gothic Heavy" panose="020B0903020102020204" pitchFamily="34" charset="0"/>
-            </a:endParaRPr>
-          </a:p>
-        </p:txBody>
-      </p:sp>
-      <p:pic>
-        <p:nvPicPr>
-          <p:cNvPr id="5" name="Graphique 4" descr="Engrenage">
-            <a:extLst>
-              <a:ext uri="{FF2B5EF4-FFF2-40B4-BE49-F238E27FC236}">
-                <a16:creationId xmlns:a16="http://schemas.microsoft.com/office/drawing/2014/main" id="{7438FAB6-A4C8-4B96-E889-EF9B276A7124}"/>
-              </a:ext>
-            </a:extLst>
-          </p:cNvPr>
-          <p:cNvPicPr>
-            <a:picLocks noChangeAspect="1"/>
-          </p:cNvPicPr>
-          <p:nvPr>
-            <p:custDataLst>
-              <p:tags r:id="rId5"/>
-            </p:custDataLst>
-          </p:nvPr>
-        </p:nvPicPr>
-        <p:blipFill>
-          <a:blip r:embed="rId12">
-            <a:extLst>
-              <a:ext uri="{28A0092B-C50C-407E-A947-70E740481C1C}">
-                <a14:useLocalDpi xmlns:a14="http://schemas.microsoft.com/office/drawing/2010/main" val="0"/>
-              </a:ext>
-              <a:ext uri="{96DAC541-7B7A-43D3-8B79-37D633B846F1}">
-                <asvg:svgBlip xmlns:asvg="http://schemas.microsoft.com/office/drawing/2016/SVG/main" r:embed="rId13"/>
-              </a:ext>
-            </a:extLst>
-          </a:blip>
-          <a:stretch>
-            <a:fillRect/>
-          </a:stretch>
-        </p:blipFill>
-        <p:spPr>
-          <a:xfrm>
-            <a:off x="1193258" y="2514600"/>
-            <a:ext cx="888261" cy="914400"/>
-          </a:xfrm>
-          <a:prstGeom prst="rect">
-            <a:avLst/>
-          </a:prstGeom>
-        </p:spPr>
-      </p:pic>
-      <p:sp>
-        <p:nvSpPr>
-          <p:cNvPr id="6" name="Titre 1">
-            <a:extLst>
-              <a:ext uri="{FF2B5EF4-FFF2-40B4-BE49-F238E27FC236}">
-                <a16:creationId xmlns:a16="http://schemas.microsoft.com/office/drawing/2014/main" id="{BE263A90-EDCC-B9A7-F712-728B536AE88C}"/>
-              </a:ext>
-            </a:extLst>
-          </p:cNvPr>
-          <p:cNvSpPr txBox="1">
-            <a:spLocks/>
-          </p:cNvSpPr>
-          <p:nvPr>
-            <p:custDataLst>
-              <p:tags r:id="rId6"/>
-            </p:custDataLst>
-          </p:nvPr>
-        </p:nvSpPr>
-        <p:spPr>
-          <a:xfrm>
-            <a:off x="2089633" y="2650676"/>
-            <a:ext cx="8062552" cy="778324"/>
-          </a:xfrm>
-          <a:prstGeom prst="rect">
-            <a:avLst/>
-          </a:prstGeom>
-        </p:spPr>
-        <p:txBody>
-          <a:bodyPr vert="horz" lIns="91440" tIns="45720" rIns="91440" bIns="45720" rtlCol="0" anchor="t">
-            <a:noAutofit/>
-          </a:bodyPr>
-          <a:lstStyle>
-            <a:lvl1pPr algn="ctr" defTabSz="914400" rtl="0" eaLnBrk="1" latinLnBrk="0" hangingPunct="1">
-              <a:lnSpc>
-                <a:spcPct val="90000"/>
-              </a:lnSpc>
-              <a:spcBef>
-                <a:spcPct val="0"/>
-              </a:spcBef>
-              <a:buNone/>
-              <a:defRPr sz="6000" kern="1200">
-                <a:solidFill>
-                  <a:schemeClr val="tx1"/>
-                </a:solidFill>
-                <a:latin typeface="+mj-lt"/>
-                <a:ea typeface="+mj-ea"/>
-                <a:cs typeface="+mj-cs"/>
-              </a:defRPr>
-            </a:lvl1pPr>
-          </a:lstStyle>
-          <a:p>
-            <a:pPr algn="l">
-              <a:lnSpc>
-                <a:spcPct val="100000"/>
-              </a:lnSpc>
-            </a:pPr>
-            <a:r>
-              <a:rPr lang="fr-FR" sz="2800" dirty="0">
-                <a:solidFill>
-                  <a:srgbClr val="525252"/>
-                </a:solidFill>
-                <a:latin typeface="Franklin Gothic Heavy" panose="020B0903020102020204" pitchFamily="34" charset="0"/>
-              </a:rPr>
-              <a:t>MAIS IL VA NÉCESSITER UN VÉRITABLE BUDGET.</a:t>
-            </a:r>
-            <a:endParaRPr lang="fr-FR" sz="2800" cap="all" dirty="0">
-              <a:solidFill>
-                <a:srgbClr val="10181D"/>
-              </a:solidFill>
-              <a:latin typeface="Franklin Gothic Heavy" panose="020B0903020102020204" pitchFamily="34" charset="0"/>
-            </a:endParaRPr>
-          </a:p>
-        </p:txBody>
-      </p:sp>
-      <p:pic>
-        <p:nvPicPr>
-          <p:cNvPr id="7" name="Graphique 6" descr="Engrenage">
-            <a:extLst>
-              <a:ext uri="{FF2B5EF4-FFF2-40B4-BE49-F238E27FC236}">
-                <a16:creationId xmlns:a16="http://schemas.microsoft.com/office/drawing/2014/main" id="{7C47F082-6B08-4D75-0F4E-6AEDB9C99674}"/>
-              </a:ext>
-            </a:extLst>
-          </p:cNvPr>
-          <p:cNvPicPr>
-            <a:picLocks noChangeAspect="1"/>
-          </p:cNvPicPr>
-          <p:nvPr>
-            <p:custDataLst>
-              <p:tags r:id="rId7"/>
-            </p:custDataLst>
-          </p:nvPr>
-        </p:nvPicPr>
-        <p:blipFill>
-          <a:blip r:embed="rId12">
-            <a:extLst>
-              <a:ext uri="{28A0092B-C50C-407E-A947-70E740481C1C}">
-                <a14:useLocalDpi xmlns:a14="http://schemas.microsoft.com/office/drawing/2010/main" val="0"/>
-              </a:ext>
-              <a:ext uri="{96DAC541-7B7A-43D3-8B79-37D633B846F1}">
-                <asvg:svgBlip xmlns:asvg="http://schemas.microsoft.com/office/drawing/2016/SVG/main" r:embed="rId13"/>
-              </a:ext>
-            </a:extLst>
-          </a:blip>
-          <a:stretch>
-            <a:fillRect/>
-          </a:stretch>
-        </p:blipFill>
-        <p:spPr>
-          <a:xfrm>
-            <a:off x="1168336" y="3547239"/>
-            <a:ext cx="888261" cy="914400"/>
-          </a:xfrm>
-          <a:prstGeom prst="rect">
-            <a:avLst/>
-          </a:prstGeom>
-        </p:spPr>
-      </p:pic>
-      <p:sp>
-        <p:nvSpPr>
-          <p:cNvPr id="9" name="Titre 1">
-            <a:extLst>
-              <a:ext uri="{FF2B5EF4-FFF2-40B4-BE49-F238E27FC236}">
-                <a16:creationId xmlns:a16="http://schemas.microsoft.com/office/drawing/2014/main" id="{BA100693-B99D-6097-6666-984AA24B9ABB}"/>
-              </a:ext>
-            </a:extLst>
-          </p:cNvPr>
-          <p:cNvSpPr txBox="1">
-            <a:spLocks/>
-          </p:cNvSpPr>
-          <p:nvPr>
-            <p:custDataLst>
-              <p:tags r:id="rId8"/>
-            </p:custDataLst>
-          </p:nvPr>
-        </p:nvSpPr>
-        <p:spPr>
-          <a:xfrm>
-            <a:off x="2048483" y="3542808"/>
-            <a:ext cx="9615186" cy="778324"/>
-          </a:xfrm>
-          <a:prstGeom prst="rect">
-            <a:avLst/>
-          </a:prstGeom>
-        </p:spPr>
-        <p:txBody>
-          <a:bodyPr vert="horz" lIns="91440" tIns="45720" rIns="91440" bIns="45720" rtlCol="0" anchor="t">
-            <a:noAutofit/>
-          </a:bodyPr>
-          <a:lstStyle>
-            <a:lvl1pPr algn="ctr" defTabSz="914400" rtl="0" eaLnBrk="1" latinLnBrk="0" hangingPunct="1">
-              <a:lnSpc>
-                <a:spcPct val="90000"/>
-              </a:lnSpc>
-              <a:spcBef>
-                <a:spcPct val="0"/>
-              </a:spcBef>
-              <a:buNone/>
-              <a:defRPr sz="6000" kern="1200">
-                <a:solidFill>
-                  <a:schemeClr val="tx1"/>
-                </a:solidFill>
-                <a:latin typeface="+mj-lt"/>
-                <a:ea typeface="+mj-ea"/>
-                <a:cs typeface="+mj-cs"/>
-              </a:defRPr>
-            </a:lvl1pPr>
-          </a:lstStyle>
-          <a:p>
-            <a:pPr algn="l">
-              <a:lnSpc>
-                <a:spcPct val="100000"/>
-              </a:lnSpc>
-            </a:pPr>
-            <a:r>
-              <a:rPr lang="fr-FR" sz="2800" dirty="0">
-                <a:solidFill>
-                  <a:srgbClr val="525252"/>
-                </a:solidFill>
-                <a:latin typeface="Franklin Gothic Heavy" panose="020B0903020102020204" pitchFamily="34" charset="0"/>
-              </a:rPr>
-              <a:t>EN FONCTION DE CELUI-CI, IL FAUDRA DÉTERMINER LA TAILLE DES IMAGES ET LA RÉDUCTION DE DIMENSION.</a:t>
-            </a:r>
-            <a:endParaRPr lang="fr-FR" sz="2800" cap="all" dirty="0">
-              <a:solidFill>
-                <a:srgbClr val="10181D"/>
-              </a:solidFill>
-              <a:latin typeface="Franklin Gothic Heavy" panose="020B0903020102020204" pitchFamily="34" charset="0"/>
-            </a:endParaRPr>
-          </a:p>
-        </p:txBody>
-      </p:sp>
-      <p:pic>
-        <p:nvPicPr>
-          <p:cNvPr id="10" name="Graphique 9" descr="Engrenage">
-            <a:extLst>
-              <a:ext uri="{FF2B5EF4-FFF2-40B4-BE49-F238E27FC236}">
-                <a16:creationId xmlns:a16="http://schemas.microsoft.com/office/drawing/2014/main" id="{ED3271FC-0B51-4D6F-ABBC-3A663A0D4C49}"/>
-              </a:ext>
-            </a:extLst>
-          </p:cNvPr>
-          <p:cNvPicPr>
-            <a:picLocks noChangeAspect="1"/>
-          </p:cNvPicPr>
-          <p:nvPr>
-            <p:custDataLst>
-              <p:tags r:id="rId9"/>
-            </p:custDataLst>
-          </p:nvPr>
-        </p:nvPicPr>
-        <p:blipFill>
-          <a:blip r:embed="rId12">
-            <a:extLst>
-              <a:ext uri="{28A0092B-C50C-407E-A947-70E740481C1C}">
-                <a14:useLocalDpi xmlns:a14="http://schemas.microsoft.com/office/drawing/2010/main" val="0"/>
-              </a:ext>
-              <a:ext uri="{96DAC541-7B7A-43D3-8B79-37D633B846F1}">
-                <asvg:svgBlip xmlns:asvg="http://schemas.microsoft.com/office/drawing/2016/SVG/main" r:embed="rId13"/>
-              </a:ext>
-            </a:extLst>
-          </a:blip>
-          <a:stretch>
-            <a:fillRect/>
-          </a:stretch>
-        </p:blipFill>
-        <p:spPr>
-          <a:xfrm>
-            <a:off x="1160222" y="4575447"/>
-            <a:ext cx="888261" cy="914400"/>
-          </a:xfrm>
-          <a:prstGeom prst="rect">
-            <a:avLst/>
-          </a:prstGeom>
-        </p:spPr>
-      </p:pic>
-      <p:sp>
-        <p:nvSpPr>
-          <p:cNvPr id="11" name="Titre 1">
-            <a:extLst>
-              <a:ext uri="{FF2B5EF4-FFF2-40B4-BE49-F238E27FC236}">
-                <a16:creationId xmlns:a16="http://schemas.microsoft.com/office/drawing/2014/main" id="{F374D36D-5F86-25C4-4040-D1DACABD6150}"/>
-              </a:ext>
-            </a:extLst>
-          </p:cNvPr>
-          <p:cNvSpPr txBox="1">
-            <a:spLocks/>
-          </p:cNvSpPr>
-          <p:nvPr>
-            <p:custDataLst>
-              <p:tags r:id="rId10"/>
-            </p:custDataLst>
-          </p:nvPr>
-        </p:nvSpPr>
-        <p:spPr>
-          <a:xfrm>
-            <a:off x="2048483" y="4550923"/>
-            <a:ext cx="9114702" cy="778324"/>
-          </a:xfrm>
-          <a:prstGeom prst="rect">
-            <a:avLst/>
-          </a:prstGeom>
-        </p:spPr>
-        <p:txBody>
-          <a:bodyPr vert="horz" lIns="91440" tIns="45720" rIns="91440" bIns="45720" rtlCol="0" anchor="t">
-            <a:noAutofit/>
-          </a:bodyPr>
-          <a:lstStyle>
-            <a:lvl1pPr algn="ctr" defTabSz="914400" rtl="0" eaLnBrk="1" latinLnBrk="0" hangingPunct="1">
-              <a:lnSpc>
-                <a:spcPct val="90000"/>
-              </a:lnSpc>
-              <a:spcBef>
-                <a:spcPct val="0"/>
-              </a:spcBef>
-              <a:buNone/>
-              <a:defRPr sz="6000" kern="1200">
-                <a:solidFill>
-                  <a:schemeClr val="tx1"/>
-                </a:solidFill>
-                <a:latin typeface="+mj-lt"/>
-                <a:ea typeface="+mj-ea"/>
-                <a:cs typeface="+mj-cs"/>
-              </a:defRPr>
-            </a:lvl1pPr>
-          </a:lstStyle>
-          <a:p>
-            <a:pPr algn="l">
-              <a:lnSpc>
-                <a:spcPct val="100000"/>
-              </a:lnSpc>
-            </a:pPr>
-            <a:r>
-              <a:rPr lang="fr-FR" sz="2800" cap="all" dirty="0">
-                <a:solidFill>
-                  <a:srgbClr val="525252"/>
-                </a:solidFill>
-                <a:latin typeface="Franklin Gothic Heavy" panose="020B0903020102020204" pitchFamily="34" charset="0"/>
-              </a:rPr>
-              <a:t>EN FONCTION DU MODÈLE CHOISI, MODIFIER LE CODE (SIFT, SURF, CNN TRANSFERT LEARNING).</a:t>
-            </a:r>
-            <a:endParaRPr lang="fr-FR" sz="2800" cap="all" dirty="0">
-              <a:solidFill>
-                <a:srgbClr val="10181D"/>
-              </a:solidFill>
-              <a:latin typeface="Franklin Gothic Heavy" panose="020B0903020102020204" pitchFamily="34" charset="0"/>
-            </a:endParaRPr>
-          </a:p>
-        </p:txBody>
-      </p:sp>
     </p:spTree>
     <p:extLst>
       <p:ext uri="{BB962C8B-B14F-4D97-AF65-F5344CB8AC3E}">
-        <p14:creationId xmlns:p14="http://schemas.microsoft.com/office/powerpoint/2010/main" val="1925902729"/>
+        <p14:creationId xmlns:p14="http://schemas.microsoft.com/office/powerpoint/2010/main" val="3824731453"/>
       </p:ext>
     </p:extLst>
   </p:cSld>
@@ -12842,10 +12344,10 @@
       </p:grpSpPr>
       <p:sp>
         <p:nvSpPr>
-          <p:cNvPr id="2" name="Titre 1">
-            <a:extLst>
-              <a:ext uri="{FF2B5EF4-FFF2-40B4-BE49-F238E27FC236}">
-                <a16:creationId xmlns:a16="http://schemas.microsoft.com/office/drawing/2014/main" id="{62EDAB49-663B-20A7-4386-A8BC2BEB0D35}"/>
+          <p:cNvPr id="8" name="Espace réservé du numéro de diapositive 2">
+            <a:extLst>
+              <a:ext uri="{FF2B5EF4-FFF2-40B4-BE49-F238E27FC236}">
+                <a16:creationId xmlns:a16="http://schemas.microsoft.com/office/drawing/2014/main" id="{401D1855-D5DB-757A-D335-4F769C1A9B9F}"/>
               </a:ext>
             </a:extLst>
           </p:cNvPr>
@@ -12860,8 +12362,736 @@
         </p:nvSpPr>
         <p:spPr>
           <a:xfrm>
-            <a:off x="2251554" y="1564186"/>
-            <a:ext cx="7688892" cy="1062625"/>
+            <a:off x="11171300" y="6239446"/>
+            <a:ext cx="811019" cy="503578"/>
+          </a:xfrm>
+          <a:prstGeom prst="rect">
+            <a:avLst/>
+          </a:prstGeom>
+        </p:spPr>
+        <p:txBody>
+          <a:bodyPr vert="horz" lIns="91440" tIns="45720" rIns="91440" bIns="45720" rtlCol="0" anchor="ctr"/>
+          <a:lstStyle>
+            <a:defPPr>
+              <a:defRPr lang="fr-FR"/>
+            </a:defPPr>
+            <a:lvl1pPr marL="0" algn="r" defTabSz="914400" rtl="0" eaLnBrk="1" latinLnBrk="0" hangingPunct="1">
+              <a:defRPr sz="1200" kern="1200">
+                <a:solidFill>
+                  <a:schemeClr val="tx1">
+                    <a:tint val="75000"/>
+                  </a:schemeClr>
+                </a:solidFill>
+                <a:latin typeface="+mn-lt"/>
+                <a:ea typeface="+mn-ea"/>
+                <a:cs typeface="+mn-cs"/>
+              </a:defRPr>
+            </a:lvl1pPr>
+            <a:lvl2pPr marL="457200" algn="l" defTabSz="914400" rtl="0" eaLnBrk="1" latinLnBrk="0" hangingPunct="1">
+              <a:defRPr sz="1800" kern="1200">
+                <a:solidFill>
+                  <a:schemeClr val="tx1"/>
+                </a:solidFill>
+                <a:latin typeface="+mn-lt"/>
+                <a:ea typeface="+mn-ea"/>
+                <a:cs typeface="+mn-cs"/>
+              </a:defRPr>
+            </a:lvl2pPr>
+            <a:lvl3pPr marL="914400" algn="l" defTabSz="914400" rtl="0" eaLnBrk="1" latinLnBrk="0" hangingPunct="1">
+              <a:defRPr sz="1800" kern="1200">
+                <a:solidFill>
+                  <a:schemeClr val="tx1"/>
+                </a:solidFill>
+                <a:latin typeface="+mn-lt"/>
+                <a:ea typeface="+mn-ea"/>
+                <a:cs typeface="+mn-cs"/>
+              </a:defRPr>
+            </a:lvl3pPr>
+            <a:lvl4pPr marL="1371600" algn="l" defTabSz="914400" rtl="0" eaLnBrk="1" latinLnBrk="0" hangingPunct="1">
+              <a:defRPr sz="1800" kern="1200">
+                <a:solidFill>
+                  <a:schemeClr val="tx1"/>
+                </a:solidFill>
+                <a:latin typeface="+mn-lt"/>
+                <a:ea typeface="+mn-ea"/>
+                <a:cs typeface="+mn-cs"/>
+              </a:defRPr>
+            </a:lvl4pPr>
+            <a:lvl5pPr marL="1828800" algn="l" defTabSz="914400" rtl="0" eaLnBrk="1" latinLnBrk="0" hangingPunct="1">
+              <a:defRPr sz="1800" kern="1200">
+                <a:solidFill>
+                  <a:schemeClr val="tx1"/>
+                </a:solidFill>
+                <a:latin typeface="+mn-lt"/>
+                <a:ea typeface="+mn-ea"/>
+                <a:cs typeface="+mn-cs"/>
+              </a:defRPr>
+            </a:lvl5pPr>
+            <a:lvl6pPr marL="2286000" algn="l" defTabSz="914400" rtl="0" eaLnBrk="1" latinLnBrk="0" hangingPunct="1">
+              <a:defRPr sz="1800" kern="1200">
+                <a:solidFill>
+                  <a:schemeClr val="tx1"/>
+                </a:solidFill>
+                <a:latin typeface="+mn-lt"/>
+                <a:ea typeface="+mn-ea"/>
+                <a:cs typeface="+mn-cs"/>
+              </a:defRPr>
+            </a:lvl6pPr>
+            <a:lvl7pPr marL="2743200" algn="l" defTabSz="914400" rtl="0" eaLnBrk="1" latinLnBrk="0" hangingPunct="1">
+              <a:defRPr sz="1800" kern="1200">
+                <a:solidFill>
+                  <a:schemeClr val="tx1"/>
+                </a:solidFill>
+                <a:latin typeface="+mn-lt"/>
+                <a:ea typeface="+mn-ea"/>
+                <a:cs typeface="+mn-cs"/>
+              </a:defRPr>
+            </a:lvl7pPr>
+            <a:lvl8pPr marL="3200400" algn="l" defTabSz="914400" rtl="0" eaLnBrk="1" latinLnBrk="0" hangingPunct="1">
+              <a:defRPr sz="1800" kern="1200">
+                <a:solidFill>
+                  <a:schemeClr val="tx1"/>
+                </a:solidFill>
+                <a:latin typeface="+mn-lt"/>
+                <a:ea typeface="+mn-ea"/>
+                <a:cs typeface="+mn-cs"/>
+              </a:defRPr>
+            </a:lvl8pPr>
+            <a:lvl9pPr marL="3657600" algn="l" defTabSz="914400" rtl="0" eaLnBrk="1" latinLnBrk="0" hangingPunct="1">
+              <a:defRPr sz="1800" kern="1200">
+                <a:solidFill>
+                  <a:schemeClr val="tx1"/>
+                </a:solidFill>
+                <a:latin typeface="+mn-lt"/>
+                <a:ea typeface="+mn-ea"/>
+                <a:cs typeface="+mn-cs"/>
+              </a:defRPr>
+            </a:lvl9pPr>
+          </a:lstStyle>
+          <a:p>
+            <a:fld id="{C01389E6-C847-4AD0-B56D-D205B2EAB1EE}" type="slidenum">
+              <a:rPr lang="en-US" sz="3200" smtClean="0">
+                <a:solidFill>
+                  <a:schemeClr val="bg1"/>
+                </a:solidFill>
+                <a:latin typeface="Gill Sans MT" panose="020B0502020104020203" pitchFamily="34" charset="0"/>
+              </a:rPr>
+              <a:pPr/>
+              <a:t>24</a:t>
+            </a:fld>
+            <a:endParaRPr lang="en-US" sz="3200" dirty="0">
+              <a:solidFill>
+                <a:schemeClr val="bg1"/>
+              </a:solidFill>
+              <a:latin typeface="Gill Sans MT" panose="020B0502020104020203" pitchFamily="34" charset="0"/>
+            </a:endParaRPr>
+          </a:p>
+        </p:txBody>
+      </p:sp>
+      <p:sp>
+        <p:nvSpPr>
+          <p:cNvPr id="3" name="Titre 1">
+            <a:extLst>
+              <a:ext uri="{FF2B5EF4-FFF2-40B4-BE49-F238E27FC236}">
+                <a16:creationId xmlns:a16="http://schemas.microsoft.com/office/drawing/2014/main" id="{297A4338-DF6C-426F-29AD-B7A6B822475B}"/>
+              </a:ext>
+            </a:extLst>
+          </p:cNvPr>
+          <p:cNvSpPr>
+            <a:spLocks noGrp="1"/>
+          </p:cNvSpPr>
+          <p:nvPr>
+            <p:ph type="ctrTitle"/>
+            <p:custDataLst>
+              <p:tags r:id="rId2"/>
+            </p:custDataLst>
+          </p:nvPr>
+        </p:nvSpPr>
+        <p:spPr>
+          <a:xfrm>
+            <a:off x="2186354" y="253681"/>
+            <a:ext cx="7819292" cy="1062625"/>
+          </a:xfrm>
+        </p:spPr>
+        <p:txBody>
+          <a:bodyPr anchor="t">
+            <a:noAutofit/>
+          </a:bodyPr>
+          <a:lstStyle/>
+          <a:p>
+            <a:pPr>
+              <a:lnSpc>
+                <a:spcPct val="150000"/>
+              </a:lnSpc>
+            </a:pPr>
+            <a:r>
+              <a:rPr lang="fr-FR" sz="4800" cap="all" dirty="0">
+                <a:solidFill>
+                  <a:srgbClr val="621516"/>
+                </a:solidFill>
+                <a:latin typeface="Segoe UI Black" panose="020B0A02040204020203" pitchFamily="34" charset="0"/>
+                <a:ea typeface="Segoe UI Black" panose="020B0A02040204020203" pitchFamily="34" charset="0"/>
+              </a:rPr>
+              <a:t>LIEN VERS </a:t>
+            </a:r>
+            <a:r>
+              <a:rPr lang="fr-FR" sz="4800" cap="all" dirty="0" err="1">
+                <a:solidFill>
+                  <a:srgbClr val="621516"/>
+                </a:solidFill>
+                <a:latin typeface="Segoe UI Black" panose="020B0A02040204020203" pitchFamily="34" charset="0"/>
+                <a:ea typeface="Segoe UI Black" panose="020B0A02040204020203" pitchFamily="34" charset="0"/>
+              </a:rPr>
+              <a:t>Databricks</a:t>
+            </a:r>
+            <a:r>
+              <a:rPr lang="fr-FR" sz="4800" cap="all" dirty="0">
+                <a:solidFill>
+                  <a:srgbClr val="621516"/>
+                </a:solidFill>
+                <a:latin typeface="Segoe UI Black" panose="020B0A02040204020203" pitchFamily="34" charset="0"/>
+                <a:ea typeface="Segoe UI Black" panose="020B0A02040204020203" pitchFamily="34" charset="0"/>
+              </a:rPr>
+              <a:t> :</a:t>
+            </a:r>
+            <a:endParaRPr lang="fr-FR" sz="3200" cap="all" dirty="0">
+              <a:solidFill>
+                <a:srgbClr val="621516"/>
+              </a:solidFill>
+              <a:latin typeface="Segoe UI Black" panose="020B0A02040204020203" pitchFamily="34" charset="0"/>
+              <a:ea typeface="Segoe UI Black" panose="020B0A02040204020203" pitchFamily="34" charset="0"/>
+            </a:endParaRPr>
+          </a:p>
+        </p:txBody>
+      </p:sp>
+      <p:pic>
+        <p:nvPicPr>
+          <p:cNvPr id="2" name="Graphique 1" descr="Panneau">
+            <a:extLst>
+              <a:ext uri="{FF2B5EF4-FFF2-40B4-BE49-F238E27FC236}">
+                <a16:creationId xmlns:a16="http://schemas.microsoft.com/office/drawing/2014/main" id="{CFE558F4-427A-28CA-BE0A-8E4F529BDFF1}"/>
+              </a:ext>
+            </a:extLst>
+          </p:cNvPr>
+          <p:cNvPicPr>
+            <a:picLocks noChangeAspect="1"/>
+          </p:cNvPicPr>
+          <p:nvPr>
+            <p:custDataLst>
+              <p:tags r:id="rId3"/>
+            </p:custDataLst>
+          </p:nvPr>
+        </p:nvPicPr>
+        <p:blipFill>
+          <a:blip r:embed="rId6">
+            <a:extLst>
+              <a:ext uri="{28A0092B-C50C-407E-A947-70E740481C1C}">
+                <a14:useLocalDpi xmlns:a14="http://schemas.microsoft.com/office/drawing/2010/main" val="0"/>
+              </a:ext>
+              <a:ext uri="{96DAC541-7B7A-43D3-8B79-37D633B846F1}">
+                <asvg:svgBlip xmlns:asvg="http://schemas.microsoft.com/office/drawing/2016/SVG/main" r:embed="rId7"/>
+              </a:ext>
+            </a:extLst>
+          </a:blip>
+          <a:stretch>
+            <a:fillRect/>
+          </a:stretch>
+        </p:blipFill>
+        <p:spPr>
+          <a:xfrm>
+            <a:off x="1020888" y="1266092"/>
+            <a:ext cx="10150221" cy="5510027"/>
+          </a:xfrm>
+          <a:prstGeom prst="rect">
+            <a:avLst/>
+          </a:prstGeom>
+        </p:spPr>
+      </p:pic>
+      <p:sp>
+        <p:nvSpPr>
+          <p:cNvPr id="5" name="ZoneTexte 4">
+            <a:extLst>
+              <a:ext uri="{FF2B5EF4-FFF2-40B4-BE49-F238E27FC236}">
+                <a16:creationId xmlns:a16="http://schemas.microsoft.com/office/drawing/2014/main" id="{26173887-0DF9-5CFE-1C05-7E44EBD53458}"/>
+              </a:ext>
+            </a:extLst>
+          </p:cNvPr>
+          <p:cNvSpPr txBox="1"/>
+          <p:nvPr>
+            <p:custDataLst>
+              <p:tags r:id="rId4"/>
+            </p:custDataLst>
+          </p:nvPr>
+        </p:nvSpPr>
+        <p:spPr>
+          <a:xfrm>
+            <a:off x="3538257" y="2644170"/>
+            <a:ext cx="5115485" cy="1569660"/>
+          </a:xfrm>
+          <a:prstGeom prst="rect">
+            <a:avLst/>
+          </a:prstGeom>
+          <a:noFill/>
+        </p:spPr>
+        <p:txBody>
+          <a:bodyPr wrap="square">
+            <a:spAutoFit/>
+          </a:bodyPr>
+          <a:lstStyle/>
+          <a:p>
+            <a:r>
+              <a:rPr lang="fr-FR" sz="2400" dirty="0">
+                <a:solidFill>
+                  <a:schemeClr val="accent2">
+                    <a:lumMod val="75000"/>
+                  </a:schemeClr>
+                </a:solidFill>
+                <a:hlinkClick r:id="rId8"/>
+              </a:rPr>
+              <a:t>https://dbc-50bf6d28-d57f.cloud.databricks.com/?o=22010014277780#notebook/566770589047517/command/566770589047518</a:t>
+            </a:r>
+            <a:endParaRPr lang="fr-FR" sz="2400" dirty="0">
+              <a:solidFill>
+                <a:schemeClr val="accent2">
+                  <a:lumMod val="75000"/>
+                </a:schemeClr>
+              </a:solidFill>
+            </a:endParaRPr>
+          </a:p>
+        </p:txBody>
+      </p:sp>
+    </p:spTree>
+    <p:extLst>
+      <p:ext uri="{BB962C8B-B14F-4D97-AF65-F5344CB8AC3E}">
+        <p14:creationId xmlns:p14="http://schemas.microsoft.com/office/powerpoint/2010/main" val="342628431"/>
+      </p:ext>
+    </p:extLst>
+  </p:cSld>
+  <p:clrMapOvr>
+    <a:masterClrMapping/>
+  </p:clrMapOvr>
+</p:sld>
+</file>
+
+<file path=ppt/slides/slide25.xml><?xml version="1.0" encoding="utf-8"?>
+<p:sld xmlns:a="http://schemas.openxmlformats.org/drawingml/2006/main" xmlns:r="http://schemas.openxmlformats.org/officeDocument/2006/relationships" xmlns:p="http://schemas.openxmlformats.org/presentationml/2006/main">
+  <p:cSld>
+    <p:bg>
+      <p:bgPr>
+        <a:gradFill flip="none" rotWithShape="1">
+          <a:gsLst>
+            <a:gs pos="0">
+              <a:schemeClr val="accent1">
+                <a:lumMod val="5000"/>
+                <a:lumOff val="95000"/>
+              </a:schemeClr>
+            </a:gs>
+            <a:gs pos="74000">
+              <a:schemeClr val="bg1"/>
+            </a:gs>
+            <a:gs pos="83000">
+              <a:schemeClr val="bg1"/>
+            </a:gs>
+            <a:gs pos="100000">
+              <a:srgbClr val="621516"/>
+            </a:gs>
+          </a:gsLst>
+          <a:lin ang="5400000" scaled="1"/>
+          <a:tileRect/>
+        </a:gradFill>
+        <a:effectLst/>
+      </p:bgPr>
+    </p:bg>
+    <p:spTree>
+      <p:nvGrpSpPr>
+        <p:cNvPr id="1" name=""/>
+        <p:cNvGrpSpPr/>
+        <p:nvPr/>
+      </p:nvGrpSpPr>
+      <p:grpSpPr>
+        <a:xfrm>
+          <a:off x="0" y="0"/>
+          <a:ext cx="0" cy="0"/>
+          <a:chOff x="0" y="0"/>
+          <a:chExt cx="0" cy="0"/>
+        </a:xfrm>
+      </p:grpSpPr>
+      <p:sp>
+        <p:nvSpPr>
+          <p:cNvPr id="8" name="Espace réservé du numéro de diapositive 2">
+            <a:extLst>
+              <a:ext uri="{FF2B5EF4-FFF2-40B4-BE49-F238E27FC236}">
+                <a16:creationId xmlns:a16="http://schemas.microsoft.com/office/drawing/2014/main" id="{401D1855-D5DB-757A-D335-4F769C1A9B9F}"/>
+              </a:ext>
+            </a:extLst>
+          </p:cNvPr>
+          <p:cNvSpPr txBox="1">
+            <a:spLocks/>
+          </p:cNvSpPr>
+          <p:nvPr>
+            <p:custDataLst>
+              <p:tags r:id="rId1"/>
+            </p:custDataLst>
+          </p:nvPr>
+        </p:nvSpPr>
+        <p:spPr>
+          <a:xfrm>
+            <a:off x="11171300" y="6239446"/>
+            <a:ext cx="811019" cy="503578"/>
+          </a:xfrm>
+          <a:prstGeom prst="rect">
+            <a:avLst/>
+          </a:prstGeom>
+        </p:spPr>
+        <p:txBody>
+          <a:bodyPr vert="horz" lIns="91440" tIns="45720" rIns="91440" bIns="45720" rtlCol="0" anchor="ctr"/>
+          <a:lstStyle>
+            <a:defPPr>
+              <a:defRPr lang="fr-FR"/>
+            </a:defPPr>
+            <a:lvl1pPr marL="0" algn="r" defTabSz="914400" rtl="0" eaLnBrk="1" latinLnBrk="0" hangingPunct="1">
+              <a:defRPr sz="1200" kern="1200">
+                <a:solidFill>
+                  <a:schemeClr val="tx1">
+                    <a:tint val="75000"/>
+                  </a:schemeClr>
+                </a:solidFill>
+                <a:latin typeface="+mn-lt"/>
+                <a:ea typeface="+mn-ea"/>
+                <a:cs typeface="+mn-cs"/>
+              </a:defRPr>
+            </a:lvl1pPr>
+            <a:lvl2pPr marL="457200" algn="l" defTabSz="914400" rtl="0" eaLnBrk="1" latinLnBrk="0" hangingPunct="1">
+              <a:defRPr sz="1800" kern="1200">
+                <a:solidFill>
+                  <a:schemeClr val="tx1"/>
+                </a:solidFill>
+                <a:latin typeface="+mn-lt"/>
+                <a:ea typeface="+mn-ea"/>
+                <a:cs typeface="+mn-cs"/>
+              </a:defRPr>
+            </a:lvl2pPr>
+            <a:lvl3pPr marL="914400" algn="l" defTabSz="914400" rtl="0" eaLnBrk="1" latinLnBrk="0" hangingPunct="1">
+              <a:defRPr sz="1800" kern="1200">
+                <a:solidFill>
+                  <a:schemeClr val="tx1"/>
+                </a:solidFill>
+                <a:latin typeface="+mn-lt"/>
+                <a:ea typeface="+mn-ea"/>
+                <a:cs typeface="+mn-cs"/>
+              </a:defRPr>
+            </a:lvl3pPr>
+            <a:lvl4pPr marL="1371600" algn="l" defTabSz="914400" rtl="0" eaLnBrk="1" latinLnBrk="0" hangingPunct="1">
+              <a:defRPr sz="1800" kern="1200">
+                <a:solidFill>
+                  <a:schemeClr val="tx1"/>
+                </a:solidFill>
+                <a:latin typeface="+mn-lt"/>
+                <a:ea typeface="+mn-ea"/>
+                <a:cs typeface="+mn-cs"/>
+              </a:defRPr>
+            </a:lvl4pPr>
+            <a:lvl5pPr marL="1828800" algn="l" defTabSz="914400" rtl="0" eaLnBrk="1" latinLnBrk="0" hangingPunct="1">
+              <a:defRPr sz="1800" kern="1200">
+                <a:solidFill>
+                  <a:schemeClr val="tx1"/>
+                </a:solidFill>
+                <a:latin typeface="+mn-lt"/>
+                <a:ea typeface="+mn-ea"/>
+                <a:cs typeface="+mn-cs"/>
+              </a:defRPr>
+            </a:lvl5pPr>
+            <a:lvl6pPr marL="2286000" algn="l" defTabSz="914400" rtl="0" eaLnBrk="1" latinLnBrk="0" hangingPunct="1">
+              <a:defRPr sz="1800" kern="1200">
+                <a:solidFill>
+                  <a:schemeClr val="tx1"/>
+                </a:solidFill>
+                <a:latin typeface="+mn-lt"/>
+                <a:ea typeface="+mn-ea"/>
+                <a:cs typeface="+mn-cs"/>
+              </a:defRPr>
+            </a:lvl6pPr>
+            <a:lvl7pPr marL="2743200" algn="l" defTabSz="914400" rtl="0" eaLnBrk="1" latinLnBrk="0" hangingPunct="1">
+              <a:defRPr sz="1800" kern="1200">
+                <a:solidFill>
+                  <a:schemeClr val="tx1"/>
+                </a:solidFill>
+                <a:latin typeface="+mn-lt"/>
+                <a:ea typeface="+mn-ea"/>
+                <a:cs typeface="+mn-cs"/>
+              </a:defRPr>
+            </a:lvl7pPr>
+            <a:lvl8pPr marL="3200400" algn="l" defTabSz="914400" rtl="0" eaLnBrk="1" latinLnBrk="0" hangingPunct="1">
+              <a:defRPr sz="1800" kern="1200">
+                <a:solidFill>
+                  <a:schemeClr val="tx1"/>
+                </a:solidFill>
+                <a:latin typeface="+mn-lt"/>
+                <a:ea typeface="+mn-ea"/>
+                <a:cs typeface="+mn-cs"/>
+              </a:defRPr>
+            </a:lvl8pPr>
+            <a:lvl9pPr marL="3657600" algn="l" defTabSz="914400" rtl="0" eaLnBrk="1" latinLnBrk="0" hangingPunct="1">
+              <a:defRPr sz="1800" kern="1200">
+                <a:solidFill>
+                  <a:schemeClr val="tx1"/>
+                </a:solidFill>
+                <a:latin typeface="+mn-lt"/>
+                <a:ea typeface="+mn-ea"/>
+                <a:cs typeface="+mn-cs"/>
+              </a:defRPr>
+            </a:lvl9pPr>
+          </a:lstStyle>
+          <a:p>
+            <a:fld id="{C01389E6-C847-4AD0-B56D-D205B2EAB1EE}" type="slidenum">
+              <a:rPr lang="en-US" sz="3200" smtClean="0">
+                <a:solidFill>
+                  <a:schemeClr val="bg1"/>
+                </a:solidFill>
+                <a:latin typeface="Gill Sans MT" panose="020B0502020104020203" pitchFamily="34" charset="0"/>
+              </a:rPr>
+              <a:pPr/>
+              <a:t>25</a:t>
+            </a:fld>
+            <a:endParaRPr lang="en-US" sz="3200" dirty="0">
+              <a:solidFill>
+                <a:schemeClr val="bg1"/>
+              </a:solidFill>
+              <a:latin typeface="Gill Sans MT" panose="020B0502020104020203" pitchFamily="34" charset="0"/>
+            </a:endParaRPr>
+          </a:p>
+        </p:txBody>
+      </p:sp>
+      <p:sp>
+        <p:nvSpPr>
+          <p:cNvPr id="3" name="Titre 1">
+            <a:extLst>
+              <a:ext uri="{FF2B5EF4-FFF2-40B4-BE49-F238E27FC236}">
+                <a16:creationId xmlns:a16="http://schemas.microsoft.com/office/drawing/2014/main" id="{297A4338-DF6C-426F-29AD-B7A6B822475B}"/>
+              </a:ext>
+            </a:extLst>
+          </p:cNvPr>
+          <p:cNvSpPr>
+            <a:spLocks noGrp="1"/>
+          </p:cNvSpPr>
+          <p:nvPr>
+            <p:ph type="ctrTitle"/>
+            <p:custDataLst>
+              <p:tags r:id="rId2"/>
+            </p:custDataLst>
+          </p:nvPr>
+        </p:nvSpPr>
+        <p:spPr>
+          <a:xfrm>
+            <a:off x="2186354" y="253681"/>
+            <a:ext cx="7819292" cy="1062625"/>
+          </a:xfrm>
+        </p:spPr>
+        <p:txBody>
+          <a:bodyPr anchor="t">
+            <a:noAutofit/>
+          </a:bodyPr>
+          <a:lstStyle/>
+          <a:p>
+            <a:pPr>
+              <a:lnSpc>
+                <a:spcPct val="150000"/>
+              </a:lnSpc>
+            </a:pPr>
+            <a:r>
+              <a:rPr lang="fr-FR" sz="4800" cap="all" dirty="0">
+                <a:solidFill>
+                  <a:srgbClr val="621516"/>
+                </a:solidFill>
+                <a:latin typeface="Segoe UI Black" panose="020B0A02040204020203" pitchFamily="34" charset="0"/>
+                <a:ea typeface="Segoe UI Black" panose="020B0A02040204020203" pitchFamily="34" charset="0"/>
+              </a:rPr>
+              <a:t>LIEN VERS AWS :</a:t>
+            </a:r>
+            <a:endParaRPr lang="fr-FR" sz="3200" cap="all" dirty="0">
+              <a:solidFill>
+                <a:srgbClr val="621516"/>
+              </a:solidFill>
+              <a:latin typeface="Segoe UI Black" panose="020B0A02040204020203" pitchFamily="34" charset="0"/>
+              <a:ea typeface="Segoe UI Black" panose="020B0A02040204020203" pitchFamily="34" charset="0"/>
+            </a:endParaRPr>
+          </a:p>
+        </p:txBody>
+      </p:sp>
+      <p:pic>
+        <p:nvPicPr>
+          <p:cNvPr id="2" name="Graphique 1" descr="Panneau">
+            <a:extLst>
+              <a:ext uri="{FF2B5EF4-FFF2-40B4-BE49-F238E27FC236}">
+                <a16:creationId xmlns:a16="http://schemas.microsoft.com/office/drawing/2014/main" id="{CFE558F4-427A-28CA-BE0A-8E4F529BDFF1}"/>
+              </a:ext>
+            </a:extLst>
+          </p:cNvPr>
+          <p:cNvPicPr>
+            <a:picLocks noChangeAspect="1"/>
+          </p:cNvPicPr>
+          <p:nvPr>
+            <p:custDataLst>
+              <p:tags r:id="rId3"/>
+            </p:custDataLst>
+          </p:nvPr>
+        </p:nvPicPr>
+        <p:blipFill>
+          <a:blip r:embed="rId6">
+            <a:extLst>
+              <a:ext uri="{28A0092B-C50C-407E-A947-70E740481C1C}">
+                <a14:useLocalDpi xmlns:a14="http://schemas.microsoft.com/office/drawing/2010/main" val="0"/>
+              </a:ext>
+              <a:ext uri="{96DAC541-7B7A-43D3-8B79-37D633B846F1}">
+                <asvg:svgBlip xmlns:asvg="http://schemas.microsoft.com/office/drawing/2016/SVG/main" r:embed="rId7"/>
+              </a:ext>
+            </a:extLst>
+          </a:blip>
+          <a:stretch>
+            <a:fillRect/>
+          </a:stretch>
+        </p:blipFill>
+        <p:spPr>
+          <a:xfrm>
+            <a:off x="1021079" y="1232997"/>
+            <a:ext cx="10150221" cy="5510027"/>
+          </a:xfrm>
+          <a:prstGeom prst="rect">
+            <a:avLst/>
+          </a:prstGeom>
+        </p:spPr>
+      </p:pic>
+      <p:sp>
+        <p:nvSpPr>
+          <p:cNvPr id="5" name="ZoneTexte 4">
+            <a:extLst>
+              <a:ext uri="{FF2B5EF4-FFF2-40B4-BE49-F238E27FC236}">
+                <a16:creationId xmlns:a16="http://schemas.microsoft.com/office/drawing/2014/main" id="{26173887-0DF9-5CFE-1C05-7E44EBD53458}"/>
+              </a:ext>
+            </a:extLst>
+          </p:cNvPr>
+          <p:cNvSpPr txBox="1"/>
+          <p:nvPr>
+            <p:custDataLst>
+              <p:tags r:id="rId4"/>
+            </p:custDataLst>
+          </p:nvPr>
+        </p:nvSpPr>
+        <p:spPr>
+          <a:xfrm>
+            <a:off x="3840946" y="2787681"/>
+            <a:ext cx="4510107" cy="1200329"/>
+          </a:xfrm>
+          <a:prstGeom prst="rect">
+            <a:avLst/>
+          </a:prstGeom>
+          <a:noFill/>
+        </p:spPr>
+        <p:txBody>
+          <a:bodyPr wrap="square">
+            <a:spAutoFit/>
+          </a:bodyPr>
+          <a:lstStyle/>
+          <a:p>
+            <a:r>
+              <a:rPr lang="fr-FR" sz="2400" dirty="0">
+                <a:solidFill>
+                  <a:schemeClr val="accent2">
+                    <a:lumMod val="75000"/>
+                  </a:schemeClr>
+                </a:solidFill>
+                <a:hlinkClick r:id="rId8"/>
+              </a:rPr>
+              <a:t>https://s3.console.aws.amazon.com/s3/buckets/vivianorsprojet8?region=eu-west-1&amp;tab=objects</a:t>
+            </a:r>
+            <a:endParaRPr lang="fr-FR" sz="2400" dirty="0">
+              <a:solidFill>
+                <a:schemeClr val="accent2">
+                  <a:lumMod val="75000"/>
+                </a:schemeClr>
+              </a:solidFill>
+            </a:endParaRPr>
+          </a:p>
+        </p:txBody>
+      </p:sp>
+    </p:spTree>
+    <p:extLst>
+      <p:ext uri="{BB962C8B-B14F-4D97-AF65-F5344CB8AC3E}">
+        <p14:creationId xmlns:p14="http://schemas.microsoft.com/office/powerpoint/2010/main" val="3323439170"/>
+      </p:ext>
+    </p:extLst>
+  </p:cSld>
+  <p:clrMapOvr>
+    <a:masterClrMapping/>
+  </p:clrMapOvr>
+</p:sld>
+</file>
+
+<file path=ppt/slides/slide26.xml><?xml version="1.0" encoding="utf-8"?>
+<p:sld xmlns:a="http://schemas.openxmlformats.org/drawingml/2006/main" xmlns:r="http://schemas.openxmlformats.org/officeDocument/2006/relationships" xmlns:p="http://schemas.openxmlformats.org/presentationml/2006/main">
+  <p:cSld>
+    <p:bg>
+      <p:bgPr>
+        <a:gradFill flip="none" rotWithShape="1">
+          <a:gsLst>
+            <a:gs pos="0">
+              <a:schemeClr val="accent1">
+                <a:lumMod val="5000"/>
+                <a:lumOff val="95000"/>
+              </a:schemeClr>
+            </a:gs>
+            <a:gs pos="74000">
+              <a:schemeClr val="bg1"/>
+            </a:gs>
+            <a:gs pos="83000">
+              <a:schemeClr val="bg1"/>
+            </a:gs>
+            <a:gs pos="100000">
+              <a:srgbClr val="621516"/>
+            </a:gs>
+          </a:gsLst>
+          <a:lin ang="5400000" scaled="1"/>
+          <a:tileRect/>
+        </a:gradFill>
+        <a:effectLst/>
+      </p:bgPr>
+    </p:bg>
+    <p:spTree>
+      <p:nvGrpSpPr>
+        <p:cNvPr id="1" name=""/>
+        <p:cNvGrpSpPr/>
+        <p:nvPr/>
+      </p:nvGrpSpPr>
+      <p:grpSpPr>
+        <a:xfrm>
+          <a:off x="0" y="0"/>
+          <a:ext cx="0" cy="0"/>
+          <a:chOff x="0" y="0"/>
+          <a:chExt cx="0" cy="0"/>
+        </a:xfrm>
+      </p:grpSpPr>
+      <p:sp>
+        <p:nvSpPr>
+          <p:cNvPr id="2" name="Titre 1">
+            <a:extLst>
+              <a:ext uri="{FF2B5EF4-FFF2-40B4-BE49-F238E27FC236}">
+                <a16:creationId xmlns:a16="http://schemas.microsoft.com/office/drawing/2014/main" id="{62EDAB49-663B-20A7-4386-A8BC2BEB0D35}"/>
+              </a:ext>
+            </a:extLst>
+          </p:cNvPr>
+          <p:cNvSpPr txBox="1">
+            <a:spLocks/>
+          </p:cNvSpPr>
+          <p:nvPr>
+            <p:custDataLst>
+              <p:tags r:id="rId1"/>
+            </p:custDataLst>
+          </p:nvPr>
+        </p:nvSpPr>
+        <p:spPr>
+          <a:xfrm>
+            <a:off x="3048000" y="390269"/>
+            <a:ext cx="6096000" cy="1062625"/>
           </a:xfrm>
           <a:prstGeom prst="rect">
             <a:avLst/>
@@ -12891,7 +13121,7 @@
             </a:lvl1pPr>
           </a:lstStyle>
           <a:p>
-            <a:pPr>
+            <a:pPr algn="l">
               <a:lnSpc>
                 <a:spcPct val="150000"/>
               </a:lnSpc>
@@ -12904,7 +13134,7 @@
                 <a:latin typeface="Segoe UI Black" panose="020B0A02040204020203" pitchFamily="34" charset="0"/>
                 <a:ea typeface="Segoe UI Black" panose="020B0A02040204020203" pitchFamily="34" charset="0"/>
               </a:rPr>
-              <a:t>MERCI DE VOTRE ATTENTION !</a:t>
+              <a:t>IV – CONCLUSION :</a:t>
             </a:r>
           </a:p>
         </p:txBody>
@@ -13044,7 +13274,746 @@
                 <a:latin typeface="Gill Sans MT" panose="020B0502020104020203" pitchFamily="34" charset="0"/>
               </a:rPr>
               <a:pPr/>
-              <a:t>24</a:t>
+              <a:t>26</a:t>
+            </a:fld>
+            <a:endParaRPr lang="en-US" sz="3200" dirty="0">
+              <a:solidFill>
+                <a:schemeClr val="bg1"/>
+              </a:solidFill>
+              <a:latin typeface="Gill Sans MT" panose="020B0502020104020203" pitchFamily="34" charset="0"/>
+            </a:endParaRPr>
+          </a:p>
+        </p:txBody>
+      </p:sp>
+      <p:pic>
+        <p:nvPicPr>
+          <p:cNvPr id="3" name="Graphique 2" descr="Engrenage">
+            <a:extLst>
+              <a:ext uri="{FF2B5EF4-FFF2-40B4-BE49-F238E27FC236}">
+                <a16:creationId xmlns:a16="http://schemas.microsoft.com/office/drawing/2014/main" id="{2E58558E-7EDA-C72D-ED1A-2AF3F87718E0}"/>
+              </a:ext>
+            </a:extLst>
+          </p:cNvPr>
+          <p:cNvPicPr>
+            <a:picLocks noChangeAspect="1"/>
+          </p:cNvPicPr>
+          <p:nvPr>
+            <p:custDataLst>
+              <p:tags r:id="rId3"/>
+            </p:custDataLst>
+          </p:nvPr>
+        </p:nvPicPr>
+        <p:blipFill>
+          <a:blip r:embed="rId12">
+            <a:extLst>
+              <a:ext uri="{28A0092B-C50C-407E-A947-70E740481C1C}">
+                <a14:useLocalDpi xmlns:a14="http://schemas.microsoft.com/office/drawing/2010/main" val="0"/>
+              </a:ext>
+              <a:ext uri="{96DAC541-7B7A-43D3-8B79-37D633B846F1}">
+                <asvg:svgBlip xmlns:asvg="http://schemas.microsoft.com/office/drawing/2016/SVG/main" r:embed="rId13"/>
+              </a:ext>
+            </a:extLst>
+          </a:blip>
+          <a:stretch>
+            <a:fillRect/>
+          </a:stretch>
+        </p:blipFill>
+        <p:spPr>
+          <a:xfrm>
+            <a:off x="1201371" y="1506485"/>
+            <a:ext cx="888261" cy="914400"/>
+          </a:xfrm>
+          <a:prstGeom prst="rect">
+            <a:avLst/>
+          </a:prstGeom>
+        </p:spPr>
+      </p:pic>
+      <p:sp>
+        <p:nvSpPr>
+          <p:cNvPr id="4" name="Titre 1">
+            <a:extLst>
+              <a:ext uri="{FF2B5EF4-FFF2-40B4-BE49-F238E27FC236}">
+                <a16:creationId xmlns:a16="http://schemas.microsoft.com/office/drawing/2014/main" id="{E6FBF720-CE6A-6DEB-168B-A1D2452B8BC6}"/>
+              </a:ext>
+            </a:extLst>
+          </p:cNvPr>
+          <p:cNvSpPr txBox="1">
+            <a:spLocks/>
+          </p:cNvSpPr>
+          <p:nvPr>
+            <p:custDataLst>
+              <p:tags r:id="rId4"/>
+            </p:custDataLst>
+          </p:nvPr>
+        </p:nvSpPr>
+        <p:spPr>
+          <a:xfrm>
+            <a:off x="2089632" y="1676580"/>
+            <a:ext cx="6095999" cy="778324"/>
+          </a:xfrm>
+          <a:prstGeom prst="rect">
+            <a:avLst/>
+          </a:prstGeom>
+        </p:spPr>
+        <p:txBody>
+          <a:bodyPr vert="horz" lIns="91440" tIns="45720" rIns="91440" bIns="45720" rtlCol="0" anchor="t">
+            <a:noAutofit/>
+          </a:bodyPr>
+          <a:lstStyle>
+            <a:lvl1pPr algn="ctr" defTabSz="914400" rtl="0" eaLnBrk="1" latinLnBrk="0" hangingPunct="1">
+              <a:lnSpc>
+                <a:spcPct val="90000"/>
+              </a:lnSpc>
+              <a:spcBef>
+                <a:spcPct val="0"/>
+              </a:spcBef>
+              <a:buNone/>
+              <a:defRPr sz="6000" kern="1200">
+                <a:solidFill>
+                  <a:schemeClr val="tx1"/>
+                </a:solidFill>
+                <a:latin typeface="+mj-lt"/>
+                <a:ea typeface="+mj-ea"/>
+                <a:cs typeface="+mj-cs"/>
+              </a:defRPr>
+            </a:lvl1pPr>
+          </a:lstStyle>
+          <a:p>
+            <a:pPr algn="l">
+              <a:lnSpc>
+                <a:spcPct val="100000"/>
+              </a:lnSpc>
+            </a:pPr>
+            <a:r>
+              <a:rPr lang="fr-FR" sz="2800" dirty="0">
+                <a:solidFill>
+                  <a:srgbClr val="525252"/>
+                </a:solidFill>
+                <a:latin typeface="Franklin Gothic Heavy" panose="020B0903020102020204" pitchFamily="34" charset="0"/>
+              </a:rPr>
+              <a:t>LE DÉPLOIEMENT A ÉTÉ PRÉPARÉ…</a:t>
+            </a:r>
+            <a:endParaRPr lang="fr-FR" sz="2800" cap="all" dirty="0">
+              <a:solidFill>
+                <a:srgbClr val="10181D"/>
+              </a:solidFill>
+              <a:latin typeface="Franklin Gothic Heavy" panose="020B0903020102020204" pitchFamily="34" charset="0"/>
+            </a:endParaRPr>
+          </a:p>
+        </p:txBody>
+      </p:sp>
+      <p:pic>
+        <p:nvPicPr>
+          <p:cNvPr id="5" name="Graphique 4" descr="Engrenage">
+            <a:extLst>
+              <a:ext uri="{FF2B5EF4-FFF2-40B4-BE49-F238E27FC236}">
+                <a16:creationId xmlns:a16="http://schemas.microsoft.com/office/drawing/2014/main" id="{7438FAB6-A4C8-4B96-E889-EF9B276A7124}"/>
+              </a:ext>
+            </a:extLst>
+          </p:cNvPr>
+          <p:cNvPicPr>
+            <a:picLocks noChangeAspect="1"/>
+          </p:cNvPicPr>
+          <p:nvPr>
+            <p:custDataLst>
+              <p:tags r:id="rId5"/>
+            </p:custDataLst>
+          </p:nvPr>
+        </p:nvPicPr>
+        <p:blipFill>
+          <a:blip r:embed="rId12">
+            <a:extLst>
+              <a:ext uri="{28A0092B-C50C-407E-A947-70E740481C1C}">
+                <a14:useLocalDpi xmlns:a14="http://schemas.microsoft.com/office/drawing/2010/main" val="0"/>
+              </a:ext>
+              <a:ext uri="{96DAC541-7B7A-43D3-8B79-37D633B846F1}">
+                <asvg:svgBlip xmlns:asvg="http://schemas.microsoft.com/office/drawing/2016/SVG/main" r:embed="rId13"/>
+              </a:ext>
+            </a:extLst>
+          </a:blip>
+          <a:stretch>
+            <a:fillRect/>
+          </a:stretch>
+        </p:blipFill>
+        <p:spPr>
+          <a:xfrm>
+            <a:off x="1193258" y="2514600"/>
+            <a:ext cx="888261" cy="914400"/>
+          </a:xfrm>
+          <a:prstGeom prst="rect">
+            <a:avLst/>
+          </a:prstGeom>
+        </p:spPr>
+      </p:pic>
+      <p:sp>
+        <p:nvSpPr>
+          <p:cNvPr id="6" name="Titre 1">
+            <a:extLst>
+              <a:ext uri="{FF2B5EF4-FFF2-40B4-BE49-F238E27FC236}">
+                <a16:creationId xmlns:a16="http://schemas.microsoft.com/office/drawing/2014/main" id="{BE263A90-EDCC-B9A7-F712-728B536AE88C}"/>
+              </a:ext>
+            </a:extLst>
+          </p:cNvPr>
+          <p:cNvSpPr txBox="1">
+            <a:spLocks/>
+          </p:cNvSpPr>
+          <p:nvPr>
+            <p:custDataLst>
+              <p:tags r:id="rId6"/>
+            </p:custDataLst>
+          </p:nvPr>
+        </p:nvSpPr>
+        <p:spPr>
+          <a:xfrm>
+            <a:off x="2089633" y="2650676"/>
+            <a:ext cx="8062552" cy="778324"/>
+          </a:xfrm>
+          <a:prstGeom prst="rect">
+            <a:avLst/>
+          </a:prstGeom>
+        </p:spPr>
+        <p:txBody>
+          <a:bodyPr vert="horz" lIns="91440" tIns="45720" rIns="91440" bIns="45720" rtlCol="0" anchor="t">
+            <a:noAutofit/>
+          </a:bodyPr>
+          <a:lstStyle>
+            <a:lvl1pPr algn="ctr" defTabSz="914400" rtl="0" eaLnBrk="1" latinLnBrk="0" hangingPunct="1">
+              <a:lnSpc>
+                <a:spcPct val="90000"/>
+              </a:lnSpc>
+              <a:spcBef>
+                <a:spcPct val="0"/>
+              </a:spcBef>
+              <a:buNone/>
+              <a:defRPr sz="6000" kern="1200">
+                <a:solidFill>
+                  <a:schemeClr val="tx1"/>
+                </a:solidFill>
+                <a:latin typeface="+mj-lt"/>
+                <a:ea typeface="+mj-ea"/>
+                <a:cs typeface="+mj-cs"/>
+              </a:defRPr>
+            </a:lvl1pPr>
+          </a:lstStyle>
+          <a:p>
+            <a:pPr algn="l">
+              <a:lnSpc>
+                <a:spcPct val="100000"/>
+              </a:lnSpc>
+            </a:pPr>
+            <a:r>
+              <a:rPr lang="fr-FR" sz="2800" dirty="0">
+                <a:solidFill>
+                  <a:srgbClr val="525252"/>
+                </a:solidFill>
+                <a:latin typeface="Franklin Gothic Heavy" panose="020B0903020102020204" pitchFamily="34" charset="0"/>
+              </a:rPr>
+              <a:t>MAIS IL VA NÉCESSITER UN VÉRITABLE BUDGET.</a:t>
+            </a:r>
+            <a:endParaRPr lang="fr-FR" sz="2800" cap="all" dirty="0">
+              <a:solidFill>
+                <a:srgbClr val="10181D"/>
+              </a:solidFill>
+              <a:latin typeface="Franklin Gothic Heavy" panose="020B0903020102020204" pitchFamily="34" charset="0"/>
+            </a:endParaRPr>
+          </a:p>
+        </p:txBody>
+      </p:sp>
+      <p:pic>
+        <p:nvPicPr>
+          <p:cNvPr id="7" name="Graphique 6" descr="Engrenage">
+            <a:extLst>
+              <a:ext uri="{FF2B5EF4-FFF2-40B4-BE49-F238E27FC236}">
+                <a16:creationId xmlns:a16="http://schemas.microsoft.com/office/drawing/2014/main" id="{7C47F082-6B08-4D75-0F4E-6AEDB9C99674}"/>
+              </a:ext>
+            </a:extLst>
+          </p:cNvPr>
+          <p:cNvPicPr>
+            <a:picLocks noChangeAspect="1"/>
+          </p:cNvPicPr>
+          <p:nvPr>
+            <p:custDataLst>
+              <p:tags r:id="rId7"/>
+            </p:custDataLst>
+          </p:nvPr>
+        </p:nvPicPr>
+        <p:blipFill>
+          <a:blip r:embed="rId12">
+            <a:extLst>
+              <a:ext uri="{28A0092B-C50C-407E-A947-70E740481C1C}">
+                <a14:useLocalDpi xmlns:a14="http://schemas.microsoft.com/office/drawing/2010/main" val="0"/>
+              </a:ext>
+              <a:ext uri="{96DAC541-7B7A-43D3-8B79-37D633B846F1}">
+                <asvg:svgBlip xmlns:asvg="http://schemas.microsoft.com/office/drawing/2016/SVG/main" r:embed="rId13"/>
+              </a:ext>
+            </a:extLst>
+          </a:blip>
+          <a:stretch>
+            <a:fillRect/>
+          </a:stretch>
+        </p:blipFill>
+        <p:spPr>
+          <a:xfrm>
+            <a:off x="1168336" y="3547239"/>
+            <a:ext cx="888261" cy="914400"/>
+          </a:xfrm>
+          <a:prstGeom prst="rect">
+            <a:avLst/>
+          </a:prstGeom>
+        </p:spPr>
+      </p:pic>
+      <p:sp>
+        <p:nvSpPr>
+          <p:cNvPr id="9" name="Titre 1">
+            <a:extLst>
+              <a:ext uri="{FF2B5EF4-FFF2-40B4-BE49-F238E27FC236}">
+                <a16:creationId xmlns:a16="http://schemas.microsoft.com/office/drawing/2014/main" id="{BA100693-B99D-6097-6666-984AA24B9ABB}"/>
+              </a:ext>
+            </a:extLst>
+          </p:cNvPr>
+          <p:cNvSpPr txBox="1">
+            <a:spLocks/>
+          </p:cNvSpPr>
+          <p:nvPr>
+            <p:custDataLst>
+              <p:tags r:id="rId8"/>
+            </p:custDataLst>
+          </p:nvPr>
+        </p:nvSpPr>
+        <p:spPr>
+          <a:xfrm>
+            <a:off x="2048483" y="3542808"/>
+            <a:ext cx="9615186" cy="778324"/>
+          </a:xfrm>
+          <a:prstGeom prst="rect">
+            <a:avLst/>
+          </a:prstGeom>
+        </p:spPr>
+        <p:txBody>
+          <a:bodyPr vert="horz" lIns="91440" tIns="45720" rIns="91440" bIns="45720" rtlCol="0" anchor="t">
+            <a:noAutofit/>
+          </a:bodyPr>
+          <a:lstStyle>
+            <a:lvl1pPr algn="ctr" defTabSz="914400" rtl="0" eaLnBrk="1" latinLnBrk="0" hangingPunct="1">
+              <a:lnSpc>
+                <a:spcPct val="90000"/>
+              </a:lnSpc>
+              <a:spcBef>
+                <a:spcPct val="0"/>
+              </a:spcBef>
+              <a:buNone/>
+              <a:defRPr sz="6000" kern="1200">
+                <a:solidFill>
+                  <a:schemeClr val="tx1"/>
+                </a:solidFill>
+                <a:latin typeface="+mj-lt"/>
+                <a:ea typeface="+mj-ea"/>
+                <a:cs typeface="+mj-cs"/>
+              </a:defRPr>
+            </a:lvl1pPr>
+          </a:lstStyle>
+          <a:p>
+            <a:pPr algn="l">
+              <a:lnSpc>
+                <a:spcPct val="100000"/>
+              </a:lnSpc>
+            </a:pPr>
+            <a:r>
+              <a:rPr lang="fr-FR" sz="2800" dirty="0">
+                <a:solidFill>
+                  <a:srgbClr val="525252"/>
+                </a:solidFill>
+                <a:latin typeface="Franklin Gothic Heavy" panose="020B0903020102020204" pitchFamily="34" charset="0"/>
+              </a:rPr>
+              <a:t>EN FONCTION DE CELUI-CI, IL FAUDRA DÉTERMINER LA TAILLE DES IMAGES ET LA RÉDUCTION DE DIMENSION.</a:t>
+            </a:r>
+            <a:endParaRPr lang="fr-FR" sz="2800" cap="all" dirty="0">
+              <a:solidFill>
+                <a:srgbClr val="10181D"/>
+              </a:solidFill>
+              <a:latin typeface="Franklin Gothic Heavy" panose="020B0903020102020204" pitchFamily="34" charset="0"/>
+            </a:endParaRPr>
+          </a:p>
+        </p:txBody>
+      </p:sp>
+      <p:pic>
+        <p:nvPicPr>
+          <p:cNvPr id="10" name="Graphique 9" descr="Engrenage">
+            <a:extLst>
+              <a:ext uri="{FF2B5EF4-FFF2-40B4-BE49-F238E27FC236}">
+                <a16:creationId xmlns:a16="http://schemas.microsoft.com/office/drawing/2014/main" id="{ED3271FC-0B51-4D6F-ABBC-3A663A0D4C49}"/>
+              </a:ext>
+            </a:extLst>
+          </p:cNvPr>
+          <p:cNvPicPr>
+            <a:picLocks noChangeAspect="1"/>
+          </p:cNvPicPr>
+          <p:nvPr>
+            <p:custDataLst>
+              <p:tags r:id="rId9"/>
+            </p:custDataLst>
+          </p:nvPr>
+        </p:nvPicPr>
+        <p:blipFill>
+          <a:blip r:embed="rId12">
+            <a:extLst>
+              <a:ext uri="{28A0092B-C50C-407E-A947-70E740481C1C}">
+                <a14:useLocalDpi xmlns:a14="http://schemas.microsoft.com/office/drawing/2010/main" val="0"/>
+              </a:ext>
+              <a:ext uri="{96DAC541-7B7A-43D3-8B79-37D633B846F1}">
+                <asvg:svgBlip xmlns:asvg="http://schemas.microsoft.com/office/drawing/2016/SVG/main" r:embed="rId13"/>
+              </a:ext>
+            </a:extLst>
+          </a:blip>
+          <a:stretch>
+            <a:fillRect/>
+          </a:stretch>
+        </p:blipFill>
+        <p:spPr>
+          <a:xfrm>
+            <a:off x="1160222" y="4575447"/>
+            <a:ext cx="888261" cy="914400"/>
+          </a:xfrm>
+          <a:prstGeom prst="rect">
+            <a:avLst/>
+          </a:prstGeom>
+        </p:spPr>
+      </p:pic>
+      <p:sp>
+        <p:nvSpPr>
+          <p:cNvPr id="11" name="Titre 1">
+            <a:extLst>
+              <a:ext uri="{FF2B5EF4-FFF2-40B4-BE49-F238E27FC236}">
+                <a16:creationId xmlns:a16="http://schemas.microsoft.com/office/drawing/2014/main" id="{F374D36D-5F86-25C4-4040-D1DACABD6150}"/>
+              </a:ext>
+            </a:extLst>
+          </p:cNvPr>
+          <p:cNvSpPr txBox="1">
+            <a:spLocks/>
+          </p:cNvSpPr>
+          <p:nvPr>
+            <p:custDataLst>
+              <p:tags r:id="rId10"/>
+            </p:custDataLst>
+          </p:nvPr>
+        </p:nvSpPr>
+        <p:spPr>
+          <a:xfrm>
+            <a:off x="2048483" y="4550923"/>
+            <a:ext cx="9114702" cy="778324"/>
+          </a:xfrm>
+          <a:prstGeom prst="rect">
+            <a:avLst/>
+          </a:prstGeom>
+        </p:spPr>
+        <p:txBody>
+          <a:bodyPr vert="horz" lIns="91440" tIns="45720" rIns="91440" bIns="45720" rtlCol="0" anchor="t">
+            <a:noAutofit/>
+          </a:bodyPr>
+          <a:lstStyle>
+            <a:lvl1pPr algn="ctr" defTabSz="914400" rtl="0" eaLnBrk="1" latinLnBrk="0" hangingPunct="1">
+              <a:lnSpc>
+                <a:spcPct val="90000"/>
+              </a:lnSpc>
+              <a:spcBef>
+                <a:spcPct val="0"/>
+              </a:spcBef>
+              <a:buNone/>
+              <a:defRPr sz="6000" kern="1200">
+                <a:solidFill>
+                  <a:schemeClr val="tx1"/>
+                </a:solidFill>
+                <a:latin typeface="+mj-lt"/>
+                <a:ea typeface="+mj-ea"/>
+                <a:cs typeface="+mj-cs"/>
+              </a:defRPr>
+            </a:lvl1pPr>
+          </a:lstStyle>
+          <a:p>
+            <a:pPr algn="l">
+              <a:lnSpc>
+                <a:spcPct val="100000"/>
+              </a:lnSpc>
+            </a:pPr>
+            <a:r>
+              <a:rPr lang="fr-FR" sz="2800" cap="all" dirty="0">
+                <a:solidFill>
+                  <a:srgbClr val="525252"/>
+                </a:solidFill>
+                <a:latin typeface="Franklin Gothic Heavy" panose="020B0903020102020204" pitchFamily="34" charset="0"/>
+              </a:rPr>
+              <a:t>EN FONCTION DU MODÈLE CHOISI, MODIFIER LE CODE (SIFT, SURF, CNN TRANSFERT LEARNING).</a:t>
+            </a:r>
+            <a:endParaRPr lang="fr-FR" sz="2800" cap="all" dirty="0">
+              <a:solidFill>
+                <a:srgbClr val="10181D"/>
+              </a:solidFill>
+              <a:latin typeface="Franklin Gothic Heavy" panose="020B0903020102020204" pitchFamily="34" charset="0"/>
+            </a:endParaRPr>
+          </a:p>
+        </p:txBody>
+      </p:sp>
+    </p:spTree>
+    <p:extLst>
+      <p:ext uri="{BB962C8B-B14F-4D97-AF65-F5344CB8AC3E}">
+        <p14:creationId xmlns:p14="http://schemas.microsoft.com/office/powerpoint/2010/main" val="1925902729"/>
+      </p:ext>
+    </p:extLst>
+  </p:cSld>
+  <p:clrMapOvr>
+    <a:masterClrMapping/>
+  </p:clrMapOvr>
+</p:sld>
+</file>
+
+<file path=ppt/slides/slide27.xml><?xml version="1.0" encoding="utf-8"?>
+<p:sld xmlns:a="http://schemas.openxmlformats.org/drawingml/2006/main" xmlns:r="http://schemas.openxmlformats.org/officeDocument/2006/relationships" xmlns:p="http://schemas.openxmlformats.org/presentationml/2006/main">
+  <p:cSld>
+    <p:bg>
+      <p:bgPr>
+        <a:gradFill flip="none" rotWithShape="1">
+          <a:gsLst>
+            <a:gs pos="0">
+              <a:schemeClr val="accent1">
+                <a:lumMod val="5000"/>
+                <a:lumOff val="95000"/>
+              </a:schemeClr>
+            </a:gs>
+            <a:gs pos="74000">
+              <a:schemeClr val="bg1"/>
+            </a:gs>
+            <a:gs pos="83000">
+              <a:schemeClr val="bg1"/>
+            </a:gs>
+            <a:gs pos="100000">
+              <a:srgbClr val="621516"/>
+            </a:gs>
+          </a:gsLst>
+          <a:lin ang="5400000" scaled="1"/>
+          <a:tileRect/>
+        </a:gradFill>
+        <a:effectLst/>
+      </p:bgPr>
+    </p:bg>
+    <p:spTree>
+      <p:nvGrpSpPr>
+        <p:cNvPr id="1" name=""/>
+        <p:cNvGrpSpPr/>
+        <p:nvPr/>
+      </p:nvGrpSpPr>
+      <p:grpSpPr>
+        <a:xfrm>
+          <a:off x="0" y="0"/>
+          <a:ext cx="0" cy="0"/>
+          <a:chOff x="0" y="0"/>
+          <a:chExt cx="0" cy="0"/>
+        </a:xfrm>
+      </p:grpSpPr>
+      <p:sp>
+        <p:nvSpPr>
+          <p:cNvPr id="2" name="Titre 1">
+            <a:extLst>
+              <a:ext uri="{FF2B5EF4-FFF2-40B4-BE49-F238E27FC236}">
+                <a16:creationId xmlns:a16="http://schemas.microsoft.com/office/drawing/2014/main" id="{62EDAB49-663B-20A7-4386-A8BC2BEB0D35}"/>
+              </a:ext>
+            </a:extLst>
+          </p:cNvPr>
+          <p:cNvSpPr txBox="1">
+            <a:spLocks/>
+          </p:cNvSpPr>
+          <p:nvPr>
+            <p:custDataLst>
+              <p:tags r:id="rId1"/>
+            </p:custDataLst>
+          </p:nvPr>
+        </p:nvSpPr>
+        <p:spPr>
+          <a:xfrm>
+            <a:off x="2251554" y="1564186"/>
+            <a:ext cx="7688892" cy="1062625"/>
+          </a:xfrm>
+          <a:prstGeom prst="rect">
+            <a:avLst/>
+          </a:prstGeom>
+        </p:spPr>
+        <p:txBody>
+          <a:bodyPr vert="horz" lIns="91440" tIns="45720" rIns="91440" bIns="45720" rtlCol="0" anchor="t">
+            <a:noAutofit/>
+          </a:bodyPr>
+          <a:lstStyle>
+            <a:lvl1pPr algn="ctr" defTabSz="914400" rtl="0" eaLnBrk="1" latinLnBrk="0" hangingPunct="1">
+              <a:lnSpc>
+                <a:spcPct val="90000"/>
+              </a:lnSpc>
+              <a:spcBef>
+                <a:spcPct val="0"/>
+              </a:spcBef>
+              <a:buNone/>
+              <a:defRPr sz="6000" kern="1200">
+                <a:solidFill>
+                  <a:schemeClr val="tx1"/>
+                </a:solidFill>
+                <a:latin typeface="+mj-lt"/>
+                <a:ea typeface="+mj-ea"/>
+                <a:cs typeface="+mj-cs"/>
+              </a:defRPr>
+            </a:lvl1pPr>
+          </a:lstStyle>
+          <a:p>
+            <a:pPr>
+              <a:lnSpc>
+                <a:spcPct val="150000"/>
+              </a:lnSpc>
+            </a:pPr>
+            <a:r>
+              <a:rPr lang="fr-FR" sz="4800" cap="all" dirty="0">
+                <a:solidFill>
+                  <a:srgbClr val="621516"/>
+                </a:solidFill>
+                <a:latin typeface="Segoe UI Black" panose="020B0A02040204020203" pitchFamily="34" charset="0"/>
+                <a:ea typeface="Segoe UI Black" panose="020B0A02040204020203" pitchFamily="34" charset="0"/>
+              </a:rPr>
+              <a:t>MERCI DE VOTRE ATTENTION !</a:t>
+            </a:r>
+          </a:p>
+        </p:txBody>
+      </p:sp>
+      <p:sp>
+        <p:nvSpPr>
+          <p:cNvPr id="8" name="Espace réservé du numéro de diapositive 2">
+            <a:extLst>
+              <a:ext uri="{FF2B5EF4-FFF2-40B4-BE49-F238E27FC236}">
+                <a16:creationId xmlns:a16="http://schemas.microsoft.com/office/drawing/2014/main" id="{401D1855-D5DB-757A-D335-4F769C1A9B9F}"/>
+              </a:ext>
+            </a:extLst>
+          </p:cNvPr>
+          <p:cNvSpPr txBox="1">
+            <a:spLocks/>
+          </p:cNvSpPr>
+          <p:nvPr>
+            <p:custDataLst>
+              <p:tags r:id="rId2"/>
+            </p:custDataLst>
+          </p:nvPr>
+        </p:nvSpPr>
+        <p:spPr>
+          <a:xfrm>
+            <a:off x="11171300" y="6239446"/>
+            <a:ext cx="811019" cy="503578"/>
+          </a:xfrm>
+          <a:prstGeom prst="rect">
+            <a:avLst/>
+          </a:prstGeom>
+        </p:spPr>
+        <p:txBody>
+          <a:bodyPr vert="horz" lIns="91440" tIns="45720" rIns="91440" bIns="45720" rtlCol="0" anchor="ctr"/>
+          <a:lstStyle>
+            <a:defPPr>
+              <a:defRPr lang="fr-FR"/>
+            </a:defPPr>
+            <a:lvl1pPr marL="0" algn="r" defTabSz="914400" rtl="0" eaLnBrk="1" latinLnBrk="0" hangingPunct="1">
+              <a:defRPr sz="1200" kern="1200">
+                <a:solidFill>
+                  <a:schemeClr val="tx1">
+                    <a:tint val="75000"/>
+                  </a:schemeClr>
+                </a:solidFill>
+                <a:latin typeface="+mn-lt"/>
+                <a:ea typeface="+mn-ea"/>
+                <a:cs typeface="+mn-cs"/>
+              </a:defRPr>
+            </a:lvl1pPr>
+            <a:lvl2pPr marL="457200" algn="l" defTabSz="914400" rtl="0" eaLnBrk="1" latinLnBrk="0" hangingPunct="1">
+              <a:defRPr sz="1800" kern="1200">
+                <a:solidFill>
+                  <a:schemeClr val="tx1"/>
+                </a:solidFill>
+                <a:latin typeface="+mn-lt"/>
+                <a:ea typeface="+mn-ea"/>
+                <a:cs typeface="+mn-cs"/>
+              </a:defRPr>
+            </a:lvl2pPr>
+            <a:lvl3pPr marL="914400" algn="l" defTabSz="914400" rtl="0" eaLnBrk="1" latinLnBrk="0" hangingPunct="1">
+              <a:defRPr sz="1800" kern="1200">
+                <a:solidFill>
+                  <a:schemeClr val="tx1"/>
+                </a:solidFill>
+                <a:latin typeface="+mn-lt"/>
+                <a:ea typeface="+mn-ea"/>
+                <a:cs typeface="+mn-cs"/>
+              </a:defRPr>
+            </a:lvl3pPr>
+            <a:lvl4pPr marL="1371600" algn="l" defTabSz="914400" rtl="0" eaLnBrk="1" latinLnBrk="0" hangingPunct="1">
+              <a:defRPr sz="1800" kern="1200">
+                <a:solidFill>
+                  <a:schemeClr val="tx1"/>
+                </a:solidFill>
+                <a:latin typeface="+mn-lt"/>
+                <a:ea typeface="+mn-ea"/>
+                <a:cs typeface="+mn-cs"/>
+              </a:defRPr>
+            </a:lvl4pPr>
+            <a:lvl5pPr marL="1828800" algn="l" defTabSz="914400" rtl="0" eaLnBrk="1" latinLnBrk="0" hangingPunct="1">
+              <a:defRPr sz="1800" kern="1200">
+                <a:solidFill>
+                  <a:schemeClr val="tx1"/>
+                </a:solidFill>
+                <a:latin typeface="+mn-lt"/>
+                <a:ea typeface="+mn-ea"/>
+                <a:cs typeface="+mn-cs"/>
+              </a:defRPr>
+            </a:lvl5pPr>
+            <a:lvl6pPr marL="2286000" algn="l" defTabSz="914400" rtl="0" eaLnBrk="1" latinLnBrk="0" hangingPunct="1">
+              <a:defRPr sz="1800" kern="1200">
+                <a:solidFill>
+                  <a:schemeClr val="tx1"/>
+                </a:solidFill>
+                <a:latin typeface="+mn-lt"/>
+                <a:ea typeface="+mn-ea"/>
+                <a:cs typeface="+mn-cs"/>
+              </a:defRPr>
+            </a:lvl6pPr>
+            <a:lvl7pPr marL="2743200" algn="l" defTabSz="914400" rtl="0" eaLnBrk="1" latinLnBrk="0" hangingPunct="1">
+              <a:defRPr sz="1800" kern="1200">
+                <a:solidFill>
+                  <a:schemeClr val="tx1"/>
+                </a:solidFill>
+                <a:latin typeface="+mn-lt"/>
+                <a:ea typeface="+mn-ea"/>
+                <a:cs typeface="+mn-cs"/>
+              </a:defRPr>
+            </a:lvl7pPr>
+            <a:lvl8pPr marL="3200400" algn="l" defTabSz="914400" rtl="0" eaLnBrk="1" latinLnBrk="0" hangingPunct="1">
+              <a:defRPr sz="1800" kern="1200">
+                <a:solidFill>
+                  <a:schemeClr val="tx1"/>
+                </a:solidFill>
+                <a:latin typeface="+mn-lt"/>
+                <a:ea typeface="+mn-ea"/>
+                <a:cs typeface="+mn-cs"/>
+              </a:defRPr>
+            </a:lvl8pPr>
+            <a:lvl9pPr marL="3657600" algn="l" defTabSz="914400" rtl="0" eaLnBrk="1" latinLnBrk="0" hangingPunct="1">
+              <a:defRPr sz="1800" kern="1200">
+                <a:solidFill>
+                  <a:schemeClr val="tx1"/>
+                </a:solidFill>
+                <a:latin typeface="+mn-lt"/>
+                <a:ea typeface="+mn-ea"/>
+                <a:cs typeface="+mn-cs"/>
+              </a:defRPr>
+            </a:lvl9pPr>
+          </a:lstStyle>
+          <a:p>
+            <a:fld id="{C01389E6-C847-4AD0-B56D-D205B2EAB1EE}" type="slidenum">
+              <a:rPr lang="en-US" sz="3200" smtClean="0">
+                <a:solidFill>
+                  <a:schemeClr val="bg1"/>
+                </a:solidFill>
+                <a:latin typeface="Gill Sans MT" panose="020B0502020104020203" pitchFamily="34" charset="0"/>
+              </a:rPr>
+              <a:pPr/>
+              <a:t>27</a:t>
             </a:fld>
             <a:endParaRPr lang="en-US" sz="3200" dirty="0">
               <a:solidFill>
@@ -17271,7 +18240,7 @@
 
 <file path=ppt/tags/tag68.xml><?xml version="1.0" encoding="utf-8"?>
 <p:tagLst xmlns:a="http://schemas.openxmlformats.org/drawingml/2006/main" xmlns:r="http://schemas.openxmlformats.org/officeDocument/2006/relationships" xmlns:p="http://schemas.openxmlformats.org/presentationml/2006/main">
-  <p:tag name="NUM" val="2"/>
+  <p:tag name="NUM" val="1"/>
 </p:tagLst>
 </file>
 
@@ -17289,67 +18258,121 @@
 
 <file path=ppt/tags/tag70.xml><?xml version="1.0" encoding="utf-8"?>
 <p:tagLst xmlns:a="http://schemas.openxmlformats.org/drawingml/2006/main" xmlns:r="http://schemas.openxmlformats.org/officeDocument/2006/relationships" xmlns:p="http://schemas.openxmlformats.org/presentationml/2006/main">
-  <p:tag name="NUM" val="5"/>
+  <p:tag name="NUM" val="2"/>
 </p:tagLst>
 </file>
 
 <file path=ppt/tags/tag71.xml><?xml version="1.0" encoding="utf-8"?>
 <p:tagLst xmlns:a="http://schemas.openxmlformats.org/drawingml/2006/main" xmlns:r="http://schemas.openxmlformats.org/officeDocument/2006/relationships" xmlns:p="http://schemas.openxmlformats.org/presentationml/2006/main">
-  <p:tag name="NUM" val="6"/>
+  <p:tag name="NUM" val="1"/>
 </p:tagLst>
 </file>
 
 <file path=ppt/tags/tag72.xml><?xml version="1.0" encoding="utf-8"?>
 <p:tagLst xmlns:a="http://schemas.openxmlformats.org/drawingml/2006/main" xmlns:r="http://schemas.openxmlformats.org/officeDocument/2006/relationships" xmlns:p="http://schemas.openxmlformats.org/presentationml/2006/main">
-  <p:tag name="NUM" val="5"/>
+  <p:tag name="NUM" val="4"/>
 </p:tagLst>
 </file>
 
 <file path=ppt/tags/tag73.xml><?xml version="1.0" encoding="utf-8"?>
 <p:tagLst xmlns:a="http://schemas.openxmlformats.org/drawingml/2006/main" xmlns:r="http://schemas.openxmlformats.org/officeDocument/2006/relationships" xmlns:p="http://schemas.openxmlformats.org/presentationml/2006/main">
-  <p:tag name="NUM" val="6"/>
+  <p:tag name="NUM" val="1"/>
 </p:tagLst>
 </file>
 
 <file path=ppt/tags/tag74.xml><?xml version="1.0" encoding="utf-8"?>
 <p:tagLst xmlns:a="http://schemas.openxmlformats.org/drawingml/2006/main" xmlns:r="http://schemas.openxmlformats.org/officeDocument/2006/relationships" xmlns:p="http://schemas.openxmlformats.org/presentationml/2006/main">
-  <p:tag name="NUM" val="5"/>
+  <p:tag name="NUM" val="2"/>
 </p:tagLst>
 </file>
 
 <file path=ppt/tags/tag75.xml><?xml version="1.0" encoding="utf-8"?>
 <p:tagLst xmlns:a="http://schemas.openxmlformats.org/drawingml/2006/main" xmlns:r="http://schemas.openxmlformats.org/officeDocument/2006/relationships" xmlns:p="http://schemas.openxmlformats.org/presentationml/2006/main">
-  <p:tag name="NUM" val="6"/>
+  <p:tag name="NUM" val="1"/>
 </p:tagLst>
 </file>
 
 <file path=ppt/tags/tag76.xml><?xml version="1.0" encoding="utf-8"?>
 <p:tagLst xmlns:a="http://schemas.openxmlformats.org/drawingml/2006/main" xmlns:r="http://schemas.openxmlformats.org/officeDocument/2006/relationships" xmlns:p="http://schemas.openxmlformats.org/presentationml/2006/main">
-  <p:tag name="NUM" val="5"/>
+  <p:tag name="NUM" val="4"/>
 </p:tagLst>
 </file>
 
 <file path=ppt/tags/tag77.xml><?xml version="1.0" encoding="utf-8"?>
 <p:tagLst xmlns:a="http://schemas.openxmlformats.org/drawingml/2006/main" xmlns:r="http://schemas.openxmlformats.org/officeDocument/2006/relationships" xmlns:p="http://schemas.openxmlformats.org/presentationml/2006/main">
-  <p:tag name="NUM" val="6"/>
+  <p:tag name="NUM" val="2"/>
 </p:tagLst>
 </file>
 
 <file path=ppt/tags/tag78.xml><?xml version="1.0" encoding="utf-8"?>
 <p:tagLst xmlns:a="http://schemas.openxmlformats.org/drawingml/2006/main" xmlns:r="http://schemas.openxmlformats.org/officeDocument/2006/relationships" xmlns:p="http://schemas.openxmlformats.org/presentationml/2006/main">
-  <p:tag name="NUM" val="2"/>
+  <p:tag name="NUM" val="1"/>
 </p:tagLst>
 </file>
 
 <file path=ppt/tags/tag79.xml><?xml version="1.0" encoding="utf-8"?>
 <p:tagLst xmlns:a="http://schemas.openxmlformats.org/drawingml/2006/main" xmlns:r="http://schemas.openxmlformats.org/officeDocument/2006/relationships" xmlns:p="http://schemas.openxmlformats.org/presentationml/2006/main">
-  <p:tag name="NUM" val="1"/>
+  <p:tag name="NUM" val="5"/>
 </p:tagLst>
 </file>
 
 <file path=ppt/tags/tag8.xml><?xml version="1.0" encoding="utf-8"?>
 <p:tagLst xmlns:a="http://schemas.openxmlformats.org/drawingml/2006/main" xmlns:r="http://schemas.openxmlformats.org/officeDocument/2006/relationships" xmlns:p="http://schemas.openxmlformats.org/presentationml/2006/main">
   <p:tag name="NUM" val="3"/>
+</p:tagLst>
+</file>
+
+<file path=ppt/tags/tag80.xml><?xml version="1.0" encoding="utf-8"?>
+<p:tagLst xmlns:a="http://schemas.openxmlformats.org/drawingml/2006/main" xmlns:r="http://schemas.openxmlformats.org/officeDocument/2006/relationships" xmlns:p="http://schemas.openxmlformats.org/presentationml/2006/main">
+  <p:tag name="NUM" val="6"/>
+</p:tagLst>
+</file>
+
+<file path=ppt/tags/tag81.xml><?xml version="1.0" encoding="utf-8"?>
+<p:tagLst xmlns:a="http://schemas.openxmlformats.org/drawingml/2006/main" xmlns:r="http://schemas.openxmlformats.org/officeDocument/2006/relationships" xmlns:p="http://schemas.openxmlformats.org/presentationml/2006/main">
+  <p:tag name="NUM" val="5"/>
+</p:tagLst>
+</file>
+
+<file path=ppt/tags/tag82.xml><?xml version="1.0" encoding="utf-8"?>
+<p:tagLst xmlns:a="http://schemas.openxmlformats.org/drawingml/2006/main" xmlns:r="http://schemas.openxmlformats.org/officeDocument/2006/relationships" xmlns:p="http://schemas.openxmlformats.org/presentationml/2006/main">
+  <p:tag name="NUM" val="6"/>
+</p:tagLst>
+</file>
+
+<file path=ppt/tags/tag83.xml><?xml version="1.0" encoding="utf-8"?>
+<p:tagLst xmlns:a="http://schemas.openxmlformats.org/drawingml/2006/main" xmlns:r="http://schemas.openxmlformats.org/officeDocument/2006/relationships" xmlns:p="http://schemas.openxmlformats.org/presentationml/2006/main">
+  <p:tag name="NUM" val="5"/>
+</p:tagLst>
+</file>
+
+<file path=ppt/tags/tag84.xml><?xml version="1.0" encoding="utf-8"?>
+<p:tagLst xmlns:a="http://schemas.openxmlformats.org/drawingml/2006/main" xmlns:r="http://schemas.openxmlformats.org/officeDocument/2006/relationships" xmlns:p="http://schemas.openxmlformats.org/presentationml/2006/main">
+  <p:tag name="NUM" val="6"/>
+</p:tagLst>
+</file>
+
+<file path=ppt/tags/tag85.xml><?xml version="1.0" encoding="utf-8"?>
+<p:tagLst xmlns:a="http://schemas.openxmlformats.org/drawingml/2006/main" xmlns:r="http://schemas.openxmlformats.org/officeDocument/2006/relationships" xmlns:p="http://schemas.openxmlformats.org/presentationml/2006/main">
+  <p:tag name="NUM" val="5"/>
+</p:tagLst>
+</file>
+
+<file path=ppt/tags/tag86.xml><?xml version="1.0" encoding="utf-8"?>
+<p:tagLst xmlns:a="http://schemas.openxmlformats.org/drawingml/2006/main" xmlns:r="http://schemas.openxmlformats.org/officeDocument/2006/relationships" xmlns:p="http://schemas.openxmlformats.org/presentationml/2006/main">
+  <p:tag name="NUM" val="6"/>
+</p:tagLst>
+</file>
+
+<file path=ppt/tags/tag87.xml><?xml version="1.0" encoding="utf-8"?>
+<p:tagLst xmlns:a="http://schemas.openxmlformats.org/drawingml/2006/main" xmlns:r="http://schemas.openxmlformats.org/officeDocument/2006/relationships" xmlns:p="http://schemas.openxmlformats.org/presentationml/2006/main">
+  <p:tag name="NUM" val="2"/>
+</p:tagLst>
+</file>
+
+<file path=ppt/tags/tag88.xml><?xml version="1.0" encoding="utf-8"?>
+<p:tagLst xmlns:a="http://schemas.openxmlformats.org/drawingml/2006/main" xmlns:r="http://schemas.openxmlformats.org/officeDocument/2006/relationships" xmlns:p="http://schemas.openxmlformats.org/presentationml/2006/main">
+  <p:tag name="NUM" val="1"/>
 </p:tagLst>
 </file>
 

--- a/Ors_Vivian_3_presentation_082022.pptx
+++ b/Ors_Vivian_3_presentation_082022.pptx
@@ -30,8 +30,12 @@
     <p:sldId id="517" r:id="rId24"/>
     <p:sldId id="513" r:id="rId25"/>
     <p:sldId id="514" r:id="rId26"/>
-    <p:sldId id="515" r:id="rId27"/>
-    <p:sldId id="516" r:id="rId28"/>
+    <p:sldId id="518" r:id="rId27"/>
+    <p:sldId id="519" r:id="rId28"/>
+    <p:sldId id="520" r:id="rId29"/>
+    <p:sldId id="521" r:id="rId30"/>
+    <p:sldId id="515" r:id="rId31"/>
+    <p:sldId id="516" r:id="rId32"/>
   </p:sldIdLst>
   <p:sldSz cx="12192000" cy="6858000"/>
   <p:notesSz cx="6858000" cy="9144000"/>
@@ -286,7 +290,7 @@
             <a:fld id="{AE0C963C-C1DB-4AFD-9DDC-0691666BF49B}" type="datetime2">
               <a:rPr lang="en-US" smtClean="0"/>
               <a:pPr/>
-              <a:t>Thursday, September 8, 2022</a:t>
+              <a:t>Friday, September 9, 2022</a:t>
             </a:fld>
             <a:endParaRPr lang="en-US" cap="all" dirty="0"/>
           </a:p>
@@ -488,7 +492,7 @@
             <a:fld id="{AE0C963C-C1DB-4AFD-9DDC-0691666BF49B}" type="datetime2">
               <a:rPr lang="en-US" smtClean="0"/>
               <a:pPr/>
-              <a:t>Thursday, September 8, 2022</a:t>
+              <a:t>Friday, September 9, 2022</a:t>
             </a:fld>
             <a:endParaRPr lang="en-US" cap="all" dirty="0"/>
           </a:p>
@@ -700,7 +704,7 @@
             <a:fld id="{AE0C963C-C1DB-4AFD-9DDC-0691666BF49B}" type="datetime2">
               <a:rPr lang="en-US" smtClean="0"/>
               <a:pPr/>
-              <a:t>Thursday, September 8, 2022</a:t>
+              <a:t>Friday, September 9, 2022</a:t>
             </a:fld>
             <a:endParaRPr lang="en-US" cap="all" dirty="0"/>
           </a:p>
@@ -902,7 +906,7 @@
             <a:fld id="{AE0C963C-C1DB-4AFD-9DDC-0691666BF49B}" type="datetime2">
               <a:rPr lang="en-US" smtClean="0"/>
               <a:pPr/>
-              <a:t>Thursday, September 8, 2022</a:t>
+              <a:t>Friday, September 9, 2022</a:t>
             </a:fld>
             <a:endParaRPr lang="en-US" cap="all" dirty="0"/>
           </a:p>
@@ -1181,7 +1185,7 @@
             <a:fld id="{AE0C963C-C1DB-4AFD-9DDC-0691666BF49B}" type="datetime2">
               <a:rPr lang="en-US" smtClean="0"/>
               <a:pPr/>
-              <a:t>Thursday, September 8, 2022</a:t>
+              <a:t>Friday, September 9, 2022</a:t>
             </a:fld>
             <a:endParaRPr lang="en-US" cap="all" dirty="0"/>
           </a:p>
@@ -1450,7 +1454,7 @@
             <a:fld id="{AE0C963C-C1DB-4AFD-9DDC-0691666BF49B}" type="datetime2">
               <a:rPr lang="en-US" smtClean="0"/>
               <a:pPr/>
-              <a:t>Thursday, September 8, 2022</a:t>
+              <a:t>Friday, September 9, 2022</a:t>
             </a:fld>
             <a:endParaRPr lang="en-US" cap="all" dirty="0"/>
           </a:p>
@@ -1866,7 +1870,7 @@
             <a:fld id="{AE0C963C-C1DB-4AFD-9DDC-0691666BF49B}" type="datetime2">
               <a:rPr lang="en-US" smtClean="0"/>
               <a:pPr/>
-              <a:t>Thursday, September 8, 2022</a:t>
+              <a:t>Friday, September 9, 2022</a:t>
             </a:fld>
             <a:endParaRPr lang="en-US" cap="all" dirty="0"/>
           </a:p>
@@ -2011,7 +2015,7 @@
             <a:fld id="{AE0C963C-C1DB-4AFD-9DDC-0691666BF49B}" type="datetime2">
               <a:rPr lang="en-US" smtClean="0"/>
               <a:pPr/>
-              <a:t>Thursday, September 8, 2022</a:t>
+              <a:t>Friday, September 9, 2022</a:t>
             </a:fld>
             <a:endParaRPr lang="en-US" cap="all" dirty="0"/>
           </a:p>
@@ -2128,7 +2132,7 @@
             <a:fld id="{AE0C963C-C1DB-4AFD-9DDC-0691666BF49B}" type="datetime2">
               <a:rPr lang="en-US" smtClean="0"/>
               <a:pPr/>
-              <a:t>Thursday, September 8, 2022</a:t>
+              <a:t>Friday, September 9, 2022</a:t>
             </a:fld>
             <a:endParaRPr lang="en-US" cap="all" dirty="0"/>
           </a:p>
@@ -2443,7 +2447,7 @@
             <a:fld id="{AE0C963C-C1DB-4AFD-9DDC-0691666BF49B}" type="datetime2">
               <a:rPr lang="en-US" smtClean="0"/>
               <a:pPr/>
-              <a:t>Thursday, September 8, 2022</a:t>
+              <a:t>Friday, September 9, 2022</a:t>
             </a:fld>
             <a:endParaRPr lang="en-US" cap="all" dirty="0"/>
           </a:p>
@@ -2735,7 +2739,7 @@
             <a:fld id="{AE0C963C-C1DB-4AFD-9DDC-0691666BF49B}" type="datetime2">
               <a:rPr lang="en-US" smtClean="0"/>
               <a:pPr/>
-              <a:t>Thursday, September 8, 2022</a:t>
+              <a:t>Friday, September 9, 2022</a:t>
             </a:fld>
             <a:endParaRPr lang="en-US" cap="all" dirty="0"/>
           </a:p>
@@ -2980,7 +2984,7 @@
             <a:fld id="{AE0C963C-C1DB-4AFD-9DDC-0691666BF49B}" type="datetime2">
               <a:rPr lang="en-US" smtClean="0"/>
               <a:pPr/>
-              <a:t>Thursday, September 8, 2022</a:t>
+              <a:t>Friday, September 9, 2022</a:t>
             </a:fld>
             <a:endParaRPr lang="en-US" cap="all" dirty="0"/>
           </a:p>
@@ -13090,8 +13094,8 @@
         </p:nvSpPr>
         <p:spPr>
           <a:xfrm>
-            <a:off x="3048000" y="390269"/>
-            <a:ext cx="6096000" cy="1062625"/>
+            <a:off x="699035" y="413464"/>
+            <a:ext cx="10793929" cy="1062625"/>
           </a:xfrm>
           <a:prstGeom prst="rect">
             <a:avLst/>
@@ -13121,7 +13125,7 @@
             </a:lvl1pPr>
           </a:lstStyle>
           <a:p>
-            <a:pPr algn="l">
+            <a:pPr>
               <a:lnSpc>
                 <a:spcPct val="150000"/>
               </a:lnSpc>
@@ -13134,7 +13138,7 @@
                 <a:latin typeface="Segoe UI Black" panose="020B0A02040204020203" pitchFamily="34" charset="0"/>
                 <a:ea typeface="Segoe UI Black" panose="020B0A02040204020203" pitchFamily="34" charset="0"/>
               </a:rPr>
-              <a:t>IV – CONCLUSION :</a:t>
+              <a:t>V – AXE d’AMÉLIORATION ET CONCLUSION</a:t>
             </a:r>
           </a:p>
         </p:txBody>
@@ -13287,30 +13291,26 @@
       </p:sp>
       <p:pic>
         <p:nvPicPr>
-          <p:cNvPr id="3" name="Graphique 2" descr="Engrenage">
-            <a:extLst>
-              <a:ext uri="{FF2B5EF4-FFF2-40B4-BE49-F238E27FC236}">
-                <a16:creationId xmlns:a16="http://schemas.microsoft.com/office/drawing/2014/main" id="{2E58558E-7EDA-C72D-ED1A-2AF3F87718E0}"/>
+          <p:cNvPr id="5" name="Graphique 4" descr="Graphique à barres avec tendance à la hausse">
+            <a:extLst>
+              <a:ext uri="{FF2B5EF4-FFF2-40B4-BE49-F238E27FC236}">
+                <a16:creationId xmlns:a16="http://schemas.microsoft.com/office/drawing/2014/main" id="{46998B76-3826-1309-3C8E-61D0125E9CF2}"/>
               </a:ext>
             </a:extLst>
           </p:cNvPr>
           <p:cNvPicPr>
             <a:picLocks noChangeAspect="1"/>
           </p:cNvPicPr>
-          <p:nvPr>
-            <p:custDataLst>
-              <p:tags r:id="rId3"/>
-            </p:custDataLst>
-          </p:nvPr>
+          <p:nvPr/>
         </p:nvPicPr>
         <p:blipFill>
-          <a:blip r:embed="rId12">
+          <a:blip r:embed="rId4">
             <a:extLst>
               <a:ext uri="{28A0092B-C50C-407E-A947-70E740481C1C}">
                 <a14:useLocalDpi xmlns:a14="http://schemas.microsoft.com/office/drawing/2010/main" val="0"/>
               </a:ext>
               <a:ext uri="{96DAC541-7B7A-43D3-8B79-37D633B846F1}">
-                <asvg:svgBlip xmlns:asvg="http://schemas.microsoft.com/office/drawing/2016/SVG/main" r:embed="rId13"/>
+                <asvg:svgBlip xmlns:asvg="http://schemas.microsoft.com/office/drawing/2016/SVG/main" r:embed="rId5"/>
               </a:ext>
             </a:extLst>
           </a:blip>
@@ -13320,443 +13320,18 @@
         </p:blipFill>
         <p:spPr>
           <a:xfrm>
-            <a:off x="1201371" y="1506485"/>
-            <a:ext cx="888261" cy="914400"/>
+            <a:off x="4548554" y="2725616"/>
+            <a:ext cx="3094892" cy="3094892"/>
           </a:xfrm>
           <a:prstGeom prst="rect">
             <a:avLst/>
           </a:prstGeom>
         </p:spPr>
       </p:pic>
-      <p:sp>
-        <p:nvSpPr>
-          <p:cNvPr id="4" name="Titre 1">
-            <a:extLst>
-              <a:ext uri="{FF2B5EF4-FFF2-40B4-BE49-F238E27FC236}">
-                <a16:creationId xmlns:a16="http://schemas.microsoft.com/office/drawing/2014/main" id="{E6FBF720-CE6A-6DEB-168B-A1D2452B8BC6}"/>
-              </a:ext>
-            </a:extLst>
-          </p:cNvPr>
-          <p:cNvSpPr txBox="1">
-            <a:spLocks/>
-          </p:cNvSpPr>
-          <p:nvPr>
-            <p:custDataLst>
-              <p:tags r:id="rId4"/>
-            </p:custDataLst>
-          </p:nvPr>
-        </p:nvSpPr>
-        <p:spPr>
-          <a:xfrm>
-            <a:off x="2089632" y="1676580"/>
-            <a:ext cx="6095999" cy="778324"/>
-          </a:xfrm>
-          <a:prstGeom prst="rect">
-            <a:avLst/>
-          </a:prstGeom>
-        </p:spPr>
-        <p:txBody>
-          <a:bodyPr vert="horz" lIns="91440" tIns="45720" rIns="91440" bIns="45720" rtlCol="0" anchor="t">
-            <a:noAutofit/>
-          </a:bodyPr>
-          <a:lstStyle>
-            <a:lvl1pPr algn="ctr" defTabSz="914400" rtl="0" eaLnBrk="1" latinLnBrk="0" hangingPunct="1">
-              <a:lnSpc>
-                <a:spcPct val="90000"/>
-              </a:lnSpc>
-              <a:spcBef>
-                <a:spcPct val="0"/>
-              </a:spcBef>
-              <a:buNone/>
-              <a:defRPr sz="6000" kern="1200">
-                <a:solidFill>
-                  <a:schemeClr val="tx1"/>
-                </a:solidFill>
-                <a:latin typeface="+mj-lt"/>
-                <a:ea typeface="+mj-ea"/>
-                <a:cs typeface="+mj-cs"/>
-              </a:defRPr>
-            </a:lvl1pPr>
-          </a:lstStyle>
-          <a:p>
-            <a:pPr algn="l">
-              <a:lnSpc>
-                <a:spcPct val="100000"/>
-              </a:lnSpc>
-            </a:pPr>
-            <a:r>
-              <a:rPr lang="fr-FR" sz="2800" dirty="0">
-                <a:solidFill>
-                  <a:srgbClr val="525252"/>
-                </a:solidFill>
-                <a:latin typeface="Franklin Gothic Heavy" panose="020B0903020102020204" pitchFamily="34" charset="0"/>
-              </a:rPr>
-              <a:t>LE DÉPLOIEMENT A ÉTÉ PRÉPARÉ…</a:t>
-            </a:r>
-            <a:endParaRPr lang="fr-FR" sz="2800" cap="all" dirty="0">
-              <a:solidFill>
-                <a:srgbClr val="10181D"/>
-              </a:solidFill>
-              <a:latin typeface="Franklin Gothic Heavy" panose="020B0903020102020204" pitchFamily="34" charset="0"/>
-            </a:endParaRPr>
-          </a:p>
-        </p:txBody>
-      </p:sp>
-      <p:pic>
-        <p:nvPicPr>
-          <p:cNvPr id="5" name="Graphique 4" descr="Engrenage">
-            <a:extLst>
-              <a:ext uri="{FF2B5EF4-FFF2-40B4-BE49-F238E27FC236}">
-                <a16:creationId xmlns:a16="http://schemas.microsoft.com/office/drawing/2014/main" id="{7438FAB6-A4C8-4B96-E889-EF9B276A7124}"/>
-              </a:ext>
-            </a:extLst>
-          </p:cNvPr>
-          <p:cNvPicPr>
-            <a:picLocks noChangeAspect="1"/>
-          </p:cNvPicPr>
-          <p:nvPr>
-            <p:custDataLst>
-              <p:tags r:id="rId5"/>
-            </p:custDataLst>
-          </p:nvPr>
-        </p:nvPicPr>
-        <p:blipFill>
-          <a:blip r:embed="rId12">
-            <a:extLst>
-              <a:ext uri="{28A0092B-C50C-407E-A947-70E740481C1C}">
-                <a14:useLocalDpi xmlns:a14="http://schemas.microsoft.com/office/drawing/2010/main" val="0"/>
-              </a:ext>
-              <a:ext uri="{96DAC541-7B7A-43D3-8B79-37D633B846F1}">
-                <asvg:svgBlip xmlns:asvg="http://schemas.microsoft.com/office/drawing/2016/SVG/main" r:embed="rId13"/>
-              </a:ext>
-            </a:extLst>
-          </a:blip>
-          <a:stretch>
-            <a:fillRect/>
-          </a:stretch>
-        </p:blipFill>
-        <p:spPr>
-          <a:xfrm>
-            <a:off x="1193258" y="2514600"/>
-            <a:ext cx="888261" cy="914400"/>
-          </a:xfrm>
-          <a:prstGeom prst="rect">
-            <a:avLst/>
-          </a:prstGeom>
-        </p:spPr>
-      </p:pic>
-      <p:sp>
-        <p:nvSpPr>
-          <p:cNvPr id="6" name="Titre 1">
-            <a:extLst>
-              <a:ext uri="{FF2B5EF4-FFF2-40B4-BE49-F238E27FC236}">
-                <a16:creationId xmlns:a16="http://schemas.microsoft.com/office/drawing/2014/main" id="{BE263A90-EDCC-B9A7-F712-728B536AE88C}"/>
-              </a:ext>
-            </a:extLst>
-          </p:cNvPr>
-          <p:cNvSpPr txBox="1">
-            <a:spLocks/>
-          </p:cNvSpPr>
-          <p:nvPr>
-            <p:custDataLst>
-              <p:tags r:id="rId6"/>
-            </p:custDataLst>
-          </p:nvPr>
-        </p:nvSpPr>
-        <p:spPr>
-          <a:xfrm>
-            <a:off x="2089633" y="2650676"/>
-            <a:ext cx="8062552" cy="778324"/>
-          </a:xfrm>
-          <a:prstGeom prst="rect">
-            <a:avLst/>
-          </a:prstGeom>
-        </p:spPr>
-        <p:txBody>
-          <a:bodyPr vert="horz" lIns="91440" tIns="45720" rIns="91440" bIns="45720" rtlCol="0" anchor="t">
-            <a:noAutofit/>
-          </a:bodyPr>
-          <a:lstStyle>
-            <a:lvl1pPr algn="ctr" defTabSz="914400" rtl="0" eaLnBrk="1" latinLnBrk="0" hangingPunct="1">
-              <a:lnSpc>
-                <a:spcPct val="90000"/>
-              </a:lnSpc>
-              <a:spcBef>
-                <a:spcPct val="0"/>
-              </a:spcBef>
-              <a:buNone/>
-              <a:defRPr sz="6000" kern="1200">
-                <a:solidFill>
-                  <a:schemeClr val="tx1"/>
-                </a:solidFill>
-                <a:latin typeface="+mj-lt"/>
-                <a:ea typeface="+mj-ea"/>
-                <a:cs typeface="+mj-cs"/>
-              </a:defRPr>
-            </a:lvl1pPr>
-          </a:lstStyle>
-          <a:p>
-            <a:pPr algn="l">
-              <a:lnSpc>
-                <a:spcPct val="100000"/>
-              </a:lnSpc>
-            </a:pPr>
-            <a:r>
-              <a:rPr lang="fr-FR" sz="2800" dirty="0">
-                <a:solidFill>
-                  <a:srgbClr val="525252"/>
-                </a:solidFill>
-                <a:latin typeface="Franklin Gothic Heavy" panose="020B0903020102020204" pitchFamily="34" charset="0"/>
-              </a:rPr>
-              <a:t>MAIS IL VA NÉCESSITER UN VÉRITABLE BUDGET.</a:t>
-            </a:r>
-            <a:endParaRPr lang="fr-FR" sz="2800" cap="all" dirty="0">
-              <a:solidFill>
-                <a:srgbClr val="10181D"/>
-              </a:solidFill>
-              <a:latin typeface="Franklin Gothic Heavy" panose="020B0903020102020204" pitchFamily="34" charset="0"/>
-            </a:endParaRPr>
-          </a:p>
-        </p:txBody>
-      </p:sp>
-      <p:pic>
-        <p:nvPicPr>
-          <p:cNvPr id="7" name="Graphique 6" descr="Engrenage">
-            <a:extLst>
-              <a:ext uri="{FF2B5EF4-FFF2-40B4-BE49-F238E27FC236}">
-                <a16:creationId xmlns:a16="http://schemas.microsoft.com/office/drawing/2014/main" id="{7C47F082-6B08-4D75-0F4E-6AEDB9C99674}"/>
-              </a:ext>
-            </a:extLst>
-          </p:cNvPr>
-          <p:cNvPicPr>
-            <a:picLocks noChangeAspect="1"/>
-          </p:cNvPicPr>
-          <p:nvPr>
-            <p:custDataLst>
-              <p:tags r:id="rId7"/>
-            </p:custDataLst>
-          </p:nvPr>
-        </p:nvPicPr>
-        <p:blipFill>
-          <a:blip r:embed="rId12">
-            <a:extLst>
-              <a:ext uri="{28A0092B-C50C-407E-A947-70E740481C1C}">
-                <a14:useLocalDpi xmlns:a14="http://schemas.microsoft.com/office/drawing/2010/main" val="0"/>
-              </a:ext>
-              <a:ext uri="{96DAC541-7B7A-43D3-8B79-37D633B846F1}">
-                <asvg:svgBlip xmlns:asvg="http://schemas.microsoft.com/office/drawing/2016/SVG/main" r:embed="rId13"/>
-              </a:ext>
-            </a:extLst>
-          </a:blip>
-          <a:stretch>
-            <a:fillRect/>
-          </a:stretch>
-        </p:blipFill>
-        <p:spPr>
-          <a:xfrm>
-            <a:off x="1168336" y="3547239"/>
-            <a:ext cx="888261" cy="914400"/>
-          </a:xfrm>
-          <a:prstGeom prst="rect">
-            <a:avLst/>
-          </a:prstGeom>
-        </p:spPr>
-      </p:pic>
-      <p:sp>
-        <p:nvSpPr>
-          <p:cNvPr id="9" name="Titre 1">
-            <a:extLst>
-              <a:ext uri="{FF2B5EF4-FFF2-40B4-BE49-F238E27FC236}">
-                <a16:creationId xmlns:a16="http://schemas.microsoft.com/office/drawing/2014/main" id="{BA100693-B99D-6097-6666-984AA24B9ABB}"/>
-              </a:ext>
-            </a:extLst>
-          </p:cNvPr>
-          <p:cNvSpPr txBox="1">
-            <a:spLocks/>
-          </p:cNvSpPr>
-          <p:nvPr>
-            <p:custDataLst>
-              <p:tags r:id="rId8"/>
-            </p:custDataLst>
-          </p:nvPr>
-        </p:nvSpPr>
-        <p:spPr>
-          <a:xfrm>
-            <a:off x="2048483" y="3542808"/>
-            <a:ext cx="9615186" cy="778324"/>
-          </a:xfrm>
-          <a:prstGeom prst="rect">
-            <a:avLst/>
-          </a:prstGeom>
-        </p:spPr>
-        <p:txBody>
-          <a:bodyPr vert="horz" lIns="91440" tIns="45720" rIns="91440" bIns="45720" rtlCol="0" anchor="t">
-            <a:noAutofit/>
-          </a:bodyPr>
-          <a:lstStyle>
-            <a:lvl1pPr algn="ctr" defTabSz="914400" rtl="0" eaLnBrk="1" latinLnBrk="0" hangingPunct="1">
-              <a:lnSpc>
-                <a:spcPct val="90000"/>
-              </a:lnSpc>
-              <a:spcBef>
-                <a:spcPct val="0"/>
-              </a:spcBef>
-              <a:buNone/>
-              <a:defRPr sz="6000" kern="1200">
-                <a:solidFill>
-                  <a:schemeClr val="tx1"/>
-                </a:solidFill>
-                <a:latin typeface="+mj-lt"/>
-                <a:ea typeface="+mj-ea"/>
-                <a:cs typeface="+mj-cs"/>
-              </a:defRPr>
-            </a:lvl1pPr>
-          </a:lstStyle>
-          <a:p>
-            <a:pPr algn="l">
-              <a:lnSpc>
-                <a:spcPct val="100000"/>
-              </a:lnSpc>
-            </a:pPr>
-            <a:r>
-              <a:rPr lang="fr-FR" sz="2800" dirty="0">
-                <a:solidFill>
-                  <a:srgbClr val="525252"/>
-                </a:solidFill>
-                <a:latin typeface="Franklin Gothic Heavy" panose="020B0903020102020204" pitchFamily="34" charset="0"/>
-              </a:rPr>
-              <a:t>EN FONCTION DE CELUI-CI, IL FAUDRA DÉTERMINER LA TAILLE DES IMAGES ET LA RÉDUCTION DE DIMENSION.</a:t>
-            </a:r>
-            <a:endParaRPr lang="fr-FR" sz="2800" cap="all" dirty="0">
-              <a:solidFill>
-                <a:srgbClr val="10181D"/>
-              </a:solidFill>
-              <a:latin typeface="Franklin Gothic Heavy" panose="020B0903020102020204" pitchFamily="34" charset="0"/>
-            </a:endParaRPr>
-          </a:p>
-        </p:txBody>
-      </p:sp>
-      <p:pic>
-        <p:nvPicPr>
-          <p:cNvPr id="10" name="Graphique 9" descr="Engrenage">
-            <a:extLst>
-              <a:ext uri="{FF2B5EF4-FFF2-40B4-BE49-F238E27FC236}">
-                <a16:creationId xmlns:a16="http://schemas.microsoft.com/office/drawing/2014/main" id="{ED3271FC-0B51-4D6F-ABBC-3A663A0D4C49}"/>
-              </a:ext>
-            </a:extLst>
-          </p:cNvPr>
-          <p:cNvPicPr>
-            <a:picLocks noChangeAspect="1"/>
-          </p:cNvPicPr>
-          <p:nvPr>
-            <p:custDataLst>
-              <p:tags r:id="rId9"/>
-            </p:custDataLst>
-          </p:nvPr>
-        </p:nvPicPr>
-        <p:blipFill>
-          <a:blip r:embed="rId12">
-            <a:extLst>
-              <a:ext uri="{28A0092B-C50C-407E-A947-70E740481C1C}">
-                <a14:useLocalDpi xmlns:a14="http://schemas.microsoft.com/office/drawing/2010/main" val="0"/>
-              </a:ext>
-              <a:ext uri="{96DAC541-7B7A-43D3-8B79-37D633B846F1}">
-                <asvg:svgBlip xmlns:asvg="http://schemas.microsoft.com/office/drawing/2016/SVG/main" r:embed="rId13"/>
-              </a:ext>
-            </a:extLst>
-          </a:blip>
-          <a:stretch>
-            <a:fillRect/>
-          </a:stretch>
-        </p:blipFill>
-        <p:spPr>
-          <a:xfrm>
-            <a:off x="1160222" y="4575447"/>
-            <a:ext cx="888261" cy="914400"/>
-          </a:xfrm>
-          <a:prstGeom prst="rect">
-            <a:avLst/>
-          </a:prstGeom>
-        </p:spPr>
-      </p:pic>
-      <p:sp>
-        <p:nvSpPr>
-          <p:cNvPr id="11" name="Titre 1">
-            <a:extLst>
-              <a:ext uri="{FF2B5EF4-FFF2-40B4-BE49-F238E27FC236}">
-                <a16:creationId xmlns:a16="http://schemas.microsoft.com/office/drawing/2014/main" id="{F374D36D-5F86-25C4-4040-D1DACABD6150}"/>
-              </a:ext>
-            </a:extLst>
-          </p:cNvPr>
-          <p:cNvSpPr txBox="1">
-            <a:spLocks/>
-          </p:cNvSpPr>
-          <p:nvPr>
-            <p:custDataLst>
-              <p:tags r:id="rId10"/>
-            </p:custDataLst>
-          </p:nvPr>
-        </p:nvSpPr>
-        <p:spPr>
-          <a:xfrm>
-            <a:off x="2048483" y="4550923"/>
-            <a:ext cx="9114702" cy="778324"/>
-          </a:xfrm>
-          <a:prstGeom prst="rect">
-            <a:avLst/>
-          </a:prstGeom>
-        </p:spPr>
-        <p:txBody>
-          <a:bodyPr vert="horz" lIns="91440" tIns="45720" rIns="91440" bIns="45720" rtlCol="0" anchor="t">
-            <a:noAutofit/>
-          </a:bodyPr>
-          <a:lstStyle>
-            <a:lvl1pPr algn="ctr" defTabSz="914400" rtl="0" eaLnBrk="1" latinLnBrk="0" hangingPunct="1">
-              <a:lnSpc>
-                <a:spcPct val="90000"/>
-              </a:lnSpc>
-              <a:spcBef>
-                <a:spcPct val="0"/>
-              </a:spcBef>
-              <a:buNone/>
-              <a:defRPr sz="6000" kern="1200">
-                <a:solidFill>
-                  <a:schemeClr val="tx1"/>
-                </a:solidFill>
-                <a:latin typeface="+mj-lt"/>
-                <a:ea typeface="+mj-ea"/>
-                <a:cs typeface="+mj-cs"/>
-              </a:defRPr>
-            </a:lvl1pPr>
-          </a:lstStyle>
-          <a:p>
-            <a:pPr algn="l">
-              <a:lnSpc>
-                <a:spcPct val="100000"/>
-              </a:lnSpc>
-            </a:pPr>
-            <a:r>
-              <a:rPr lang="fr-FR" sz="2800" cap="all" dirty="0">
-                <a:solidFill>
-                  <a:srgbClr val="525252"/>
-                </a:solidFill>
-                <a:latin typeface="Franklin Gothic Heavy" panose="020B0903020102020204" pitchFamily="34" charset="0"/>
-              </a:rPr>
-              <a:t>EN FONCTION DU MODÈLE CHOISI, MODIFIER LE CODE (SIFT, SURF, CNN TRANSFERT LEARNING).</a:t>
-            </a:r>
-            <a:endParaRPr lang="fr-FR" sz="2800" cap="all" dirty="0">
-              <a:solidFill>
-                <a:srgbClr val="10181D"/>
-              </a:solidFill>
-              <a:latin typeface="Franklin Gothic Heavy" panose="020B0903020102020204" pitchFamily="34" charset="0"/>
-            </a:endParaRPr>
-          </a:p>
-        </p:txBody>
-      </p:sp>
     </p:spTree>
     <p:extLst>
       <p:ext uri="{BB962C8B-B14F-4D97-AF65-F5344CB8AC3E}">
-        <p14:creationId xmlns:p14="http://schemas.microsoft.com/office/powerpoint/2010/main" val="1925902729"/>
+        <p14:creationId xmlns:p14="http://schemas.microsoft.com/office/powerpoint/2010/main" val="2628612866"/>
       </p:ext>
     </p:extLst>
   </p:cSld>
@@ -13829,8 +13404,8 @@
         </p:nvSpPr>
         <p:spPr>
           <a:xfrm>
-            <a:off x="2251554" y="1564186"/>
-            <a:ext cx="7688892" cy="1062625"/>
+            <a:off x="2051537" y="457451"/>
+            <a:ext cx="8761487" cy="1062625"/>
           </a:xfrm>
           <a:prstGeom prst="rect">
             <a:avLst/>
@@ -13873,7 +13448,7 @@
                 <a:latin typeface="Segoe UI Black" panose="020B0A02040204020203" pitchFamily="34" charset="0"/>
                 <a:ea typeface="Segoe UI Black" panose="020B0A02040204020203" pitchFamily="34" charset="0"/>
               </a:rPr>
-              <a:t>MERCI DE VOTRE ATTENTION !</a:t>
+              <a:t>CONSERVER LES DONNÉES :</a:t>
             </a:r>
           </a:p>
         </p:txBody>
@@ -14024,10 +13599,1710 @@
           </a:p>
         </p:txBody>
       </p:sp>
+      <p:sp>
+        <p:nvSpPr>
+          <p:cNvPr id="10" name="Titre 1">
+            <a:extLst>
+              <a:ext uri="{FF2B5EF4-FFF2-40B4-BE49-F238E27FC236}">
+                <a16:creationId xmlns:a16="http://schemas.microsoft.com/office/drawing/2014/main" id="{E28F543E-0D32-D231-394B-450FB3E2C973}"/>
+              </a:ext>
+            </a:extLst>
+          </p:cNvPr>
+          <p:cNvSpPr txBox="1">
+            <a:spLocks/>
+          </p:cNvSpPr>
+          <p:nvPr>
+            <p:custDataLst>
+              <p:tags r:id="rId3"/>
+            </p:custDataLst>
+          </p:nvPr>
+        </p:nvSpPr>
+        <p:spPr>
+          <a:xfrm>
+            <a:off x="5759718" y="1617910"/>
+            <a:ext cx="672564" cy="1062625"/>
+          </a:xfrm>
+          <a:prstGeom prst="rect">
+            <a:avLst/>
+          </a:prstGeom>
+        </p:spPr>
+        <p:txBody>
+          <a:bodyPr vert="horz" lIns="91440" tIns="45720" rIns="91440" bIns="45720" rtlCol="0" anchor="t">
+            <a:noAutofit/>
+          </a:bodyPr>
+          <a:lstStyle>
+            <a:lvl1pPr algn="ctr" defTabSz="914400" rtl="0" eaLnBrk="1" latinLnBrk="0" hangingPunct="1">
+              <a:lnSpc>
+                <a:spcPct val="90000"/>
+              </a:lnSpc>
+              <a:spcBef>
+                <a:spcPct val="0"/>
+              </a:spcBef>
+              <a:buNone/>
+              <a:defRPr sz="6000" kern="1200">
+                <a:solidFill>
+                  <a:schemeClr val="tx1"/>
+                </a:solidFill>
+                <a:latin typeface="+mj-lt"/>
+                <a:ea typeface="+mj-ea"/>
+                <a:cs typeface="+mj-cs"/>
+              </a:defRPr>
+            </a:lvl1pPr>
+          </a:lstStyle>
+          <a:p>
+            <a:pPr>
+              <a:lnSpc>
+                <a:spcPct val="150000"/>
+              </a:lnSpc>
+            </a:pPr>
+            <a:r>
+              <a:rPr lang="fr-FR" sz="9600" cap="all" dirty="0">
+                <a:solidFill>
+                  <a:srgbClr val="525252"/>
+                </a:solidFill>
+                <a:latin typeface="Segoe UI Black" panose="020B0A02040204020203" pitchFamily="34" charset="0"/>
+                <a:ea typeface="Segoe UI Black" panose="020B0A02040204020203" pitchFamily="34" charset="0"/>
+              </a:rPr>
+              <a:t>&lt;</a:t>
+            </a:r>
+          </a:p>
+        </p:txBody>
+      </p:sp>
+      <p:pic>
+        <p:nvPicPr>
+          <p:cNvPr id="13" name="Graphique 12" descr="Coupe à fruits">
+            <a:extLst>
+              <a:ext uri="{FF2B5EF4-FFF2-40B4-BE49-F238E27FC236}">
+                <a16:creationId xmlns:a16="http://schemas.microsoft.com/office/drawing/2014/main" id="{667B9104-56F6-0532-E1A4-38B1C77A951A}"/>
+              </a:ext>
+            </a:extLst>
+          </p:cNvPr>
+          <p:cNvPicPr>
+            <a:picLocks noChangeAspect="1"/>
+          </p:cNvPicPr>
+          <p:nvPr/>
+        </p:nvPicPr>
+        <p:blipFill>
+          <a:blip r:embed="rId5">
+            <a:extLst>
+              <a:ext uri="{28A0092B-C50C-407E-A947-70E740481C1C}">
+                <a14:useLocalDpi xmlns:a14="http://schemas.microsoft.com/office/drawing/2010/main" val="0"/>
+              </a:ext>
+              <a:ext uri="{96DAC541-7B7A-43D3-8B79-37D633B846F1}">
+                <asvg:svgBlip xmlns:asvg="http://schemas.microsoft.com/office/drawing/2016/SVG/main" r:embed="rId6"/>
+              </a:ext>
+            </a:extLst>
+          </a:blip>
+          <a:stretch>
+            <a:fillRect/>
+          </a:stretch>
+        </p:blipFill>
+        <p:spPr>
+          <a:xfrm>
+            <a:off x="6925862" y="1743091"/>
+            <a:ext cx="2132324" cy="2132324"/>
+          </a:xfrm>
+          <a:prstGeom prst="rect">
+            <a:avLst/>
+          </a:prstGeom>
+        </p:spPr>
+      </p:pic>
+      <p:pic>
+        <p:nvPicPr>
+          <p:cNvPr id="14" name="Graphique 13" descr="Images">
+            <a:extLst>
+              <a:ext uri="{FF2B5EF4-FFF2-40B4-BE49-F238E27FC236}">
+                <a16:creationId xmlns:a16="http://schemas.microsoft.com/office/drawing/2014/main" id="{D5792C32-6940-3EED-91A6-B5C9C275F8EF}"/>
+              </a:ext>
+            </a:extLst>
+          </p:cNvPr>
+          <p:cNvPicPr>
+            <a:picLocks noChangeAspect="1"/>
+          </p:cNvPicPr>
+          <p:nvPr/>
+        </p:nvPicPr>
+        <p:blipFill>
+          <a:blip r:embed="rId7">
+            <a:extLst>
+              <a:ext uri="{28A0092B-C50C-407E-A947-70E740481C1C}">
+                <a14:useLocalDpi xmlns:a14="http://schemas.microsoft.com/office/drawing/2010/main" val="0"/>
+              </a:ext>
+              <a:ext uri="{96DAC541-7B7A-43D3-8B79-37D633B846F1}">
+                <asvg:svgBlip xmlns:asvg="http://schemas.microsoft.com/office/drawing/2016/SVG/main" r:embed="rId8"/>
+              </a:ext>
+            </a:extLst>
+          </a:blip>
+          <a:stretch>
+            <a:fillRect/>
+          </a:stretch>
+        </p:blipFill>
+        <p:spPr>
+          <a:xfrm>
+            <a:off x="9551766" y="1956538"/>
+            <a:ext cx="1705429" cy="1705429"/>
+          </a:xfrm>
+          <a:prstGeom prst="rect">
+            <a:avLst/>
+          </a:prstGeom>
+        </p:spPr>
+      </p:pic>
+      <p:pic>
+        <p:nvPicPr>
+          <p:cNvPr id="15" name="Graphique 14" descr="Cerises">
+            <a:extLst>
+              <a:ext uri="{FF2B5EF4-FFF2-40B4-BE49-F238E27FC236}">
+                <a16:creationId xmlns:a16="http://schemas.microsoft.com/office/drawing/2014/main" id="{F2961D71-36C5-7C8B-5C71-67224E13025A}"/>
+              </a:ext>
+            </a:extLst>
+          </p:cNvPr>
+          <p:cNvPicPr>
+            <a:picLocks noChangeAspect="1"/>
+          </p:cNvPicPr>
+          <p:nvPr/>
+        </p:nvPicPr>
+        <p:blipFill>
+          <a:blip r:embed="rId9">
+            <a:extLst>
+              <a:ext uri="{28A0092B-C50C-407E-A947-70E740481C1C}">
+                <a14:useLocalDpi xmlns:a14="http://schemas.microsoft.com/office/drawing/2010/main" val="0"/>
+              </a:ext>
+              <a:ext uri="{96DAC541-7B7A-43D3-8B79-37D633B846F1}">
+                <asvg:svgBlip xmlns:asvg="http://schemas.microsoft.com/office/drawing/2016/SVG/main" r:embed="rId10"/>
+              </a:ext>
+            </a:extLst>
+          </a:blip>
+          <a:stretch>
+            <a:fillRect/>
+          </a:stretch>
+        </p:blipFill>
+        <p:spPr>
+          <a:xfrm>
+            <a:off x="2852712" y="2499148"/>
+            <a:ext cx="940923" cy="940923"/>
+          </a:xfrm>
+          <a:prstGeom prst="rect">
+            <a:avLst/>
+          </a:prstGeom>
+        </p:spPr>
+      </p:pic>
+      <p:pic>
+        <p:nvPicPr>
+          <p:cNvPr id="16" name="Graphique 15" descr="Orange">
+            <a:extLst>
+              <a:ext uri="{FF2B5EF4-FFF2-40B4-BE49-F238E27FC236}">
+                <a16:creationId xmlns:a16="http://schemas.microsoft.com/office/drawing/2014/main" id="{010402BC-7771-B01C-A5F5-A106E45FFA26}"/>
+              </a:ext>
+            </a:extLst>
+          </p:cNvPr>
+          <p:cNvPicPr>
+            <a:picLocks noChangeAspect="1"/>
+          </p:cNvPicPr>
+          <p:nvPr/>
+        </p:nvPicPr>
+        <p:blipFill>
+          <a:blip r:embed="rId11">
+            <a:extLst>
+              <a:ext uri="{28A0092B-C50C-407E-A947-70E740481C1C}">
+                <a14:useLocalDpi xmlns:a14="http://schemas.microsoft.com/office/drawing/2010/main" val="0"/>
+              </a:ext>
+              <a:ext uri="{96DAC541-7B7A-43D3-8B79-37D633B846F1}">
+                <asvg:svgBlip xmlns:asvg="http://schemas.microsoft.com/office/drawing/2016/SVG/main" r:embed="rId12"/>
+              </a:ext>
+            </a:extLst>
+          </a:blip>
+          <a:stretch>
+            <a:fillRect/>
+          </a:stretch>
+        </p:blipFill>
+        <p:spPr>
+          <a:xfrm>
+            <a:off x="1486198" y="2612701"/>
+            <a:ext cx="771904" cy="771904"/>
+          </a:xfrm>
+          <a:prstGeom prst="rect">
+            <a:avLst/>
+          </a:prstGeom>
+        </p:spPr>
+      </p:pic>
+      <p:pic>
+        <p:nvPicPr>
+          <p:cNvPr id="17" name="Graphique 16" descr="Images">
+            <a:extLst>
+              <a:ext uri="{FF2B5EF4-FFF2-40B4-BE49-F238E27FC236}">
+                <a16:creationId xmlns:a16="http://schemas.microsoft.com/office/drawing/2014/main" id="{90F71579-48BF-294E-268B-D84EFABDCC5D}"/>
+              </a:ext>
+            </a:extLst>
+          </p:cNvPr>
+          <p:cNvPicPr>
+            <a:picLocks noChangeAspect="1"/>
+          </p:cNvPicPr>
+          <p:nvPr/>
+        </p:nvPicPr>
+        <p:blipFill>
+          <a:blip r:embed="rId7">
+            <a:extLst>
+              <a:ext uri="{28A0092B-C50C-407E-A947-70E740481C1C}">
+                <a14:useLocalDpi xmlns:a14="http://schemas.microsoft.com/office/drawing/2010/main" val="0"/>
+              </a:ext>
+              <a:ext uri="{96DAC541-7B7A-43D3-8B79-37D633B846F1}">
+                <asvg:svgBlip xmlns:asvg="http://schemas.microsoft.com/office/drawing/2016/SVG/main" r:embed="rId8"/>
+              </a:ext>
+            </a:extLst>
+          </a:blip>
+          <a:stretch>
+            <a:fillRect/>
+          </a:stretch>
+        </p:blipFill>
+        <p:spPr>
+          <a:xfrm>
+            <a:off x="4388245" y="2559708"/>
+            <a:ext cx="877893" cy="877893"/>
+          </a:xfrm>
+          <a:prstGeom prst="rect">
+            <a:avLst/>
+          </a:prstGeom>
+        </p:spPr>
+      </p:pic>
+      <p:sp>
+        <p:nvSpPr>
+          <p:cNvPr id="19" name="ZoneTexte 18">
+            <a:extLst>
+              <a:ext uri="{FF2B5EF4-FFF2-40B4-BE49-F238E27FC236}">
+                <a16:creationId xmlns:a16="http://schemas.microsoft.com/office/drawing/2014/main" id="{D8FB0843-1168-BB18-ED54-CB873FA8A34B}"/>
+              </a:ext>
+            </a:extLst>
+          </p:cNvPr>
+          <p:cNvSpPr txBox="1"/>
+          <p:nvPr/>
+        </p:nvSpPr>
+        <p:spPr>
+          <a:xfrm>
+            <a:off x="4053037" y="3973249"/>
+            <a:ext cx="4387578" cy="1426609"/>
+          </a:xfrm>
+          <a:prstGeom prst="rect">
+            <a:avLst/>
+          </a:prstGeom>
+          <a:noFill/>
+        </p:spPr>
+        <p:txBody>
+          <a:bodyPr wrap="square">
+            <a:spAutoFit/>
+          </a:bodyPr>
+          <a:lstStyle/>
+          <a:p>
+            <a:pPr>
+              <a:lnSpc>
+                <a:spcPct val="150000"/>
+              </a:lnSpc>
+            </a:pPr>
+            <a:r>
+              <a:rPr lang="fr-FR" sz="6600" cap="all" dirty="0">
+                <a:solidFill>
+                  <a:srgbClr val="00B050"/>
+                </a:solidFill>
+                <a:latin typeface="Segoe UI Black" panose="020B0A02040204020203" pitchFamily="34" charset="0"/>
+                <a:ea typeface="Segoe UI Black" panose="020B0A02040204020203" pitchFamily="34" charset="0"/>
+              </a:rPr>
+              <a:t>POSSIBLE</a:t>
+            </a:r>
+          </a:p>
+        </p:txBody>
+      </p:sp>
     </p:spTree>
     <p:extLst>
       <p:ext uri="{BB962C8B-B14F-4D97-AF65-F5344CB8AC3E}">
-        <p14:creationId xmlns:p14="http://schemas.microsoft.com/office/powerpoint/2010/main" val="1121566493"/>
+        <p14:creationId xmlns:p14="http://schemas.microsoft.com/office/powerpoint/2010/main" val="1633870031"/>
+      </p:ext>
+    </p:extLst>
+  </p:cSld>
+  <p:clrMapOvr>
+    <a:masterClrMapping/>
+  </p:clrMapOvr>
+</p:sld>
+</file>
+
+<file path=ppt/slides/slide28.xml><?xml version="1.0" encoding="utf-8"?>
+<p:sld xmlns:a="http://schemas.openxmlformats.org/drawingml/2006/main" xmlns:r="http://schemas.openxmlformats.org/officeDocument/2006/relationships" xmlns:p="http://schemas.openxmlformats.org/presentationml/2006/main">
+  <p:cSld>
+    <p:bg>
+      <p:bgPr>
+        <a:gradFill flip="none" rotWithShape="1">
+          <a:gsLst>
+            <a:gs pos="0">
+              <a:schemeClr val="accent1">
+                <a:lumMod val="5000"/>
+                <a:lumOff val="95000"/>
+              </a:schemeClr>
+            </a:gs>
+            <a:gs pos="74000">
+              <a:schemeClr val="bg1"/>
+            </a:gs>
+            <a:gs pos="83000">
+              <a:schemeClr val="bg1"/>
+            </a:gs>
+            <a:gs pos="100000">
+              <a:srgbClr val="621516"/>
+            </a:gs>
+          </a:gsLst>
+          <a:lin ang="5400000" scaled="1"/>
+          <a:tileRect/>
+        </a:gradFill>
+        <a:effectLst/>
+      </p:bgPr>
+    </p:bg>
+    <p:spTree>
+      <p:nvGrpSpPr>
+        <p:cNvPr id="1" name=""/>
+        <p:cNvGrpSpPr/>
+        <p:nvPr/>
+      </p:nvGrpSpPr>
+      <p:grpSpPr>
+        <a:xfrm>
+          <a:off x="0" y="0"/>
+          <a:ext cx="0" cy="0"/>
+          <a:chOff x="0" y="0"/>
+          <a:chExt cx="0" cy="0"/>
+        </a:xfrm>
+      </p:grpSpPr>
+      <p:sp>
+        <p:nvSpPr>
+          <p:cNvPr id="2" name="Titre 1">
+            <a:extLst>
+              <a:ext uri="{FF2B5EF4-FFF2-40B4-BE49-F238E27FC236}">
+                <a16:creationId xmlns:a16="http://schemas.microsoft.com/office/drawing/2014/main" id="{62EDAB49-663B-20A7-4386-A8BC2BEB0D35}"/>
+              </a:ext>
+            </a:extLst>
+          </p:cNvPr>
+          <p:cNvSpPr txBox="1">
+            <a:spLocks/>
+          </p:cNvSpPr>
+          <p:nvPr>
+            <p:custDataLst>
+              <p:tags r:id="rId1"/>
+            </p:custDataLst>
+          </p:nvPr>
+        </p:nvSpPr>
+        <p:spPr>
+          <a:xfrm>
+            <a:off x="270966" y="466169"/>
+            <a:ext cx="11711353" cy="1062625"/>
+          </a:xfrm>
+          <a:prstGeom prst="rect">
+            <a:avLst/>
+          </a:prstGeom>
+        </p:spPr>
+        <p:txBody>
+          <a:bodyPr vert="horz" lIns="91440" tIns="45720" rIns="91440" bIns="45720" rtlCol="0" anchor="t">
+            <a:noAutofit/>
+          </a:bodyPr>
+          <a:lstStyle>
+            <a:lvl1pPr algn="ctr" defTabSz="914400" rtl="0" eaLnBrk="1" latinLnBrk="0" hangingPunct="1">
+              <a:lnSpc>
+                <a:spcPct val="90000"/>
+              </a:lnSpc>
+              <a:spcBef>
+                <a:spcPct val="0"/>
+              </a:spcBef>
+              <a:buNone/>
+              <a:defRPr sz="6000" kern="1200">
+                <a:solidFill>
+                  <a:schemeClr val="tx1"/>
+                </a:solidFill>
+                <a:latin typeface="+mj-lt"/>
+                <a:ea typeface="+mj-ea"/>
+                <a:cs typeface="+mj-cs"/>
+              </a:defRPr>
+            </a:lvl1pPr>
+          </a:lstStyle>
+          <a:p>
+            <a:pPr>
+              <a:lnSpc>
+                <a:spcPct val="150000"/>
+              </a:lnSpc>
+            </a:pPr>
+            <a:r>
+              <a:rPr lang="fr-FR" sz="4800" cap="all" dirty="0">
+                <a:solidFill>
+                  <a:srgbClr val="621516"/>
+                </a:solidFill>
+                <a:latin typeface="Segoe UI Black" panose="020B0A02040204020203" pitchFamily="34" charset="0"/>
+                <a:ea typeface="Segoe UI Black" panose="020B0A02040204020203" pitchFamily="34" charset="0"/>
+              </a:rPr>
+              <a:t>CHOISIR UNE MEILLEURE APPROCHE :</a:t>
+            </a:r>
+          </a:p>
+        </p:txBody>
+      </p:sp>
+      <p:sp>
+        <p:nvSpPr>
+          <p:cNvPr id="8" name="Espace réservé du numéro de diapositive 2">
+            <a:extLst>
+              <a:ext uri="{FF2B5EF4-FFF2-40B4-BE49-F238E27FC236}">
+                <a16:creationId xmlns:a16="http://schemas.microsoft.com/office/drawing/2014/main" id="{401D1855-D5DB-757A-D335-4F769C1A9B9F}"/>
+              </a:ext>
+            </a:extLst>
+          </p:cNvPr>
+          <p:cNvSpPr txBox="1">
+            <a:spLocks/>
+          </p:cNvSpPr>
+          <p:nvPr>
+            <p:custDataLst>
+              <p:tags r:id="rId2"/>
+            </p:custDataLst>
+          </p:nvPr>
+        </p:nvSpPr>
+        <p:spPr>
+          <a:xfrm>
+            <a:off x="11171300" y="6239446"/>
+            <a:ext cx="811019" cy="503578"/>
+          </a:xfrm>
+          <a:prstGeom prst="rect">
+            <a:avLst/>
+          </a:prstGeom>
+        </p:spPr>
+        <p:txBody>
+          <a:bodyPr vert="horz" lIns="91440" tIns="45720" rIns="91440" bIns="45720" rtlCol="0" anchor="ctr"/>
+          <a:lstStyle>
+            <a:defPPr>
+              <a:defRPr lang="fr-FR"/>
+            </a:defPPr>
+            <a:lvl1pPr marL="0" algn="r" defTabSz="914400" rtl="0" eaLnBrk="1" latinLnBrk="0" hangingPunct="1">
+              <a:defRPr sz="1200" kern="1200">
+                <a:solidFill>
+                  <a:schemeClr val="tx1">
+                    <a:tint val="75000"/>
+                  </a:schemeClr>
+                </a:solidFill>
+                <a:latin typeface="+mn-lt"/>
+                <a:ea typeface="+mn-ea"/>
+                <a:cs typeface="+mn-cs"/>
+              </a:defRPr>
+            </a:lvl1pPr>
+            <a:lvl2pPr marL="457200" algn="l" defTabSz="914400" rtl="0" eaLnBrk="1" latinLnBrk="0" hangingPunct="1">
+              <a:defRPr sz="1800" kern="1200">
+                <a:solidFill>
+                  <a:schemeClr val="tx1"/>
+                </a:solidFill>
+                <a:latin typeface="+mn-lt"/>
+                <a:ea typeface="+mn-ea"/>
+                <a:cs typeface="+mn-cs"/>
+              </a:defRPr>
+            </a:lvl2pPr>
+            <a:lvl3pPr marL="914400" algn="l" defTabSz="914400" rtl="0" eaLnBrk="1" latinLnBrk="0" hangingPunct="1">
+              <a:defRPr sz="1800" kern="1200">
+                <a:solidFill>
+                  <a:schemeClr val="tx1"/>
+                </a:solidFill>
+                <a:latin typeface="+mn-lt"/>
+                <a:ea typeface="+mn-ea"/>
+                <a:cs typeface="+mn-cs"/>
+              </a:defRPr>
+            </a:lvl3pPr>
+            <a:lvl4pPr marL="1371600" algn="l" defTabSz="914400" rtl="0" eaLnBrk="1" latinLnBrk="0" hangingPunct="1">
+              <a:defRPr sz="1800" kern="1200">
+                <a:solidFill>
+                  <a:schemeClr val="tx1"/>
+                </a:solidFill>
+                <a:latin typeface="+mn-lt"/>
+                <a:ea typeface="+mn-ea"/>
+                <a:cs typeface="+mn-cs"/>
+              </a:defRPr>
+            </a:lvl4pPr>
+            <a:lvl5pPr marL="1828800" algn="l" defTabSz="914400" rtl="0" eaLnBrk="1" latinLnBrk="0" hangingPunct="1">
+              <a:defRPr sz="1800" kern="1200">
+                <a:solidFill>
+                  <a:schemeClr val="tx1"/>
+                </a:solidFill>
+                <a:latin typeface="+mn-lt"/>
+                <a:ea typeface="+mn-ea"/>
+                <a:cs typeface="+mn-cs"/>
+              </a:defRPr>
+            </a:lvl5pPr>
+            <a:lvl6pPr marL="2286000" algn="l" defTabSz="914400" rtl="0" eaLnBrk="1" latinLnBrk="0" hangingPunct="1">
+              <a:defRPr sz="1800" kern="1200">
+                <a:solidFill>
+                  <a:schemeClr val="tx1"/>
+                </a:solidFill>
+                <a:latin typeface="+mn-lt"/>
+                <a:ea typeface="+mn-ea"/>
+                <a:cs typeface="+mn-cs"/>
+              </a:defRPr>
+            </a:lvl6pPr>
+            <a:lvl7pPr marL="2743200" algn="l" defTabSz="914400" rtl="0" eaLnBrk="1" latinLnBrk="0" hangingPunct="1">
+              <a:defRPr sz="1800" kern="1200">
+                <a:solidFill>
+                  <a:schemeClr val="tx1"/>
+                </a:solidFill>
+                <a:latin typeface="+mn-lt"/>
+                <a:ea typeface="+mn-ea"/>
+                <a:cs typeface="+mn-cs"/>
+              </a:defRPr>
+            </a:lvl7pPr>
+            <a:lvl8pPr marL="3200400" algn="l" defTabSz="914400" rtl="0" eaLnBrk="1" latinLnBrk="0" hangingPunct="1">
+              <a:defRPr sz="1800" kern="1200">
+                <a:solidFill>
+                  <a:schemeClr val="tx1"/>
+                </a:solidFill>
+                <a:latin typeface="+mn-lt"/>
+                <a:ea typeface="+mn-ea"/>
+                <a:cs typeface="+mn-cs"/>
+              </a:defRPr>
+            </a:lvl8pPr>
+            <a:lvl9pPr marL="3657600" algn="l" defTabSz="914400" rtl="0" eaLnBrk="1" latinLnBrk="0" hangingPunct="1">
+              <a:defRPr sz="1800" kern="1200">
+                <a:solidFill>
+                  <a:schemeClr val="tx1"/>
+                </a:solidFill>
+                <a:latin typeface="+mn-lt"/>
+                <a:ea typeface="+mn-ea"/>
+                <a:cs typeface="+mn-cs"/>
+              </a:defRPr>
+            </a:lvl9pPr>
+          </a:lstStyle>
+          <a:p>
+            <a:fld id="{C01389E6-C847-4AD0-B56D-D205B2EAB1EE}" type="slidenum">
+              <a:rPr lang="en-US" sz="3200" smtClean="0">
+                <a:solidFill>
+                  <a:schemeClr val="bg1"/>
+                </a:solidFill>
+                <a:latin typeface="Gill Sans MT" panose="020B0502020104020203" pitchFamily="34" charset="0"/>
+              </a:rPr>
+              <a:pPr/>
+              <a:t>28</a:t>
+            </a:fld>
+            <a:endParaRPr lang="en-US" sz="3200" dirty="0">
+              <a:solidFill>
+                <a:schemeClr val="bg1"/>
+              </a:solidFill>
+              <a:latin typeface="Gill Sans MT" panose="020B0502020104020203" pitchFamily="34" charset="0"/>
+            </a:endParaRPr>
+          </a:p>
+        </p:txBody>
+      </p:sp>
+      <p:pic>
+        <p:nvPicPr>
+          <p:cNvPr id="9" name="Graphique 8" descr="Ligne fléchée : tout droit">
+            <a:extLst>
+              <a:ext uri="{FF2B5EF4-FFF2-40B4-BE49-F238E27FC236}">
+                <a16:creationId xmlns:a16="http://schemas.microsoft.com/office/drawing/2014/main" id="{AB91139A-94FC-E57E-872E-C58DB2BA0CCE}"/>
+              </a:ext>
+            </a:extLst>
+          </p:cNvPr>
+          <p:cNvPicPr>
+            <a:picLocks noChangeAspect="1"/>
+          </p:cNvPicPr>
+          <p:nvPr/>
+        </p:nvPicPr>
+        <p:blipFill>
+          <a:blip r:embed="rId7">
+            <a:extLst>
+              <a:ext uri="{28A0092B-C50C-407E-A947-70E740481C1C}">
+                <a14:useLocalDpi xmlns:a14="http://schemas.microsoft.com/office/drawing/2010/main" val="0"/>
+              </a:ext>
+              <a:ext uri="{96DAC541-7B7A-43D3-8B79-37D633B846F1}">
+                <asvg:svgBlip xmlns:asvg="http://schemas.microsoft.com/office/drawing/2016/SVG/main" r:embed="rId8"/>
+              </a:ext>
+            </a:extLst>
+          </a:blip>
+          <a:stretch>
+            <a:fillRect/>
+          </a:stretch>
+        </p:blipFill>
+        <p:spPr>
+          <a:xfrm rot="8004022">
+            <a:off x="3120400" y="1693849"/>
+            <a:ext cx="1895397" cy="1715002"/>
+          </a:xfrm>
+          <a:prstGeom prst="rect">
+            <a:avLst/>
+          </a:prstGeom>
+        </p:spPr>
+      </p:pic>
+      <p:sp>
+        <p:nvSpPr>
+          <p:cNvPr id="10" name="Titre 1">
+            <a:extLst>
+              <a:ext uri="{FF2B5EF4-FFF2-40B4-BE49-F238E27FC236}">
+                <a16:creationId xmlns:a16="http://schemas.microsoft.com/office/drawing/2014/main" id="{E28F543E-0D32-D231-394B-450FB3E2C973}"/>
+              </a:ext>
+            </a:extLst>
+          </p:cNvPr>
+          <p:cNvSpPr txBox="1">
+            <a:spLocks/>
+          </p:cNvSpPr>
+          <p:nvPr>
+            <p:custDataLst>
+              <p:tags r:id="rId3"/>
+            </p:custDataLst>
+          </p:nvPr>
+        </p:nvSpPr>
+        <p:spPr>
+          <a:xfrm>
+            <a:off x="5632908" y="1528794"/>
+            <a:ext cx="672564" cy="1062625"/>
+          </a:xfrm>
+          <a:prstGeom prst="rect">
+            <a:avLst/>
+          </a:prstGeom>
+        </p:spPr>
+        <p:txBody>
+          <a:bodyPr vert="horz" lIns="91440" tIns="45720" rIns="91440" bIns="45720" rtlCol="0" anchor="t">
+            <a:noAutofit/>
+          </a:bodyPr>
+          <a:lstStyle>
+            <a:lvl1pPr algn="ctr" defTabSz="914400" rtl="0" eaLnBrk="1" latinLnBrk="0" hangingPunct="1">
+              <a:lnSpc>
+                <a:spcPct val="90000"/>
+              </a:lnSpc>
+              <a:spcBef>
+                <a:spcPct val="0"/>
+              </a:spcBef>
+              <a:buNone/>
+              <a:defRPr sz="6000" kern="1200">
+                <a:solidFill>
+                  <a:schemeClr val="tx1"/>
+                </a:solidFill>
+                <a:latin typeface="+mj-lt"/>
+                <a:ea typeface="+mj-ea"/>
+                <a:cs typeface="+mj-cs"/>
+              </a:defRPr>
+            </a:lvl1pPr>
+          </a:lstStyle>
+          <a:p>
+            <a:pPr>
+              <a:lnSpc>
+                <a:spcPct val="150000"/>
+              </a:lnSpc>
+            </a:pPr>
+            <a:r>
+              <a:rPr lang="fr-FR" sz="9600" cap="all" dirty="0">
+                <a:solidFill>
+                  <a:srgbClr val="525252"/>
+                </a:solidFill>
+                <a:latin typeface="Segoe UI Black" panose="020B0A02040204020203" pitchFamily="34" charset="0"/>
+                <a:ea typeface="Segoe UI Black" panose="020B0A02040204020203" pitchFamily="34" charset="0"/>
+              </a:rPr>
+              <a:t>&lt;</a:t>
+            </a:r>
+          </a:p>
+        </p:txBody>
+      </p:sp>
+      <p:pic>
+        <p:nvPicPr>
+          <p:cNvPr id="1026" name="Picture 2" descr="TensorFlow — Wikipédia">
+            <a:extLst>
+              <a:ext uri="{FF2B5EF4-FFF2-40B4-BE49-F238E27FC236}">
+                <a16:creationId xmlns:a16="http://schemas.microsoft.com/office/drawing/2014/main" id="{5CEE1692-B5C2-CFF0-328D-E0CDB33E5F9C}"/>
+              </a:ext>
+            </a:extLst>
+          </p:cNvPr>
+          <p:cNvPicPr>
+            <a:picLocks noChangeAspect="1" noChangeArrowheads="1"/>
+          </p:cNvPicPr>
+          <p:nvPr/>
+        </p:nvPicPr>
+        <p:blipFill>
+          <a:blip r:embed="rId9">
+            <a:extLst>
+              <a:ext uri="{28A0092B-C50C-407E-A947-70E740481C1C}">
+                <a14:useLocalDpi xmlns:a14="http://schemas.microsoft.com/office/drawing/2010/main" val="0"/>
+              </a:ext>
+            </a:extLst>
+          </a:blip>
+          <a:srcRect/>
+          <a:stretch>
+            <a:fillRect/>
+          </a:stretch>
+        </p:blipFill>
+        <p:spPr bwMode="auto">
+          <a:xfrm>
+            <a:off x="6565838" y="1622170"/>
+            <a:ext cx="3028903" cy="1938498"/>
+          </a:xfrm>
+          <a:prstGeom prst="rect">
+            <a:avLst/>
+          </a:prstGeom>
+          <a:noFill/>
+          <a:extLst>
+            <a:ext uri="{909E8E84-426E-40DD-AFC4-6F175D3DCCD1}">
+              <a14:hiddenFill xmlns:a14="http://schemas.microsoft.com/office/drawing/2010/main">
+                <a:solidFill>
+                  <a:srgbClr val="FFFFFF"/>
+                </a:solidFill>
+              </a14:hiddenFill>
+            </a:ext>
+          </a:extLst>
+        </p:spPr>
+      </p:pic>
+      <p:sp>
+        <p:nvSpPr>
+          <p:cNvPr id="11" name="Titre 1">
+            <a:extLst>
+              <a:ext uri="{FF2B5EF4-FFF2-40B4-BE49-F238E27FC236}">
+                <a16:creationId xmlns:a16="http://schemas.microsoft.com/office/drawing/2014/main" id="{E09919A4-E806-1E0D-8C51-CB39FED9E270}"/>
+              </a:ext>
+            </a:extLst>
+          </p:cNvPr>
+          <p:cNvSpPr txBox="1">
+            <a:spLocks/>
+          </p:cNvSpPr>
+          <p:nvPr>
+            <p:custDataLst>
+              <p:tags r:id="rId4"/>
+            </p:custDataLst>
+          </p:nvPr>
+        </p:nvSpPr>
+        <p:spPr>
+          <a:xfrm>
+            <a:off x="2343641" y="3252240"/>
+            <a:ext cx="3028903" cy="1218134"/>
+          </a:xfrm>
+          <a:prstGeom prst="rect">
+            <a:avLst/>
+          </a:prstGeom>
+        </p:spPr>
+        <p:txBody>
+          <a:bodyPr vert="horz" lIns="91440" tIns="45720" rIns="91440" bIns="45720" rtlCol="0" anchor="t">
+            <a:noAutofit/>
+          </a:bodyPr>
+          <a:lstStyle>
+            <a:lvl1pPr algn="ctr" defTabSz="914400" rtl="0" eaLnBrk="1" latinLnBrk="0" hangingPunct="1">
+              <a:lnSpc>
+                <a:spcPct val="90000"/>
+              </a:lnSpc>
+              <a:spcBef>
+                <a:spcPct val="0"/>
+              </a:spcBef>
+              <a:buNone/>
+              <a:defRPr sz="6000" kern="1200">
+                <a:solidFill>
+                  <a:schemeClr val="tx1"/>
+                </a:solidFill>
+                <a:latin typeface="+mj-lt"/>
+                <a:ea typeface="+mj-ea"/>
+                <a:cs typeface="+mj-cs"/>
+              </a:defRPr>
+            </a:lvl1pPr>
+          </a:lstStyle>
+          <a:p>
+            <a:pPr>
+              <a:lnSpc>
+                <a:spcPct val="150000"/>
+              </a:lnSpc>
+            </a:pPr>
+            <a:r>
+              <a:rPr lang="fr-FR" sz="2000" cap="all" dirty="0">
+                <a:solidFill>
+                  <a:srgbClr val="525252"/>
+                </a:solidFill>
+                <a:latin typeface="Segoe UI Black" panose="020B0A02040204020203" pitchFamily="34" charset="0"/>
+                <a:ea typeface="Segoe UI Black" panose="020B0A02040204020203" pitchFamily="34" charset="0"/>
+              </a:rPr>
+              <a:t>(Vectorisation simple)</a:t>
+            </a:r>
+            <a:endParaRPr lang="fr-FR" sz="2000" cap="all" dirty="0">
+              <a:solidFill>
+                <a:srgbClr val="621516"/>
+              </a:solidFill>
+              <a:latin typeface="Segoe UI Black" panose="020B0A02040204020203" pitchFamily="34" charset="0"/>
+              <a:ea typeface="Segoe UI Black" panose="020B0A02040204020203" pitchFamily="34" charset="0"/>
+            </a:endParaRPr>
+          </a:p>
+        </p:txBody>
+      </p:sp>
+      <p:sp>
+        <p:nvSpPr>
+          <p:cNvPr id="12" name="Titre 1">
+            <a:extLst>
+              <a:ext uri="{FF2B5EF4-FFF2-40B4-BE49-F238E27FC236}">
+                <a16:creationId xmlns:a16="http://schemas.microsoft.com/office/drawing/2014/main" id="{7A67AECE-726D-4E2F-176E-1FA2E225F8D2}"/>
+              </a:ext>
+            </a:extLst>
+          </p:cNvPr>
+          <p:cNvSpPr txBox="1">
+            <a:spLocks/>
+          </p:cNvSpPr>
+          <p:nvPr>
+            <p:custDataLst>
+              <p:tags r:id="rId5"/>
+            </p:custDataLst>
+          </p:nvPr>
+        </p:nvSpPr>
+        <p:spPr>
+          <a:xfrm>
+            <a:off x="6596092" y="3252240"/>
+            <a:ext cx="3028903" cy="1218134"/>
+          </a:xfrm>
+          <a:prstGeom prst="rect">
+            <a:avLst/>
+          </a:prstGeom>
+        </p:spPr>
+        <p:txBody>
+          <a:bodyPr vert="horz" lIns="91440" tIns="45720" rIns="91440" bIns="45720" rtlCol="0" anchor="t">
+            <a:noAutofit/>
+          </a:bodyPr>
+          <a:lstStyle>
+            <a:lvl1pPr algn="ctr" defTabSz="914400" rtl="0" eaLnBrk="1" latinLnBrk="0" hangingPunct="1">
+              <a:lnSpc>
+                <a:spcPct val="90000"/>
+              </a:lnSpc>
+              <a:spcBef>
+                <a:spcPct val="0"/>
+              </a:spcBef>
+              <a:buNone/>
+              <a:defRPr sz="6000" kern="1200">
+                <a:solidFill>
+                  <a:schemeClr val="tx1"/>
+                </a:solidFill>
+                <a:latin typeface="+mj-lt"/>
+                <a:ea typeface="+mj-ea"/>
+                <a:cs typeface="+mj-cs"/>
+              </a:defRPr>
+            </a:lvl1pPr>
+          </a:lstStyle>
+          <a:p>
+            <a:pPr>
+              <a:lnSpc>
+                <a:spcPct val="150000"/>
+              </a:lnSpc>
+            </a:pPr>
+            <a:r>
+              <a:rPr lang="fr-FR" sz="2000" cap="all" dirty="0">
+                <a:solidFill>
+                  <a:srgbClr val="525252"/>
+                </a:solidFill>
+                <a:latin typeface="Segoe UI Black" panose="020B0A02040204020203" pitchFamily="34" charset="0"/>
+                <a:ea typeface="Segoe UI Black" panose="020B0A02040204020203" pitchFamily="34" charset="0"/>
+              </a:rPr>
+              <a:t>(CNN TRANSFER LEARNING)</a:t>
+            </a:r>
+            <a:endParaRPr lang="fr-FR" sz="2000" cap="all" dirty="0">
+              <a:solidFill>
+                <a:srgbClr val="621516"/>
+              </a:solidFill>
+              <a:latin typeface="Segoe UI Black" panose="020B0A02040204020203" pitchFamily="34" charset="0"/>
+              <a:ea typeface="Segoe UI Black" panose="020B0A02040204020203" pitchFamily="34" charset="0"/>
+            </a:endParaRPr>
+          </a:p>
+        </p:txBody>
+      </p:sp>
+      <p:sp>
+        <p:nvSpPr>
+          <p:cNvPr id="3" name="ZoneTexte 2">
+            <a:extLst>
+              <a:ext uri="{FF2B5EF4-FFF2-40B4-BE49-F238E27FC236}">
+                <a16:creationId xmlns:a16="http://schemas.microsoft.com/office/drawing/2014/main" id="{076C9C6E-EDBC-EEA3-4F2C-DD111C78803E}"/>
+              </a:ext>
+            </a:extLst>
+          </p:cNvPr>
+          <p:cNvSpPr txBox="1"/>
+          <p:nvPr/>
+        </p:nvSpPr>
+        <p:spPr>
+          <a:xfrm>
+            <a:off x="3858093" y="4148020"/>
+            <a:ext cx="4387578" cy="1426609"/>
+          </a:xfrm>
+          <a:prstGeom prst="rect">
+            <a:avLst/>
+          </a:prstGeom>
+          <a:noFill/>
+        </p:spPr>
+        <p:txBody>
+          <a:bodyPr wrap="square">
+            <a:spAutoFit/>
+          </a:bodyPr>
+          <a:lstStyle/>
+          <a:p>
+            <a:pPr>
+              <a:lnSpc>
+                <a:spcPct val="150000"/>
+              </a:lnSpc>
+            </a:pPr>
+            <a:r>
+              <a:rPr lang="fr-FR" sz="6600" cap="all" dirty="0">
+                <a:solidFill>
+                  <a:srgbClr val="00B050"/>
+                </a:solidFill>
+                <a:latin typeface="Segoe UI Black" panose="020B0A02040204020203" pitchFamily="34" charset="0"/>
+                <a:ea typeface="Segoe UI Black" panose="020B0A02040204020203" pitchFamily="34" charset="0"/>
+              </a:rPr>
+              <a:t>POSSIBLE</a:t>
+            </a:r>
+          </a:p>
+        </p:txBody>
+      </p:sp>
+    </p:spTree>
+    <p:extLst>
+      <p:ext uri="{BB962C8B-B14F-4D97-AF65-F5344CB8AC3E}">
+        <p14:creationId xmlns:p14="http://schemas.microsoft.com/office/powerpoint/2010/main" val="2614277017"/>
+      </p:ext>
+    </p:extLst>
+  </p:cSld>
+  <p:clrMapOvr>
+    <a:masterClrMapping/>
+  </p:clrMapOvr>
+</p:sld>
+</file>
+
+<file path=ppt/slides/slide29.xml><?xml version="1.0" encoding="utf-8"?>
+<p:sld xmlns:a="http://schemas.openxmlformats.org/drawingml/2006/main" xmlns:r="http://schemas.openxmlformats.org/officeDocument/2006/relationships" xmlns:p="http://schemas.openxmlformats.org/presentationml/2006/main">
+  <p:cSld>
+    <p:bg>
+      <p:bgPr>
+        <a:gradFill flip="none" rotWithShape="1">
+          <a:gsLst>
+            <a:gs pos="0">
+              <a:schemeClr val="accent1">
+                <a:lumMod val="5000"/>
+                <a:lumOff val="95000"/>
+              </a:schemeClr>
+            </a:gs>
+            <a:gs pos="74000">
+              <a:schemeClr val="bg1"/>
+            </a:gs>
+            <a:gs pos="83000">
+              <a:schemeClr val="bg1"/>
+            </a:gs>
+            <a:gs pos="100000">
+              <a:srgbClr val="621516"/>
+            </a:gs>
+          </a:gsLst>
+          <a:lin ang="5400000" scaled="1"/>
+          <a:tileRect/>
+        </a:gradFill>
+        <a:effectLst/>
+      </p:bgPr>
+    </p:bg>
+    <p:spTree>
+      <p:nvGrpSpPr>
+        <p:cNvPr id="1" name=""/>
+        <p:cNvGrpSpPr/>
+        <p:nvPr/>
+      </p:nvGrpSpPr>
+      <p:grpSpPr>
+        <a:xfrm>
+          <a:off x="0" y="0"/>
+          <a:ext cx="0" cy="0"/>
+          <a:chOff x="0" y="0"/>
+          <a:chExt cx="0" cy="0"/>
+        </a:xfrm>
+      </p:grpSpPr>
+      <p:sp>
+        <p:nvSpPr>
+          <p:cNvPr id="2" name="Titre 1">
+            <a:extLst>
+              <a:ext uri="{FF2B5EF4-FFF2-40B4-BE49-F238E27FC236}">
+                <a16:creationId xmlns:a16="http://schemas.microsoft.com/office/drawing/2014/main" id="{62EDAB49-663B-20A7-4386-A8BC2BEB0D35}"/>
+              </a:ext>
+            </a:extLst>
+          </p:cNvPr>
+          <p:cNvSpPr txBox="1">
+            <a:spLocks/>
+          </p:cNvSpPr>
+          <p:nvPr>
+            <p:custDataLst>
+              <p:tags r:id="rId1"/>
+            </p:custDataLst>
+          </p:nvPr>
+        </p:nvSpPr>
+        <p:spPr>
+          <a:xfrm>
+            <a:off x="1321084" y="304254"/>
+            <a:ext cx="10062560" cy="1062625"/>
+          </a:xfrm>
+          <a:prstGeom prst="rect">
+            <a:avLst/>
+          </a:prstGeom>
+        </p:spPr>
+        <p:txBody>
+          <a:bodyPr vert="horz" lIns="91440" tIns="45720" rIns="91440" bIns="45720" rtlCol="0" anchor="t">
+            <a:noAutofit/>
+          </a:bodyPr>
+          <a:lstStyle>
+            <a:lvl1pPr algn="ctr" defTabSz="914400" rtl="0" eaLnBrk="1" latinLnBrk="0" hangingPunct="1">
+              <a:lnSpc>
+                <a:spcPct val="90000"/>
+              </a:lnSpc>
+              <a:spcBef>
+                <a:spcPct val="0"/>
+              </a:spcBef>
+              <a:buNone/>
+              <a:defRPr sz="6000" kern="1200">
+                <a:solidFill>
+                  <a:schemeClr val="tx1"/>
+                </a:solidFill>
+                <a:latin typeface="+mj-lt"/>
+                <a:ea typeface="+mj-ea"/>
+                <a:cs typeface="+mj-cs"/>
+              </a:defRPr>
+            </a:lvl1pPr>
+          </a:lstStyle>
+          <a:p>
+            <a:pPr>
+              <a:lnSpc>
+                <a:spcPct val="150000"/>
+              </a:lnSpc>
+            </a:pPr>
+            <a:r>
+              <a:rPr lang="fr-FR" sz="4800" cap="all" dirty="0">
+                <a:solidFill>
+                  <a:srgbClr val="621516"/>
+                </a:solidFill>
+                <a:latin typeface="Segoe UI Black" panose="020B0A02040204020203" pitchFamily="34" charset="0"/>
+                <a:ea typeface="Segoe UI Black" panose="020B0A02040204020203" pitchFamily="34" charset="0"/>
+              </a:rPr>
+              <a:t>RÉPONDRE AUX CONTRAINTES</a:t>
+            </a:r>
+          </a:p>
+        </p:txBody>
+      </p:sp>
+      <p:sp>
+        <p:nvSpPr>
+          <p:cNvPr id="8" name="Espace réservé du numéro de diapositive 2">
+            <a:extLst>
+              <a:ext uri="{FF2B5EF4-FFF2-40B4-BE49-F238E27FC236}">
+                <a16:creationId xmlns:a16="http://schemas.microsoft.com/office/drawing/2014/main" id="{401D1855-D5DB-757A-D335-4F769C1A9B9F}"/>
+              </a:ext>
+            </a:extLst>
+          </p:cNvPr>
+          <p:cNvSpPr txBox="1">
+            <a:spLocks/>
+          </p:cNvSpPr>
+          <p:nvPr>
+            <p:custDataLst>
+              <p:tags r:id="rId2"/>
+            </p:custDataLst>
+          </p:nvPr>
+        </p:nvSpPr>
+        <p:spPr>
+          <a:xfrm>
+            <a:off x="11171300" y="6239446"/>
+            <a:ext cx="811019" cy="503578"/>
+          </a:xfrm>
+          <a:prstGeom prst="rect">
+            <a:avLst/>
+          </a:prstGeom>
+        </p:spPr>
+        <p:txBody>
+          <a:bodyPr vert="horz" lIns="91440" tIns="45720" rIns="91440" bIns="45720" rtlCol="0" anchor="ctr"/>
+          <a:lstStyle>
+            <a:defPPr>
+              <a:defRPr lang="fr-FR"/>
+            </a:defPPr>
+            <a:lvl1pPr marL="0" algn="r" defTabSz="914400" rtl="0" eaLnBrk="1" latinLnBrk="0" hangingPunct="1">
+              <a:defRPr sz="1200" kern="1200">
+                <a:solidFill>
+                  <a:schemeClr val="tx1">
+                    <a:tint val="75000"/>
+                  </a:schemeClr>
+                </a:solidFill>
+                <a:latin typeface="+mn-lt"/>
+                <a:ea typeface="+mn-ea"/>
+                <a:cs typeface="+mn-cs"/>
+              </a:defRPr>
+            </a:lvl1pPr>
+            <a:lvl2pPr marL="457200" algn="l" defTabSz="914400" rtl="0" eaLnBrk="1" latinLnBrk="0" hangingPunct="1">
+              <a:defRPr sz="1800" kern="1200">
+                <a:solidFill>
+                  <a:schemeClr val="tx1"/>
+                </a:solidFill>
+                <a:latin typeface="+mn-lt"/>
+                <a:ea typeface="+mn-ea"/>
+                <a:cs typeface="+mn-cs"/>
+              </a:defRPr>
+            </a:lvl2pPr>
+            <a:lvl3pPr marL="914400" algn="l" defTabSz="914400" rtl="0" eaLnBrk="1" latinLnBrk="0" hangingPunct="1">
+              <a:defRPr sz="1800" kern="1200">
+                <a:solidFill>
+                  <a:schemeClr val="tx1"/>
+                </a:solidFill>
+                <a:latin typeface="+mn-lt"/>
+                <a:ea typeface="+mn-ea"/>
+                <a:cs typeface="+mn-cs"/>
+              </a:defRPr>
+            </a:lvl3pPr>
+            <a:lvl4pPr marL="1371600" algn="l" defTabSz="914400" rtl="0" eaLnBrk="1" latinLnBrk="0" hangingPunct="1">
+              <a:defRPr sz="1800" kern="1200">
+                <a:solidFill>
+                  <a:schemeClr val="tx1"/>
+                </a:solidFill>
+                <a:latin typeface="+mn-lt"/>
+                <a:ea typeface="+mn-ea"/>
+                <a:cs typeface="+mn-cs"/>
+              </a:defRPr>
+            </a:lvl4pPr>
+            <a:lvl5pPr marL="1828800" algn="l" defTabSz="914400" rtl="0" eaLnBrk="1" latinLnBrk="0" hangingPunct="1">
+              <a:defRPr sz="1800" kern="1200">
+                <a:solidFill>
+                  <a:schemeClr val="tx1"/>
+                </a:solidFill>
+                <a:latin typeface="+mn-lt"/>
+                <a:ea typeface="+mn-ea"/>
+                <a:cs typeface="+mn-cs"/>
+              </a:defRPr>
+            </a:lvl5pPr>
+            <a:lvl6pPr marL="2286000" algn="l" defTabSz="914400" rtl="0" eaLnBrk="1" latinLnBrk="0" hangingPunct="1">
+              <a:defRPr sz="1800" kern="1200">
+                <a:solidFill>
+                  <a:schemeClr val="tx1"/>
+                </a:solidFill>
+                <a:latin typeface="+mn-lt"/>
+                <a:ea typeface="+mn-ea"/>
+                <a:cs typeface="+mn-cs"/>
+              </a:defRPr>
+            </a:lvl6pPr>
+            <a:lvl7pPr marL="2743200" algn="l" defTabSz="914400" rtl="0" eaLnBrk="1" latinLnBrk="0" hangingPunct="1">
+              <a:defRPr sz="1800" kern="1200">
+                <a:solidFill>
+                  <a:schemeClr val="tx1"/>
+                </a:solidFill>
+                <a:latin typeface="+mn-lt"/>
+                <a:ea typeface="+mn-ea"/>
+                <a:cs typeface="+mn-cs"/>
+              </a:defRPr>
+            </a:lvl7pPr>
+            <a:lvl8pPr marL="3200400" algn="l" defTabSz="914400" rtl="0" eaLnBrk="1" latinLnBrk="0" hangingPunct="1">
+              <a:defRPr sz="1800" kern="1200">
+                <a:solidFill>
+                  <a:schemeClr val="tx1"/>
+                </a:solidFill>
+                <a:latin typeface="+mn-lt"/>
+                <a:ea typeface="+mn-ea"/>
+                <a:cs typeface="+mn-cs"/>
+              </a:defRPr>
+            </a:lvl8pPr>
+            <a:lvl9pPr marL="3657600" algn="l" defTabSz="914400" rtl="0" eaLnBrk="1" latinLnBrk="0" hangingPunct="1">
+              <a:defRPr sz="1800" kern="1200">
+                <a:solidFill>
+                  <a:schemeClr val="tx1"/>
+                </a:solidFill>
+                <a:latin typeface="+mn-lt"/>
+                <a:ea typeface="+mn-ea"/>
+                <a:cs typeface="+mn-cs"/>
+              </a:defRPr>
+            </a:lvl9pPr>
+          </a:lstStyle>
+          <a:p>
+            <a:fld id="{C01389E6-C847-4AD0-B56D-D205B2EAB1EE}" type="slidenum">
+              <a:rPr lang="en-US" sz="3200" smtClean="0">
+                <a:solidFill>
+                  <a:schemeClr val="bg1"/>
+                </a:solidFill>
+                <a:latin typeface="Gill Sans MT" panose="020B0502020104020203" pitchFamily="34" charset="0"/>
+              </a:rPr>
+              <a:pPr/>
+              <a:t>29</a:t>
+            </a:fld>
+            <a:endParaRPr lang="en-US" sz="3200" dirty="0">
+              <a:solidFill>
+                <a:schemeClr val="bg1"/>
+              </a:solidFill>
+              <a:latin typeface="Gill Sans MT" panose="020B0502020104020203" pitchFamily="34" charset="0"/>
+            </a:endParaRPr>
+          </a:p>
+        </p:txBody>
+      </p:sp>
+      <p:pic>
+        <p:nvPicPr>
+          <p:cNvPr id="3" name="Picture 6" descr="An Oversimplified Introduction to PySpark for Programmers | Analytics Vidhya">
+            <a:extLst>
+              <a:ext uri="{FF2B5EF4-FFF2-40B4-BE49-F238E27FC236}">
+                <a16:creationId xmlns:a16="http://schemas.microsoft.com/office/drawing/2014/main" id="{ACB71194-093A-349B-1D02-250AB3910A32}"/>
+              </a:ext>
+            </a:extLst>
+          </p:cNvPr>
+          <p:cNvPicPr>
+            <a:picLocks noChangeAspect="1" noChangeArrowheads="1"/>
+          </p:cNvPicPr>
+          <p:nvPr/>
+        </p:nvPicPr>
+        <p:blipFill>
+          <a:blip r:embed="rId8">
+            <a:extLst>
+              <a:ext uri="{28A0092B-C50C-407E-A947-70E740481C1C}">
+                <a14:useLocalDpi xmlns:a14="http://schemas.microsoft.com/office/drawing/2010/main" val="0"/>
+              </a:ext>
+            </a:extLst>
+          </a:blip>
+          <a:srcRect/>
+          <a:stretch>
+            <a:fillRect/>
+          </a:stretch>
+        </p:blipFill>
+        <p:spPr bwMode="auto">
+          <a:xfrm>
+            <a:off x="731296" y="1698624"/>
+            <a:ext cx="3164115" cy="1730375"/>
+          </a:xfrm>
+          <a:prstGeom prst="rect">
+            <a:avLst/>
+          </a:prstGeom>
+          <a:noFill/>
+          <a:extLst>
+            <a:ext uri="{909E8E84-426E-40DD-AFC4-6F175D3DCCD1}">
+              <a14:hiddenFill xmlns:a14="http://schemas.microsoft.com/office/drawing/2010/main">
+                <a:solidFill>
+                  <a:srgbClr val="FFFFFF"/>
+                </a:solidFill>
+              </a14:hiddenFill>
+            </a:ext>
+          </a:extLst>
+        </p:spPr>
+      </p:pic>
+      <p:pic>
+        <p:nvPicPr>
+          <p:cNvPr id="5" name="Picture 2" descr="Databricks · GitHub">
+            <a:extLst>
+              <a:ext uri="{FF2B5EF4-FFF2-40B4-BE49-F238E27FC236}">
+                <a16:creationId xmlns:a16="http://schemas.microsoft.com/office/drawing/2014/main" id="{8687DD6B-6D1C-12D1-8416-CEA502D23892}"/>
+              </a:ext>
+            </a:extLst>
+          </p:cNvPr>
+          <p:cNvPicPr>
+            <a:picLocks noChangeAspect="1" noChangeArrowheads="1"/>
+          </p:cNvPicPr>
+          <p:nvPr/>
+        </p:nvPicPr>
+        <p:blipFill>
+          <a:blip r:embed="rId9">
+            <a:extLst>
+              <a:ext uri="{28A0092B-C50C-407E-A947-70E740481C1C}">
+                <a14:useLocalDpi xmlns:a14="http://schemas.microsoft.com/office/drawing/2010/main" val="0"/>
+              </a:ext>
+            </a:extLst>
+          </a:blip>
+          <a:srcRect/>
+          <a:stretch>
+            <a:fillRect/>
+          </a:stretch>
+        </p:blipFill>
+        <p:spPr bwMode="auto">
+          <a:xfrm>
+            <a:off x="5090621" y="1698624"/>
+            <a:ext cx="1781378" cy="1781378"/>
+          </a:xfrm>
+          <a:prstGeom prst="rect">
+            <a:avLst/>
+          </a:prstGeom>
+          <a:noFill/>
+          <a:extLst>
+            <a:ext uri="{909E8E84-426E-40DD-AFC4-6F175D3DCCD1}">
+              <a14:hiddenFill xmlns:a14="http://schemas.microsoft.com/office/drawing/2010/main">
+                <a:solidFill>
+                  <a:srgbClr val="FFFFFF"/>
+                </a:solidFill>
+              </a14:hiddenFill>
+            </a:ext>
+          </a:extLst>
+        </p:spPr>
+      </p:pic>
+      <p:sp>
+        <p:nvSpPr>
+          <p:cNvPr id="6" name="Titre 1">
+            <a:extLst>
+              <a:ext uri="{FF2B5EF4-FFF2-40B4-BE49-F238E27FC236}">
+                <a16:creationId xmlns:a16="http://schemas.microsoft.com/office/drawing/2014/main" id="{3AF0553D-E557-AC05-EA26-448E71A692B6}"/>
+              </a:ext>
+            </a:extLst>
+          </p:cNvPr>
+          <p:cNvSpPr txBox="1">
+            <a:spLocks/>
+          </p:cNvSpPr>
+          <p:nvPr>
+            <p:custDataLst>
+              <p:tags r:id="rId3"/>
+            </p:custDataLst>
+          </p:nvPr>
+        </p:nvSpPr>
+        <p:spPr>
+          <a:xfrm>
+            <a:off x="4156734" y="1187585"/>
+            <a:ext cx="672564" cy="1062625"/>
+          </a:xfrm>
+          <a:prstGeom prst="rect">
+            <a:avLst/>
+          </a:prstGeom>
+        </p:spPr>
+        <p:txBody>
+          <a:bodyPr vert="horz" lIns="91440" tIns="45720" rIns="91440" bIns="45720" rtlCol="0" anchor="t">
+            <a:noAutofit/>
+          </a:bodyPr>
+          <a:lstStyle>
+            <a:lvl1pPr algn="ctr" defTabSz="914400" rtl="0" eaLnBrk="1" latinLnBrk="0" hangingPunct="1">
+              <a:lnSpc>
+                <a:spcPct val="90000"/>
+              </a:lnSpc>
+              <a:spcBef>
+                <a:spcPct val="0"/>
+              </a:spcBef>
+              <a:buNone/>
+              <a:defRPr sz="6000" kern="1200">
+                <a:solidFill>
+                  <a:schemeClr val="tx1"/>
+                </a:solidFill>
+                <a:latin typeface="+mj-lt"/>
+                <a:ea typeface="+mj-ea"/>
+                <a:cs typeface="+mj-cs"/>
+              </a:defRPr>
+            </a:lvl1pPr>
+          </a:lstStyle>
+          <a:p>
+            <a:pPr>
+              <a:lnSpc>
+                <a:spcPct val="150000"/>
+              </a:lnSpc>
+            </a:pPr>
+            <a:r>
+              <a:rPr lang="fr-FR" sz="9600" cap="all" dirty="0">
+                <a:solidFill>
+                  <a:srgbClr val="525252"/>
+                </a:solidFill>
+                <a:latin typeface="Segoe UI Black" panose="020B0A02040204020203" pitchFamily="34" charset="0"/>
+                <a:ea typeface="Segoe UI Black" panose="020B0A02040204020203" pitchFamily="34" charset="0"/>
+              </a:rPr>
+              <a:t>+</a:t>
+            </a:r>
+          </a:p>
+        </p:txBody>
+      </p:sp>
+      <p:sp>
+        <p:nvSpPr>
+          <p:cNvPr id="7" name="Titre 1">
+            <a:extLst>
+              <a:ext uri="{FF2B5EF4-FFF2-40B4-BE49-F238E27FC236}">
+                <a16:creationId xmlns:a16="http://schemas.microsoft.com/office/drawing/2014/main" id="{9224FDFB-1091-A068-773A-E0E7C010BC03}"/>
+              </a:ext>
+            </a:extLst>
+          </p:cNvPr>
+          <p:cNvSpPr txBox="1">
+            <a:spLocks/>
+          </p:cNvSpPr>
+          <p:nvPr>
+            <p:custDataLst>
+              <p:tags r:id="rId4"/>
+            </p:custDataLst>
+          </p:nvPr>
+        </p:nvSpPr>
+        <p:spPr>
+          <a:xfrm>
+            <a:off x="7239319" y="1167311"/>
+            <a:ext cx="672564" cy="1062625"/>
+          </a:xfrm>
+          <a:prstGeom prst="rect">
+            <a:avLst/>
+          </a:prstGeom>
+        </p:spPr>
+        <p:txBody>
+          <a:bodyPr vert="horz" lIns="91440" tIns="45720" rIns="91440" bIns="45720" rtlCol="0" anchor="t">
+            <a:noAutofit/>
+          </a:bodyPr>
+          <a:lstStyle>
+            <a:lvl1pPr algn="ctr" defTabSz="914400" rtl="0" eaLnBrk="1" latinLnBrk="0" hangingPunct="1">
+              <a:lnSpc>
+                <a:spcPct val="90000"/>
+              </a:lnSpc>
+              <a:spcBef>
+                <a:spcPct val="0"/>
+              </a:spcBef>
+              <a:buNone/>
+              <a:defRPr sz="6000" kern="1200">
+                <a:solidFill>
+                  <a:schemeClr val="tx1"/>
+                </a:solidFill>
+                <a:latin typeface="+mj-lt"/>
+                <a:ea typeface="+mj-ea"/>
+                <a:cs typeface="+mj-cs"/>
+              </a:defRPr>
+            </a:lvl1pPr>
+          </a:lstStyle>
+          <a:p>
+            <a:pPr>
+              <a:lnSpc>
+                <a:spcPct val="150000"/>
+              </a:lnSpc>
+            </a:pPr>
+            <a:r>
+              <a:rPr lang="fr-FR" sz="9600" cap="all" dirty="0">
+                <a:solidFill>
+                  <a:srgbClr val="525252"/>
+                </a:solidFill>
+                <a:latin typeface="Segoe UI Black" panose="020B0A02040204020203" pitchFamily="34" charset="0"/>
+                <a:ea typeface="Segoe UI Black" panose="020B0A02040204020203" pitchFamily="34" charset="0"/>
+              </a:rPr>
+              <a:t>+</a:t>
+            </a:r>
+          </a:p>
+        </p:txBody>
+      </p:sp>
+      <p:pic>
+        <p:nvPicPr>
+          <p:cNvPr id="2050" name="Picture 2" descr="Amazon Web Services — Wikipédia">
+            <a:extLst>
+              <a:ext uri="{FF2B5EF4-FFF2-40B4-BE49-F238E27FC236}">
+                <a16:creationId xmlns:a16="http://schemas.microsoft.com/office/drawing/2014/main" id="{BFA9ED53-A363-F224-D3E1-8D3C19D18E48}"/>
+              </a:ext>
+            </a:extLst>
+          </p:cNvPr>
+          <p:cNvPicPr>
+            <a:picLocks noChangeAspect="1" noChangeArrowheads="1"/>
+          </p:cNvPicPr>
+          <p:nvPr/>
+        </p:nvPicPr>
+        <p:blipFill>
+          <a:blip r:embed="rId10">
+            <a:extLst>
+              <a:ext uri="{28A0092B-C50C-407E-A947-70E740481C1C}">
+                <a14:useLocalDpi xmlns:a14="http://schemas.microsoft.com/office/drawing/2010/main" val="0"/>
+              </a:ext>
+            </a:extLst>
+          </a:blip>
+          <a:srcRect/>
+          <a:stretch>
+            <a:fillRect/>
+          </a:stretch>
+        </p:blipFill>
+        <p:spPr bwMode="auto">
+          <a:xfrm>
+            <a:off x="8279204" y="1906912"/>
+            <a:ext cx="2629120" cy="1573090"/>
+          </a:xfrm>
+          <a:prstGeom prst="rect">
+            <a:avLst/>
+          </a:prstGeom>
+          <a:noFill/>
+          <a:extLst>
+            <a:ext uri="{909E8E84-426E-40DD-AFC4-6F175D3DCCD1}">
+              <a14:hiddenFill xmlns:a14="http://schemas.microsoft.com/office/drawing/2010/main">
+                <a:solidFill>
+                  <a:srgbClr val="FFFFFF"/>
+                </a:solidFill>
+              </a14:hiddenFill>
+            </a:ext>
+          </a:extLst>
+        </p:spPr>
+      </p:pic>
+      <p:sp>
+        <p:nvSpPr>
+          <p:cNvPr id="13" name="Titre 1">
+            <a:extLst>
+              <a:ext uri="{FF2B5EF4-FFF2-40B4-BE49-F238E27FC236}">
+                <a16:creationId xmlns:a16="http://schemas.microsoft.com/office/drawing/2014/main" id="{53DF77A7-4EE7-D599-B23A-B6E67906BCCD}"/>
+              </a:ext>
+            </a:extLst>
+          </p:cNvPr>
+          <p:cNvSpPr txBox="1">
+            <a:spLocks/>
+          </p:cNvSpPr>
+          <p:nvPr>
+            <p:custDataLst>
+              <p:tags r:id="rId5"/>
+            </p:custDataLst>
+          </p:nvPr>
+        </p:nvSpPr>
+        <p:spPr>
+          <a:xfrm>
+            <a:off x="2769285" y="3423137"/>
+            <a:ext cx="672564" cy="1062625"/>
+          </a:xfrm>
+          <a:prstGeom prst="rect">
+            <a:avLst/>
+          </a:prstGeom>
+        </p:spPr>
+        <p:txBody>
+          <a:bodyPr vert="horz" lIns="91440" tIns="45720" rIns="91440" bIns="45720" rtlCol="0" anchor="t">
+            <a:noAutofit/>
+          </a:bodyPr>
+          <a:lstStyle>
+            <a:lvl1pPr algn="ctr" defTabSz="914400" rtl="0" eaLnBrk="1" latinLnBrk="0" hangingPunct="1">
+              <a:lnSpc>
+                <a:spcPct val="90000"/>
+              </a:lnSpc>
+              <a:spcBef>
+                <a:spcPct val="0"/>
+              </a:spcBef>
+              <a:buNone/>
+              <a:defRPr sz="6000" kern="1200">
+                <a:solidFill>
+                  <a:schemeClr val="tx1"/>
+                </a:solidFill>
+                <a:latin typeface="+mj-lt"/>
+                <a:ea typeface="+mj-ea"/>
+                <a:cs typeface="+mj-cs"/>
+              </a:defRPr>
+            </a:lvl1pPr>
+          </a:lstStyle>
+          <a:p>
+            <a:pPr>
+              <a:lnSpc>
+                <a:spcPct val="150000"/>
+              </a:lnSpc>
+            </a:pPr>
+            <a:r>
+              <a:rPr lang="fr-FR" sz="9600" cap="all" dirty="0">
+                <a:solidFill>
+                  <a:srgbClr val="525252"/>
+                </a:solidFill>
+                <a:latin typeface="Segoe UI Black" panose="020B0A02040204020203" pitchFamily="34" charset="0"/>
+                <a:ea typeface="Segoe UI Black" panose="020B0A02040204020203" pitchFamily="34" charset="0"/>
+              </a:rPr>
+              <a:t>=</a:t>
+            </a:r>
+          </a:p>
+        </p:txBody>
+      </p:sp>
+      <p:pic>
+        <p:nvPicPr>
+          <p:cNvPr id="14" name="Graphique 13" descr="Argent">
+            <a:extLst>
+              <a:ext uri="{FF2B5EF4-FFF2-40B4-BE49-F238E27FC236}">
+                <a16:creationId xmlns:a16="http://schemas.microsoft.com/office/drawing/2014/main" id="{1FDB9744-EB83-1035-E92D-6692AEE664E9}"/>
+              </a:ext>
+            </a:extLst>
+          </p:cNvPr>
+          <p:cNvPicPr>
+            <a:picLocks noChangeAspect="1"/>
+          </p:cNvPicPr>
+          <p:nvPr/>
+        </p:nvPicPr>
+        <p:blipFill>
+          <a:blip r:embed="rId11">
+            <a:extLst>
+              <a:ext uri="{28A0092B-C50C-407E-A947-70E740481C1C}">
+                <a14:useLocalDpi xmlns:a14="http://schemas.microsoft.com/office/drawing/2010/main" val="0"/>
+              </a:ext>
+              <a:ext uri="{96DAC541-7B7A-43D3-8B79-37D633B846F1}">
+                <asvg:svgBlip xmlns:asvg="http://schemas.microsoft.com/office/drawing/2016/SVG/main" r:embed="rId12"/>
+              </a:ext>
+            </a:extLst>
+          </a:blip>
+          <a:stretch>
+            <a:fillRect/>
+          </a:stretch>
+        </p:blipFill>
+        <p:spPr>
+          <a:xfrm>
+            <a:off x="3896912" y="3465855"/>
+            <a:ext cx="2039814" cy="2039814"/>
+          </a:xfrm>
+          <a:prstGeom prst="rect">
+            <a:avLst/>
+          </a:prstGeom>
+        </p:spPr>
+      </p:pic>
+      <p:sp>
+        <p:nvSpPr>
+          <p:cNvPr id="15" name="Titre 1">
+            <a:extLst>
+              <a:ext uri="{FF2B5EF4-FFF2-40B4-BE49-F238E27FC236}">
+                <a16:creationId xmlns:a16="http://schemas.microsoft.com/office/drawing/2014/main" id="{2288EDCC-CA87-DF83-E069-60ECD0AB596C}"/>
+              </a:ext>
+            </a:extLst>
+          </p:cNvPr>
+          <p:cNvSpPr txBox="1">
+            <a:spLocks/>
+          </p:cNvSpPr>
+          <p:nvPr>
+            <p:custDataLst>
+              <p:tags r:id="rId6"/>
+            </p:custDataLst>
+          </p:nvPr>
+        </p:nvSpPr>
+        <p:spPr>
+          <a:xfrm>
+            <a:off x="6391789" y="3423136"/>
+            <a:ext cx="672564" cy="1062625"/>
+          </a:xfrm>
+          <a:prstGeom prst="rect">
+            <a:avLst/>
+          </a:prstGeom>
+        </p:spPr>
+        <p:txBody>
+          <a:bodyPr vert="horz" lIns="91440" tIns="45720" rIns="91440" bIns="45720" rtlCol="0" anchor="t">
+            <a:noAutofit/>
+          </a:bodyPr>
+          <a:lstStyle>
+            <a:lvl1pPr algn="ctr" defTabSz="914400" rtl="0" eaLnBrk="1" latinLnBrk="0" hangingPunct="1">
+              <a:lnSpc>
+                <a:spcPct val="90000"/>
+              </a:lnSpc>
+              <a:spcBef>
+                <a:spcPct val="0"/>
+              </a:spcBef>
+              <a:buNone/>
+              <a:defRPr sz="6000" kern="1200">
+                <a:solidFill>
+                  <a:schemeClr val="tx1"/>
+                </a:solidFill>
+                <a:latin typeface="+mj-lt"/>
+                <a:ea typeface="+mj-ea"/>
+                <a:cs typeface="+mj-cs"/>
+              </a:defRPr>
+            </a:lvl1pPr>
+          </a:lstStyle>
+          <a:p>
+            <a:pPr>
+              <a:lnSpc>
+                <a:spcPct val="150000"/>
+              </a:lnSpc>
+            </a:pPr>
+            <a:r>
+              <a:rPr lang="fr-FR" sz="9600" cap="all" dirty="0">
+                <a:solidFill>
+                  <a:srgbClr val="525252"/>
+                </a:solidFill>
+                <a:latin typeface="Segoe UI Black" panose="020B0A02040204020203" pitchFamily="34" charset="0"/>
+                <a:ea typeface="Segoe UI Black" panose="020B0A02040204020203" pitchFamily="34" charset="0"/>
+              </a:rPr>
+              <a:t>+</a:t>
+            </a:r>
+          </a:p>
+        </p:txBody>
+      </p:sp>
+      <p:pic>
+        <p:nvPicPr>
+          <p:cNvPr id="17" name="Graphique 16" descr="Tête avec engrenages">
+            <a:extLst>
+              <a:ext uri="{FF2B5EF4-FFF2-40B4-BE49-F238E27FC236}">
+                <a16:creationId xmlns:a16="http://schemas.microsoft.com/office/drawing/2014/main" id="{F49251F7-AEC3-9829-CECE-62B156B3A47E}"/>
+              </a:ext>
+            </a:extLst>
+          </p:cNvPr>
+          <p:cNvPicPr>
+            <a:picLocks noChangeAspect="1"/>
+          </p:cNvPicPr>
+          <p:nvPr/>
+        </p:nvPicPr>
+        <p:blipFill>
+          <a:blip r:embed="rId13">
+            <a:extLst>
+              <a:ext uri="{28A0092B-C50C-407E-A947-70E740481C1C}">
+                <a14:useLocalDpi xmlns:a14="http://schemas.microsoft.com/office/drawing/2010/main" val="0"/>
+              </a:ext>
+              <a:ext uri="{96DAC541-7B7A-43D3-8B79-37D633B846F1}">
+                <asvg:svgBlip xmlns:asvg="http://schemas.microsoft.com/office/drawing/2016/SVG/main" r:embed="rId14"/>
+              </a:ext>
+            </a:extLst>
+          </a:blip>
+          <a:stretch>
+            <a:fillRect/>
+          </a:stretch>
+        </p:blipFill>
+        <p:spPr>
+          <a:xfrm>
+            <a:off x="7519416" y="3725146"/>
+            <a:ext cx="1612579" cy="1612579"/>
+          </a:xfrm>
+          <a:prstGeom prst="rect">
+            <a:avLst/>
+          </a:prstGeom>
+        </p:spPr>
+      </p:pic>
+    </p:spTree>
+    <p:extLst>
+      <p:ext uri="{BB962C8B-B14F-4D97-AF65-F5344CB8AC3E}">
+        <p14:creationId xmlns:p14="http://schemas.microsoft.com/office/powerpoint/2010/main" val="771346774"/>
       </p:ext>
     </p:extLst>
   </p:cSld>
@@ -14507,6 +15782,1016 @@
     <p:extLst>
       <p:ext uri="{BB962C8B-B14F-4D97-AF65-F5344CB8AC3E}">
         <p14:creationId xmlns:p14="http://schemas.microsoft.com/office/powerpoint/2010/main" val="867286560"/>
+      </p:ext>
+    </p:extLst>
+  </p:cSld>
+  <p:clrMapOvr>
+    <a:masterClrMapping/>
+  </p:clrMapOvr>
+</p:sld>
+</file>
+
+<file path=ppt/slides/slide30.xml><?xml version="1.0" encoding="utf-8"?>
+<p:sld xmlns:a="http://schemas.openxmlformats.org/drawingml/2006/main" xmlns:r="http://schemas.openxmlformats.org/officeDocument/2006/relationships" xmlns:p="http://schemas.openxmlformats.org/presentationml/2006/main">
+  <p:cSld>
+    <p:bg>
+      <p:bgPr>
+        <a:gradFill flip="none" rotWithShape="1">
+          <a:gsLst>
+            <a:gs pos="0">
+              <a:schemeClr val="accent1">
+                <a:lumMod val="5000"/>
+                <a:lumOff val="95000"/>
+              </a:schemeClr>
+            </a:gs>
+            <a:gs pos="74000">
+              <a:schemeClr val="bg1"/>
+            </a:gs>
+            <a:gs pos="83000">
+              <a:schemeClr val="bg1"/>
+            </a:gs>
+            <a:gs pos="100000">
+              <a:srgbClr val="621516"/>
+            </a:gs>
+          </a:gsLst>
+          <a:lin ang="5400000" scaled="1"/>
+          <a:tileRect/>
+        </a:gradFill>
+        <a:effectLst/>
+      </p:bgPr>
+    </p:bg>
+    <p:spTree>
+      <p:nvGrpSpPr>
+        <p:cNvPr id="1" name=""/>
+        <p:cNvGrpSpPr/>
+        <p:nvPr/>
+      </p:nvGrpSpPr>
+      <p:grpSpPr>
+        <a:xfrm>
+          <a:off x="0" y="0"/>
+          <a:ext cx="0" cy="0"/>
+          <a:chOff x="0" y="0"/>
+          <a:chExt cx="0" cy="0"/>
+        </a:xfrm>
+      </p:grpSpPr>
+      <p:sp>
+        <p:nvSpPr>
+          <p:cNvPr id="2" name="Titre 1">
+            <a:extLst>
+              <a:ext uri="{FF2B5EF4-FFF2-40B4-BE49-F238E27FC236}">
+                <a16:creationId xmlns:a16="http://schemas.microsoft.com/office/drawing/2014/main" id="{62EDAB49-663B-20A7-4386-A8BC2BEB0D35}"/>
+              </a:ext>
+            </a:extLst>
+          </p:cNvPr>
+          <p:cNvSpPr txBox="1">
+            <a:spLocks/>
+          </p:cNvSpPr>
+          <p:nvPr>
+            <p:custDataLst>
+              <p:tags r:id="rId1"/>
+            </p:custDataLst>
+          </p:nvPr>
+        </p:nvSpPr>
+        <p:spPr>
+          <a:xfrm>
+            <a:off x="3741124" y="384164"/>
+            <a:ext cx="4759569" cy="1062625"/>
+          </a:xfrm>
+          <a:prstGeom prst="rect">
+            <a:avLst/>
+          </a:prstGeom>
+        </p:spPr>
+        <p:txBody>
+          <a:bodyPr vert="horz" lIns="91440" tIns="45720" rIns="91440" bIns="45720" rtlCol="0" anchor="t">
+            <a:noAutofit/>
+          </a:bodyPr>
+          <a:lstStyle>
+            <a:lvl1pPr algn="ctr" defTabSz="914400" rtl="0" eaLnBrk="1" latinLnBrk="0" hangingPunct="1">
+              <a:lnSpc>
+                <a:spcPct val="90000"/>
+              </a:lnSpc>
+              <a:spcBef>
+                <a:spcPct val="0"/>
+              </a:spcBef>
+              <a:buNone/>
+              <a:defRPr sz="6000" kern="1200">
+                <a:solidFill>
+                  <a:schemeClr val="tx1"/>
+                </a:solidFill>
+                <a:latin typeface="+mj-lt"/>
+                <a:ea typeface="+mj-ea"/>
+                <a:cs typeface="+mj-cs"/>
+              </a:defRPr>
+            </a:lvl1pPr>
+          </a:lstStyle>
+          <a:p>
+            <a:pPr algn="l">
+              <a:lnSpc>
+                <a:spcPct val="150000"/>
+              </a:lnSpc>
+            </a:pPr>
+            <a:r>
+              <a:rPr lang="fr-FR" sz="4800" cap="all" dirty="0">
+                <a:solidFill>
+                  <a:srgbClr val="621516"/>
+                </a:solidFill>
+                <a:latin typeface="Segoe UI Black" panose="020B0A02040204020203" pitchFamily="34" charset="0"/>
+                <a:ea typeface="Segoe UI Black" panose="020B0A02040204020203" pitchFamily="34" charset="0"/>
+              </a:rPr>
+              <a:t>CONCLUSION :</a:t>
+            </a:r>
+          </a:p>
+        </p:txBody>
+      </p:sp>
+      <p:sp>
+        <p:nvSpPr>
+          <p:cNvPr id="8" name="Espace réservé du numéro de diapositive 2">
+            <a:extLst>
+              <a:ext uri="{FF2B5EF4-FFF2-40B4-BE49-F238E27FC236}">
+                <a16:creationId xmlns:a16="http://schemas.microsoft.com/office/drawing/2014/main" id="{401D1855-D5DB-757A-D335-4F769C1A9B9F}"/>
+              </a:ext>
+            </a:extLst>
+          </p:cNvPr>
+          <p:cNvSpPr txBox="1">
+            <a:spLocks/>
+          </p:cNvSpPr>
+          <p:nvPr>
+            <p:custDataLst>
+              <p:tags r:id="rId2"/>
+            </p:custDataLst>
+          </p:nvPr>
+        </p:nvSpPr>
+        <p:spPr>
+          <a:xfrm>
+            <a:off x="11171300" y="6239446"/>
+            <a:ext cx="811019" cy="503578"/>
+          </a:xfrm>
+          <a:prstGeom prst="rect">
+            <a:avLst/>
+          </a:prstGeom>
+        </p:spPr>
+        <p:txBody>
+          <a:bodyPr vert="horz" lIns="91440" tIns="45720" rIns="91440" bIns="45720" rtlCol="0" anchor="ctr"/>
+          <a:lstStyle>
+            <a:defPPr>
+              <a:defRPr lang="fr-FR"/>
+            </a:defPPr>
+            <a:lvl1pPr marL="0" algn="r" defTabSz="914400" rtl="0" eaLnBrk="1" latinLnBrk="0" hangingPunct="1">
+              <a:defRPr sz="1200" kern="1200">
+                <a:solidFill>
+                  <a:schemeClr val="tx1">
+                    <a:tint val="75000"/>
+                  </a:schemeClr>
+                </a:solidFill>
+                <a:latin typeface="+mn-lt"/>
+                <a:ea typeface="+mn-ea"/>
+                <a:cs typeface="+mn-cs"/>
+              </a:defRPr>
+            </a:lvl1pPr>
+            <a:lvl2pPr marL="457200" algn="l" defTabSz="914400" rtl="0" eaLnBrk="1" latinLnBrk="0" hangingPunct="1">
+              <a:defRPr sz="1800" kern="1200">
+                <a:solidFill>
+                  <a:schemeClr val="tx1"/>
+                </a:solidFill>
+                <a:latin typeface="+mn-lt"/>
+                <a:ea typeface="+mn-ea"/>
+                <a:cs typeface="+mn-cs"/>
+              </a:defRPr>
+            </a:lvl2pPr>
+            <a:lvl3pPr marL="914400" algn="l" defTabSz="914400" rtl="0" eaLnBrk="1" latinLnBrk="0" hangingPunct="1">
+              <a:defRPr sz="1800" kern="1200">
+                <a:solidFill>
+                  <a:schemeClr val="tx1"/>
+                </a:solidFill>
+                <a:latin typeface="+mn-lt"/>
+                <a:ea typeface="+mn-ea"/>
+                <a:cs typeface="+mn-cs"/>
+              </a:defRPr>
+            </a:lvl3pPr>
+            <a:lvl4pPr marL="1371600" algn="l" defTabSz="914400" rtl="0" eaLnBrk="1" latinLnBrk="0" hangingPunct="1">
+              <a:defRPr sz="1800" kern="1200">
+                <a:solidFill>
+                  <a:schemeClr val="tx1"/>
+                </a:solidFill>
+                <a:latin typeface="+mn-lt"/>
+                <a:ea typeface="+mn-ea"/>
+                <a:cs typeface="+mn-cs"/>
+              </a:defRPr>
+            </a:lvl4pPr>
+            <a:lvl5pPr marL="1828800" algn="l" defTabSz="914400" rtl="0" eaLnBrk="1" latinLnBrk="0" hangingPunct="1">
+              <a:defRPr sz="1800" kern="1200">
+                <a:solidFill>
+                  <a:schemeClr val="tx1"/>
+                </a:solidFill>
+                <a:latin typeface="+mn-lt"/>
+                <a:ea typeface="+mn-ea"/>
+                <a:cs typeface="+mn-cs"/>
+              </a:defRPr>
+            </a:lvl5pPr>
+            <a:lvl6pPr marL="2286000" algn="l" defTabSz="914400" rtl="0" eaLnBrk="1" latinLnBrk="0" hangingPunct="1">
+              <a:defRPr sz="1800" kern="1200">
+                <a:solidFill>
+                  <a:schemeClr val="tx1"/>
+                </a:solidFill>
+                <a:latin typeface="+mn-lt"/>
+                <a:ea typeface="+mn-ea"/>
+                <a:cs typeface="+mn-cs"/>
+              </a:defRPr>
+            </a:lvl6pPr>
+            <a:lvl7pPr marL="2743200" algn="l" defTabSz="914400" rtl="0" eaLnBrk="1" latinLnBrk="0" hangingPunct="1">
+              <a:defRPr sz="1800" kern="1200">
+                <a:solidFill>
+                  <a:schemeClr val="tx1"/>
+                </a:solidFill>
+                <a:latin typeface="+mn-lt"/>
+                <a:ea typeface="+mn-ea"/>
+                <a:cs typeface="+mn-cs"/>
+              </a:defRPr>
+            </a:lvl7pPr>
+            <a:lvl8pPr marL="3200400" algn="l" defTabSz="914400" rtl="0" eaLnBrk="1" latinLnBrk="0" hangingPunct="1">
+              <a:defRPr sz="1800" kern="1200">
+                <a:solidFill>
+                  <a:schemeClr val="tx1"/>
+                </a:solidFill>
+                <a:latin typeface="+mn-lt"/>
+                <a:ea typeface="+mn-ea"/>
+                <a:cs typeface="+mn-cs"/>
+              </a:defRPr>
+            </a:lvl8pPr>
+            <a:lvl9pPr marL="3657600" algn="l" defTabSz="914400" rtl="0" eaLnBrk="1" latinLnBrk="0" hangingPunct="1">
+              <a:defRPr sz="1800" kern="1200">
+                <a:solidFill>
+                  <a:schemeClr val="tx1"/>
+                </a:solidFill>
+                <a:latin typeface="+mn-lt"/>
+                <a:ea typeface="+mn-ea"/>
+                <a:cs typeface="+mn-cs"/>
+              </a:defRPr>
+            </a:lvl9pPr>
+          </a:lstStyle>
+          <a:p>
+            <a:fld id="{C01389E6-C847-4AD0-B56D-D205B2EAB1EE}" type="slidenum">
+              <a:rPr lang="en-US" sz="3200" smtClean="0">
+                <a:solidFill>
+                  <a:schemeClr val="bg1"/>
+                </a:solidFill>
+                <a:latin typeface="Gill Sans MT" panose="020B0502020104020203" pitchFamily="34" charset="0"/>
+              </a:rPr>
+              <a:pPr/>
+              <a:t>30</a:t>
+            </a:fld>
+            <a:endParaRPr lang="en-US" sz="3200" dirty="0">
+              <a:solidFill>
+                <a:schemeClr val="bg1"/>
+              </a:solidFill>
+              <a:latin typeface="Gill Sans MT" panose="020B0502020104020203" pitchFamily="34" charset="0"/>
+            </a:endParaRPr>
+          </a:p>
+        </p:txBody>
+      </p:sp>
+      <p:pic>
+        <p:nvPicPr>
+          <p:cNvPr id="3" name="Graphique 2" descr="Engrenage">
+            <a:extLst>
+              <a:ext uri="{FF2B5EF4-FFF2-40B4-BE49-F238E27FC236}">
+                <a16:creationId xmlns:a16="http://schemas.microsoft.com/office/drawing/2014/main" id="{2E58558E-7EDA-C72D-ED1A-2AF3F87718E0}"/>
+              </a:ext>
+            </a:extLst>
+          </p:cNvPr>
+          <p:cNvPicPr>
+            <a:picLocks noChangeAspect="1"/>
+          </p:cNvPicPr>
+          <p:nvPr>
+            <p:custDataLst>
+              <p:tags r:id="rId3"/>
+            </p:custDataLst>
+          </p:nvPr>
+        </p:nvPicPr>
+        <p:blipFill>
+          <a:blip r:embed="rId12">
+            <a:extLst>
+              <a:ext uri="{28A0092B-C50C-407E-A947-70E740481C1C}">
+                <a14:useLocalDpi xmlns:a14="http://schemas.microsoft.com/office/drawing/2010/main" val="0"/>
+              </a:ext>
+              <a:ext uri="{96DAC541-7B7A-43D3-8B79-37D633B846F1}">
+                <asvg:svgBlip xmlns:asvg="http://schemas.microsoft.com/office/drawing/2016/SVG/main" r:embed="rId13"/>
+              </a:ext>
+            </a:extLst>
+          </a:blip>
+          <a:stretch>
+            <a:fillRect/>
+          </a:stretch>
+        </p:blipFill>
+        <p:spPr>
+          <a:xfrm>
+            <a:off x="1201371" y="1506485"/>
+            <a:ext cx="888261" cy="914400"/>
+          </a:xfrm>
+          <a:prstGeom prst="rect">
+            <a:avLst/>
+          </a:prstGeom>
+        </p:spPr>
+      </p:pic>
+      <p:sp>
+        <p:nvSpPr>
+          <p:cNvPr id="4" name="Titre 1">
+            <a:extLst>
+              <a:ext uri="{FF2B5EF4-FFF2-40B4-BE49-F238E27FC236}">
+                <a16:creationId xmlns:a16="http://schemas.microsoft.com/office/drawing/2014/main" id="{E6FBF720-CE6A-6DEB-168B-A1D2452B8BC6}"/>
+              </a:ext>
+            </a:extLst>
+          </p:cNvPr>
+          <p:cNvSpPr txBox="1">
+            <a:spLocks/>
+          </p:cNvSpPr>
+          <p:nvPr>
+            <p:custDataLst>
+              <p:tags r:id="rId4"/>
+            </p:custDataLst>
+          </p:nvPr>
+        </p:nvSpPr>
+        <p:spPr>
+          <a:xfrm>
+            <a:off x="2089632" y="1496092"/>
+            <a:ext cx="8777660" cy="778324"/>
+          </a:xfrm>
+          <a:prstGeom prst="rect">
+            <a:avLst/>
+          </a:prstGeom>
+        </p:spPr>
+        <p:txBody>
+          <a:bodyPr vert="horz" lIns="91440" tIns="45720" rIns="91440" bIns="45720" rtlCol="0" anchor="t">
+            <a:noAutofit/>
+          </a:bodyPr>
+          <a:lstStyle>
+            <a:lvl1pPr algn="ctr" defTabSz="914400" rtl="0" eaLnBrk="1" latinLnBrk="0" hangingPunct="1">
+              <a:lnSpc>
+                <a:spcPct val="90000"/>
+              </a:lnSpc>
+              <a:spcBef>
+                <a:spcPct val="0"/>
+              </a:spcBef>
+              <a:buNone/>
+              <a:defRPr sz="6000" kern="1200">
+                <a:solidFill>
+                  <a:schemeClr val="tx1"/>
+                </a:solidFill>
+                <a:latin typeface="+mj-lt"/>
+                <a:ea typeface="+mj-ea"/>
+                <a:cs typeface="+mj-cs"/>
+              </a:defRPr>
+            </a:lvl1pPr>
+          </a:lstStyle>
+          <a:p>
+            <a:pPr algn="l">
+              <a:lnSpc>
+                <a:spcPct val="100000"/>
+              </a:lnSpc>
+            </a:pPr>
+            <a:r>
+              <a:rPr lang="fr-FR" sz="2800" dirty="0">
+                <a:solidFill>
+                  <a:srgbClr val="525252"/>
+                </a:solidFill>
+                <a:latin typeface="Franklin Gothic Heavy" panose="020B0903020102020204" pitchFamily="34" charset="0"/>
+              </a:rPr>
+              <a:t>LES PREMIÈRES BRIQUES DU DÉPLOIEMENT SONT EN PLACE.</a:t>
+            </a:r>
+            <a:endParaRPr lang="fr-FR" sz="2800" cap="all" dirty="0">
+              <a:solidFill>
+                <a:srgbClr val="10181D"/>
+              </a:solidFill>
+              <a:latin typeface="Franklin Gothic Heavy" panose="020B0903020102020204" pitchFamily="34" charset="0"/>
+            </a:endParaRPr>
+          </a:p>
+        </p:txBody>
+      </p:sp>
+      <p:pic>
+        <p:nvPicPr>
+          <p:cNvPr id="5" name="Graphique 4" descr="Engrenage">
+            <a:extLst>
+              <a:ext uri="{FF2B5EF4-FFF2-40B4-BE49-F238E27FC236}">
+                <a16:creationId xmlns:a16="http://schemas.microsoft.com/office/drawing/2014/main" id="{7438FAB6-A4C8-4B96-E889-EF9B276A7124}"/>
+              </a:ext>
+            </a:extLst>
+          </p:cNvPr>
+          <p:cNvPicPr>
+            <a:picLocks noChangeAspect="1"/>
+          </p:cNvPicPr>
+          <p:nvPr>
+            <p:custDataLst>
+              <p:tags r:id="rId5"/>
+            </p:custDataLst>
+          </p:nvPr>
+        </p:nvPicPr>
+        <p:blipFill>
+          <a:blip r:embed="rId12">
+            <a:extLst>
+              <a:ext uri="{28A0092B-C50C-407E-A947-70E740481C1C}">
+                <a14:useLocalDpi xmlns:a14="http://schemas.microsoft.com/office/drawing/2010/main" val="0"/>
+              </a:ext>
+              <a:ext uri="{96DAC541-7B7A-43D3-8B79-37D633B846F1}">
+                <asvg:svgBlip xmlns:asvg="http://schemas.microsoft.com/office/drawing/2016/SVG/main" r:embed="rId13"/>
+              </a:ext>
+            </a:extLst>
+          </a:blip>
+          <a:stretch>
+            <a:fillRect/>
+          </a:stretch>
+        </p:blipFill>
+        <p:spPr>
+          <a:xfrm>
+            <a:off x="1192704" y="2581048"/>
+            <a:ext cx="888261" cy="914400"/>
+          </a:xfrm>
+          <a:prstGeom prst="rect">
+            <a:avLst/>
+          </a:prstGeom>
+        </p:spPr>
+      </p:pic>
+      <p:sp>
+        <p:nvSpPr>
+          <p:cNvPr id="6" name="Titre 1">
+            <a:extLst>
+              <a:ext uri="{FF2B5EF4-FFF2-40B4-BE49-F238E27FC236}">
+                <a16:creationId xmlns:a16="http://schemas.microsoft.com/office/drawing/2014/main" id="{BE263A90-EDCC-B9A7-F712-728B536AE88C}"/>
+              </a:ext>
+            </a:extLst>
+          </p:cNvPr>
+          <p:cNvSpPr txBox="1">
+            <a:spLocks/>
+          </p:cNvSpPr>
+          <p:nvPr>
+            <p:custDataLst>
+              <p:tags r:id="rId6"/>
+            </p:custDataLst>
+          </p:nvPr>
+        </p:nvSpPr>
+        <p:spPr>
+          <a:xfrm>
+            <a:off x="2048483" y="2514600"/>
+            <a:ext cx="8062552" cy="778324"/>
+          </a:xfrm>
+          <a:prstGeom prst="rect">
+            <a:avLst/>
+          </a:prstGeom>
+        </p:spPr>
+        <p:txBody>
+          <a:bodyPr vert="horz" lIns="91440" tIns="45720" rIns="91440" bIns="45720" rtlCol="0" anchor="t">
+            <a:noAutofit/>
+          </a:bodyPr>
+          <a:lstStyle>
+            <a:lvl1pPr algn="ctr" defTabSz="914400" rtl="0" eaLnBrk="1" latinLnBrk="0" hangingPunct="1">
+              <a:lnSpc>
+                <a:spcPct val="90000"/>
+              </a:lnSpc>
+              <a:spcBef>
+                <a:spcPct val="0"/>
+              </a:spcBef>
+              <a:buNone/>
+              <a:defRPr sz="6000" kern="1200">
+                <a:solidFill>
+                  <a:schemeClr val="tx1"/>
+                </a:solidFill>
+                <a:latin typeface="+mj-lt"/>
+                <a:ea typeface="+mj-ea"/>
+                <a:cs typeface="+mj-cs"/>
+              </a:defRPr>
+            </a:lvl1pPr>
+          </a:lstStyle>
+          <a:p>
+            <a:pPr algn="l">
+              <a:lnSpc>
+                <a:spcPct val="100000"/>
+              </a:lnSpc>
+            </a:pPr>
+            <a:r>
+              <a:rPr lang="fr-FR" sz="2800" dirty="0">
+                <a:solidFill>
+                  <a:srgbClr val="525252"/>
+                </a:solidFill>
+                <a:latin typeface="Franklin Gothic Heavy" panose="020B0903020102020204" pitchFamily="34" charset="0"/>
+              </a:rPr>
+              <a:t>MAIS UN BON MODÈLE VA NÉCESSITER UN VÉRITABLE BUDGET…</a:t>
+            </a:r>
+            <a:endParaRPr lang="fr-FR" sz="2800" cap="all" dirty="0">
+              <a:solidFill>
+                <a:srgbClr val="10181D"/>
+              </a:solidFill>
+              <a:latin typeface="Franklin Gothic Heavy" panose="020B0903020102020204" pitchFamily="34" charset="0"/>
+            </a:endParaRPr>
+          </a:p>
+        </p:txBody>
+      </p:sp>
+      <p:pic>
+        <p:nvPicPr>
+          <p:cNvPr id="7" name="Graphique 6" descr="Engrenage">
+            <a:extLst>
+              <a:ext uri="{FF2B5EF4-FFF2-40B4-BE49-F238E27FC236}">
+                <a16:creationId xmlns:a16="http://schemas.microsoft.com/office/drawing/2014/main" id="{7C47F082-6B08-4D75-0F4E-6AEDB9C99674}"/>
+              </a:ext>
+            </a:extLst>
+          </p:cNvPr>
+          <p:cNvPicPr>
+            <a:picLocks noChangeAspect="1"/>
+          </p:cNvPicPr>
+          <p:nvPr>
+            <p:custDataLst>
+              <p:tags r:id="rId7"/>
+            </p:custDataLst>
+          </p:nvPr>
+        </p:nvPicPr>
+        <p:blipFill>
+          <a:blip r:embed="rId12">
+            <a:extLst>
+              <a:ext uri="{28A0092B-C50C-407E-A947-70E740481C1C}">
+                <a14:useLocalDpi xmlns:a14="http://schemas.microsoft.com/office/drawing/2010/main" val="0"/>
+              </a:ext>
+              <a:ext uri="{96DAC541-7B7A-43D3-8B79-37D633B846F1}">
+                <asvg:svgBlip xmlns:asvg="http://schemas.microsoft.com/office/drawing/2016/SVG/main" r:embed="rId13"/>
+              </a:ext>
+            </a:extLst>
+          </a:blip>
+          <a:stretch>
+            <a:fillRect/>
+          </a:stretch>
+        </p:blipFill>
+        <p:spPr>
+          <a:xfrm>
+            <a:off x="1201370" y="3664213"/>
+            <a:ext cx="888261" cy="914400"/>
+          </a:xfrm>
+          <a:prstGeom prst="rect">
+            <a:avLst/>
+          </a:prstGeom>
+        </p:spPr>
+      </p:pic>
+      <p:pic>
+        <p:nvPicPr>
+          <p:cNvPr id="10" name="Graphique 9" descr="Engrenage">
+            <a:extLst>
+              <a:ext uri="{FF2B5EF4-FFF2-40B4-BE49-F238E27FC236}">
+                <a16:creationId xmlns:a16="http://schemas.microsoft.com/office/drawing/2014/main" id="{ED3271FC-0B51-4D6F-ABBC-3A663A0D4C49}"/>
+              </a:ext>
+            </a:extLst>
+          </p:cNvPr>
+          <p:cNvPicPr>
+            <a:picLocks noChangeAspect="1"/>
+          </p:cNvPicPr>
+          <p:nvPr>
+            <p:custDataLst>
+              <p:tags r:id="rId8"/>
+            </p:custDataLst>
+          </p:nvPr>
+        </p:nvPicPr>
+        <p:blipFill>
+          <a:blip r:embed="rId12">
+            <a:extLst>
+              <a:ext uri="{28A0092B-C50C-407E-A947-70E740481C1C}">
+                <a14:useLocalDpi xmlns:a14="http://schemas.microsoft.com/office/drawing/2010/main" val="0"/>
+              </a:ext>
+              <a:ext uri="{96DAC541-7B7A-43D3-8B79-37D633B846F1}">
+                <asvg:svgBlip xmlns:asvg="http://schemas.microsoft.com/office/drawing/2016/SVG/main" r:embed="rId13"/>
+              </a:ext>
+            </a:extLst>
+          </a:blip>
+          <a:stretch>
+            <a:fillRect/>
+          </a:stretch>
+        </p:blipFill>
+        <p:spPr>
+          <a:xfrm>
+            <a:off x="1214441" y="4718591"/>
+            <a:ext cx="888261" cy="914400"/>
+          </a:xfrm>
+          <a:prstGeom prst="rect">
+            <a:avLst/>
+          </a:prstGeom>
+        </p:spPr>
+      </p:pic>
+      <p:sp>
+        <p:nvSpPr>
+          <p:cNvPr id="11" name="Titre 1">
+            <a:extLst>
+              <a:ext uri="{FF2B5EF4-FFF2-40B4-BE49-F238E27FC236}">
+                <a16:creationId xmlns:a16="http://schemas.microsoft.com/office/drawing/2014/main" id="{F374D36D-5F86-25C4-4040-D1DACABD6150}"/>
+              </a:ext>
+            </a:extLst>
+          </p:cNvPr>
+          <p:cNvSpPr txBox="1">
+            <a:spLocks/>
+          </p:cNvSpPr>
+          <p:nvPr>
+            <p:custDataLst>
+              <p:tags r:id="rId9"/>
+            </p:custDataLst>
+          </p:nvPr>
+        </p:nvSpPr>
+        <p:spPr>
+          <a:xfrm>
+            <a:off x="2048483" y="4687884"/>
+            <a:ext cx="9114702" cy="778324"/>
+          </a:xfrm>
+          <a:prstGeom prst="rect">
+            <a:avLst/>
+          </a:prstGeom>
+        </p:spPr>
+        <p:txBody>
+          <a:bodyPr vert="horz" lIns="91440" tIns="45720" rIns="91440" bIns="45720" rtlCol="0" anchor="t">
+            <a:noAutofit/>
+          </a:bodyPr>
+          <a:lstStyle>
+            <a:lvl1pPr algn="ctr" defTabSz="914400" rtl="0" eaLnBrk="1" latinLnBrk="0" hangingPunct="1">
+              <a:lnSpc>
+                <a:spcPct val="90000"/>
+              </a:lnSpc>
+              <a:spcBef>
+                <a:spcPct val="0"/>
+              </a:spcBef>
+              <a:buNone/>
+              <a:defRPr sz="6000" kern="1200">
+                <a:solidFill>
+                  <a:schemeClr val="tx1"/>
+                </a:solidFill>
+                <a:latin typeface="+mj-lt"/>
+                <a:ea typeface="+mj-ea"/>
+                <a:cs typeface="+mj-cs"/>
+              </a:defRPr>
+            </a:lvl1pPr>
+          </a:lstStyle>
+          <a:p>
+            <a:pPr algn="l">
+              <a:lnSpc>
+                <a:spcPct val="100000"/>
+              </a:lnSpc>
+            </a:pPr>
+            <a:r>
+              <a:rPr lang="fr-FR" sz="2800" cap="all" dirty="0">
+                <a:solidFill>
+                  <a:srgbClr val="525252"/>
+                </a:solidFill>
+                <a:latin typeface="Franklin Gothic Heavy" panose="020B0903020102020204" pitchFamily="34" charset="0"/>
+              </a:rPr>
+              <a:t>les contraintes budgétaires et techniques ont pesé très fortement sur ce projet.</a:t>
+            </a:r>
+            <a:endParaRPr lang="fr-FR" sz="2800" cap="all" dirty="0">
+              <a:solidFill>
+                <a:srgbClr val="10181D"/>
+              </a:solidFill>
+              <a:latin typeface="Franklin Gothic Heavy" panose="020B0903020102020204" pitchFamily="34" charset="0"/>
+            </a:endParaRPr>
+          </a:p>
+        </p:txBody>
+      </p:sp>
+      <p:sp>
+        <p:nvSpPr>
+          <p:cNvPr id="12" name="Titre 1">
+            <a:extLst>
+              <a:ext uri="{FF2B5EF4-FFF2-40B4-BE49-F238E27FC236}">
+                <a16:creationId xmlns:a16="http://schemas.microsoft.com/office/drawing/2014/main" id="{455AC645-6D72-D1AA-C3CC-9BD5C6E00946}"/>
+              </a:ext>
+            </a:extLst>
+          </p:cNvPr>
+          <p:cNvSpPr txBox="1">
+            <a:spLocks/>
+          </p:cNvSpPr>
+          <p:nvPr>
+            <p:custDataLst>
+              <p:tags r:id="rId10"/>
+            </p:custDataLst>
+          </p:nvPr>
+        </p:nvSpPr>
+        <p:spPr>
+          <a:xfrm>
+            <a:off x="2048483" y="3635425"/>
+            <a:ext cx="8062552" cy="778324"/>
+          </a:xfrm>
+          <a:prstGeom prst="rect">
+            <a:avLst/>
+          </a:prstGeom>
+        </p:spPr>
+        <p:txBody>
+          <a:bodyPr vert="horz" lIns="91440" tIns="45720" rIns="91440" bIns="45720" rtlCol="0" anchor="t">
+            <a:noAutofit/>
+          </a:bodyPr>
+          <a:lstStyle>
+            <a:lvl1pPr algn="ctr" defTabSz="914400" rtl="0" eaLnBrk="1" latinLnBrk="0" hangingPunct="1">
+              <a:lnSpc>
+                <a:spcPct val="90000"/>
+              </a:lnSpc>
+              <a:spcBef>
+                <a:spcPct val="0"/>
+              </a:spcBef>
+              <a:buNone/>
+              <a:defRPr sz="6000" kern="1200">
+                <a:solidFill>
+                  <a:schemeClr val="tx1"/>
+                </a:solidFill>
+                <a:latin typeface="+mj-lt"/>
+                <a:ea typeface="+mj-ea"/>
+                <a:cs typeface="+mj-cs"/>
+              </a:defRPr>
+            </a:lvl1pPr>
+          </a:lstStyle>
+          <a:p>
+            <a:pPr algn="l">
+              <a:lnSpc>
+                <a:spcPct val="100000"/>
+              </a:lnSpc>
+            </a:pPr>
+            <a:r>
+              <a:rPr lang="fr-FR" sz="2800" dirty="0">
+                <a:solidFill>
+                  <a:srgbClr val="525252"/>
+                </a:solidFill>
+                <a:latin typeface="Franklin Gothic Heavy" panose="020B0903020102020204" pitchFamily="34" charset="0"/>
+              </a:rPr>
+              <a:t>ET CERTAINEMENT AUSSI DES RESSOURCES TECHNIQUES (ADMINISTRATEUR RÉSEAU).</a:t>
+            </a:r>
+            <a:endParaRPr lang="fr-FR" sz="2800" cap="all" dirty="0">
+              <a:solidFill>
+                <a:srgbClr val="10181D"/>
+              </a:solidFill>
+              <a:latin typeface="Franklin Gothic Heavy" panose="020B0903020102020204" pitchFamily="34" charset="0"/>
+            </a:endParaRPr>
+          </a:p>
+        </p:txBody>
+      </p:sp>
+    </p:spTree>
+    <p:extLst>
+      <p:ext uri="{BB962C8B-B14F-4D97-AF65-F5344CB8AC3E}">
+        <p14:creationId xmlns:p14="http://schemas.microsoft.com/office/powerpoint/2010/main" val="1925902729"/>
+      </p:ext>
+    </p:extLst>
+  </p:cSld>
+  <p:clrMapOvr>
+    <a:masterClrMapping/>
+  </p:clrMapOvr>
+</p:sld>
+</file>
+
+<file path=ppt/slides/slide31.xml><?xml version="1.0" encoding="utf-8"?>
+<p:sld xmlns:a="http://schemas.openxmlformats.org/drawingml/2006/main" xmlns:r="http://schemas.openxmlformats.org/officeDocument/2006/relationships" xmlns:p="http://schemas.openxmlformats.org/presentationml/2006/main">
+  <p:cSld>
+    <p:bg>
+      <p:bgPr>
+        <a:gradFill flip="none" rotWithShape="1">
+          <a:gsLst>
+            <a:gs pos="0">
+              <a:schemeClr val="accent1">
+                <a:lumMod val="5000"/>
+                <a:lumOff val="95000"/>
+              </a:schemeClr>
+            </a:gs>
+            <a:gs pos="74000">
+              <a:schemeClr val="bg1"/>
+            </a:gs>
+            <a:gs pos="83000">
+              <a:schemeClr val="bg1"/>
+            </a:gs>
+            <a:gs pos="100000">
+              <a:srgbClr val="621516"/>
+            </a:gs>
+          </a:gsLst>
+          <a:lin ang="5400000" scaled="1"/>
+          <a:tileRect/>
+        </a:gradFill>
+        <a:effectLst/>
+      </p:bgPr>
+    </p:bg>
+    <p:spTree>
+      <p:nvGrpSpPr>
+        <p:cNvPr id="1" name=""/>
+        <p:cNvGrpSpPr/>
+        <p:nvPr/>
+      </p:nvGrpSpPr>
+      <p:grpSpPr>
+        <a:xfrm>
+          <a:off x="0" y="0"/>
+          <a:ext cx="0" cy="0"/>
+          <a:chOff x="0" y="0"/>
+          <a:chExt cx="0" cy="0"/>
+        </a:xfrm>
+      </p:grpSpPr>
+      <p:sp>
+        <p:nvSpPr>
+          <p:cNvPr id="2" name="Titre 1">
+            <a:extLst>
+              <a:ext uri="{FF2B5EF4-FFF2-40B4-BE49-F238E27FC236}">
+                <a16:creationId xmlns:a16="http://schemas.microsoft.com/office/drawing/2014/main" id="{62EDAB49-663B-20A7-4386-A8BC2BEB0D35}"/>
+              </a:ext>
+            </a:extLst>
+          </p:cNvPr>
+          <p:cNvSpPr txBox="1">
+            <a:spLocks/>
+          </p:cNvSpPr>
+          <p:nvPr>
+            <p:custDataLst>
+              <p:tags r:id="rId1"/>
+            </p:custDataLst>
+          </p:nvPr>
+        </p:nvSpPr>
+        <p:spPr>
+          <a:xfrm>
+            <a:off x="2251554" y="1564186"/>
+            <a:ext cx="7688892" cy="1062625"/>
+          </a:xfrm>
+          <a:prstGeom prst="rect">
+            <a:avLst/>
+          </a:prstGeom>
+        </p:spPr>
+        <p:txBody>
+          <a:bodyPr vert="horz" lIns="91440" tIns="45720" rIns="91440" bIns="45720" rtlCol="0" anchor="t">
+            <a:noAutofit/>
+          </a:bodyPr>
+          <a:lstStyle>
+            <a:lvl1pPr algn="ctr" defTabSz="914400" rtl="0" eaLnBrk="1" latinLnBrk="0" hangingPunct="1">
+              <a:lnSpc>
+                <a:spcPct val="90000"/>
+              </a:lnSpc>
+              <a:spcBef>
+                <a:spcPct val="0"/>
+              </a:spcBef>
+              <a:buNone/>
+              <a:defRPr sz="6000" kern="1200">
+                <a:solidFill>
+                  <a:schemeClr val="tx1"/>
+                </a:solidFill>
+                <a:latin typeface="+mj-lt"/>
+                <a:ea typeface="+mj-ea"/>
+                <a:cs typeface="+mj-cs"/>
+              </a:defRPr>
+            </a:lvl1pPr>
+          </a:lstStyle>
+          <a:p>
+            <a:pPr>
+              <a:lnSpc>
+                <a:spcPct val="150000"/>
+              </a:lnSpc>
+            </a:pPr>
+            <a:r>
+              <a:rPr lang="fr-FR" sz="4800" cap="all" dirty="0">
+                <a:solidFill>
+                  <a:srgbClr val="621516"/>
+                </a:solidFill>
+                <a:latin typeface="Segoe UI Black" panose="020B0A02040204020203" pitchFamily="34" charset="0"/>
+                <a:ea typeface="Segoe UI Black" panose="020B0A02040204020203" pitchFamily="34" charset="0"/>
+              </a:rPr>
+              <a:t>MERCI DE VOTRE ATTENTION !</a:t>
+            </a:r>
+          </a:p>
+        </p:txBody>
+      </p:sp>
+      <p:sp>
+        <p:nvSpPr>
+          <p:cNvPr id="8" name="Espace réservé du numéro de diapositive 2">
+            <a:extLst>
+              <a:ext uri="{FF2B5EF4-FFF2-40B4-BE49-F238E27FC236}">
+                <a16:creationId xmlns:a16="http://schemas.microsoft.com/office/drawing/2014/main" id="{401D1855-D5DB-757A-D335-4F769C1A9B9F}"/>
+              </a:ext>
+            </a:extLst>
+          </p:cNvPr>
+          <p:cNvSpPr txBox="1">
+            <a:spLocks/>
+          </p:cNvSpPr>
+          <p:nvPr>
+            <p:custDataLst>
+              <p:tags r:id="rId2"/>
+            </p:custDataLst>
+          </p:nvPr>
+        </p:nvSpPr>
+        <p:spPr>
+          <a:xfrm>
+            <a:off x="11171300" y="6239446"/>
+            <a:ext cx="811019" cy="503578"/>
+          </a:xfrm>
+          <a:prstGeom prst="rect">
+            <a:avLst/>
+          </a:prstGeom>
+        </p:spPr>
+        <p:txBody>
+          <a:bodyPr vert="horz" lIns="91440" tIns="45720" rIns="91440" bIns="45720" rtlCol="0" anchor="ctr"/>
+          <a:lstStyle>
+            <a:defPPr>
+              <a:defRPr lang="fr-FR"/>
+            </a:defPPr>
+            <a:lvl1pPr marL="0" algn="r" defTabSz="914400" rtl="0" eaLnBrk="1" latinLnBrk="0" hangingPunct="1">
+              <a:defRPr sz="1200" kern="1200">
+                <a:solidFill>
+                  <a:schemeClr val="tx1">
+                    <a:tint val="75000"/>
+                  </a:schemeClr>
+                </a:solidFill>
+                <a:latin typeface="+mn-lt"/>
+                <a:ea typeface="+mn-ea"/>
+                <a:cs typeface="+mn-cs"/>
+              </a:defRPr>
+            </a:lvl1pPr>
+            <a:lvl2pPr marL="457200" algn="l" defTabSz="914400" rtl="0" eaLnBrk="1" latinLnBrk="0" hangingPunct="1">
+              <a:defRPr sz="1800" kern="1200">
+                <a:solidFill>
+                  <a:schemeClr val="tx1"/>
+                </a:solidFill>
+                <a:latin typeface="+mn-lt"/>
+                <a:ea typeface="+mn-ea"/>
+                <a:cs typeface="+mn-cs"/>
+              </a:defRPr>
+            </a:lvl2pPr>
+            <a:lvl3pPr marL="914400" algn="l" defTabSz="914400" rtl="0" eaLnBrk="1" latinLnBrk="0" hangingPunct="1">
+              <a:defRPr sz="1800" kern="1200">
+                <a:solidFill>
+                  <a:schemeClr val="tx1"/>
+                </a:solidFill>
+                <a:latin typeface="+mn-lt"/>
+                <a:ea typeface="+mn-ea"/>
+                <a:cs typeface="+mn-cs"/>
+              </a:defRPr>
+            </a:lvl3pPr>
+            <a:lvl4pPr marL="1371600" algn="l" defTabSz="914400" rtl="0" eaLnBrk="1" latinLnBrk="0" hangingPunct="1">
+              <a:defRPr sz="1800" kern="1200">
+                <a:solidFill>
+                  <a:schemeClr val="tx1"/>
+                </a:solidFill>
+                <a:latin typeface="+mn-lt"/>
+                <a:ea typeface="+mn-ea"/>
+                <a:cs typeface="+mn-cs"/>
+              </a:defRPr>
+            </a:lvl4pPr>
+            <a:lvl5pPr marL="1828800" algn="l" defTabSz="914400" rtl="0" eaLnBrk="1" latinLnBrk="0" hangingPunct="1">
+              <a:defRPr sz="1800" kern="1200">
+                <a:solidFill>
+                  <a:schemeClr val="tx1"/>
+                </a:solidFill>
+                <a:latin typeface="+mn-lt"/>
+                <a:ea typeface="+mn-ea"/>
+                <a:cs typeface="+mn-cs"/>
+              </a:defRPr>
+            </a:lvl5pPr>
+            <a:lvl6pPr marL="2286000" algn="l" defTabSz="914400" rtl="0" eaLnBrk="1" latinLnBrk="0" hangingPunct="1">
+              <a:defRPr sz="1800" kern="1200">
+                <a:solidFill>
+                  <a:schemeClr val="tx1"/>
+                </a:solidFill>
+                <a:latin typeface="+mn-lt"/>
+                <a:ea typeface="+mn-ea"/>
+                <a:cs typeface="+mn-cs"/>
+              </a:defRPr>
+            </a:lvl6pPr>
+            <a:lvl7pPr marL="2743200" algn="l" defTabSz="914400" rtl="0" eaLnBrk="1" latinLnBrk="0" hangingPunct="1">
+              <a:defRPr sz="1800" kern="1200">
+                <a:solidFill>
+                  <a:schemeClr val="tx1"/>
+                </a:solidFill>
+                <a:latin typeface="+mn-lt"/>
+                <a:ea typeface="+mn-ea"/>
+                <a:cs typeface="+mn-cs"/>
+              </a:defRPr>
+            </a:lvl7pPr>
+            <a:lvl8pPr marL="3200400" algn="l" defTabSz="914400" rtl="0" eaLnBrk="1" latinLnBrk="0" hangingPunct="1">
+              <a:defRPr sz="1800" kern="1200">
+                <a:solidFill>
+                  <a:schemeClr val="tx1"/>
+                </a:solidFill>
+                <a:latin typeface="+mn-lt"/>
+                <a:ea typeface="+mn-ea"/>
+                <a:cs typeface="+mn-cs"/>
+              </a:defRPr>
+            </a:lvl8pPr>
+            <a:lvl9pPr marL="3657600" algn="l" defTabSz="914400" rtl="0" eaLnBrk="1" latinLnBrk="0" hangingPunct="1">
+              <a:defRPr sz="1800" kern="1200">
+                <a:solidFill>
+                  <a:schemeClr val="tx1"/>
+                </a:solidFill>
+                <a:latin typeface="+mn-lt"/>
+                <a:ea typeface="+mn-ea"/>
+                <a:cs typeface="+mn-cs"/>
+              </a:defRPr>
+            </a:lvl9pPr>
+          </a:lstStyle>
+          <a:p>
+            <a:fld id="{C01389E6-C847-4AD0-B56D-D205B2EAB1EE}" type="slidenum">
+              <a:rPr lang="en-US" sz="3200" smtClean="0">
+                <a:solidFill>
+                  <a:schemeClr val="bg1"/>
+                </a:solidFill>
+                <a:latin typeface="Gill Sans MT" panose="020B0502020104020203" pitchFamily="34" charset="0"/>
+              </a:rPr>
+              <a:pPr/>
+              <a:t>31</a:t>
+            </a:fld>
+            <a:endParaRPr lang="en-US" sz="3200" dirty="0">
+              <a:solidFill>
+                <a:schemeClr val="bg1"/>
+              </a:solidFill>
+              <a:latin typeface="Gill Sans MT" panose="020B0502020104020203" pitchFamily="34" charset="0"/>
+            </a:endParaRPr>
+          </a:p>
+        </p:txBody>
+      </p:sp>
+    </p:spTree>
+    <p:extLst>
+      <p:ext uri="{BB962C8B-B14F-4D97-AF65-F5344CB8AC3E}">
+        <p14:creationId xmlns:p14="http://schemas.microsoft.com/office/powerpoint/2010/main" val="1121566493"/>
       </p:ext>
     </p:extLst>
   </p:cSld>
@@ -17287,13 +19572,13 @@
           <p:nvPr/>
         </p:nvPicPr>
         <p:blipFill>
-          <a:blip r:embed="rId7">
+          <a:blip r:embed="rId10">
             <a:extLst>
               <a:ext uri="{28A0092B-C50C-407E-A947-70E740481C1C}">
                 <a14:useLocalDpi xmlns:a14="http://schemas.microsoft.com/office/drawing/2010/main" val="0"/>
               </a:ext>
               <a:ext uri="{96DAC541-7B7A-43D3-8B79-37D633B846F1}">
-                <asvg:svgBlip xmlns:asvg="http://schemas.microsoft.com/office/drawing/2016/SVG/main" r:embed="rId8"/>
+                <asvg:svgBlip xmlns:asvg="http://schemas.microsoft.com/office/drawing/2016/SVG/main" r:embed="rId11"/>
               </a:ext>
             </a:extLst>
           </a:blip>
@@ -17303,8 +19588,8 @@
         </p:blipFill>
         <p:spPr>
           <a:xfrm>
-            <a:off x="929771" y="1782227"/>
-            <a:ext cx="2904396" cy="2904396"/>
+            <a:off x="1634267" y="3771124"/>
+            <a:ext cx="1592280" cy="1592280"/>
           </a:xfrm>
           <a:prstGeom prst="rect">
             <a:avLst/>
@@ -17331,7 +19616,7 @@
         </p:nvSpPr>
         <p:spPr>
           <a:xfrm>
-            <a:off x="856981" y="3961694"/>
+            <a:off x="893373" y="4632144"/>
             <a:ext cx="3012831" cy="1062625"/>
           </a:xfrm>
           <a:prstGeom prst="rect">
@@ -17412,13 +19697,13 @@
           <p:nvPr/>
         </p:nvPicPr>
         <p:blipFill>
-          <a:blip r:embed="rId9">
+          <a:blip r:embed="rId12">
             <a:extLst>
               <a:ext uri="{28A0092B-C50C-407E-A947-70E740481C1C}">
                 <a14:useLocalDpi xmlns:a14="http://schemas.microsoft.com/office/drawing/2010/main" val="0"/>
               </a:ext>
               <a:ext uri="{96DAC541-7B7A-43D3-8B79-37D633B846F1}">
-                <asvg:svgBlip xmlns:asvg="http://schemas.microsoft.com/office/drawing/2016/SVG/main" r:embed="rId10"/>
+                <asvg:svgBlip xmlns:asvg="http://schemas.microsoft.com/office/drawing/2016/SVG/main" r:embed="rId13"/>
               </a:ext>
             </a:extLst>
           </a:blip>
@@ -17428,8 +19713,8 @@
         </p:blipFill>
         <p:spPr>
           <a:xfrm>
-            <a:off x="4895116" y="1266559"/>
-            <a:ext cx="2401768" cy="2401768"/>
+            <a:off x="2780795" y="1970626"/>
+            <a:ext cx="1407190" cy="1407190"/>
           </a:xfrm>
           <a:prstGeom prst="rect">
             <a:avLst/>
@@ -17456,7 +19741,7 @@
         </p:nvSpPr>
         <p:spPr>
           <a:xfrm>
-            <a:off x="4589584" y="3430382"/>
+            <a:off x="1933007" y="3202672"/>
             <a:ext cx="3012831" cy="1062625"/>
           </a:xfrm>
           <a:prstGeom prst="rect">
@@ -17535,7 +19820,7 @@
         </p:nvSpPr>
         <p:spPr>
           <a:xfrm>
-            <a:off x="8285796" y="3961694"/>
+            <a:off x="3826977" y="2285375"/>
             <a:ext cx="3012831" cy="1062625"/>
           </a:xfrm>
           <a:prstGeom prst="rect">
@@ -17616,13 +19901,13 @@
           <p:nvPr/>
         </p:nvPicPr>
         <p:blipFill>
-          <a:blip r:embed="rId11">
+          <a:blip r:embed="rId14">
             <a:extLst>
               <a:ext uri="{28A0092B-C50C-407E-A947-70E740481C1C}">
                 <a14:useLocalDpi xmlns:a14="http://schemas.microsoft.com/office/drawing/2010/main" val="0"/>
               </a:ext>
               <a:ext uri="{96DAC541-7B7A-43D3-8B79-37D633B846F1}">
-                <asvg:svgBlip xmlns:asvg="http://schemas.microsoft.com/office/drawing/2016/SVG/main" r:embed="rId12"/>
+                <asvg:svgBlip xmlns:asvg="http://schemas.microsoft.com/office/drawing/2016/SVG/main" r:embed="rId15"/>
               </a:ext>
             </a:extLst>
           </a:blip>
@@ -17632,8 +19917,8 @@
         </p:blipFill>
         <p:spPr>
           <a:xfrm>
-            <a:off x="5638798" y="4922369"/>
-            <a:ext cx="914400" cy="914400"/>
+            <a:off x="5635502" y="4754517"/>
+            <a:ext cx="971213" cy="971213"/>
           </a:xfrm>
           <a:prstGeom prst="rect">
             <a:avLst/>
@@ -17653,8 +19938,8 @@
           <p:nvPr/>
         </p:nvSpPr>
         <p:spPr>
-          <a:xfrm rot="833028">
-            <a:off x="3320362" y="4621824"/>
+          <a:xfrm>
+            <a:off x="3354787" y="5092354"/>
             <a:ext cx="2068802" cy="574430"/>
           </a:xfrm>
           <a:prstGeom prst="rightArrow">
@@ -17707,8 +19992,8 @@
           <p:nvPr/>
         </p:nvSpPr>
         <p:spPr>
-          <a:xfrm rot="9965756">
-            <a:off x="6807985" y="4614346"/>
+          <a:xfrm rot="10800000">
+            <a:off x="6768407" y="5076189"/>
             <a:ext cx="2009488" cy="574430"/>
           </a:xfrm>
           <a:prstGeom prst="rightArrow">
@@ -17761,9 +20046,9 @@
           <p:nvPr/>
         </p:nvSpPr>
         <p:spPr>
-          <a:xfrm rot="5400000">
-            <a:off x="5638798" y="4131681"/>
-            <a:ext cx="914401" cy="574430"/>
+          <a:xfrm rot="2330629">
+            <a:off x="3786437" y="4047197"/>
+            <a:ext cx="2017462" cy="574430"/>
           </a:xfrm>
           <a:prstGeom prst="rightArrow">
             <a:avLst/>
@@ -17817,13 +20102,13 @@
           <p:nvPr/>
         </p:nvPicPr>
         <p:blipFill>
-          <a:blip r:embed="rId13">
+          <a:blip r:embed="rId16">
             <a:extLst>
               <a:ext uri="{28A0092B-C50C-407E-A947-70E740481C1C}">
                 <a14:useLocalDpi xmlns:a14="http://schemas.microsoft.com/office/drawing/2010/main" val="0"/>
               </a:ext>
               <a:ext uri="{96DAC541-7B7A-43D3-8B79-37D633B846F1}">
-                <asvg:svgBlip xmlns:asvg="http://schemas.microsoft.com/office/drawing/2016/SVG/main" r:embed="rId14"/>
+                <asvg:svgBlip xmlns:asvg="http://schemas.microsoft.com/office/drawing/2016/SVG/main" r:embed="rId17"/>
               </a:ext>
             </a:extLst>
           </a:blip>
@@ -17833,8 +20118,518 @@
         </p:blipFill>
         <p:spPr>
           <a:xfrm>
-            <a:off x="7760651" y="1451927"/>
-            <a:ext cx="3852950" cy="3852950"/>
+            <a:off x="4352404" y="1387885"/>
+            <a:ext cx="1885890" cy="1885890"/>
+          </a:xfrm>
+          <a:prstGeom prst="rect">
+            <a:avLst/>
+          </a:prstGeom>
+        </p:spPr>
+      </p:pic>
+      <p:sp>
+        <p:nvSpPr>
+          <p:cNvPr id="3" name="Flèche : droite 2">
+            <a:extLst>
+              <a:ext uri="{FF2B5EF4-FFF2-40B4-BE49-F238E27FC236}">
+                <a16:creationId xmlns:a16="http://schemas.microsoft.com/office/drawing/2014/main" id="{DEF66C5B-9320-8D2D-C0C9-6F4BB2100E12}"/>
+              </a:ext>
+            </a:extLst>
+          </p:cNvPr>
+          <p:cNvSpPr/>
+          <p:nvPr/>
+        </p:nvSpPr>
+        <p:spPr>
+          <a:xfrm rot="4135449">
+            <a:off x="5008592" y="3702683"/>
+            <a:ext cx="1424529" cy="574430"/>
+          </a:xfrm>
+          <a:prstGeom prst="rightArrow">
+            <a:avLst/>
+          </a:prstGeom>
+          <a:solidFill>
+            <a:srgbClr val="FFC000"/>
+          </a:solidFill>
+          <a:ln>
+            <a:solidFill>
+              <a:srgbClr val="FFC000"/>
+            </a:solidFill>
+          </a:ln>
+        </p:spPr>
+        <p:style>
+          <a:lnRef idx="2">
+            <a:schemeClr val="accent1">
+              <a:shade val="50000"/>
+            </a:schemeClr>
+          </a:lnRef>
+          <a:fillRef idx="1">
+            <a:schemeClr val="accent1"/>
+          </a:fillRef>
+          <a:effectRef idx="0">
+            <a:schemeClr val="accent1"/>
+          </a:effectRef>
+          <a:fontRef idx="minor">
+            <a:schemeClr val="lt1"/>
+          </a:fontRef>
+        </p:style>
+        <p:txBody>
+          <a:bodyPr rtlCol="0" anchor="ctr"/>
+          <a:lstStyle/>
+          <a:p>
+            <a:pPr algn="ctr"/>
+            <a:endParaRPr lang="fr-FR"/>
+          </a:p>
+        </p:txBody>
+      </p:sp>
+      <p:sp>
+        <p:nvSpPr>
+          <p:cNvPr id="8" name="Flèche : droite 7">
+            <a:extLst>
+              <a:ext uri="{FF2B5EF4-FFF2-40B4-BE49-F238E27FC236}">
+                <a16:creationId xmlns:a16="http://schemas.microsoft.com/office/drawing/2014/main" id="{A5157B36-476A-2256-631D-4436BA83D76C}"/>
+              </a:ext>
+            </a:extLst>
+          </p:cNvPr>
+          <p:cNvSpPr/>
+          <p:nvPr/>
+        </p:nvSpPr>
+        <p:spPr>
+          <a:xfrm rot="6778135">
+            <a:off x="5953883" y="3710246"/>
+            <a:ext cx="1424529" cy="574430"/>
+          </a:xfrm>
+          <a:prstGeom prst="rightArrow">
+            <a:avLst/>
+          </a:prstGeom>
+          <a:solidFill>
+            <a:srgbClr val="FFC000"/>
+          </a:solidFill>
+          <a:ln>
+            <a:solidFill>
+              <a:srgbClr val="FFC000"/>
+            </a:solidFill>
+          </a:ln>
+        </p:spPr>
+        <p:style>
+          <a:lnRef idx="2">
+            <a:schemeClr val="accent1">
+              <a:shade val="50000"/>
+            </a:schemeClr>
+          </a:lnRef>
+          <a:fillRef idx="1">
+            <a:schemeClr val="accent1"/>
+          </a:fillRef>
+          <a:effectRef idx="0">
+            <a:schemeClr val="accent1"/>
+          </a:effectRef>
+          <a:fontRef idx="minor">
+            <a:schemeClr val="lt1"/>
+          </a:fontRef>
+        </p:style>
+        <p:txBody>
+          <a:bodyPr rtlCol="0" anchor="ctr"/>
+          <a:lstStyle/>
+          <a:p>
+            <a:pPr algn="ctr"/>
+            <a:endParaRPr lang="fr-FR"/>
+          </a:p>
+        </p:txBody>
+      </p:sp>
+      <p:sp>
+        <p:nvSpPr>
+          <p:cNvPr id="10" name="Titre 1">
+            <a:extLst>
+              <a:ext uri="{FF2B5EF4-FFF2-40B4-BE49-F238E27FC236}">
+                <a16:creationId xmlns:a16="http://schemas.microsoft.com/office/drawing/2014/main" id="{E71CD233-A09B-7B4F-989D-F6C60BFC4643}"/>
+              </a:ext>
+            </a:extLst>
+          </p:cNvPr>
+          <p:cNvSpPr txBox="1">
+            <a:spLocks/>
+          </p:cNvSpPr>
+          <p:nvPr>
+            <p:custDataLst>
+              <p:tags r:id="rId6"/>
+            </p:custDataLst>
+          </p:nvPr>
+        </p:nvSpPr>
+        <p:spPr>
+          <a:xfrm>
+            <a:off x="6178842" y="2768432"/>
+            <a:ext cx="1769577" cy="1062625"/>
+          </a:xfrm>
+          <a:prstGeom prst="rect">
+            <a:avLst/>
+          </a:prstGeom>
+        </p:spPr>
+        <p:txBody>
+          <a:bodyPr vert="horz" lIns="91440" tIns="45720" rIns="91440" bIns="45720" rtlCol="0" anchor="t">
+            <a:noAutofit/>
+          </a:bodyPr>
+          <a:lstStyle>
+            <a:lvl1pPr algn="ctr" defTabSz="914400" rtl="0" eaLnBrk="1" latinLnBrk="0" hangingPunct="1">
+              <a:lnSpc>
+                <a:spcPct val="90000"/>
+              </a:lnSpc>
+              <a:spcBef>
+                <a:spcPct val="0"/>
+              </a:spcBef>
+              <a:buNone/>
+              <a:defRPr sz="6000" kern="1200">
+                <a:solidFill>
+                  <a:schemeClr val="tx1"/>
+                </a:solidFill>
+                <a:latin typeface="+mj-lt"/>
+                <a:ea typeface="+mj-ea"/>
+                <a:cs typeface="+mj-cs"/>
+              </a:defRPr>
+            </a:lvl1pPr>
+          </a:lstStyle>
+          <a:p>
+            <a:pPr>
+              <a:lnSpc>
+                <a:spcPct val="150000"/>
+              </a:lnSpc>
+            </a:pPr>
+            <a:r>
+              <a:rPr lang="fr-FR" sz="2000" cap="all" dirty="0">
+                <a:solidFill>
+                  <a:srgbClr val="525252"/>
+                </a:solidFill>
+                <a:latin typeface="Segoe UI Black" panose="020B0A02040204020203" pitchFamily="34" charset="0"/>
+                <a:ea typeface="Segoe UI Black" panose="020B0A02040204020203" pitchFamily="34" charset="0"/>
+              </a:rPr>
+              <a:t>VÉRACITÉ</a:t>
+            </a:r>
+            <a:endParaRPr lang="fr-FR" sz="2000" cap="all" dirty="0">
+              <a:solidFill>
+                <a:srgbClr val="621516"/>
+              </a:solidFill>
+              <a:latin typeface="Segoe UI Black" panose="020B0A02040204020203" pitchFamily="34" charset="0"/>
+              <a:ea typeface="Segoe UI Black" panose="020B0A02040204020203" pitchFamily="34" charset="0"/>
+            </a:endParaRPr>
+          </a:p>
+        </p:txBody>
+      </p:sp>
+      <p:sp>
+        <p:nvSpPr>
+          <p:cNvPr id="11" name="Flèche : droite 10">
+            <a:extLst>
+              <a:ext uri="{FF2B5EF4-FFF2-40B4-BE49-F238E27FC236}">
+                <a16:creationId xmlns:a16="http://schemas.microsoft.com/office/drawing/2014/main" id="{A004D367-8021-CF84-7048-85DAAC1E61EC}"/>
+              </a:ext>
+            </a:extLst>
+          </p:cNvPr>
+          <p:cNvSpPr/>
+          <p:nvPr/>
+        </p:nvSpPr>
+        <p:spPr>
+          <a:xfrm rot="8718199">
+            <a:off x="6552141" y="4072762"/>
+            <a:ext cx="2017462" cy="574430"/>
+          </a:xfrm>
+          <a:prstGeom prst="rightArrow">
+            <a:avLst/>
+          </a:prstGeom>
+          <a:solidFill>
+            <a:srgbClr val="FFC000"/>
+          </a:solidFill>
+          <a:ln>
+            <a:solidFill>
+              <a:srgbClr val="FFC000"/>
+            </a:solidFill>
+          </a:ln>
+        </p:spPr>
+        <p:style>
+          <a:lnRef idx="2">
+            <a:schemeClr val="accent1">
+              <a:shade val="50000"/>
+            </a:schemeClr>
+          </a:lnRef>
+          <a:fillRef idx="1">
+            <a:schemeClr val="accent1"/>
+          </a:fillRef>
+          <a:effectRef idx="0">
+            <a:schemeClr val="accent1"/>
+          </a:effectRef>
+          <a:fontRef idx="minor">
+            <a:schemeClr val="lt1"/>
+          </a:fontRef>
+        </p:style>
+        <p:txBody>
+          <a:bodyPr rtlCol="0" anchor="ctr"/>
+          <a:lstStyle/>
+          <a:p>
+            <a:pPr algn="ctr"/>
+            <a:endParaRPr lang="fr-FR"/>
+          </a:p>
+        </p:txBody>
+      </p:sp>
+      <p:pic>
+        <p:nvPicPr>
+          <p:cNvPr id="14" name="Graphique 13" descr="Pièces de puzzle">
+            <a:extLst>
+              <a:ext uri="{FF2B5EF4-FFF2-40B4-BE49-F238E27FC236}">
+                <a16:creationId xmlns:a16="http://schemas.microsoft.com/office/drawing/2014/main" id="{5B1860EE-F342-B8DE-38D1-1E4BCED26899}"/>
+              </a:ext>
+            </a:extLst>
+          </p:cNvPr>
+          <p:cNvPicPr>
+            <a:picLocks noChangeAspect="1"/>
+          </p:cNvPicPr>
+          <p:nvPr/>
+        </p:nvPicPr>
+        <p:blipFill>
+          <a:blip r:embed="rId18">
+            <a:extLst>
+              <a:ext uri="{28A0092B-C50C-407E-A947-70E740481C1C}">
+                <a14:useLocalDpi xmlns:a14="http://schemas.microsoft.com/office/drawing/2010/main" val="0"/>
+              </a:ext>
+              <a:ext uri="{96DAC541-7B7A-43D3-8B79-37D633B846F1}">
+                <asvg:svgBlip xmlns:asvg="http://schemas.microsoft.com/office/drawing/2016/SVG/main" r:embed="rId19"/>
+              </a:ext>
+            </a:extLst>
+          </a:blip>
+          <a:stretch>
+            <a:fillRect/>
+          </a:stretch>
+        </p:blipFill>
+        <p:spPr>
+          <a:xfrm>
+            <a:off x="6489177" y="1589227"/>
+            <a:ext cx="1438726" cy="1438726"/>
+          </a:xfrm>
+          <a:prstGeom prst="rect">
+            <a:avLst/>
+          </a:prstGeom>
+        </p:spPr>
+      </p:pic>
+      <p:sp>
+        <p:nvSpPr>
+          <p:cNvPr id="15" name="Titre 1">
+            <a:extLst>
+              <a:ext uri="{FF2B5EF4-FFF2-40B4-BE49-F238E27FC236}">
+                <a16:creationId xmlns:a16="http://schemas.microsoft.com/office/drawing/2014/main" id="{9C18A9F8-61D1-2DB2-F8D5-7A30BE1EF2D8}"/>
+              </a:ext>
+            </a:extLst>
+          </p:cNvPr>
+          <p:cNvSpPr txBox="1">
+            <a:spLocks/>
+          </p:cNvSpPr>
+          <p:nvPr>
+            <p:custDataLst>
+              <p:tags r:id="rId7"/>
+            </p:custDataLst>
+          </p:nvPr>
+        </p:nvSpPr>
+        <p:spPr>
+          <a:xfrm>
+            <a:off x="7424124" y="3202671"/>
+            <a:ext cx="3012831" cy="1062625"/>
+          </a:xfrm>
+          <a:prstGeom prst="rect">
+            <a:avLst/>
+          </a:prstGeom>
+        </p:spPr>
+        <p:txBody>
+          <a:bodyPr vert="horz" lIns="91440" tIns="45720" rIns="91440" bIns="45720" rtlCol="0" anchor="t">
+            <a:noAutofit/>
+          </a:bodyPr>
+          <a:lstStyle>
+            <a:lvl1pPr algn="ctr" defTabSz="914400" rtl="0" eaLnBrk="1" latinLnBrk="0" hangingPunct="1">
+              <a:lnSpc>
+                <a:spcPct val="90000"/>
+              </a:lnSpc>
+              <a:spcBef>
+                <a:spcPct val="0"/>
+              </a:spcBef>
+              <a:buNone/>
+              <a:defRPr sz="6000" kern="1200">
+                <a:solidFill>
+                  <a:schemeClr val="tx1"/>
+                </a:solidFill>
+                <a:latin typeface="+mj-lt"/>
+                <a:ea typeface="+mj-ea"/>
+                <a:cs typeface="+mj-cs"/>
+              </a:defRPr>
+            </a:lvl1pPr>
+          </a:lstStyle>
+          <a:p>
+            <a:pPr>
+              <a:lnSpc>
+                <a:spcPct val="150000"/>
+              </a:lnSpc>
+            </a:pPr>
+            <a:r>
+              <a:rPr lang="fr-FR" sz="2000" cap="all" dirty="0">
+                <a:solidFill>
+                  <a:srgbClr val="525252"/>
+                </a:solidFill>
+                <a:latin typeface="Segoe UI Black" panose="020B0A02040204020203" pitchFamily="34" charset="0"/>
+                <a:ea typeface="Segoe UI Black" panose="020B0A02040204020203" pitchFamily="34" charset="0"/>
+              </a:rPr>
+              <a:t>VALEUR</a:t>
+            </a:r>
+            <a:r>
+              <a:rPr lang="fr-FR" sz="2000" cap="all" dirty="0">
+                <a:solidFill>
+                  <a:srgbClr val="621516"/>
+                </a:solidFill>
+                <a:latin typeface="Segoe UI Black" panose="020B0A02040204020203" pitchFamily="34" charset="0"/>
+                <a:ea typeface="Segoe UI Black" panose="020B0A02040204020203" pitchFamily="34" charset="0"/>
+              </a:rPr>
+              <a:t> </a:t>
+            </a:r>
+          </a:p>
+        </p:txBody>
+      </p:sp>
+      <p:sp>
+        <p:nvSpPr>
+          <p:cNvPr id="17" name="Titre 1">
+            <a:extLst>
+              <a:ext uri="{FF2B5EF4-FFF2-40B4-BE49-F238E27FC236}">
+                <a16:creationId xmlns:a16="http://schemas.microsoft.com/office/drawing/2014/main" id="{F09F737C-EDB4-7C51-77F9-50198E6F7287}"/>
+              </a:ext>
+            </a:extLst>
+          </p:cNvPr>
+          <p:cNvSpPr txBox="1">
+            <a:spLocks/>
+          </p:cNvSpPr>
+          <p:nvPr>
+            <p:custDataLst>
+              <p:tags r:id="rId8"/>
+            </p:custDataLst>
+          </p:nvPr>
+        </p:nvSpPr>
+        <p:spPr>
+          <a:xfrm>
+            <a:off x="8298966" y="5076189"/>
+            <a:ext cx="3012831" cy="1062625"/>
+          </a:xfrm>
+          <a:prstGeom prst="rect">
+            <a:avLst/>
+          </a:prstGeom>
+        </p:spPr>
+        <p:txBody>
+          <a:bodyPr vert="horz" lIns="91440" tIns="45720" rIns="91440" bIns="45720" rtlCol="0" anchor="t">
+            <a:noAutofit/>
+          </a:bodyPr>
+          <a:lstStyle>
+            <a:lvl1pPr algn="ctr" defTabSz="914400" rtl="0" eaLnBrk="1" latinLnBrk="0" hangingPunct="1">
+              <a:lnSpc>
+                <a:spcPct val="90000"/>
+              </a:lnSpc>
+              <a:spcBef>
+                <a:spcPct val="0"/>
+              </a:spcBef>
+              <a:buNone/>
+              <a:defRPr sz="6000" kern="1200">
+                <a:solidFill>
+                  <a:schemeClr val="tx1"/>
+                </a:solidFill>
+                <a:latin typeface="+mj-lt"/>
+                <a:ea typeface="+mj-ea"/>
+                <a:cs typeface="+mj-cs"/>
+              </a:defRPr>
+            </a:lvl1pPr>
+          </a:lstStyle>
+          <a:p>
+            <a:pPr>
+              <a:lnSpc>
+                <a:spcPct val="150000"/>
+              </a:lnSpc>
+            </a:pPr>
+            <a:r>
+              <a:rPr lang="fr-FR" sz="2000" cap="all" dirty="0">
+                <a:solidFill>
+                  <a:srgbClr val="525252"/>
+                </a:solidFill>
+                <a:latin typeface="Segoe UI Black" panose="020B0A02040204020203" pitchFamily="34" charset="0"/>
+                <a:ea typeface="Segoe UI Black" panose="020B0A02040204020203" pitchFamily="34" charset="0"/>
+              </a:rPr>
+              <a:t>VARIABILITÉ</a:t>
+            </a:r>
+            <a:endParaRPr lang="fr-FR" sz="2000" cap="all" dirty="0">
+              <a:solidFill>
+                <a:srgbClr val="621516"/>
+              </a:solidFill>
+              <a:latin typeface="Segoe UI Black" panose="020B0A02040204020203" pitchFamily="34" charset="0"/>
+              <a:ea typeface="Segoe UI Black" panose="020B0A02040204020203" pitchFamily="34" charset="0"/>
+            </a:endParaRPr>
+          </a:p>
+        </p:txBody>
+      </p:sp>
+      <p:pic>
+        <p:nvPicPr>
+          <p:cNvPr id="23" name="Graphique 22" descr="Pièces">
+            <a:extLst>
+              <a:ext uri="{FF2B5EF4-FFF2-40B4-BE49-F238E27FC236}">
+                <a16:creationId xmlns:a16="http://schemas.microsoft.com/office/drawing/2014/main" id="{CC00E704-FFCF-59F6-5D2E-2F3376FE321B}"/>
+              </a:ext>
+            </a:extLst>
+          </p:cNvPr>
+          <p:cNvPicPr>
+            <a:picLocks noChangeAspect="1"/>
+          </p:cNvPicPr>
+          <p:nvPr/>
+        </p:nvPicPr>
+        <p:blipFill>
+          <a:blip r:embed="rId20">
+            <a:extLst>
+              <a:ext uri="{28A0092B-C50C-407E-A947-70E740481C1C}">
+                <a14:useLocalDpi xmlns:a14="http://schemas.microsoft.com/office/drawing/2010/main" val="0"/>
+              </a:ext>
+              <a:ext uri="{96DAC541-7B7A-43D3-8B79-37D633B846F1}">
+                <asvg:svgBlip xmlns:asvg="http://schemas.microsoft.com/office/drawing/2016/SVG/main" r:embed="rId21"/>
+              </a:ext>
+            </a:extLst>
+          </a:blip>
+          <a:stretch>
+            <a:fillRect/>
+          </a:stretch>
+        </p:blipFill>
+        <p:spPr>
+          <a:xfrm>
+            <a:off x="8298966" y="2084852"/>
+            <a:ext cx="1263148" cy="1263148"/>
+          </a:xfrm>
+          <a:prstGeom prst="rect">
+            <a:avLst/>
+          </a:prstGeom>
+        </p:spPr>
+      </p:pic>
+      <p:pic>
+        <p:nvPicPr>
+          <p:cNvPr id="25" name="Graphique 24" descr="Statistiques">
+            <a:extLst>
+              <a:ext uri="{FF2B5EF4-FFF2-40B4-BE49-F238E27FC236}">
+                <a16:creationId xmlns:a16="http://schemas.microsoft.com/office/drawing/2014/main" id="{0C0A7698-0E40-968D-5B2E-100B494A082E}"/>
+              </a:ext>
+            </a:extLst>
+          </p:cNvPr>
+          <p:cNvPicPr>
+            <a:picLocks noChangeAspect="1"/>
+          </p:cNvPicPr>
+          <p:nvPr/>
+        </p:nvPicPr>
+        <p:blipFill>
+          <a:blip r:embed="rId22">
+            <a:extLst>
+              <a:ext uri="{28A0092B-C50C-407E-A947-70E740481C1C}">
+                <a14:useLocalDpi xmlns:a14="http://schemas.microsoft.com/office/drawing/2010/main" val="0"/>
+              </a:ext>
+              <a:ext uri="{96DAC541-7B7A-43D3-8B79-37D633B846F1}">
+                <asvg:svgBlip xmlns:asvg="http://schemas.microsoft.com/office/drawing/2016/SVG/main" r:embed="rId23"/>
+              </a:ext>
+            </a:extLst>
+          </a:blip>
+          <a:stretch>
+            <a:fillRect/>
+          </a:stretch>
+        </p:blipFill>
+        <p:spPr>
+          <a:xfrm>
+            <a:off x="9138036" y="3923294"/>
+            <a:ext cx="1349857" cy="1349857"/>
           </a:xfrm>
           <a:prstGeom prst="rect">
             <a:avLst/>
@@ -17863,6 +20658,54 @@
 <file path=ppt/tags/tag10.xml><?xml version="1.0" encoding="utf-8"?>
 <p:tagLst xmlns:a="http://schemas.openxmlformats.org/drawingml/2006/main" xmlns:r="http://schemas.openxmlformats.org/officeDocument/2006/relationships" xmlns:p="http://schemas.openxmlformats.org/presentationml/2006/main">
   <p:tag name="NUM" val="2"/>
+</p:tagLst>
+</file>
+
+<file path=ppt/tags/tag100.xml><?xml version="1.0" encoding="utf-8"?>
+<p:tagLst xmlns:a="http://schemas.openxmlformats.org/drawingml/2006/main" xmlns:r="http://schemas.openxmlformats.org/officeDocument/2006/relationships" xmlns:p="http://schemas.openxmlformats.org/presentationml/2006/main">
+  <p:tag name="NUM" val="5"/>
+</p:tagLst>
+</file>
+
+<file path=ppt/tags/tag101.xml><?xml version="1.0" encoding="utf-8"?>
+<p:tagLst xmlns:a="http://schemas.openxmlformats.org/drawingml/2006/main" xmlns:r="http://schemas.openxmlformats.org/officeDocument/2006/relationships" xmlns:p="http://schemas.openxmlformats.org/presentationml/2006/main">
+  <p:tag name="NUM" val="6"/>
+</p:tagLst>
+</file>
+
+<file path=ppt/tags/tag102.xml><?xml version="1.0" encoding="utf-8"?>
+<p:tagLst xmlns:a="http://schemas.openxmlformats.org/drawingml/2006/main" xmlns:r="http://schemas.openxmlformats.org/officeDocument/2006/relationships" xmlns:p="http://schemas.openxmlformats.org/presentationml/2006/main">
+  <p:tag name="NUM" val="5"/>
+</p:tagLst>
+</file>
+
+<file path=ppt/tags/tag103.xml><?xml version="1.0" encoding="utf-8"?>
+<p:tagLst xmlns:a="http://schemas.openxmlformats.org/drawingml/2006/main" xmlns:r="http://schemas.openxmlformats.org/officeDocument/2006/relationships" xmlns:p="http://schemas.openxmlformats.org/presentationml/2006/main">
+  <p:tag name="NUM" val="5"/>
+</p:tagLst>
+</file>
+
+<file path=ppt/tags/tag104.xml><?xml version="1.0" encoding="utf-8"?>
+<p:tagLst xmlns:a="http://schemas.openxmlformats.org/drawingml/2006/main" xmlns:r="http://schemas.openxmlformats.org/officeDocument/2006/relationships" xmlns:p="http://schemas.openxmlformats.org/presentationml/2006/main">
+  <p:tag name="NUM" val="6"/>
+</p:tagLst>
+</file>
+
+<file path=ppt/tags/tag105.xml><?xml version="1.0" encoding="utf-8"?>
+<p:tagLst xmlns:a="http://schemas.openxmlformats.org/drawingml/2006/main" xmlns:r="http://schemas.openxmlformats.org/officeDocument/2006/relationships" xmlns:p="http://schemas.openxmlformats.org/presentationml/2006/main">
+  <p:tag name="NUM" val="6"/>
+</p:tagLst>
+</file>
+
+<file path=ppt/tags/tag106.xml><?xml version="1.0" encoding="utf-8"?>
+<p:tagLst xmlns:a="http://schemas.openxmlformats.org/drawingml/2006/main" xmlns:r="http://schemas.openxmlformats.org/officeDocument/2006/relationships" xmlns:p="http://schemas.openxmlformats.org/presentationml/2006/main">
+  <p:tag name="NUM" val="2"/>
+</p:tagLst>
+</file>
+
+<file path=ppt/tags/tag107.xml><?xml version="1.0" encoding="utf-8"?>
+<p:tagLst xmlns:a="http://schemas.openxmlformats.org/drawingml/2006/main" xmlns:r="http://schemas.openxmlformats.org/officeDocument/2006/relationships" xmlns:p="http://schemas.openxmlformats.org/presentationml/2006/main">
+  <p:tag name="NUM" val="1"/>
 </p:tagLst>
 </file>
 
@@ -17952,7 +20795,7 @@
 
 <file path=ppt/tags/tag24.xml><?xml version="1.0" encoding="utf-8"?>
 <p:tagLst xmlns:a="http://schemas.openxmlformats.org/drawingml/2006/main" xmlns:r="http://schemas.openxmlformats.org/officeDocument/2006/relationships" xmlns:p="http://schemas.openxmlformats.org/presentationml/2006/main">
-  <p:tag name="NUM" val="1"/>
+  <p:tag name="NUM" val="2"/>
 </p:tagLst>
 </file>
 
@@ -17970,13 +20813,13 @@
 
 <file path=ppt/tags/tag27.xml><?xml version="1.0" encoding="utf-8"?>
 <p:tagLst xmlns:a="http://schemas.openxmlformats.org/drawingml/2006/main" xmlns:r="http://schemas.openxmlformats.org/officeDocument/2006/relationships" xmlns:p="http://schemas.openxmlformats.org/presentationml/2006/main">
-  <p:tag name="NUM" val="2"/>
+  <p:tag name="NUM" val="1"/>
 </p:tagLst>
 </file>
 
 <file path=ppt/tags/tag28.xml><?xml version="1.0" encoding="utf-8"?>
 <p:tagLst xmlns:a="http://schemas.openxmlformats.org/drawingml/2006/main" xmlns:r="http://schemas.openxmlformats.org/officeDocument/2006/relationships" xmlns:p="http://schemas.openxmlformats.org/presentationml/2006/main">
-  <p:tag name="NUM" val="1"/>
+  <p:tag name="NUM" val="2"/>
 </p:tagLst>
 </file>
 
@@ -18000,7 +20843,7 @@
 
 <file path=ppt/tags/tag31.xml><?xml version="1.0" encoding="utf-8"?>
 <p:tagLst xmlns:a="http://schemas.openxmlformats.org/drawingml/2006/main" xmlns:r="http://schemas.openxmlformats.org/officeDocument/2006/relationships" xmlns:p="http://schemas.openxmlformats.org/presentationml/2006/main">
-  <p:tag name="NUM" val="2"/>
+  <p:tag name="NUM" val="1"/>
 </p:tagLst>
 </file>
 
@@ -18042,13 +20885,13 @@
 
 <file path=ppt/tags/tag38.xml><?xml version="1.0" encoding="utf-8"?>
 <p:tagLst xmlns:a="http://schemas.openxmlformats.org/drawingml/2006/main" xmlns:r="http://schemas.openxmlformats.org/officeDocument/2006/relationships" xmlns:p="http://schemas.openxmlformats.org/presentationml/2006/main">
-  <p:tag name="NUM" val="1"/>
+  <p:tag name="NUM" val="2"/>
 </p:tagLst>
 </file>
 
 <file path=ppt/tags/tag39.xml><?xml version="1.0" encoding="utf-8"?>
 <p:tagLst xmlns:a="http://schemas.openxmlformats.org/drawingml/2006/main" xmlns:r="http://schemas.openxmlformats.org/officeDocument/2006/relationships" xmlns:p="http://schemas.openxmlformats.org/presentationml/2006/main">
-  <p:tag name="NUM" val="1"/>
+  <p:tag name="NUM" val="2"/>
 </p:tagLst>
 </file>
 
@@ -18102,19 +20945,19 @@
 
 <file path=ppt/tags/tag47.xml><?xml version="1.0" encoding="utf-8"?>
 <p:tagLst xmlns:a="http://schemas.openxmlformats.org/drawingml/2006/main" xmlns:r="http://schemas.openxmlformats.org/officeDocument/2006/relationships" xmlns:p="http://schemas.openxmlformats.org/presentationml/2006/main">
-  <p:tag name="NUM" val="2"/>
+  <p:tag name="NUM" val="1"/>
 </p:tagLst>
 </file>
 
 <file path=ppt/tags/tag48.xml><?xml version="1.0" encoding="utf-8"?>
 <p:tagLst xmlns:a="http://schemas.openxmlformats.org/drawingml/2006/main" xmlns:r="http://schemas.openxmlformats.org/officeDocument/2006/relationships" xmlns:p="http://schemas.openxmlformats.org/presentationml/2006/main">
-  <p:tag name="NUM" val="2"/>
+  <p:tag name="NUM" val="1"/>
 </p:tagLst>
 </file>
 
 <file path=ppt/tags/tag49.xml><?xml version="1.0" encoding="utf-8"?>
 <p:tagLst xmlns:a="http://schemas.openxmlformats.org/drawingml/2006/main" xmlns:r="http://schemas.openxmlformats.org/officeDocument/2006/relationships" xmlns:p="http://schemas.openxmlformats.org/presentationml/2006/main">
-  <p:tag name="NUM" val="1"/>
+  <p:tag name="NUM" val="2"/>
 </p:tagLst>
 </file>
 
@@ -18138,7 +20981,7 @@
 
 <file path=ppt/tags/tag52.xml><?xml version="1.0" encoding="utf-8"?>
 <p:tagLst xmlns:a="http://schemas.openxmlformats.org/drawingml/2006/main" xmlns:r="http://schemas.openxmlformats.org/officeDocument/2006/relationships" xmlns:p="http://schemas.openxmlformats.org/presentationml/2006/main">
-  <p:tag name="NUM" val="2"/>
+  <p:tag name="NUM" val="1"/>
 </p:tagLst>
 </file>
 
@@ -18168,13 +21011,13 @@
 
 <file path=ppt/tags/tag57.xml><?xml version="1.0" encoding="utf-8"?>
 <p:tagLst xmlns:a="http://schemas.openxmlformats.org/drawingml/2006/main" xmlns:r="http://schemas.openxmlformats.org/officeDocument/2006/relationships" xmlns:p="http://schemas.openxmlformats.org/presentationml/2006/main">
-  <p:tag name="NUM" val="1"/>
+  <p:tag name="NUM" val="2"/>
 </p:tagLst>
 </file>
 
 <file path=ppt/tags/tag58.xml><?xml version="1.0" encoding="utf-8"?>
 <p:tagLst xmlns:a="http://schemas.openxmlformats.org/drawingml/2006/main" xmlns:r="http://schemas.openxmlformats.org/officeDocument/2006/relationships" xmlns:p="http://schemas.openxmlformats.org/presentationml/2006/main">
-  <p:tag name="NUM" val="1"/>
+  <p:tag name="NUM" val="2"/>
 </p:tagLst>
 </file>
 
@@ -18198,19 +21041,19 @@
 
 <file path=ppt/tags/tag61.xml><?xml version="1.0" encoding="utf-8"?>
 <p:tagLst xmlns:a="http://schemas.openxmlformats.org/drawingml/2006/main" xmlns:r="http://schemas.openxmlformats.org/officeDocument/2006/relationships" xmlns:p="http://schemas.openxmlformats.org/presentationml/2006/main">
-  <p:tag name="NUM" val="2"/>
+  <p:tag name="NUM" val="1"/>
 </p:tagLst>
 </file>
 
 <file path=ppt/tags/tag62.xml><?xml version="1.0" encoding="utf-8"?>
 <p:tagLst xmlns:a="http://schemas.openxmlformats.org/drawingml/2006/main" xmlns:r="http://schemas.openxmlformats.org/officeDocument/2006/relationships" xmlns:p="http://schemas.openxmlformats.org/presentationml/2006/main">
-  <p:tag name="NUM" val="1"/>
+  <p:tag name="NUM" val="2"/>
 </p:tagLst>
 </file>
 
 <file path=ppt/tags/tag63.xml><?xml version="1.0" encoding="utf-8"?>
 <p:tagLst xmlns:a="http://schemas.openxmlformats.org/drawingml/2006/main" xmlns:r="http://schemas.openxmlformats.org/officeDocument/2006/relationships" xmlns:p="http://schemas.openxmlformats.org/presentationml/2006/main">
-  <p:tag name="NUM" val="2"/>
+  <p:tag name="NUM" val="1"/>
 </p:tagLst>
 </file>
 
@@ -18222,7 +21065,7 @@
 
 <file path=ppt/tags/tag65.xml><?xml version="1.0" encoding="utf-8"?>
 <p:tagLst xmlns:a="http://schemas.openxmlformats.org/drawingml/2006/main" xmlns:r="http://schemas.openxmlformats.org/officeDocument/2006/relationships" xmlns:p="http://schemas.openxmlformats.org/presentationml/2006/main">
-  <p:tag name="NUM" val="2"/>
+  <p:tag name="NUM" val="1"/>
 </p:tagLst>
 </file>
 
@@ -18240,13 +21083,13 @@
 
 <file path=ppt/tags/tag68.xml><?xml version="1.0" encoding="utf-8"?>
 <p:tagLst xmlns:a="http://schemas.openxmlformats.org/drawingml/2006/main" xmlns:r="http://schemas.openxmlformats.org/officeDocument/2006/relationships" xmlns:p="http://schemas.openxmlformats.org/presentationml/2006/main">
-  <p:tag name="NUM" val="1"/>
+  <p:tag name="NUM" val="2"/>
 </p:tagLst>
 </file>
 
 <file path=ppt/tags/tag69.xml><?xml version="1.0" encoding="utf-8"?>
 <p:tagLst xmlns:a="http://schemas.openxmlformats.org/drawingml/2006/main" xmlns:r="http://schemas.openxmlformats.org/officeDocument/2006/relationships" xmlns:p="http://schemas.openxmlformats.org/presentationml/2006/main">
-  <p:tag name="NUM" val="1"/>
+  <p:tag name="NUM" val="2"/>
 </p:tagLst>
 </file>
 
@@ -18270,31 +21113,31 @@
 
 <file path=ppt/tags/tag72.xml><?xml version="1.0" encoding="utf-8"?>
 <p:tagLst xmlns:a="http://schemas.openxmlformats.org/drawingml/2006/main" xmlns:r="http://schemas.openxmlformats.org/officeDocument/2006/relationships" xmlns:p="http://schemas.openxmlformats.org/presentationml/2006/main">
-  <p:tag name="NUM" val="4"/>
+  <p:tag name="NUM" val="1"/>
 </p:tagLst>
 </file>
 
 <file path=ppt/tags/tag73.xml><?xml version="1.0" encoding="utf-8"?>
 <p:tagLst xmlns:a="http://schemas.openxmlformats.org/drawingml/2006/main" xmlns:r="http://schemas.openxmlformats.org/officeDocument/2006/relationships" xmlns:p="http://schemas.openxmlformats.org/presentationml/2006/main">
-  <p:tag name="NUM" val="1"/>
+  <p:tag name="NUM" val="2"/>
 </p:tagLst>
 </file>
 
 <file path=ppt/tags/tag74.xml><?xml version="1.0" encoding="utf-8"?>
 <p:tagLst xmlns:a="http://schemas.openxmlformats.org/drawingml/2006/main" xmlns:r="http://schemas.openxmlformats.org/officeDocument/2006/relationships" xmlns:p="http://schemas.openxmlformats.org/presentationml/2006/main">
-  <p:tag name="NUM" val="2"/>
+  <p:tag name="NUM" val="1"/>
 </p:tagLst>
 </file>
 
 <file path=ppt/tags/tag75.xml><?xml version="1.0" encoding="utf-8"?>
 <p:tagLst xmlns:a="http://schemas.openxmlformats.org/drawingml/2006/main" xmlns:r="http://schemas.openxmlformats.org/officeDocument/2006/relationships" xmlns:p="http://schemas.openxmlformats.org/presentationml/2006/main">
-  <p:tag name="NUM" val="1"/>
+  <p:tag name="NUM" val="4"/>
 </p:tagLst>
 </file>
 
 <file path=ppt/tags/tag76.xml><?xml version="1.0" encoding="utf-8"?>
 <p:tagLst xmlns:a="http://schemas.openxmlformats.org/drawingml/2006/main" xmlns:r="http://schemas.openxmlformats.org/officeDocument/2006/relationships" xmlns:p="http://schemas.openxmlformats.org/presentationml/2006/main">
-  <p:tag name="NUM" val="4"/>
+  <p:tag name="NUM" val="1"/>
 </p:tagLst>
 </file>
 
@@ -18312,7 +21155,7 @@
 
 <file path=ppt/tags/tag79.xml><?xml version="1.0" encoding="utf-8"?>
 <p:tagLst xmlns:a="http://schemas.openxmlformats.org/drawingml/2006/main" xmlns:r="http://schemas.openxmlformats.org/officeDocument/2006/relationships" xmlns:p="http://schemas.openxmlformats.org/presentationml/2006/main">
-  <p:tag name="NUM" val="5"/>
+  <p:tag name="NUM" val="4"/>
 </p:tagLst>
 </file>
 
@@ -18324,43 +21167,43 @@
 
 <file path=ppt/tags/tag80.xml><?xml version="1.0" encoding="utf-8"?>
 <p:tagLst xmlns:a="http://schemas.openxmlformats.org/drawingml/2006/main" xmlns:r="http://schemas.openxmlformats.org/officeDocument/2006/relationships" xmlns:p="http://schemas.openxmlformats.org/presentationml/2006/main">
-  <p:tag name="NUM" val="6"/>
+  <p:tag name="NUM" val="2"/>
 </p:tagLst>
 </file>
 
 <file path=ppt/tags/tag81.xml><?xml version="1.0" encoding="utf-8"?>
 <p:tagLst xmlns:a="http://schemas.openxmlformats.org/drawingml/2006/main" xmlns:r="http://schemas.openxmlformats.org/officeDocument/2006/relationships" xmlns:p="http://schemas.openxmlformats.org/presentationml/2006/main">
-  <p:tag name="NUM" val="5"/>
+  <p:tag name="NUM" val="1"/>
 </p:tagLst>
 </file>
 
 <file path=ppt/tags/tag82.xml><?xml version="1.0" encoding="utf-8"?>
 <p:tagLst xmlns:a="http://schemas.openxmlformats.org/drawingml/2006/main" xmlns:r="http://schemas.openxmlformats.org/officeDocument/2006/relationships" xmlns:p="http://schemas.openxmlformats.org/presentationml/2006/main">
-  <p:tag name="NUM" val="6"/>
+  <p:tag name="NUM" val="2"/>
 </p:tagLst>
 </file>
 
 <file path=ppt/tags/tag83.xml><?xml version="1.0" encoding="utf-8"?>
 <p:tagLst xmlns:a="http://schemas.openxmlformats.org/drawingml/2006/main" xmlns:r="http://schemas.openxmlformats.org/officeDocument/2006/relationships" xmlns:p="http://schemas.openxmlformats.org/presentationml/2006/main">
-  <p:tag name="NUM" val="5"/>
+  <p:tag name="NUM" val="1"/>
 </p:tagLst>
 </file>
 
 <file path=ppt/tags/tag84.xml><?xml version="1.0" encoding="utf-8"?>
 <p:tagLst xmlns:a="http://schemas.openxmlformats.org/drawingml/2006/main" xmlns:r="http://schemas.openxmlformats.org/officeDocument/2006/relationships" xmlns:p="http://schemas.openxmlformats.org/presentationml/2006/main">
-  <p:tag name="NUM" val="6"/>
+  <p:tag name="NUM" val="2"/>
 </p:tagLst>
 </file>
 
 <file path=ppt/tags/tag85.xml><?xml version="1.0" encoding="utf-8"?>
 <p:tagLst xmlns:a="http://schemas.openxmlformats.org/drawingml/2006/main" xmlns:r="http://schemas.openxmlformats.org/officeDocument/2006/relationships" xmlns:p="http://schemas.openxmlformats.org/presentationml/2006/main">
-  <p:tag name="NUM" val="5"/>
+  <p:tag name="NUM" val="2"/>
 </p:tagLst>
 </file>
 
 <file path=ppt/tags/tag86.xml><?xml version="1.0" encoding="utf-8"?>
 <p:tagLst xmlns:a="http://schemas.openxmlformats.org/drawingml/2006/main" xmlns:r="http://schemas.openxmlformats.org/officeDocument/2006/relationships" xmlns:p="http://schemas.openxmlformats.org/presentationml/2006/main">
-  <p:tag name="NUM" val="6"/>
+  <p:tag name="NUM" val="1"/>
 </p:tagLst>
 </file>
 
@@ -18372,13 +21215,79 @@
 
 <file path=ppt/tags/tag88.xml><?xml version="1.0" encoding="utf-8"?>
 <p:tagLst xmlns:a="http://schemas.openxmlformats.org/drawingml/2006/main" xmlns:r="http://schemas.openxmlformats.org/officeDocument/2006/relationships" xmlns:p="http://schemas.openxmlformats.org/presentationml/2006/main">
-  <p:tag name="NUM" val="1"/>
+  <p:tag name="NUM" val="2"/>
+</p:tagLst>
+</file>
+
+<file path=ppt/tags/tag89.xml><?xml version="1.0" encoding="utf-8"?>
+<p:tagLst xmlns:a="http://schemas.openxmlformats.org/drawingml/2006/main" xmlns:r="http://schemas.openxmlformats.org/officeDocument/2006/relationships" xmlns:p="http://schemas.openxmlformats.org/presentationml/2006/main">
+  <p:tag name="NUM" val="2"/>
 </p:tagLst>
 </file>
 
 <file path=ppt/tags/tag9.xml><?xml version="1.0" encoding="utf-8"?>
 <p:tagLst xmlns:a="http://schemas.openxmlformats.org/drawingml/2006/main" xmlns:r="http://schemas.openxmlformats.org/officeDocument/2006/relationships" xmlns:p="http://schemas.openxmlformats.org/presentationml/2006/main">
   <p:tag name="NUM" val="1"/>
+</p:tagLst>
+</file>
+
+<file path=ppt/tags/tag90.xml><?xml version="1.0" encoding="utf-8"?>
+<p:tagLst xmlns:a="http://schemas.openxmlformats.org/drawingml/2006/main" xmlns:r="http://schemas.openxmlformats.org/officeDocument/2006/relationships" xmlns:p="http://schemas.openxmlformats.org/presentationml/2006/main">
+  <p:tag name="NUM" val="2"/>
+</p:tagLst>
+</file>
+
+<file path=ppt/tags/tag91.xml><?xml version="1.0" encoding="utf-8"?>
+<p:tagLst xmlns:a="http://schemas.openxmlformats.org/drawingml/2006/main" xmlns:r="http://schemas.openxmlformats.org/officeDocument/2006/relationships" xmlns:p="http://schemas.openxmlformats.org/presentationml/2006/main">
+  <p:tag name="NUM" val="1"/>
+</p:tagLst>
+</file>
+
+<file path=ppt/tags/tag92.xml><?xml version="1.0" encoding="utf-8"?>
+<p:tagLst xmlns:a="http://schemas.openxmlformats.org/drawingml/2006/main" xmlns:r="http://schemas.openxmlformats.org/officeDocument/2006/relationships" xmlns:p="http://schemas.openxmlformats.org/presentationml/2006/main">
+  <p:tag name="NUM" val="2"/>
+</p:tagLst>
+</file>
+
+<file path=ppt/tags/tag93.xml><?xml version="1.0" encoding="utf-8"?>
+<p:tagLst xmlns:a="http://schemas.openxmlformats.org/drawingml/2006/main" xmlns:r="http://schemas.openxmlformats.org/officeDocument/2006/relationships" xmlns:p="http://schemas.openxmlformats.org/presentationml/2006/main">
+  <p:tag name="NUM" val="2"/>
+</p:tagLst>
+</file>
+
+<file path=ppt/tags/tag94.xml><?xml version="1.0" encoding="utf-8"?>
+<p:tagLst xmlns:a="http://schemas.openxmlformats.org/drawingml/2006/main" xmlns:r="http://schemas.openxmlformats.org/officeDocument/2006/relationships" xmlns:p="http://schemas.openxmlformats.org/presentationml/2006/main">
+  <p:tag name="NUM" val="2"/>
+</p:tagLst>
+</file>
+
+<file path=ppt/tags/tag95.xml><?xml version="1.0" encoding="utf-8"?>
+<p:tagLst xmlns:a="http://schemas.openxmlformats.org/drawingml/2006/main" xmlns:r="http://schemas.openxmlformats.org/officeDocument/2006/relationships" xmlns:p="http://schemas.openxmlformats.org/presentationml/2006/main">
+  <p:tag name="NUM" val="2"/>
+</p:tagLst>
+</file>
+
+<file path=ppt/tags/tag96.xml><?xml version="1.0" encoding="utf-8"?>
+<p:tagLst xmlns:a="http://schemas.openxmlformats.org/drawingml/2006/main" xmlns:r="http://schemas.openxmlformats.org/officeDocument/2006/relationships" xmlns:p="http://schemas.openxmlformats.org/presentationml/2006/main">
+  <p:tag name="NUM" val="2"/>
+</p:tagLst>
+</file>
+
+<file path=ppt/tags/tag97.xml><?xml version="1.0" encoding="utf-8"?>
+<p:tagLst xmlns:a="http://schemas.openxmlformats.org/drawingml/2006/main" xmlns:r="http://schemas.openxmlformats.org/officeDocument/2006/relationships" xmlns:p="http://schemas.openxmlformats.org/presentationml/2006/main">
+  <p:tag name="NUM" val="1"/>
+</p:tagLst>
+</file>
+
+<file path=ppt/tags/tag98.xml><?xml version="1.0" encoding="utf-8"?>
+<p:tagLst xmlns:a="http://schemas.openxmlformats.org/drawingml/2006/main" xmlns:r="http://schemas.openxmlformats.org/officeDocument/2006/relationships" xmlns:p="http://schemas.openxmlformats.org/presentationml/2006/main">
+  <p:tag name="NUM" val="5"/>
+</p:tagLst>
+</file>
+
+<file path=ppt/tags/tag99.xml><?xml version="1.0" encoding="utf-8"?>
+<p:tagLst xmlns:a="http://schemas.openxmlformats.org/drawingml/2006/main" xmlns:r="http://schemas.openxmlformats.org/officeDocument/2006/relationships" xmlns:p="http://schemas.openxmlformats.org/presentationml/2006/main">
+  <p:tag name="NUM" val="6"/>
 </p:tagLst>
 </file>
 

--- a/Ors_Vivian_3_presentation_082022.pptx
+++ b/Ors_Vivian_3_presentation_082022.pptx
@@ -28,14 +28,12 @@
     <p:sldId id="506" r:id="rId22"/>
     <p:sldId id="512" r:id="rId23"/>
     <p:sldId id="517" r:id="rId24"/>
-    <p:sldId id="513" r:id="rId25"/>
-    <p:sldId id="514" r:id="rId26"/>
-    <p:sldId id="518" r:id="rId27"/>
-    <p:sldId id="519" r:id="rId28"/>
-    <p:sldId id="520" r:id="rId29"/>
-    <p:sldId id="521" r:id="rId30"/>
-    <p:sldId id="515" r:id="rId31"/>
-    <p:sldId id="516" r:id="rId32"/>
+    <p:sldId id="518" r:id="rId25"/>
+    <p:sldId id="519" r:id="rId26"/>
+    <p:sldId id="520" r:id="rId27"/>
+    <p:sldId id="521" r:id="rId28"/>
+    <p:sldId id="515" r:id="rId29"/>
+    <p:sldId id="516" r:id="rId30"/>
   </p:sldIdLst>
   <p:sldSz cx="12192000" cy="6858000"/>
   <p:notesSz cx="6858000" cy="9144000"/>
@@ -290,7 +288,7 @@
             <a:fld id="{AE0C963C-C1DB-4AFD-9DDC-0691666BF49B}" type="datetime2">
               <a:rPr lang="en-US" smtClean="0"/>
               <a:pPr/>
-              <a:t>Friday, September 9, 2022</a:t>
+              <a:t>Thursday, September 15, 2022</a:t>
             </a:fld>
             <a:endParaRPr lang="en-US" cap="all" dirty="0"/>
           </a:p>
@@ -492,7 +490,7 @@
             <a:fld id="{AE0C963C-C1DB-4AFD-9DDC-0691666BF49B}" type="datetime2">
               <a:rPr lang="en-US" smtClean="0"/>
               <a:pPr/>
-              <a:t>Friday, September 9, 2022</a:t>
+              <a:t>Thursday, September 15, 2022</a:t>
             </a:fld>
             <a:endParaRPr lang="en-US" cap="all" dirty="0"/>
           </a:p>
@@ -704,7 +702,7 @@
             <a:fld id="{AE0C963C-C1DB-4AFD-9DDC-0691666BF49B}" type="datetime2">
               <a:rPr lang="en-US" smtClean="0"/>
               <a:pPr/>
-              <a:t>Friday, September 9, 2022</a:t>
+              <a:t>Thursday, September 15, 2022</a:t>
             </a:fld>
             <a:endParaRPr lang="en-US" cap="all" dirty="0"/>
           </a:p>
@@ -906,7 +904,7 @@
             <a:fld id="{AE0C963C-C1DB-4AFD-9DDC-0691666BF49B}" type="datetime2">
               <a:rPr lang="en-US" smtClean="0"/>
               <a:pPr/>
-              <a:t>Friday, September 9, 2022</a:t>
+              <a:t>Thursday, September 15, 2022</a:t>
             </a:fld>
             <a:endParaRPr lang="en-US" cap="all" dirty="0"/>
           </a:p>
@@ -1185,7 +1183,7 @@
             <a:fld id="{AE0C963C-C1DB-4AFD-9DDC-0691666BF49B}" type="datetime2">
               <a:rPr lang="en-US" smtClean="0"/>
               <a:pPr/>
-              <a:t>Friday, September 9, 2022</a:t>
+              <a:t>Thursday, September 15, 2022</a:t>
             </a:fld>
             <a:endParaRPr lang="en-US" cap="all" dirty="0"/>
           </a:p>
@@ -1454,7 +1452,7 @@
             <a:fld id="{AE0C963C-C1DB-4AFD-9DDC-0691666BF49B}" type="datetime2">
               <a:rPr lang="en-US" smtClean="0"/>
               <a:pPr/>
-              <a:t>Friday, September 9, 2022</a:t>
+              <a:t>Thursday, September 15, 2022</a:t>
             </a:fld>
             <a:endParaRPr lang="en-US" cap="all" dirty="0"/>
           </a:p>
@@ -1870,7 +1868,7 @@
             <a:fld id="{AE0C963C-C1DB-4AFD-9DDC-0691666BF49B}" type="datetime2">
               <a:rPr lang="en-US" smtClean="0"/>
               <a:pPr/>
-              <a:t>Friday, September 9, 2022</a:t>
+              <a:t>Thursday, September 15, 2022</a:t>
             </a:fld>
             <a:endParaRPr lang="en-US" cap="all" dirty="0"/>
           </a:p>
@@ -2015,7 +2013,7 @@
             <a:fld id="{AE0C963C-C1DB-4AFD-9DDC-0691666BF49B}" type="datetime2">
               <a:rPr lang="en-US" smtClean="0"/>
               <a:pPr/>
-              <a:t>Friday, September 9, 2022</a:t>
+              <a:t>Thursday, September 15, 2022</a:t>
             </a:fld>
             <a:endParaRPr lang="en-US" cap="all" dirty="0"/>
           </a:p>
@@ -2132,7 +2130,7 @@
             <a:fld id="{AE0C963C-C1DB-4AFD-9DDC-0691666BF49B}" type="datetime2">
               <a:rPr lang="en-US" smtClean="0"/>
               <a:pPr/>
-              <a:t>Friday, September 9, 2022</a:t>
+              <a:t>Thursday, September 15, 2022</a:t>
             </a:fld>
             <a:endParaRPr lang="en-US" cap="all" dirty="0"/>
           </a:p>
@@ -2447,7 +2445,7 @@
             <a:fld id="{AE0C963C-C1DB-4AFD-9DDC-0691666BF49B}" type="datetime2">
               <a:rPr lang="en-US" smtClean="0"/>
               <a:pPr/>
-              <a:t>Friday, September 9, 2022</a:t>
+              <a:t>Thursday, September 15, 2022</a:t>
             </a:fld>
             <a:endParaRPr lang="en-US" cap="all" dirty="0"/>
           </a:p>
@@ -2739,7 +2737,7 @@
             <a:fld id="{AE0C963C-C1DB-4AFD-9DDC-0691666BF49B}" type="datetime2">
               <a:rPr lang="en-US" smtClean="0"/>
               <a:pPr/>
-              <a:t>Friday, September 9, 2022</a:t>
+              <a:t>Thursday, September 15, 2022</a:t>
             </a:fld>
             <a:endParaRPr lang="en-US" cap="all" dirty="0"/>
           </a:p>
@@ -2984,7 +2982,7 @@
             <a:fld id="{AE0C963C-C1DB-4AFD-9DDC-0691666BF49B}" type="datetime2">
               <a:rPr lang="en-US" smtClean="0"/>
               <a:pPr/>
-              <a:t>Friday, September 9, 2022</a:t>
+              <a:t>Thursday, September 15, 2022</a:t>
             </a:fld>
             <a:endParaRPr lang="en-US" cap="all" dirty="0"/>
           </a:p>
@@ -12348,10 +12346,10 @@
       </p:grpSpPr>
       <p:sp>
         <p:nvSpPr>
-          <p:cNvPr id="8" name="Espace réservé du numéro de diapositive 2">
-            <a:extLst>
-              <a:ext uri="{FF2B5EF4-FFF2-40B4-BE49-F238E27FC236}">
-                <a16:creationId xmlns:a16="http://schemas.microsoft.com/office/drawing/2014/main" id="{401D1855-D5DB-757A-D335-4F769C1A9B9F}"/>
+          <p:cNvPr id="2" name="Titre 1">
+            <a:extLst>
+              <a:ext uri="{FF2B5EF4-FFF2-40B4-BE49-F238E27FC236}">
+                <a16:creationId xmlns:a16="http://schemas.microsoft.com/office/drawing/2014/main" id="{62EDAB49-663B-20A7-4386-A8BC2BEB0D35}"/>
               </a:ext>
             </a:extLst>
           </p:cNvPr>
@@ -12361,6 +12359,75 @@
           <p:nvPr>
             <p:custDataLst>
               <p:tags r:id="rId1"/>
+            </p:custDataLst>
+          </p:nvPr>
+        </p:nvSpPr>
+        <p:spPr>
+          <a:xfrm>
+            <a:off x="699035" y="413464"/>
+            <a:ext cx="10793929" cy="1062625"/>
+          </a:xfrm>
+          <a:prstGeom prst="rect">
+            <a:avLst/>
+          </a:prstGeom>
+        </p:spPr>
+        <p:txBody>
+          <a:bodyPr vert="horz" lIns="91440" tIns="45720" rIns="91440" bIns="45720" rtlCol="0" anchor="t">
+            <a:noAutofit/>
+          </a:bodyPr>
+          <a:lstStyle>
+            <a:lvl1pPr algn="ctr" defTabSz="914400" rtl="0" eaLnBrk="1" latinLnBrk="0" hangingPunct="1">
+              <a:lnSpc>
+                <a:spcPct val="90000"/>
+              </a:lnSpc>
+              <a:spcBef>
+                <a:spcPct val="0"/>
+              </a:spcBef>
+              <a:buNone/>
+              <a:defRPr sz="6000" kern="1200">
+                <a:solidFill>
+                  <a:schemeClr val="tx1"/>
+                </a:solidFill>
+                <a:latin typeface="+mj-lt"/>
+                <a:ea typeface="+mj-ea"/>
+                <a:cs typeface="+mj-cs"/>
+              </a:defRPr>
+            </a:lvl1pPr>
+          </a:lstStyle>
+          <a:p>
+            <a:pPr>
+              <a:lnSpc>
+                <a:spcPct val="150000"/>
+              </a:lnSpc>
+            </a:pPr>
+            <a:r>
+              <a:rPr lang="fr-FR" sz="4800" cap="all" dirty="0">
+                <a:solidFill>
+                  <a:srgbClr val="621516"/>
+                </a:solidFill>
+                <a:latin typeface="Segoe UI Black" panose="020B0A02040204020203" pitchFamily="34" charset="0"/>
+                <a:ea typeface="Segoe UI Black" panose="020B0A02040204020203" pitchFamily="34" charset="0"/>
+              </a:rPr>
+              <a:t>V – AXE d’AMÉLIORATION ET CONCLUSION</a:t>
+            </a:r>
+          </a:p>
+        </p:txBody>
+      </p:sp>
+      <p:sp>
+        <p:nvSpPr>
+          <p:cNvPr id="8" name="Espace réservé du numéro de diapositive 2">
+            <a:extLst>
+              <a:ext uri="{FF2B5EF4-FFF2-40B4-BE49-F238E27FC236}">
+                <a16:creationId xmlns:a16="http://schemas.microsoft.com/office/drawing/2014/main" id="{401D1855-D5DB-757A-D335-4F769C1A9B9F}"/>
+              </a:ext>
+            </a:extLst>
+          </p:cNvPr>
+          <p:cNvSpPr txBox="1">
+            <a:spLocks/>
+          </p:cNvSpPr>
+          <p:nvPr>
+            <p:custDataLst>
+              <p:tags r:id="rId2"/>
             </p:custDataLst>
           </p:nvPr>
         </p:nvSpPr>
@@ -12492,108 +12559,28 @@
           </a:p>
         </p:txBody>
       </p:sp>
-      <p:sp>
-        <p:nvSpPr>
-          <p:cNvPr id="3" name="Titre 1">
-            <a:extLst>
-              <a:ext uri="{FF2B5EF4-FFF2-40B4-BE49-F238E27FC236}">
-                <a16:creationId xmlns:a16="http://schemas.microsoft.com/office/drawing/2014/main" id="{297A4338-DF6C-426F-29AD-B7A6B822475B}"/>
-              </a:ext>
-            </a:extLst>
-          </p:cNvPr>
-          <p:cNvSpPr>
-            <a:spLocks noGrp="1"/>
-          </p:cNvSpPr>
-          <p:nvPr>
-            <p:ph type="ctrTitle"/>
-            <p:custDataLst>
-              <p:tags r:id="rId2"/>
-            </p:custDataLst>
-          </p:nvPr>
-        </p:nvSpPr>
-        <p:spPr>
-          <a:xfrm>
-            <a:off x="2186354" y="253681"/>
-            <a:ext cx="7819292" cy="1062625"/>
-          </a:xfrm>
-        </p:spPr>
-        <p:txBody>
-          <a:bodyPr anchor="t">
-            <a:noAutofit/>
-          </a:bodyPr>
-          <a:lstStyle/>
-          <a:p>
-            <a:pPr>
-              <a:lnSpc>
-                <a:spcPct val="150000"/>
-              </a:lnSpc>
-            </a:pPr>
-            <a:r>
-              <a:rPr lang="fr-FR" sz="4800" cap="all" dirty="0">
-                <a:solidFill>
-                  <a:srgbClr val="621516"/>
-                </a:solidFill>
-                <a:latin typeface="Segoe UI Black" panose="020B0A02040204020203" pitchFamily="34" charset="0"/>
-                <a:ea typeface="Segoe UI Black" panose="020B0A02040204020203" pitchFamily="34" charset="0"/>
-              </a:rPr>
-              <a:t>LIEN VERS </a:t>
-            </a:r>
-            <a:r>
-              <a:rPr lang="fr-FR" sz="4800" cap="all" dirty="0" err="1">
-                <a:solidFill>
-                  <a:srgbClr val="621516"/>
-                </a:solidFill>
-                <a:latin typeface="Segoe UI Black" panose="020B0A02040204020203" pitchFamily="34" charset="0"/>
-                <a:ea typeface="Segoe UI Black" panose="020B0A02040204020203" pitchFamily="34" charset="0"/>
-              </a:rPr>
-              <a:t>Databricks</a:t>
-            </a:r>
-            <a:r>
-              <a:rPr lang="fr-FR" sz="4800" cap="all" dirty="0">
-                <a:solidFill>
-                  <a:srgbClr val="621516"/>
-                </a:solidFill>
-                <a:latin typeface="Segoe UI Black" panose="020B0A02040204020203" pitchFamily="34" charset="0"/>
-                <a:ea typeface="Segoe UI Black" panose="020B0A02040204020203" pitchFamily="34" charset="0"/>
-              </a:rPr>
-              <a:t> :</a:t>
-            </a:r>
-            <a:endParaRPr lang="fr-FR" sz="3200" cap="all" dirty="0">
-              <a:solidFill>
-                <a:srgbClr val="621516"/>
-              </a:solidFill>
-              <a:latin typeface="Segoe UI Black" panose="020B0A02040204020203" pitchFamily="34" charset="0"/>
-              <a:ea typeface="Segoe UI Black" panose="020B0A02040204020203" pitchFamily="34" charset="0"/>
-            </a:endParaRPr>
-          </a:p>
-        </p:txBody>
-      </p:sp>
       <p:pic>
         <p:nvPicPr>
-          <p:cNvPr id="2" name="Graphique 1" descr="Panneau">
-            <a:extLst>
-              <a:ext uri="{FF2B5EF4-FFF2-40B4-BE49-F238E27FC236}">
-                <a16:creationId xmlns:a16="http://schemas.microsoft.com/office/drawing/2014/main" id="{CFE558F4-427A-28CA-BE0A-8E4F529BDFF1}"/>
+          <p:cNvPr id="5" name="Graphique 4" descr="Graphique à barres avec tendance à la hausse">
+            <a:extLst>
+              <a:ext uri="{FF2B5EF4-FFF2-40B4-BE49-F238E27FC236}">
+                <a16:creationId xmlns:a16="http://schemas.microsoft.com/office/drawing/2014/main" id="{46998B76-3826-1309-3C8E-61D0125E9CF2}"/>
               </a:ext>
             </a:extLst>
           </p:cNvPr>
           <p:cNvPicPr>
             <a:picLocks noChangeAspect="1"/>
           </p:cNvPicPr>
-          <p:nvPr>
-            <p:custDataLst>
-              <p:tags r:id="rId3"/>
-            </p:custDataLst>
-          </p:nvPr>
+          <p:nvPr/>
         </p:nvPicPr>
         <p:blipFill>
-          <a:blip r:embed="rId6">
+          <a:blip r:embed="rId4">
             <a:extLst>
               <a:ext uri="{28A0092B-C50C-407E-A947-70E740481C1C}">
                 <a14:useLocalDpi xmlns:a14="http://schemas.microsoft.com/office/drawing/2010/main" val="0"/>
               </a:ext>
               <a:ext uri="{96DAC541-7B7A-43D3-8B79-37D633B846F1}">
-                <asvg:svgBlip xmlns:asvg="http://schemas.microsoft.com/office/drawing/2016/SVG/main" r:embed="rId7"/>
+                <asvg:svgBlip xmlns:asvg="http://schemas.microsoft.com/office/drawing/2016/SVG/main" r:embed="rId5"/>
               </a:ext>
             </a:extLst>
           </a:blip>
@@ -12603,71 +12590,18 @@
         </p:blipFill>
         <p:spPr>
           <a:xfrm>
-            <a:off x="1020888" y="1266092"/>
-            <a:ext cx="10150221" cy="5510027"/>
+            <a:off x="4548554" y="2725616"/>
+            <a:ext cx="3094892" cy="3094892"/>
           </a:xfrm>
           <a:prstGeom prst="rect">
             <a:avLst/>
           </a:prstGeom>
         </p:spPr>
       </p:pic>
-      <p:sp>
-        <p:nvSpPr>
-          <p:cNvPr id="5" name="ZoneTexte 4">
-            <a:extLst>
-              <a:ext uri="{FF2B5EF4-FFF2-40B4-BE49-F238E27FC236}">
-                <a16:creationId xmlns:a16="http://schemas.microsoft.com/office/drawing/2014/main" id="{26173887-0DF9-5CFE-1C05-7E44EBD53458}"/>
-              </a:ext>
-            </a:extLst>
-          </p:cNvPr>
-          <p:cNvSpPr txBox="1"/>
-          <p:nvPr>
-            <p:custDataLst>
-              <p:tags r:id="rId4"/>
-            </p:custDataLst>
-          </p:nvPr>
-        </p:nvSpPr>
-        <p:spPr>
-          <a:xfrm>
-            <a:off x="3538257" y="2644170"/>
-            <a:ext cx="5115485" cy="1569660"/>
-          </a:xfrm>
-          <a:prstGeom prst="rect">
-            <a:avLst/>
-          </a:prstGeom>
-          <a:noFill/>
-        </p:spPr>
-        <p:txBody>
-          <a:bodyPr wrap="square">
-            <a:spAutoFit/>
-          </a:bodyPr>
-          <a:lstStyle/>
-          <a:p>
-            <a:r>
-              <a:rPr lang="fr-FR" sz="2400" dirty="0">
-                <a:solidFill>
-                  <a:schemeClr val="accent2">
-                    <a:lumMod val="75000"/>
-                  </a:schemeClr>
-                </a:solidFill>
-                <a:hlinkClick r:id="rId8"/>
-              </a:rPr>
-              <a:t>https://dbc-50bf6d28-d57f.cloud.databricks.com/?o=22010014277780#notebook/566770589047517/command/566770589047518</a:t>
-            </a:r>
-            <a:endParaRPr lang="fr-FR" sz="2400" dirty="0">
-              <a:solidFill>
-                <a:schemeClr val="accent2">
-                  <a:lumMod val="75000"/>
-                </a:schemeClr>
-              </a:solidFill>
-            </a:endParaRPr>
-          </a:p>
-        </p:txBody>
-      </p:sp>
     </p:spTree>
     <p:extLst>
       <p:ext uri="{BB962C8B-B14F-4D97-AF65-F5344CB8AC3E}">
-        <p14:creationId xmlns:p14="http://schemas.microsoft.com/office/powerpoint/2010/main" val="342628431"/>
+        <p14:creationId xmlns:p14="http://schemas.microsoft.com/office/powerpoint/2010/main" val="2628612866"/>
       </p:ext>
     </p:extLst>
   </p:cSld>
@@ -12722,10 +12656,10 @@
       </p:grpSpPr>
       <p:sp>
         <p:nvSpPr>
-          <p:cNvPr id="8" name="Espace réservé du numéro de diapositive 2">
-            <a:extLst>
-              <a:ext uri="{FF2B5EF4-FFF2-40B4-BE49-F238E27FC236}">
-                <a16:creationId xmlns:a16="http://schemas.microsoft.com/office/drawing/2014/main" id="{401D1855-D5DB-757A-D335-4F769C1A9B9F}"/>
+          <p:cNvPr id="2" name="Titre 1">
+            <a:extLst>
+              <a:ext uri="{FF2B5EF4-FFF2-40B4-BE49-F238E27FC236}">
+                <a16:creationId xmlns:a16="http://schemas.microsoft.com/office/drawing/2014/main" id="{62EDAB49-663B-20A7-4386-A8BC2BEB0D35}"/>
               </a:ext>
             </a:extLst>
           </p:cNvPr>
@@ -12735,6 +12669,75 @@
           <p:nvPr>
             <p:custDataLst>
               <p:tags r:id="rId1"/>
+            </p:custDataLst>
+          </p:nvPr>
+        </p:nvSpPr>
+        <p:spPr>
+          <a:xfrm>
+            <a:off x="2051537" y="457451"/>
+            <a:ext cx="8761487" cy="1062625"/>
+          </a:xfrm>
+          <a:prstGeom prst="rect">
+            <a:avLst/>
+          </a:prstGeom>
+        </p:spPr>
+        <p:txBody>
+          <a:bodyPr vert="horz" lIns="91440" tIns="45720" rIns="91440" bIns="45720" rtlCol="0" anchor="t">
+            <a:noAutofit/>
+          </a:bodyPr>
+          <a:lstStyle>
+            <a:lvl1pPr algn="ctr" defTabSz="914400" rtl="0" eaLnBrk="1" latinLnBrk="0" hangingPunct="1">
+              <a:lnSpc>
+                <a:spcPct val="90000"/>
+              </a:lnSpc>
+              <a:spcBef>
+                <a:spcPct val="0"/>
+              </a:spcBef>
+              <a:buNone/>
+              <a:defRPr sz="6000" kern="1200">
+                <a:solidFill>
+                  <a:schemeClr val="tx1"/>
+                </a:solidFill>
+                <a:latin typeface="+mj-lt"/>
+                <a:ea typeface="+mj-ea"/>
+                <a:cs typeface="+mj-cs"/>
+              </a:defRPr>
+            </a:lvl1pPr>
+          </a:lstStyle>
+          <a:p>
+            <a:pPr>
+              <a:lnSpc>
+                <a:spcPct val="150000"/>
+              </a:lnSpc>
+            </a:pPr>
+            <a:r>
+              <a:rPr lang="fr-FR" sz="4800" cap="all" dirty="0">
+                <a:solidFill>
+                  <a:srgbClr val="621516"/>
+                </a:solidFill>
+                <a:latin typeface="Segoe UI Black" panose="020B0A02040204020203" pitchFamily="34" charset="0"/>
+                <a:ea typeface="Segoe UI Black" panose="020B0A02040204020203" pitchFamily="34" charset="0"/>
+              </a:rPr>
+              <a:t>CONSERVER LES DONNÉES :</a:t>
+            </a:r>
+          </a:p>
+        </p:txBody>
+      </p:sp>
+      <p:sp>
+        <p:nvSpPr>
+          <p:cNvPr id="8" name="Espace réservé du numéro de diapositive 2">
+            <a:extLst>
+              <a:ext uri="{FF2B5EF4-FFF2-40B4-BE49-F238E27FC236}">
+                <a16:creationId xmlns:a16="http://schemas.microsoft.com/office/drawing/2014/main" id="{401D1855-D5DB-757A-D335-4F769C1A9B9F}"/>
+              </a:ext>
+            </a:extLst>
+          </p:cNvPr>
+          <p:cNvSpPr txBox="1">
+            <a:spLocks/>
+          </p:cNvSpPr>
+          <p:nvPr>
+            <p:custDataLst>
+              <p:tags r:id="rId2"/>
             </p:custDataLst>
           </p:nvPr>
         </p:nvSpPr>
@@ -12868,34 +12871,54 @@
       </p:sp>
       <p:sp>
         <p:nvSpPr>
-          <p:cNvPr id="3" name="Titre 1">
-            <a:extLst>
-              <a:ext uri="{FF2B5EF4-FFF2-40B4-BE49-F238E27FC236}">
-                <a16:creationId xmlns:a16="http://schemas.microsoft.com/office/drawing/2014/main" id="{297A4338-DF6C-426F-29AD-B7A6B822475B}"/>
-              </a:ext>
-            </a:extLst>
-          </p:cNvPr>
-          <p:cNvSpPr>
-            <a:spLocks noGrp="1"/>
+          <p:cNvPr id="10" name="Titre 1">
+            <a:extLst>
+              <a:ext uri="{FF2B5EF4-FFF2-40B4-BE49-F238E27FC236}">
+                <a16:creationId xmlns:a16="http://schemas.microsoft.com/office/drawing/2014/main" id="{E28F543E-0D32-D231-394B-450FB3E2C973}"/>
+              </a:ext>
+            </a:extLst>
+          </p:cNvPr>
+          <p:cNvSpPr txBox="1">
+            <a:spLocks/>
           </p:cNvSpPr>
           <p:nvPr>
-            <p:ph type="ctrTitle"/>
             <p:custDataLst>
-              <p:tags r:id="rId2"/>
+              <p:tags r:id="rId3"/>
             </p:custDataLst>
           </p:nvPr>
         </p:nvSpPr>
         <p:spPr>
           <a:xfrm>
-            <a:off x="2186354" y="253681"/>
-            <a:ext cx="7819292" cy="1062625"/>
-          </a:xfrm>
+            <a:off x="5759718" y="1617910"/>
+            <a:ext cx="672564" cy="1062625"/>
+          </a:xfrm>
+          <a:prstGeom prst="rect">
+            <a:avLst/>
+          </a:prstGeom>
         </p:spPr>
         <p:txBody>
-          <a:bodyPr anchor="t">
+          <a:bodyPr vert="horz" lIns="91440" tIns="45720" rIns="91440" bIns="45720" rtlCol="0" anchor="t">
             <a:noAutofit/>
           </a:bodyPr>
-          <a:lstStyle/>
+          <a:lstStyle>
+            <a:lvl1pPr algn="ctr" defTabSz="914400" rtl="0" eaLnBrk="1" latinLnBrk="0" hangingPunct="1">
+              <a:lnSpc>
+                <a:spcPct val="90000"/>
+              </a:lnSpc>
+              <a:spcBef>
+                <a:spcPct val="0"/>
+              </a:spcBef>
+              <a:buNone/>
+              <a:defRPr sz="6000" kern="1200">
+                <a:solidFill>
+                  <a:schemeClr val="tx1"/>
+                </a:solidFill>
+                <a:latin typeface="+mj-lt"/>
+                <a:ea typeface="+mj-ea"/>
+                <a:cs typeface="+mj-cs"/>
+              </a:defRPr>
+            </a:lvl1pPr>
+          </a:lstStyle>
           <a:p>
             <a:pPr>
               <a:lnSpc>
@@ -12903,51 +12926,40 @@
               </a:lnSpc>
             </a:pPr>
             <a:r>
-              <a:rPr lang="fr-FR" sz="4800" cap="all" dirty="0">
-                <a:solidFill>
-                  <a:srgbClr val="621516"/>
+              <a:rPr lang="fr-FR" sz="9600" cap="all" dirty="0">
+                <a:solidFill>
+                  <a:srgbClr val="525252"/>
                 </a:solidFill>
                 <a:latin typeface="Segoe UI Black" panose="020B0A02040204020203" pitchFamily="34" charset="0"/>
                 <a:ea typeface="Segoe UI Black" panose="020B0A02040204020203" pitchFamily="34" charset="0"/>
               </a:rPr>
-              <a:t>LIEN VERS AWS :</a:t>
+              <a:t>&lt;</a:t>
             </a:r>
-            <a:endParaRPr lang="fr-FR" sz="3200" cap="all" dirty="0">
-              <a:solidFill>
-                <a:srgbClr val="621516"/>
-              </a:solidFill>
-              <a:latin typeface="Segoe UI Black" panose="020B0A02040204020203" pitchFamily="34" charset="0"/>
-              <a:ea typeface="Segoe UI Black" panose="020B0A02040204020203" pitchFamily="34" charset="0"/>
-            </a:endParaRPr>
           </a:p>
         </p:txBody>
       </p:sp>
       <p:pic>
         <p:nvPicPr>
-          <p:cNvPr id="2" name="Graphique 1" descr="Panneau">
-            <a:extLst>
-              <a:ext uri="{FF2B5EF4-FFF2-40B4-BE49-F238E27FC236}">
-                <a16:creationId xmlns:a16="http://schemas.microsoft.com/office/drawing/2014/main" id="{CFE558F4-427A-28CA-BE0A-8E4F529BDFF1}"/>
+          <p:cNvPr id="13" name="Graphique 12" descr="Coupe à fruits">
+            <a:extLst>
+              <a:ext uri="{FF2B5EF4-FFF2-40B4-BE49-F238E27FC236}">
+                <a16:creationId xmlns:a16="http://schemas.microsoft.com/office/drawing/2014/main" id="{667B9104-56F6-0532-E1A4-38B1C77A951A}"/>
               </a:ext>
             </a:extLst>
           </p:cNvPr>
           <p:cNvPicPr>
             <a:picLocks noChangeAspect="1"/>
           </p:cNvPicPr>
-          <p:nvPr>
-            <p:custDataLst>
-              <p:tags r:id="rId3"/>
-            </p:custDataLst>
-          </p:nvPr>
+          <p:nvPr/>
         </p:nvPicPr>
         <p:blipFill>
-          <a:blip r:embed="rId6">
+          <a:blip r:embed="rId5">
             <a:extLst>
               <a:ext uri="{28A0092B-C50C-407E-A947-70E740481C1C}">
                 <a14:useLocalDpi xmlns:a14="http://schemas.microsoft.com/office/drawing/2010/main" val="0"/>
               </a:ext>
               <a:ext uri="{96DAC541-7B7A-43D3-8B79-37D633B846F1}">
-                <asvg:svgBlip xmlns:asvg="http://schemas.microsoft.com/office/drawing/2016/SVG/main" r:embed="rId7"/>
+                <asvg:svgBlip xmlns:asvg="http://schemas.microsoft.com/office/drawing/2016/SVG/main" r:embed="rId6"/>
               </a:ext>
             </a:extLst>
           </a:blip>
@@ -12957,8 +12969,164 @@
         </p:blipFill>
         <p:spPr>
           <a:xfrm>
-            <a:off x="1021079" y="1232997"/>
-            <a:ext cx="10150221" cy="5510027"/>
+            <a:off x="6925862" y="1743091"/>
+            <a:ext cx="2132324" cy="2132324"/>
+          </a:xfrm>
+          <a:prstGeom prst="rect">
+            <a:avLst/>
+          </a:prstGeom>
+        </p:spPr>
+      </p:pic>
+      <p:pic>
+        <p:nvPicPr>
+          <p:cNvPr id="14" name="Graphique 13" descr="Images">
+            <a:extLst>
+              <a:ext uri="{FF2B5EF4-FFF2-40B4-BE49-F238E27FC236}">
+                <a16:creationId xmlns:a16="http://schemas.microsoft.com/office/drawing/2014/main" id="{D5792C32-6940-3EED-91A6-B5C9C275F8EF}"/>
+              </a:ext>
+            </a:extLst>
+          </p:cNvPr>
+          <p:cNvPicPr>
+            <a:picLocks noChangeAspect="1"/>
+          </p:cNvPicPr>
+          <p:nvPr/>
+        </p:nvPicPr>
+        <p:blipFill>
+          <a:blip r:embed="rId7">
+            <a:extLst>
+              <a:ext uri="{28A0092B-C50C-407E-A947-70E740481C1C}">
+                <a14:useLocalDpi xmlns:a14="http://schemas.microsoft.com/office/drawing/2010/main" val="0"/>
+              </a:ext>
+              <a:ext uri="{96DAC541-7B7A-43D3-8B79-37D633B846F1}">
+                <asvg:svgBlip xmlns:asvg="http://schemas.microsoft.com/office/drawing/2016/SVG/main" r:embed="rId8"/>
+              </a:ext>
+            </a:extLst>
+          </a:blip>
+          <a:stretch>
+            <a:fillRect/>
+          </a:stretch>
+        </p:blipFill>
+        <p:spPr>
+          <a:xfrm>
+            <a:off x="9551766" y="1956538"/>
+            <a:ext cx="1705429" cy="1705429"/>
+          </a:xfrm>
+          <a:prstGeom prst="rect">
+            <a:avLst/>
+          </a:prstGeom>
+        </p:spPr>
+      </p:pic>
+      <p:pic>
+        <p:nvPicPr>
+          <p:cNvPr id="15" name="Graphique 14" descr="Cerises">
+            <a:extLst>
+              <a:ext uri="{FF2B5EF4-FFF2-40B4-BE49-F238E27FC236}">
+                <a16:creationId xmlns:a16="http://schemas.microsoft.com/office/drawing/2014/main" id="{F2961D71-36C5-7C8B-5C71-67224E13025A}"/>
+              </a:ext>
+            </a:extLst>
+          </p:cNvPr>
+          <p:cNvPicPr>
+            <a:picLocks noChangeAspect="1"/>
+          </p:cNvPicPr>
+          <p:nvPr/>
+        </p:nvPicPr>
+        <p:blipFill>
+          <a:blip r:embed="rId9">
+            <a:extLst>
+              <a:ext uri="{28A0092B-C50C-407E-A947-70E740481C1C}">
+                <a14:useLocalDpi xmlns:a14="http://schemas.microsoft.com/office/drawing/2010/main" val="0"/>
+              </a:ext>
+              <a:ext uri="{96DAC541-7B7A-43D3-8B79-37D633B846F1}">
+                <asvg:svgBlip xmlns:asvg="http://schemas.microsoft.com/office/drawing/2016/SVG/main" r:embed="rId10"/>
+              </a:ext>
+            </a:extLst>
+          </a:blip>
+          <a:stretch>
+            <a:fillRect/>
+          </a:stretch>
+        </p:blipFill>
+        <p:spPr>
+          <a:xfrm>
+            <a:off x="2852712" y="2499148"/>
+            <a:ext cx="940923" cy="940923"/>
+          </a:xfrm>
+          <a:prstGeom prst="rect">
+            <a:avLst/>
+          </a:prstGeom>
+        </p:spPr>
+      </p:pic>
+      <p:pic>
+        <p:nvPicPr>
+          <p:cNvPr id="16" name="Graphique 15" descr="Orange">
+            <a:extLst>
+              <a:ext uri="{FF2B5EF4-FFF2-40B4-BE49-F238E27FC236}">
+                <a16:creationId xmlns:a16="http://schemas.microsoft.com/office/drawing/2014/main" id="{010402BC-7771-B01C-A5F5-A106E45FFA26}"/>
+              </a:ext>
+            </a:extLst>
+          </p:cNvPr>
+          <p:cNvPicPr>
+            <a:picLocks noChangeAspect="1"/>
+          </p:cNvPicPr>
+          <p:nvPr/>
+        </p:nvPicPr>
+        <p:blipFill>
+          <a:blip r:embed="rId11">
+            <a:extLst>
+              <a:ext uri="{28A0092B-C50C-407E-A947-70E740481C1C}">
+                <a14:useLocalDpi xmlns:a14="http://schemas.microsoft.com/office/drawing/2010/main" val="0"/>
+              </a:ext>
+              <a:ext uri="{96DAC541-7B7A-43D3-8B79-37D633B846F1}">
+                <asvg:svgBlip xmlns:asvg="http://schemas.microsoft.com/office/drawing/2016/SVG/main" r:embed="rId12"/>
+              </a:ext>
+            </a:extLst>
+          </a:blip>
+          <a:stretch>
+            <a:fillRect/>
+          </a:stretch>
+        </p:blipFill>
+        <p:spPr>
+          <a:xfrm>
+            <a:off x="1486198" y="2612701"/>
+            <a:ext cx="771904" cy="771904"/>
+          </a:xfrm>
+          <a:prstGeom prst="rect">
+            <a:avLst/>
+          </a:prstGeom>
+        </p:spPr>
+      </p:pic>
+      <p:pic>
+        <p:nvPicPr>
+          <p:cNvPr id="17" name="Graphique 16" descr="Images">
+            <a:extLst>
+              <a:ext uri="{FF2B5EF4-FFF2-40B4-BE49-F238E27FC236}">
+                <a16:creationId xmlns:a16="http://schemas.microsoft.com/office/drawing/2014/main" id="{90F71579-48BF-294E-268B-D84EFABDCC5D}"/>
+              </a:ext>
+            </a:extLst>
+          </p:cNvPr>
+          <p:cNvPicPr>
+            <a:picLocks noChangeAspect="1"/>
+          </p:cNvPicPr>
+          <p:nvPr/>
+        </p:nvPicPr>
+        <p:blipFill>
+          <a:blip r:embed="rId7">
+            <a:extLst>
+              <a:ext uri="{28A0092B-C50C-407E-A947-70E740481C1C}">
+                <a14:useLocalDpi xmlns:a14="http://schemas.microsoft.com/office/drawing/2010/main" val="0"/>
+              </a:ext>
+              <a:ext uri="{96DAC541-7B7A-43D3-8B79-37D633B846F1}">
+                <asvg:svgBlip xmlns:asvg="http://schemas.microsoft.com/office/drawing/2016/SVG/main" r:embed="rId8"/>
+              </a:ext>
+            </a:extLst>
+          </a:blip>
+          <a:stretch>
+            <a:fillRect/>
+          </a:stretch>
+        </p:blipFill>
+        <p:spPr>
+          <a:xfrm>
+            <a:off x="4388245" y="2559708"/>
+            <a:ext cx="877893" cy="877893"/>
           </a:xfrm>
           <a:prstGeom prst="rect">
             <a:avLst/>
@@ -12967,24 +13135,20 @@
       </p:pic>
       <p:sp>
         <p:nvSpPr>
-          <p:cNvPr id="5" name="ZoneTexte 4">
-            <a:extLst>
-              <a:ext uri="{FF2B5EF4-FFF2-40B4-BE49-F238E27FC236}">
-                <a16:creationId xmlns:a16="http://schemas.microsoft.com/office/drawing/2014/main" id="{26173887-0DF9-5CFE-1C05-7E44EBD53458}"/>
+          <p:cNvPr id="19" name="ZoneTexte 18">
+            <a:extLst>
+              <a:ext uri="{FF2B5EF4-FFF2-40B4-BE49-F238E27FC236}">
+                <a16:creationId xmlns:a16="http://schemas.microsoft.com/office/drawing/2014/main" id="{D8FB0843-1168-BB18-ED54-CB873FA8A34B}"/>
               </a:ext>
             </a:extLst>
           </p:cNvPr>
           <p:cNvSpPr txBox="1"/>
-          <p:nvPr>
-            <p:custDataLst>
-              <p:tags r:id="rId4"/>
-            </p:custDataLst>
-          </p:nvPr>
+          <p:nvPr/>
         </p:nvSpPr>
         <p:spPr>
           <a:xfrm>
-            <a:off x="3840946" y="2787681"/>
-            <a:ext cx="4510107" cy="1200329"/>
+            <a:off x="4053037" y="3973249"/>
+            <a:ext cx="4387578" cy="1426609"/>
           </a:xfrm>
           <a:prstGeom prst="rect">
             <a:avLst/>
@@ -12997,31 +13161,28 @@
           </a:bodyPr>
           <a:lstStyle/>
           <a:p>
+            <a:pPr>
+              <a:lnSpc>
+                <a:spcPct val="150000"/>
+              </a:lnSpc>
+            </a:pPr>
             <a:r>
-              <a:rPr lang="fr-FR" sz="2400" dirty="0">
-                <a:solidFill>
-                  <a:schemeClr val="accent2">
-                    <a:lumMod val="75000"/>
-                  </a:schemeClr>
-                </a:solidFill>
-                <a:hlinkClick r:id="rId8"/>
+              <a:rPr lang="fr-FR" sz="6600" cap="all" dirty="0">
+                <a:solidFill>
+                  <a:srgbClr val="00B050"/>
+                </a:solidFill>
+                <a:latin typeface="Segoe UI Black" panose="020B0A02040204020203" pitchFamily="34" charset="0"/>
+                <a:ea typeface="Segoe UI Black" panose="020B0A02040204020203" pitchFamily="34" charset="0"/>
               </a:rPr>
-              <a:t>https://s3.console.aws.amazon.com/s3/buckets/vivianorsprojet8?region=eu-west-1&amp;tab=objects</a:t>
+              <a:t>POSSIBLE</a:t>
             </a:r>
-            <a:endParaRPr lang="fr-FR" sz="2400" dirty="0">
-              <a:solidFill>
-                <a:schemeClr val="accent2">
-                  <a:lumMod val="75000"/>
-                </a:schemeClr>
-              </a:solidFill>
-            </a:endParaRPr>
           </a:p>
         </p:txBody>
       </p:sp>
     </p:spTree>
     <p:extLst>
       <p:ext uri="{BB962C8B-B14F-4D97-AF65-F5344CB8AC3E}">
-        <p14:creationId xmlns:p14="http://schemas.microsoft.com/office/powerpoint/2010/main" val="3323439170"/>
+        <p14:creationId xmlns:p14="http://schemas.microsoft.com/office/powerpoint/2010/main" val="1633870031"/>
       </p:ext>
     </p:extLst>
   </p:cSld>
@@ -13094,8 +13255,8 @@
         </p:nvSpPr>
         <p:spPr>
           <a:xfrm>
-            <a:off x="699035" y="413464"/>
-            <a:ext cx="10793929" cy="1062625"/>
+            <a:off x="270966" y="466169"/>
+            <a:ext cx="11711353" cy="1062625"/>
           </a:xfrm>
           <a:prstGeom prst="rect">
             <a:avLst/>
@@ -13138,7 +13299,7 @@
                 <a:latin typeface="Segoe UI Black" panose="020B0A02040204020203" pitchFamily="34" charset="0"/>
                 <a:ea typeface="Segoe UI Black" panose="020B0A02040204020203" pitchFamily="34" charset="0"/>
               </a:rPr>
-              <a:t>V – AXE d’AMÉLIORATION ET CONCLUSION</a:t>
+              <a:t>CHOISIR UNE MEILLEURE APPROCHE :</a:t>
             </a:r>
           </a:p>
         </p:txBody>
@@ -13291,10 +13452,10 @@
       </p:sp>
       <p:pic>
         <p:nvPicPr>
-          <p:cNvPr id="5" name="Graphique 4" descr="Graphique à barres avec tendance à la hausse">
-            <a:extLst>
-              <a:ext uri="{FF2B5EF4-FFF2-40B4-BE49-F238E27FC236}">
-                <a16:creationId xmlns:a16="http://schemas.microsoft.com/office/drawing/2014/main" id="{46998B76-3826-1309-3C8E-61D0125E9CF2}"/>
+          <p:cNvPr id="9" name="Graphique 8" descr="Ligne fléchée : tout droit">
+            <a:extLst>
+              <a:ext uri="{FF2B5EF4-FFF2-40B4-BE49-F238E27FC236}">
+                <a16:creationId xmlns:a16="http://schemas.microsoft.com/office/drawing/2014/main" id="{AB91139A-94FC-E57E-872E-C58DB2BA0CCE}"/>
               </a:ext>
             </a:extLst>
           </p:cNvPr>
@@ -13304,13 +13465,13 @@
           <p:nvPr/>
         </p:nvPicPr>
         <p:blipFill>
-          <a:blip r:embed="rId4">
+          <a:blip r:embed="rId7">
             <a:extLst>
               <a:ext uri="{28A0092B-C50C-407E-A947-70E740481C1C}">
                 <a14:useLocalDpi xmlns:a14="http://schemas.microsoft.com/office/drawing/2010/main" val="0"/>
               </a:ext>
               <a:ext uri="{96DAC541-7B7A-43D3-8B79-37D633B846F1}">
-                <asvg:svgBlip xmlns:asvg="http://schemas.microsoft.com/office/drawing/2016/SVG/main" r:embed="rId5"/>
+                <asvg:svgBlip xmlns:asvg="http://schemas.microsoft.com/office/drawing/2016/SVG/main" r:embed="rId8"/>
               </a:ext>
             </a:extLst>
           </a:blip>
@@ -13319,19 +13480,333 @@
           </a:stretch>
         </p:blipFill>
         <p:spPr>
-          <a:xfrm>
-            <a:off x="4548554" y="2725616"/>
-            <a:ext cx="3094892" cy="3094892"/>
+          <a:xfrm rot="8004022">
+            <a:off x="3120400" y="1693849"/>
+            <a:ext cx="1895397" cy="1715002"/>
           </a:xfrm>
           <a:prstGeom prst="rect">
             <a:avLst/>
           </a:prstGeom>
         </p:spPr>
       </p:pic>
+      <p:sp>
+        <p:nvSpPr>
+          <p:cNvPr id="10" name="Titre 1">
+            <a:extLst>
+              <a:ext uri="{FF2B5EF4-FFF2-40B4-BE49-F238E27FC236}">
+                <a16:creationId xmlns:a16="http://schemas.microsoft.com/office/drawing/2014/main" id="{E28F543E-0D32-D231-394B-450FB3E2C973}"/>
+              </a:ext>
+            </a:extLst>
+          </p:cNvPr>
+          <p:cNvSpPr txBox="1">
+            <a:spLocks/>
+          </p:cNvSpPr>
+          <p:nvPr>
+            <p:custDataLst>
+              <p:tags r:id="rId3"/>
+            </p:custDataLst>
+          </p:nvPr>
+        </p:nvSpPr>
+        <p:spPr>
+          <a:xfrm>
+            <a:off x="5632908" y="1528794"/>
+            <a:ext cx="672564" cy="1062625"/>
+          </a:xfrm>
+          <a:prstGeom prst="rect">
+            <a:avLst/>
+          </a:prstGeom>
+        </p:spPr>
+        <p:txBody>
+          <a:bodyPr vert="horz" lIns="91440" tIns="45720" rIns="91440" bIns="45720" rtlCol="0" anchor="t">
+            <a:noAutofit/>
+          </a:bodyPr>
+          <a:lstStyle>
+            <a:lvl1pPr algn="ctr" defTabSz="914400" rtl="0" eaLnBrk="1" latinLnBrk="0" hangingPunct="1">
+              <a:lnSpc>
+                <a:spcPct val="90000"/>
+              </a:lnSpc>
+              <a:spcBef>
+                <a:spcPct val="0"/>
+              </a:spcBef>
+              <a:buNone/>
+              <a:defRPr sz="6000" kern="1200">
+                <a:solidFill>
+                  <a:schemeClr val="tx1"/>
+                </a:solidFill>
+                <a:latin typeface="+mj-lt"/>
+                <a:ea typeface="+mj-ea"/>
+                <a:cs typeface="+mj-cs"/>
+              </a:defRPr>
+            </a:lvl1pPr>
+          </a:lstStyle>
+          <a:p>
+            <a:pPr>
+              <a:lnSpc>
+                <a:spcPct val="150000"/>
+              </a:lnSpc>
+            </a:pPr>
+            <a:r>
+              <a:rPr lang="fr-FR" sz="9600" cap="all" dirty="0">
+                <a:solidFill>
+                  <a:srgbClr val="525252"/>
+                </a:solidFill>
+                <a:latin typeface="Segoe UI Black" panose="020B0A02040204020203" pitchFamily="34" charset="0"/>
+                <a:ea typeface="Segoe UI Black" panose="020B0A02040204020203" pitchFamily="34" charset="0"/>
+              </a:rPr>
+              <a:t>&lt;</a:t>
+            </a:r>
+          </a:p>
+        </p:txBody>
+      </p:sp>
+      <p:pic>
+        <p:nvPicPr>
+          <p:cNvPr id="1026" name="Picture 2" descr="TensorFlow — Wikipédia">
+            <a:extLst>
+              <a:ext uri="{FF2B5EF4-FFF2-40B4-BE49-F238E27FC236}">
+                <a16:creationId xmlns:a16="http://schemas.microsoft.com/office/drawing/2014/main" id="{5CEE1692-B5C2-CFF0-328D-E0CDB33E5F9C}"/>
+              </a:ext>
+            </a:extLst>
+          </p:cNvPr>
+          <p:cNvPicPr>
+            <a:picLocks noChangeAspect="1" noChangeArrowheads="1"/>
+          </p:cNvPicPr>
+          <p:nvPr/>
+        </p:nvPicPr>
+        <p:blipFill>
+          <a:blip r:embed="rId9">
+            <a:extLst>
+              <a:ext uri="{28A0092B-C50C-407E-A947-70E740481C1C}">
+                <a14:useLocalDpi xmlns:a14="http://schemas.microsoft.com/office/drawing/2010/main" val="0"/>
+              </a:ext>
+            </a:extLst>
+          </a:blip>
+          <a:srcRect/>
+          <a:stretch>
+            <a:fillRect/>
+          </a:stretch>
+        </p:blipFill>
+        <p:spPr bwMode="auto">
+          <a:xfrm>
+            <a:off x="6565838" y="1622170"/>
+            <a:ext cx="3028903" cy="1938498"/>
+          </a:xfrm>
+          <a:prstGeom prst="rect">
+            <a:avLst/>
+          </a:prstGeom>
+          <a:noFill/>
+          <a:extLst>
+            <a:ext uri="{909E8E84-426E-40DD-AFC4-6F175D3DCCD1}">
+              <a14:hiddenFill xmlns:a14="http://schemas.microsoft.com/office/drawing/2010/main">
+                <a:solidFill>
+                  <a:srgbClr val="FFFFFF"/>
+                </a:solidFill>
+              </a14:hiddenFill>
+            </a:ext>
+          </a:extLst>
+        </p:spPr>
+      </p:pic>
+      <p:sp>
+        <p:nvSpPr>
+          <p:cNvPr id="11" name="Titre 1">
+            <a:extLst>
+              <a:ext uri="{FF2B5EF4-FFF2-40B4-BE49-F238E27FC236}">
+                <a16:creationId xmlns:a16="http://schemas.microsoft.com/office/drawing/2014/main" id="{E09919A4-E806-1E0D-8C51-CB39FED9E270}"/>
+              </a:ext>
+            </a:extLst>
+          </p:cNvPr>
+          <p:cNvSpPr txBox="1">
+            <a:spLocks/>
+          </p:cNvSpPr>
+          <p:nvPr>
+            <p:custDataLst>
+              <p:tags r:id="rId4"/>
+            </p:custDataLst>
+          </p:nvPr>
+        </p:nvSpPr>
+        <p:spPr>
+          <a:xfrm>
+            <a:off x="2343641" y="3252240"/>
+            <a:ext cx="3028903" cy="1218134"/>
+          </a:xfrm>
+          <a:prstGeom prst="rect">
+            <a:avLst/>
+          </a:prstGeom>
+        </p:spPr>
+        <p:txBody>
+          <a:bodyPr vert="horz" lIns="91440" tIns="45720" rIns="91440" bIns="45720" rtlCol="0" anchor="t">
+            <a:noAutofit/>
+          </a:bodyPr>
+          <a:lstStyle>
+            <a:lvl1pPr algn="ctr" defTabSz="914400" rtl="0" eaLnBrk="1" latinLnBrk="0" hangingPunct="1">
+              <a:lnSpc>
+                <a:spcPct val="90000"/>
+              </a:lnSpc>
+              <a:spcBef>
+                <a:spcPct val="0"/>
+              </a:spcBef>
+              <a:buNone/>
+              <a:defRPr sz="6000" kern="1200">
+                <a:solidFill>
+                  <a:schemeClr val="tx1"/>
+                </a:solidFill>
+                <a:latin typeface="+mj-lt"/>
+                <a:ea typeface="+mj-ea"/>
+                <a:cs typeface="+mj-cs"/>
+              </a:defRPr>
+            </a:lvl1pPr>
+          </a:lstStyle>
+          <a:p>
+            <a:pPr>
+              <a:lnSpc>
+                <a:spcPct val="150000"/>
+              </a:lnSpc>
+            </a:pPr>
+            <a:r>
+              <a:rPr lang="fr-FR" sz="2000" cap="all" dirty="0">
+                <a:solidFill>
+                  <a:srgbClr val="525252"/>
+                </a:solidFill>
+                <a:latin typeface="Segoe UI Black" panose="020B0A02040204020203" pitchFamily="34" charset="0"/>
+                <a:ea typeface="Segoe UI Black" panose="020B0A02040204020203" pitchFamily="34" charset="0"/>
+              </a:rPr>
+              <a:t>(Vectorisation simple)</a:t>
+            </a:r>
+            <a:endParaRPr lang="fr-FR" sz="2000" cap="all" dirty="0">
+              <a:solidFill>
+                <a:srgbClr val="621516"/>
+              </a:solidFill>
+              <a:latin typeface="Segoe UI Black" panose="020B0A02040204020203" pitchFamily="34" charset="0"/>
+              <a:ea typeface="Segoe UI Black" panose="020B0A02040204020203" pitchFamily="34" charset="0"/>
+            </a:endParaRPr>
+          </a:p>
+        </p:txBody>
+      </p:sp>
+      <p:sp>
+        <p:nvSpPr>
+          <p:cNvPr id="12" name="Titre 1">
+            <a:extLst>
+              <a:ext uri="{FF2B5EF4-FFF2-40B4-BE49-F238E27FC236}">
+                <a16:creationId xmlns:a16="http://schemas.microsoft.com/office/drawing/2014/main" id="{7A67AECE-726D-4E2F-176E-1FA2E225F8D2}"/>
+              </a:ext>
+            </a:extLst>
+          </p:cNvPr>
+          <p:cNvSpPr txBox="1">
+            <a:spLocks/>
+          </p:cNvSpPr>
+          <p:nvPr>
+            <p:custDataLst>
+              <p:tags r:id="rId5"/>
+            </p:custDataLst>
+          </p:nvPr>
+        </p:nvSpPr>
+        <p:spPr>
+          <a:xfrm>
+            <a:off x="6596092" y="3252240"/>
+            <a:ext cx="3028903" cy="1218134"/>
+          </a:xfrm>
+          <a:prstGeom prst="rect">
+            <a:avLst/>
+          </a:prstGeom>
+        </p:spPr>
+        <p:txBody>
+          <a:bodyPr vert="horz" lIns="91440" tIns="45720" rIns="91440" bIns="45720" rtlCol="0" anchor="t">
+            <a:noAutofit/>
+          </a:bodyPr>
+          <a:lstStyle>
+            <a:lvl1pPr algn="ctr" defTabSz="914400" rtl="0" eaLnBrk="1" latinLnBrk="0" hangingPunct="1">
+              <a:lnSpc>
+                <a:spcPct val="90000"/>
+              </a:lnSpc>
+              <a:spcBef>
+                <a:spcPct val="0"/>
+              </a:spcBef>
+              <a:buNone/>
+              <a:defRPr sz="6000" kern="1200">
+                <a:solidFill>
+                  <a:schemeClr val="tx1"/>
+                </a:solidFill>
+                <a:latin typeface="+mj-lt"/>
+                <a:ea typeface="+mj-ea"/>
+                <a:cs typeface="+mj-cs"/>
+              </a:defRPr>
+            </a:lvl1pPr>
+          </a:lstStyle>
+          <a:p>
+            <a:pPr>
+              <a:lnSpc>
+                <a:spcPct val="150000"/>
+              </a:lnSpc>
+            </a:pPr>
+            <a:r>
+              <a:rPr lang="fr-FR" sz="2000" cap="all" dirty="0">
+                <a:solidFill>
+                  <a:srgbClr val="525252"/>
+                </a:solidFill>
+                <a:latin typeface="Segoe UI Black" panose="020B0A02040204020203" pitchFamily="34" charset="0"/>
+                <a:ea typeface="Segoe UI Black" panose="020B0A02040204020203" pitchFamily="34" charset="0"/>
+              </a:rPr>
+              <a:t>(CNN TRANSFER LEARNING)</a:t>
+            </a:r>
+            <a:endParaRPr lang="fr-FR" sz="2000" cap="all" dirty="0">
+              <a:solidFill>
+                <a:srgbClr val="621516"/>
+              </a:solidFill>
+              <a:latin typeface="Segoe UI Black" panose="020B0A02040204020203" pitchFamily="34" charset="0"/>
+              <a:ea typeface="Segoe UI Black" panose="020B0A02040204020203" pitchFamily="34" charset="0"/>
+            </a:endParaRPr>
+          </a:p>
+        </p:txBody>
+      </p:sp>
+      <p:sp>
+        <p:nvSpPr>
+          <p:cNvPr id="3" name="ZoneTexte 2">
+            <a:extLst>
+              <a:ext uri="{FF2B5EF4-FFF2-40B4-BE49-F238E27FC236}">
+                <a16:creationId xmlns:a16="http://schemas.microsoft.com/office/drawing/2014/main" id="{076C9C6E-EDBC-EEA3-4F2C-DD111C78803E}"/>
+              </a:ext>
+            </a:extLst>
+          </p:cNvPr>
+          <p:cNvSpPr txBox="1"/>
+          <p:nvPr/>
+        </p:nvSpPr>
+        <p:spPr>
+          <a:xfrm>
+            <a:off x="3858093" y="4148020"/>
+            <a:ext cx="4387578" cy="1426609"/>
+          </a:xfrm>
+          <a:prstGeom prst="rect">
+            <a:avLst/>
+          </a:prstGeom>
+          <a:noFill/>
+        </p:spPr>
+        <p:txBody>
+          <a:bodyPr wrap="square">
+            <a:spAutoFit/>
+          </a:bodyPr>
+          <a:lstStyle/>
+          <a:p>
+            <a:pPr>
+              <a:lnSpc>
+                <a:spcPct val="150000"/>
+              </a:lnSpc>
+            </a:pPr>
+            <a:r>
+              <a:rPr lang="fr-FR" sz="6600" cap="all" dirty="0">
+                <a:solidFill>
+                  <a:srgbClr val="00B050"/>
+                </a:solidFill>
+                <a:latin typeface="Segoe UI Black" panose="020B0A02040204020203" pitchFamily="34" charset="0"/>
+                <a:ea typeface="Segoe UI Black" panose="020B0A02040204020203" pitchFamily="34" charset="0"/>
+              </a:rPr>
+              <a:t>POSSIBLE</a:t>
+            </a:r>
+          </a:p>
+        </p:txBody>
+      </p:sp>
     </p:spTree>
     <p:extLst>
       <p:ext uri="{BB962C8B-B14F-4D97-AF65-F5344CB8AC3E}">
-        <p14:creationId xmlns:p14="http://schemas.microsoft.com/office/powerpoint/2010/main" val="2628612866"/>
+        <p14:creationId xmlns:p14="http://schemas.microsoft.com/office/powerpoint/2010/main" val="2614277017"/>
       </p:ext>
     </p:extLst>
   </p:cSld>
@@ -13404,8 +13879,8 @@
         </p:nvSpPr>
         <p:spPr>
           <a:xfrm>
-            <a:off x="2051537" y="457451"/>
-            <a:ext cx="8761487" cy="1062625"/>
+            <a:off x="1321084" y="304254"/>
+            <a:ext cx="10062560" cy="1062625"/>
           </a:xfrm>
           <a:prstGeom prst="rect">
             <a:avLst/>
@@ -13448,7 +13923,7 @@
                 <a:latin typeface="Segoe UI Black" panose="020B0A02040204020203" pitchFamily="34" charset="0"/>
                 <a:ea typeface="Segoe UI Black" panose="020B0A02040204020203" pitchFamily="34" charset="0"/>
               </a:rPr>
-              <a:t>CONSERVER LES DONNÉES :</a:t>
+              <a:t>RÉPONDRE AUX CONTRAINTES</a:t>
             </a:r>
           </a:p>
         </p:txBody>
@@ -13599,12 +14074,106 @@
           </a:p>
         </p:txBody>
       </p:sp>
+      <p:pic>
+        <p:nvPicPr>
+          <p:cNvPr id="3" name="Picture 6" descr="An Oversimplified Introduction to PySpark for Programmers | Analytics Vidhya">
+            <a:extLst>
+              <a:ext uri="{FF2B5EF4-FFF2-40B4-BE49-F238E27FC236}">
+                <a16:creationId xmlns:a16="http://schemas.microsoft.com/office/drawing/2014/main" id="{ACB71194-093A-349B-1D02-250AB3910A32}"/>
+              </a:ext>
+            </a:extLst>
+          </p:cNvPr>
+          <p:cNvPicPr>
+            <a:picLocks noChangeAspect="1" noChangeArrowheads="1"/>
+          </p:cNvPicPr>
+          <p:nvPr/>
+        </p:nvPicPr>
+        <p:blipFill>
+          <a:blip r:embed="rId8">
+            <a:extLst>
+              <a:ext uri="{28A0092B-C50C-407E-A947-70E740481C1C}">
+                <a14:useLocalDpi xmlns:a14="http://schemas.microsoft.com/office/drawing/2010/main" val="0"/>
+              </a:ext>
+            </a:extLst>
+          </a:blip>
+          <a:srcRect/>
+          <a:stretch>
+            <a:fillRect/>
+          </a:stretch>
+        </p:blipFill>
+        <p:spPr bwMode="auto">
+          <a:xfrm>
+            <a:off x="731296" y="1698624"/>
+            <a:ext cx="3164115" cy="1730375"/>
+          </a:xfrm>
+          <a:prstGeom prst="rect">
+            <a:avLst/>
+          </a:prstGeom>
+          <a:noFill/>
+          <a:extLst>
+            <a:ext uri="{909E8E84-426E-40DD-AFC4-6F175D3DCCD1}">
+              <a14:hiddenFill xmlns:a14="http://schemas.microsoft.com/office/drawing/2010/main">
+                <a:solidFill>
+                  <a:srgbClr val="FFFFFF"/>
+                </a:solidFill>
+              </a14:hiddenFill>
+            </a:ext>
+          </a:extLst>
+        </p:spPr>
+      </p:pic>
+      <p:pic>
+        <p:nvPicPr>
+          <p:cNvPr id="5" name="Picture 2" descr="Databricks · GitHub">
+            <a:extLst>
+              <a:ext uri="{FF2B5EF4-FFF2-40B4-BE49-F238E27FC236}">
+                <a16:creationId xmlns:a16="http://schemas.microsoft.com/office/drawing/2014/main" id="{8687DD6B-6D1C-12D1-8416-CEA502D23892}"/>
+              </a:ext>
+            </a:extLst>
+          </p:cNvPr>
+          <p:cNvPicPr>
+            <a:picLocks noChangeAspect="1" noChangeArrowheads="1"/>
+          </p:cNvPicPr>
+          <p:nvPr/>
+        </p:nvPicPr>
+        <p:blipFill>
+          <a:blip r:embed="rId9">
+            <a:extLst>
+              <a:ext uri="{28A0092B-C50C-407E-A947-70E740481C1C}">
+                <a14:useLocalDpi xmlns:a14="http://schemas.microsoft.com/office/drawing/2010/main" val="0"/>
+              </a:ext>
+            </a:extLst>
+          </a:blip>
+          <a:srcRect/>
+          <a:stretch>
+            <a:fillRect/>
+          </a:stretch>
+        </p:blipFill>
+        <p:spPr bwMode="auto">
+          <a:xfrm>
+            <a:off x="5090621" y="1698624"/>
+            <a:ext cx="1781378" cy="1781378"/>
+          </a:xfrm>
+          <a:prstGeom prst="rect">
+            <a:avLst/>
+          </a:prstGeom>
+          <a:noFill/>
+          <a:extLst>
+            <a:ext uri="{909E8E84-426E-40DD-AFC4-6F175D3DCCD1}">
+              <a14:hiddenFill xmlns:a14="http://schemas.microsoft.com/office/drawing/2010/main">
+                <a:solidFill>
+                  <a:srgbClr val="FFFFFF"/>
+                </a:solidFill>
+              </a14:hiddenFill>
+            </a:ext>
+          </a:extLst>
+        </p:spPr>
+      </p:pic>
       <p:sp>
         <p:nvSpPr>
-          <p:cNvPr id="10" name="Titre 1">
-            <a:extLst>
-              <a:ext uri="{FF2B5EF4-FFF2-40B4-BE49-F238E27FC236}">
-                <a16:creationId xmlns:a16="http://schemas.microsoft.com/office/drawing/2014/main" id="{E28F543E-0D32-D231-394B-450FB3E2C973}"/>
+          <p:cNvPr id="6" name="Titre 1">
+            <a:extLst>
+              <a:ext uri="{FF2B5EF4-FFF2-40B4-BE49-F238E27FC236}">
+                <a16:creationId xmlns:a16="http://schemas.microsoft.com/office/drawing/2014/main" id="{3AF0553D-E557-AC05-EA26-448E71A692B6}"/>
               </a:ext>
             </a:extLst>
           </p:cNvPr>
@@ -13619,7 +14188,7 @@
         </p:nvSpPr>
         <p:spPr>
           <a:xfrm>
-            <a:off x="5759718" y="1617910"/>
+            <a:off x="4156734" y="1187585"/>
             <a:ext cx="672564" cy="1062625"/>
           </a:xfrm>
           <a:prstGeom prst="rect">
@@ -13663,134 +14232,202 @@
                 <a:latin typeface="Segoe UI Black" panose="020B0A02040204020203" pitchFamily="34" charset="0"/>
                 <a:ea typeface="Segoe UI Black" panose="020B0A02040204020203" pitchFamily="34" charset="0"/>
               </a:rPr>
-              <a:t>&lt;</a:t>
+              <a:t>+</a:t>
+            </a:r>
+          </a:p>
+        </p:txBody>
+      </p:sp>
+      <p:sp>
+        <p:nvSpPr>
+          <p:cNvPr id="7" name="Titre 1">
+            <a:extLst>
+              <a:ext uri="{FF2B5EF4-FFF2-40B4-BE49-F238E27FC236}">
+                <a16:creationId xmlns:a16="http://schemas.microsoft.com/office/drawing/2014/main" id="{9224FDFB-1091-A068-773A-E0E7C010BC03}"/>
+              </a:ext>
+            </a:extLst>
+          </p:cNvPr>
+          <p:cNvSpPr txBox="1">
+            <a:spLocks/>
+          </p:cNvSpPr>
+          <p:nvPr>
+            <p:custDataLst>
+              <p:tags r:id="rId4"/>
+            </p:custDataLst>
+          </p:nvPr>
+        </p:nvSpPr>
+        <p:spPr>
+          <a:xfrm>
+            <a:off x="7239319" y="1167311"/>
+            <a:ext cx="672564" cy="1062625"/>
+          </a:xfrm>
+          <a:prstGeom prst="rect">
+            <a:avLst/>
+          </a:prstGeom>
+        </p:spPr>
+        <p:txBody>
+          <a:bodyPr vert="horz" lIns="91440" tIns="45720" rIns="91440" bIns="45720" rtlCol="0" anchor="t">
+            <a:noAutofit/>
+          </a:bodyPr>
+          <a:lstStyle>
+            <a:lvl1pPr algn="ctr" defTabSz="914400" rtl="0" eaLnBrk="1" latinLnBrk="0" hangingPunct="1">
+              <a:lnSpc>
+                <a:spcPct val="90000"/>
+              </a:lnSpc>
+              <a:spcBef>
+                <a:spcPct val="0"/>
+              </a:spcBef>
+              <a:buNone/>
+              <a:defRPr sz="6000" kern="1200">
+                <a:solidFill>
+                  <a:schemeClr val="tx1"/>
+                </a:solidFill>
+                <a:latin typeface="+mj-lt"/>
+                <a:ea typeface="+mj-ea"/>
+                <a:cs typeface="+mj-cs"/>
+              </a:defRPr>
+            </a:lvl1pPr>
+          </a:lstStyle>
+          <a:p>
+            <a:pPr>
+              <a:lnSpc>
+                <a:spcPct val="150000"/>
+              </a:lnSpc>
+            </a:pPr>
+            <a:r>
+              <a:rPr lang="fr-FR" sz="9600" cap="all" dirty="0">
+                <a:solidFill>
+                  <a:srgbClr val="525252"/>
+                </a:solidFill>
+                <a:latin typeface="Segoe UI Black" panose="020B0A02040204020203" pitchFamily="34" charset="0"/>
+                <a:ea typeface="Segoe UI Black" panose="020B0A02040204020203" pitchFamily="34" charset="0"/>
+              </a:rPr>
+              <a:t>+</a:t>
             </a:r>
           </a:p>
         </p:txBody>
       </p:sp>
       <p:pic>
         <p:nvPicPr>
-          <p:cNvPr id="13" name="Graphique 12" descr="Coupe à fruits">
-            <a:extLst>
-              <a:ext uri="{FF2B5EF4-FFF2-40B4-BE49-F238E27FC236}">
-                <a16:creationId xmlns:a16="http://schemas.microsoft.com/office/drawing/2014/main" id="{667B9104-56F6-0532-E1A4-38B1C77A951A}"/>
+          <p:cNvPr id="2050" name="Picture 2" descr="Amazon Web Services — Wikipédia">
+            <a:extLst>
+              <a:ext uri="{FF2B5EF4-FFF2-40B4-BE49-F238E27FC236}">
+                <a16:creationId xmlns:a16="http://schemas.microsoft.com/office/drawing/2014/main" id="{BFA9ED53-A363-F224-D3E1-8D3C19D18E48}"/>
               </a:ext>
             </a:extLst>
           </p:cNvPr>
           <p:cNvPicPr>
-            <a:picLocks noChangeAspect="1"/>
+            <a:picLocks noChangeAspect="1" noChangeArrowheads="1"/>
           </p:cNvPicPr>
           <p:nvPr/>
         </p:nvPicPr>
         <p:blipFill>
-          <a:blip r:embed="rId5">
+          <a:blip r:embed="rId10">
             <a:extLst>
               <a:ext uri="{28A0092B-C50C-407E-A947-70E740481C1C}">
                 <a14:useLocalDpi xmlns:a14="http://schemas.microsoft.com/office/drawing/2010/main" val="0"/>
               </a:ext>
-              <a:ext uri="{96DAC541-7B7A-43D3-8B79-37D633B846F1}">
-                <asvg:svgBlip xmlns:asvg="http://schemas.microsoft.com/office/drawing/2016/SVG/main" r:embed="rId6"/>
-              </a:ext>
             </a:extLst>
           </a:blip>
+          <a:srcRect/>
           <a:stretch>
             <a:fillRect/>
           </a:stretch>
         </p:blipFill>
-        <p:spPr>
-          <a:xfrm>
-            <a:off x="6925862" y="1743091"/>
-            <a:ext cx="2132324" cy="2132324"/>
+        <p:spPr bwMode="auto">
+          <a:xfrm>
+            <a:off x="8279204" y="1906912"/>
+            <a:ext cx="2629120" cy="1573090"/>
           </a:xfrm>
           <a:prstGeom prst="rect">
             <a:avLst/>
           </a:prstGeom>
+          <a:noFill/>
+          <a:extLst>
+            <a:ext uri="{909E8E84-426E-40DD-AFC4-6F175D3DCCD1}">
+              <a14:hiddenFill xmlns:a14="http://schemas.microsoft.com/office/drawing/2010/main">
+                <a:solidFill>
+                  <a:srgbClr val="FFFFFF"/>
+                </a:solidFill>
+              </a14:hiddenFill>
+            </a:ext>
+          </a:extLst>
         </p:spPr>
       </p:pic>
+      <p:sp>
+        <p:nvSpPr>
+          <p:cNvPr id="13" name="Titre 1">
+            <a:extLst>
+              <a:ext uri="{FF2B5EF4-FFF2-40B4-BE49-F238E27FC236}">
+                <a16:creationId xmlns:a16="http://schemas.microsoft.com/office/drawing/2014/main" id="{53DF77A7-4EE7-D599-B23A-B6E67906BCCD}"/>
+              </a:ext>
+            </a:extLst>
+          </p:cNvPr>
+          <p:cNvSpPr txBox="1">
+            <a:spLocks/>
+          </p:cNvSpPr>
+          <p:nvPr>
+            <p:custDataLst>
+              <p:tags r:id="rId5"/>
+            </p:custDataLst>
+          </p:nvPr>
+        </p:nvSpPr>
+        <p:spPr>
+          <a:xfrm>
+            <a:off x="2769285" y="3423137"/>
+            <a:ext cx="672564" cy="1062625"/>
+          </a:xfrm>
+          <a:prstGeom prst="rect">
+            <a:avLst/>
+          </a:prstGeom>
+        </p:spPr>
+        <p:txBody>
+          <a:bodyPr vert="horz" lIns="91440" tIns="45720" rIns="91440" bIns="45720" rtlCol="0" anchor="t">
+            <a:noAutofit/>
+          </a:bodyPr>
+          <a:lstStyle>
+            <a:lvl1pPr algn="ctr" defTabSz="914400" rtl="0" eaLnBrk="1" latinLnBrk="0" hangingPunct="1">
+              <a:lnSpc>
+                <a:spcPct val="90000"/>
+              </a:lnSpc>
+              <a:spcBef>
+                <a:spcPct val="0"/>
+              </a:spcBef>
+              <a:buNone/>
+              <a:defRPr sz="6000" kern="1200">
+                <a:solidFill>
+                  <a:schemeClr val="tx1"/>
+                </a:solidFill>
+                <a:latin typeface="+mj-lt"/>
+                <a:ea typeface="+mj-ea"/>
+                <a:cs typeface="+mj-cs"/>
+              </a:defRPr>
+            </a:lvl1pPr>
+          </a:lstStyle>
+          <a:p>
+            <a:pPr>
+              <a:lnSpc>
+                <a:spcPct val="150000"/>
+              </a:lnSpc>
+            </a:pPr>
+            <a:r>
+              <a:rPr lang="fr-FR" sz="9600" cap="all" dirty="0">
+                <a:solidFill>
+                  <a:srgbClr val="525252"/>
+                </a:solidFill>
+                <a:latin typeface="Segoe UI Black" panose="020B0A02040204020203" pitchFamily="34" charset="0"/>
+                <a:ea typeface="Segoe UI Black" panose="020B0A02040204020203" pitchFamily="34" charset="0"/>
+              </a:rPr>
+              <a:t>=</a:t>
+            </a:r>
+          </a:p>
+        </p:txBody>
+      </p:sp>
       <p:pic>
         <p:nvPicPr>
-          <p:cNvPr id="14" name="Graphique 13" descr="Images">
-            <a:extLst>
-              <a:ext uri="{FF2B5EF4-FFF2-40B4-BE49-F238E27FC236}">
-                <a16:creationId xmlns:a16="http://schemas.microsoft.com/office/drawing/2014/main" id="{D5792C32-6940-3EED-91A6-B5C9C275F8EF}"/>
-              </a:ext>
-            </a:extLst>
-          </p:cNvPr>
-          <p:cNvPicPr>
-            <a:picLocks noChangeAspect="1"/>
-          </p:cNvPicPr>
-          <p:nvPr/>
-        </p:nvPicPr>
-        <p:blipFill>
-          <a:blip r:embed="rId7">
-            <a:extLst>
-              <a:ext uri="{28A0092B-C50C-407E-A947-70E740481C1C}">
-                <a14:useLocalDpi xmlns:a14="http://schemas.microsoft.com/office/drawing/2010/main" val="0"/>
-              </a:ext>
-              <a:ext uri="{96DAC541-7B7A-43D3-8B79-37D633B846F1}">
-                <asvg:svgBlip xmlns:asvg="http://schemas.microsoft.com/office/drawing/2016/SVG/main" r:embed="rId8"/>
-              </a:ext>
-            </a:extLst>
-          </a:blip>
-          <a:stretch>
-            <a:fillRect/>
-          </a:stretch>
-        </p:blipFill>
-        <p:spPr>
-          <a:xfrm>
-            <a:off x="9551766" y="1956538"/>
-            <a:ext cx="1705429" cy="1705429"/>
-          </a:xfrm>
-          <a:prstGeom prst="rect">
-            <a:avLst/>
-          </a:prstGeom>
-        </p:spPr>
-      </p:pic>
-      <p:pic>
-        <p:nvPicPr>
-          <p:cNvPr id="15" name="Graphique 14" descr="Cerises">
-            <a:extLst>
-              <a:ext uri="{FF2B5EF4-FFF2-40B4-BE49-F238E27FC236}">
-                <a16:creationId xmlns:a16="http://schemas.microsoft.com/office/drawing/2014/main" id="{F2961D71-36C5-7C8B-5C71-67224E13025A}"/>
-              </a:ext>
-            </a:extLst>
-          </p:cNvPr>
-          <p:cNvPicPr>
-            <a:picLocks noChangeAspect="1"/>
-          </p:cNvPicPr>
-          <p:nvPr/>
-        </p:nvPicPr>
-        <p:blipFill>
-          <a:blip r:embed="rId9">
-            <a:extLst>
-              <a:ext uri="{28A0092B-C50C-407E-A947-70E740481C1C}">
-                <a14:useLocalDpi xmlns:a14="http://schemas.microsoft.com/office/drawing/2010/main" val="0"/>
-              </a:ext>
-              <a:ext uri="{96DAC541-7B7A-43D3-8B79-37D633B846F1}">
-                <asvg:svgBlip xmlns:asvg="http://schemas.microsoft.com/office/drawing/2016/SVG/main" r:embed="rId10"/>
-              </a:ext>
-            </a:extLst>
-          </a:blip>
-          <a:stretch>
-            <a:fillRect/>
-          </a:stretch>
-        </p:blipFill>
-        <p:spPr>
-          <a:xfrm>
-            <a:off x="2852712" y="2499148"/>
-            <a:ext cx="940923" cy="940923"/>
-          </a:xfrm>
-          <a:prstGeom prst="rect">
-            <a:avLst/>
-          </a:prstGeom>
-        </p:spPr>
-      </p:pic>
-      <p:pic>
-        <p:nvPicPr>
-          <p:cNvPr id="16" name="Graphique 15" descr="Orange">
-            <a:extLst>
-              <a:ext uri="{FF2B5EF4-FFF2-40B4-BE49-F238E27FC236}">
-                <a16:creationId xmlns:a16="http://schemas.microsoft.com/office/drawing/2014/main" id="{010402BC-7771-B01C-A5F5-A106E45FFA26}"/>
+          <p:cNvPr id="14" name="Graphique 13" descr="Argent">
+            <a:extLst>
+              <a:ext uri="{FF2B5EF4-FFF2-40B4-BE49-F238E27FC236}">
+                <a16:creationId xmlns:a16="http://schemas.microsoft.com/office/drawing/2014/main" id="{1FDB9744-EB83-1035-E92D-6692AEE664E9}"/>
               </a:ext>
             </a:extLst>
           </p:cNvPr>
@@ -13816,20 +14453,89 @@
         </p:blipFill>
         <p:spPr>
           <a:xfrm>
-            <a:off x="1486198" y="2612701"/>
-            <a:ext cx="771904" cy="771904"/>
+            <a:off x="3896912" y="3465855"/>
+            <a:ext cx="2039814" cy="2039814"/>
           </a:xfrm>
           <a:prstGeom prst="rect">
             <a:avLst/>
           </a:prstGeom>
         </p:spPr>
       </p:pic>
+      <p:sp>
+        <p:nvSpPr>
+          <p:cNvPr id="15" name="Titre 1">
+            <a:extLst>
+              <a:ext uri="{FF2B5EF4-FFF2-40B4-BE49-F238E27FC236}">
+                <a16:creationId xmlns:a16="http://schemas.microsoft.com/office/drawing/2014/main" id="{2288EDCC-CA87-DF83-E069-60ECD0AB596C}"/>
+              </a:ext>
+            </a:extLst>
+          </p:cNvPr>
+          <p:cNvSpPr txBox="1">
+            <a:spLocks/>
+          </p:cNvSpPr>
+          <p:nvPr>
+            <p:custDataLst>
+              <p:tags r:id="rId6"/>
+            </p:custDataLst>
+          </p:nvPr>
+        </p:nvSpPr>
+        <p:spPr>
+          <a:xfrm>
+            <a:off x="6391789" y="3423136"/>
+            <a:ext cx="672564" cy="1062625"/>
+          </a:xfrm>
+          <a:prstGeom prst="rect">
+            <a:avLst/>
+          </a:prstGeom>
+        </p:spPr>
+        <p:txBody>
+          <a:bodyPr vert="horz" lIns="91440" tIns="45720" rIns="91440" bIns="45720" rtlCol="0" anchor="t">
+            <a:noAutofit/>
+          </a:bodyPr>
+          <a:lstStyle>
+            <a:lvl1pPr algn="ctr" defTabSz="914400" rtl="0" eaLnBrk="1" latinLnBrk="0" hangingPunct="1">
+              <a:lnSpc>
+                <a:spcPct val="90000"/>
+              </a:lnSpc>
+              <a:spcBef>
+                <a:spcPct val="0"/>
+              </a:spcBef>
+              <a:buNone/>
+              <a:defRPr sz="6000" kern="1200">
+                <a:solidFill>
+                  <a:schemeClr val="tx1"/>
+                </a:solidFill>
+                <a:latin typeface="+mj-lt"/>
+                <a:ea typeface="+mj-ea"/>
+                <a:cs typeface="+mj-cs"/>
+              </a:defRPr>
+            </a:lvl1pPr>
+          </a:lstStyle>
+          <a:p>
+            <a:pPr>
+              <a:lnSpc>
+                <a:spcPct val="150000"/>
+              </a:lnSpc>
+            </a:pPr>
+            <a:r>
+              <a:rPr lang="fr-FR" sz="9600" cap="all" dirty="0">
+                <a:solidFill>
+                  <a:srgbClr val="525252"/>
+                </a:solidFill>
+                <a:latin typeface="Segoe UI Black" panose="020B0A02040204020203" pitchFamily="34" charset="0"/>
+                <a:ea typeface="Segoe UI Black" panose="020B0A02040204020203" pitchFamily="34" charset="0"/>
+              </a:rPr>
+              <a:t>+</a:t>
+            </a:r>
+          </a:p>
+        </p:txBody>
+      </p:sp>
       <p:pic>
         <p:nvPicPr>
-          <p:cNvPr id="17" name="Graphique 16" descr="Images">
-            <a:extLst>
-              <a:ext uri="{FF2B5EF4-FFF2-40B4-BE49-F238E27FC236}">
-                <a16:creationId xmlns:a16="http://schemas.microsoft.com/office/drawing/2014/main" id="{90F71579-48BF-294E-268B-D84EFABDCC5D}"/>
+          <p:cNvPr id="17" name="Graphique 16" descr="Tête avec engrenages">
+            <a:extLst>
+              <a:ext uri="{FF2B5EF4-FFF2-40B4-BE49-F238E27FC236}">
+                <a16:creationId xmlns:a16="http://schemas.microsoft.com/office/drawing/2014/main" id="{F49251F7-AEC3-9829-CECE-62B156B3A47E}"/>
               </a:ext>
             </a:extLst>
           </p:cNvPr>
@@ -13839,13 +14545,13 @@
           <p:nvPr/>
         </p:nvPicPr>
         <p:blipFill>
-          <a:blip r:embed="rId7">
+          <a:blip r:embed="rId13">
             <a:extLst>
               <a:ext uri="{28A0092B-C50C-407E-A947-70E740481C1C}">
                 <a14:useLocalDpi xmlns:a14="http://schemas.microsoft.com/office/drawing/2010/main" val="0"/>
               </a:ext>
               <a:ext uri="{96DAC541-7B7A-43D3-8B79-37D633B846F1}">
-                <asvg:svgBlip xmlns:asvg="http://schemas.microsoft.com/office/drawing/2016/SVG/main" r:embed="rId8"/>
+                <asvg:svgBlip xmlns:asvg="http://schemas.microsoft.com/office/drawing/2016/SVG/main" r:embed="rId14"/>
               </a:ext>
             </a:extLst>
           </a:blip>
@@ -13855,64 +14561,18 @@
         </p:blipFill>
         <p:spPr>
           <a:xfrm>
-            <a:off x="4388245" y="2559708"/>
-            <a:ext cx="877893" cy="877893"/>
+            <a:off x="7519416" y="3725146"/>
+            <a:ext cx="1612579" cy="1612579"/>
           </a:xfrm>
           <a:prstGeom prst="rect">
             <a:avLst/>
           </a:prstGeom>
         </p:spPr>
       </p:pic>
-      <p:sp>
-        <p:nvSpPr>
-          <p:cNvPr id="19" name="ZoneTexte 18">
-            <a:extLst>
-              <a:ext uri="{FF2B5EF4-FFF2-40B4-BE49-F238E27FC236}">
-                <a16:creationId xmlns:a16="http://schemas.microsoft.com/office/drawing/2014/main" id="{D8FB0843-1168-BB18-ED54-CB873FA8A34B}"/>
-              </a:ext>
-            </a:extLst>
-          </p:cNvPr>
-          <p:cNvSpPr txBox="1"/>
-          <p:nvPr/>
-        </p:nvSpPr>
-        <p:spPr>
-          <a:xfrm>
-            <a:off x="4053037" y="3973249"/>
-            <a:ext cx="4387578" cy="1426609"/>
-          </a:xfrm>
-          <a:prstGeom prst="rect">
-            <a:avLst/>
-          </a:prstGeom>
-          <a:noFill/>
-        </p:spPr>
-        <p:txBody>
-          <a:bodyPr wrap="square">
-            <a:spAutoFit/>
-          </a:bodyPr>
-          <a:lstStyle/>
-          <a:p>
-            <a:pPr>
-              <a:lnSpc>
-                <a:spcPct val="150000"/>
-              </a:lnSpc>
-            </a:pPr>
-            <a:r>
-              <a:rPr lang="fr-FR" sz="6600" cap="all" dirty="0">
-                <a:solidFill>
-                  <a:srgbClr val="00B050"/>
-                </a:solidFill>
-                <a:latin typeface="Segoe UI Black" panose="020B0A02040204020203" pitchFamily="34" charset="0"/>
-                <a:ea typeface="Segoe UI Black" panose="020B0A02040204020203" pitchFamily="34" charset="0"/>
-              </a:rPr>
-              <a:t>POSSIBLE</a:t>
-            </a:r>
-          </a:p>
-        </p:txBody>
-      </p:sp>
     </p:spTree>
     <p:extLst>
       <p:ext uri="{BB962C8B-B14F-4D97-AF65-F5344CB8AC3E}">
-        <p14:creationId xmlns:p14="http://schemas.microsoft.com/office/powerpoint/2010/main" val="1633870031"/>
+        <p14:creationId xmlns:p14="http://schemas.microsoft.com/office/powerpoint/2010/main" val="771346774"/>
       </p:ext>
     </p:extLst>
   </p:cSld>
@@ -13985,8 +14645,8 @@
         </p:nvSpPr>
         <p:spPr>
           <a:xfrm>
-            <a:off x="270966" y="466169"/>
-            <a:ext cx="11711353" cy="1062625"/>
+            <a:off x="3741124" y="384164"/>
+            <a:ext cx="4759569" cy="1062625"/>
           </a:xfrm>
           <a:prstGeom prst="rect">
             <a:avLst/>
@@ -14016,7 +14676,7 @@
             </a:lvl1pPr>
           </a:lstStyle>
           <a:p>
-            <a:pPr>
+            <a:pPr algn="l">
               <a:lnSpc>
                 <a:spcPct val="150000"/>
               </a:lnSpc>
@@ -14029,7 +14689,7 @@
                 <a:latin typeface="Segoe UI Black" panose="020B0A02040204020203" pitchFamily="34" charset="0"/>
                 <a:ea typeface="Segoe UI Black" panose="020B0A02040204020203" pitchFamily="34" charset="0"/>
               </a:rPr>
-              <a:t>CHOISIR UNE MEILLEURE APPROCHE :</a:t>
+              <a:t>CONCLUSION :</a:t>
             </a:r>
           </a:p>
         </p:txBody>
@@ -14182,26 +14842,30 @@
       </p:sp>
       <p:pic>
         <p:nvPicPr>
-          <p:cNvPr id="9" name="Graphique 8" descr="Ligne fléchée : tout droit">
-            <a:extLst>
-              <a:ext uri="{FF2B5EF4-FFF2-40B4-BE49-F238E27FC236}">
-                <a16:creationId xmlns:a16="http://schemas.microsoft.com/office/drawing/2014/main" id="{AB91139A-94FC-E57E-872E-C58DB2BA0CCE}"/>
+          <p:cNvPr id="3" name="Graphique 2" descr="Engrenage">
+            <a:extLst>
+              <a:ext uri="{FF2B5EF4-FFF2-40B4-BE49-F238E27FC236}">
+                <a16:creationId xmlns:a16="http://schemas.microsoft.com/office/drawing/2014/main" id="{2E58558E-7EDA-C72D-ED1A-2AF3F87718E0}"/>
               </a:ext>
             </a:extLst>
           </p:cNvPr>
           <p:cNvPicPr>
             <a:picLocks noChangeAspect="1"/>
           </p:cNvPicPr>
-          <p:nvPr/>
+          <p:nvPr>
+            <p:custDataLst>
+              <p:tags r:id="rId3"/>
+            </p:custDataLst>
+          </p:nvPr>
         </p:nvPicPr>
         <p:blipFill>
-          <a:blip r:embed="rId7">
+          <a:blip r:embed="rId12">
             <a:extLst>
               <a:ext uri="{28A0092B-C50C-407E-A947-70E740481C1C}">
                 <a14:useLocalDpi xmlns:a14="http://schemas.microsoft.com/office/drawing/2010/main" val="0"/>
               </a:ext>
               <a:ext uri="{96DAC541-7B7A-43D3-8B79-37D633B846F1}">
-                <asvg:svgBlip xmlns:asvg="http://schemas.microsoft.com/office/drawing/2016/SVG/main" r:embed="rId8"/>
+                <asvg:svgBlip xmlns:asvg="http://schemas.microsoft.com/office/drawing/2016/SVG/main" r:embed="rId13"/>
               </a:ext>
             </a:extLst>
           </a:blip>
@@ -14210,9 +14874,9 @@
           </a:stretch>
         </p:blipFill>
         <p:spPr>
-          <a:xfrm rot="8004022">
-            <a:off x="3120400" y="1693849"/>
-            <a:ext cx="1895397" cy="1715002"/>
+          <a:xfrm>
+            <a:off x="1201371" y="1506485"/>
+            <a:ext cx="888261" cy="914400"/>
           </a:xfrm>
           <a:prstGeom prst="rect">
             <a:avLst/>
@@ -14221,10 +14885,10 @@
       </p:pic>
       <p:sp>
         <p:nvSpPr>
-          <p:cNvPr id="10" name="Titre 1">
-            <a:extLst>
-              <a:ext uri="{FF2B5EF4-FFF2-40B4-BE49-F238E27FC236}">
-                <a16:creationId xmlns:a16="http://schemas.microsoft.com/office/drawing/2014/main" id="{E28F543E-0D32-D231-394B-450FB3E2C973}"/>
+          <p:cNvPr id="4" name="Titre 1">
+            <a:extLst>
+              <a:ext uri="{FF2B5EF4-FFF2-40B4-BE49-F238E27FC236}">
+                <a16:creationId xmlns:a16="http://schemas.microsoft.com/office/drawing/2014/main" id="{E6FBF720-CE6A-6DEB-168B-A1D2452B8BC6}"/>
               </a:ext>
             </a:extLst>
           </p:cNvPr>
@@ -14233,14 +14897,14 @@
           </p:cNvSpPr>
           <p:nvPr>
             <p:custDataLst>
-              <p:tags r:id="rId3"/>
+              <p:tags r:id="rId4"/>
             </p:custDataLst>
           </p:nvPr>
         </p:nvSpPr>
         <p:spPr>
           <a:xfrm>
-            <a:off x="5632908" y="1528794"/>
-            <a:ext cx="672564" cy="1062625"/>
+            <a:off x="2089632" y="1496092"/>
+            <a:ext cx="8777660" cy="778324"/>
           </a:xfrm>
           <a:prstGeom prst="rect">
             <a:avLst/>
@@ -14270,77 +14934,78 @@
             </a:lvl1pPr>
           </a:lstStyle>
           <a:p>
-            <a:pPr>
+            <a:pPr algn="l">
               <a:lnSpc>
-                <a:spcPct val="150000"/>
+                <a:spcPct val="100000"/>
               </a:lnSpc>
             </a:pPr>
             <a:r>
-              <a:rPr lang="fr-FR" sz="9600" cap="all" dirty="0">
+              <a:rPr lang="fr-FR" sz="2800" dirty="0">
                 <a:solidFill>
                   <a:srgbClr val="525252"/>
                 </a:solidFill>
-                <a:latin typeface="Segoe UI Black" panose="020B0A02040204020203" pitchFamily="34" charset="0"/>
-                <a:ea typeface="Segoe UI Black" panose="020B0A02040204020203" pitchFamily="34" charset="0"/>
+                <a:latin typeface="Franklin Gothic Heavy" panose="020B0903020102020204" pitchFamily="34" charset="0"/>
               </a:rPr>
-              <a:t>&lt;</a:t>
+              <a:t>LES PREMIÈRES BRIQUES DU DÉPLOIEMENT SONT EN PLACE.</a:t>
             </a:r>
+            <a:endParaRPr lang="fr-FR" sz="2800" cap="all" dirty="0">
+              <a:solidFill>
+                <a:srgbClr val="10181D"/>
+              </a:solidFill>
+              <a:latin typeface="Franklin Gothic Heavy" panose="020B0903020102020204" pitchFamily="34" charset="0"/>
+            </a:endParaRPr>
           </a:p>
         </p:txBody>
       </p:sp>
       <p:pic>
         <p:nvPicPr>
-          <p:cNvPr id="1026" name="Picture 2" descr="TensorFlow — Wikipédia">
-            <a:extLst>
-              <a:ext uri="{FF2B5EF4-FFF2-40B4-BE49-F238E27FC236}">
-                <a16:creationId xmlns:a16="http://schemas.microsoft.com/office/drawing/2014/main" id="{5CEE1692-B5C2-CFF0-328D-E0CDB33E5F9C}"/>
+          <p:cNvPr id="5" name="Graphique 4" descr="Engrenage">
+            <a:extLst>
+              <a:ext uri="{FF2B5EF4-FFF2-40B4-BE49-F238E27FC236}">
+                <a16:creationId xmlns:a16="http://schemas.microsoft.com/office/drawing/2014/main" id="{7438FAB6-A4C8-4B96-E889-EF9B276A7124}"/>
               </a:ext>
             </a:extLst>
           </p:cNvPr>
           <p:cNvPicPr>
-            <a:picLocks noChangeAspect="1" noChangeArrowheads="1"/>
+            <a:picLocks noChangeAspect="1"/>
           </p:cNvPicPr>
-          <p:nvPr/>
+          <p:nvPr>
+            <p:custDataLst>
+              <p:tags r:id="rId5"/>
+            </p:custDataLst>
+          </p:nvPr>
         </p:nvPicPr>
         <p:blipFill>
-          <a:blip r:embed="rId9">
+          <a:blip r:embed="rId12">
             <a:extLst>
               <a:ext uri="{28A0092B-C50C-407E-A947-70E740481C1C}">
                 <a14:useLocalDpi xmlns:a14="http://schemas.microsoft.com/office/drawing/2010/main" val="0"/>
               </a:ext>
+              <a:ext uri="{96DAC541-7B7A-43D3-8B79-37D633B846F1}">
+                <asvg:svgBlip xmlns:asvg="http://schemas.microsoft.com/office/drawing/2016/SVG/main" r:embed="rId13"/>
+              </a:ext>
             </a:extLst>
           </a:blip>
-          <a:srcRect/>
           <a:stretch>
             <a:fillRect/>
           </a:stretch>
         </p:blipFill>
-        <p:spPr bwMode="auto">
-          <a:xfrm>
-            <a:off x="6565838" y="1622170"/>
-            <a:ext cx="3028903" cy="1938498"/>
+        <p:spPr>
+          <a:xfrm>
+            <a:off x="1192704" y="2581048"/>
+            <a:ext cx="888261" cy="914400"/>
           </a:xfrm>
           <a:prstGeom prst="rect">
             <a:avLst/>
           </a:prstGeom>
-          <a:noFill/>
-          <a:extLst>
-            <a:ext uri="{909E8E84-426E-40DD-AFC4-6F175D3DCCD1}">
-              <a14:hiddenFill xmlns:a14="http://schemas.microsoft.com/office/drawing/2010/main">
-                <a:solidFill>
-                  <a:srgbClr val="FFFFFF"/>
-                </a:solidFill>
-              </a14:hiddenFill>
-            </a:ext>
-          </a:extLst>
         </p:spPr>
       </p:pic>
       <p:sp>
         <p:nvSpPr>
-          <p:cNvPr id="11" name="Titre 1">
-            <a:extLst>
-              <a:ext uri="{FF2B5EF4-FFF2-40B4-BE49-F238E27FC236}">
-                <a16:creationId xmlns:a16="http://schemas.microsoft.com/office/drawing/2014/main" id="{E09919A4-E806-1E0D-8C51-CB39FED9E270}"/>
+          <p:cNvPr id="6" name="Titre 1">
+            <a:extLst>
+              <a:ext uri="{FF2B5EF4-FFF2-40B4-BE49-F238E27FC236}">
+                <a16:creationId xmlns:a16="http://schemas.microsoft.com/office/drawing/2014/main" id="{BE263A90-EDCC-B9A7-F712-728B536AE88C}"/>
               </a:ext>
             </a:extLst>
           </p:cNvPr>
@@ -14349,14 +15014,14 @@
           </p:cNvSpPr>
           <p:nvPr>
             <p:custDataLst>
-              <p:tags r:id="rId4"/>
+              <p:tags r:id="rId6"/>
             </p:custDataLst>
           </p:nvPr>
         </p:nvSpPr>
         <p:spPr>
           <a:xfrm>
-            <a:off x="2343641" y="3252240"/>
-            <a:ext cx="3028903" cy="1218134"/>
+            <a:off x="2048483" y="2514600"/>
+            <a:ext cx="8062552" cy="778324"/>
           </a:xfrm>
           <a:prstGeom prst="rect">
             <a:avLst/>
@@ -14386,37 +15051,121 @@
             </a:lvl1pPr>
           </a:lstStyle>
           <a:p>
-            <a:pPr>
+            <a:pPr algn="l">
               <a:lnSpc>
-                <a:spcPct val="150000"/>
+                <a:spcPct val="100000"/>
               </a:lnSpc>
             </a:pPr>
             <a:r>
-              <a:rPr lang="fr-FR" sz="2000" cap="all" dirty="0">
+              <a:rPr lang="fr-FR" sz="2800" dirty="0">
                 <a:solidFill>
                   <a:srgbClr val="525252"/>
                 </a:solidFill>
-                <a:latin typeface="Segoe UI Black" panose="020B0A02040204020203" pitchFamily="34" charset="0"/>
-                <a:ea typeface="Segoe UI Black" panose="020B0A02040204020203" pitchFamily="34" charset="0"/>
+                <a:latin typeface="Franklin Gothic Heavy" panose="020B0903020102020204" pitchFamily="34" charset="0"/>
               </a:rPr>
-              <a:t>(Vectorisation simple)</a:t>
+              <a:t>MAIS UN BON MODÈLE VA NÉCESSITER UN VÉRITABLE BUDGET…</a:t>
             </a:r>
-            <a:endParaRPr lang="fr-FR" sz="2000" cap="all" dirty="0">
+            <a:endParaRPr lang="fr-FR" sz="2800" cap="all" dirty="0">
               <a:solidFill>
-                <a:srgbClr val="621516"/>
+                <a:srgbClr val="10181D"/>
               </a:solidFill>
-              <a:latin typeface="Segoe UI Black" panose="020B0A02040204020203" pitchFamily="34" charset="0"/>
-              <a:ea typeface="Segoe UI Black" panose="020B0A02040204020203" pitchFamily="34" charset="0"/>
+              <a:latin typeface="Franklin Gothic Heavy" panose="020B0903020102020204" pitchFamily="34" charset="0"/>
             </a:endParaRPr>
           </a:p>
         </p:txBody>
       </p:sp>
+      <p:pic>
+        <p:nvPicPr>
+          <p:cNvPr id="7" name="Graphique 6" descr="Engrenage">
+            <a:extLst>
+              <a:ext uri="{FF2B5EF4-FFF2-40B4-BE49-F238E27FC236}">
+                <a16:creationId xmlns:a16="http://schemas.microsoft.com/office/drawing/2014/main" id="{7C47F082-6B08-4D75-0F4E-6AEDB9C99674}"/>
+              </a:ext>
+            </a:extLst>
+          </p:cNvPr>
+          <p:cNvPicPr>
+            <a:picLocks noChangeAspect="1"/>
+          </p:cNvPicPr>
+          <p:nvPr>
+            <p:custDataLst>
+              <p:tags r:id="rId7"/>
+            </p:custDataLst>
+          </p:nvPr>
+        </p:nvPicPr>
+        <p:blipFill>
+          <a:blip r:embed="rId12">
+            <a:extLst>
+              <a:ext uri="{28A0092B-C50C-407E-A947-70E740481C1C}">
+                <a14:useLocalDpi xmlns:a14="http://schemas.microsoft.com/office/drawing/2010/main" val="0"/>
+              </a:ext>
+              <a:ext uri="{96DAC541-7B7A-43D3-8B79-37D633B846F1}">
+                <asvg:svgBlip xmlns:asvg="http://schemas.microsoft.com/office/drawing/2016/SVG/main" r:embed="rId13"/>
+              </a:ext>
+            </a:extLst>
+          </a:blip>
+          <a:stretch>
+            <a:fillRect/>
+          </a:stretch>
+        </p:blipFill>
+        <p:spPr>
+          <a:xfrm>
+            <a:off x="1201370" y="3664213"/>
+            <a:ext cx="888261" cy="914400"/>
+          </a:xfrm>
+          <a:prstGeom prst="rect">
+            <a:avLst/>
+          </a:prstGeom>
+        </p:spPr>
+      </p:pic>
+      <p:pic>
+        <p:nvPicPr>
+          <p:cNvPr id="10" name="Graphique 9" descr="Engrenage">
+            <a:extLst>
+              <a:ext uri="{FF2B5EF4-FFF2-40B4-BE49-F238E27FC236}">
+                <a16:creationId xmlns:a16="http://schemas.microsoft.com/office/drawing/2014/main" id="{ED3271FC-0B51-4D6F-ABBC-3A663A0D4C49}"/>
+              </a:ext>
+            </a:extLst>
+          </p:cNvPr>
+          <p:cNvPicPr>
+            <a:picLocks noChangeAspect="1"/>
+          </p:cNvPicPr>
+          <p:nvPr>
+            <p:custDataLst>
+              <p:tags r:id="rId8"/>
+            </p:custDataLst>
+          </p:nvPr>
+        </p:nvPicPr>
+        <p:blipFill>
+          <a:blip r:embed="rId12">
+            <a:extLst>
+              <a:ext uri="{28A0092B-C50C-407E-A947-70E740481C1C}">
+                <a14:useLocalDpi xmlns:a14="http://schemas.microsoft.com/office/drawing/2010/main" val="0"/>
+              </a:ext>
+              <a:ext uri="{96DAC541-7B7A-43D3-8B79-37D633B846F1}">
+                <asvg:svgBlip xmlns:asvg="http://schemas.microsoft.com/office/drawing/2016/SVG/main" r:embed="rId13"/>
+              </a:ext>
+            </a:extLst>
+          </a:blip>
+          <a:stretch>
+            <a:fillRect/>
+          </a:stretch>
+        </p:blipFill>
+        <p:spPr>
+          <a:xfrm>
+            <a:off x="1214441" y="4718591"/>
+            <a:ext cx="888261" cy="914400"/>
+          </a:xfrm>
+          <a:prstGeom prst="rect">
+            <a:avLst/>
+          </a:prstGeom>
+        </p:spPr>
+      </p:pic>
       <p:sp>
         <p:nvSpPr>
-          <p:cNvPr id="12" name="Titre 1">
-            <a:extLst>
-              <a:ext uri="{FF2B5EF4-FFF2-40B4-BE49-F238E27FC236}">
-                <a16:creationId xmlns:a16="http://schemas.microsoft.com/office/drawing/2014/main" id="{7A67AECE-726D-4E2F-176E-1FA2E225F8D2}"/>
+          <p:cNvPr id="11" name="Titre 1">
+            <a:extLst>
+              <a:ext uri="{FF2B5EF4-FFF2-40B4-BE49-F238E27FC236}">
+                <a16:creationId xmlns:a16="http://schemas.microsoft.com/office/drawing/2014/main" id="{F374D36D-5F86-25C4-4040-D1DACABD6150}"/>
               </a:ext>
             </a:extLst>
           </p:cNvPr>
@@ -14425,14 +15174,14 @@
           </p:cNvSpPr>
           <p:nvPr>
             <p:custDataLst>
-              <p:tags r:id="rId5"/>
+              <p:tags r:id="rId9"/>
             </p:custDataLst>
           </p:nvPr>
         </p:nvSpPr>
         <p:spPr>
           <a:xfrm>
-            <a:off x="6596092" y="3252240"/>
-            <a:ext cx="3028903" cy="1218134"/>
+            <a:off x="2048483" y="4687884"/>
+            <a:ext cx="9114702" cy="778324"/>
           </a:xfrm>
           <a:prstGeom prst="rect">
             <a:avLst/>
@@ -14462,81 +15211,107 @@
             </a:lvl1pPr>
           </a:lstStyle>
           <a:p>
-            <a:pPr>
+            <a:pPr algn="l">
               <a:lnSpc>
-                <a:spcPct val="150000"/>
+                <a:spcPct val="100000"/>
               </a:lnSpc>
             </a:pPr>
             <a:r>
-              <a:rPr lang="fr-FR" sz="2000" cap="all" dirty="0">
+              <a:rPr lang="fr-FR" sz="2800" cap="all" dirty="0">
                 <a:solidFill>
                   <a:srgbClr val="525252"/>
                 </a:solidFill>
-                <a:latin typeface="Segoe UI Black" panose="020B0A02040204020203" pitchFamily="34" charset="0"/>
-                <a:ea typeface="Segoe UI Black" panose="020B0A02040204020203" pitchFamily="34" charset="0"/>
+                <a:latin typeface="Franklin Gothic Heavy" panose="020B0903020102020204" pitchFamily="34" charset="0"/>
               </a:rPr>
-              <a:t>(CNN TRANSFER LEARNING)</a:t>
+              <a:t>les contraintes budgétaires et techniques ont pesé très fortement sur ce projet.</a:t>
             </a:r>
-            <a:endParaRPr lang="fr-FR" sz="2000" cap="all" dirty="0">
+            <a:endParaRPr lang="fr-FR" sz="2800" cap="all" dirty="0">
               <a:solidFill>
-                <a:srgbClr val="621516"/>
+                <a:srgbClr val="10181D"/>
               </a:solidFill>
-              <a:latin typeface="Segoe UI Black" panose="020B0A02040204020203" pitchFamily="34" charset="0"/>
-              <a:ea typeface="Segoe UI Black" panose="020B0A02040204020203" pitchFamily="34" charset="0"/>
+              <a:latin typeface="Franklin Gothic Heavy" panose="020B0903020102020204" pitchFamily="34" charset="0"/>
             </a:endParaRPr>
           </a:p>
         </p:txBody>
       </p:sp>
       <p:sp>
         <p:nvSpPr>
-          <p:cNvPr id="3" name="ZoneTexte 2">
-            <a:extLst>
-              <a:ext uri="{FF2B5EF4-FFF2-40B4-BE49-F238E27FC236}">
-                <a16:creationId xmlns:a16="http://schemas.microsoft.com/office/drawing/2014/main" id="{076C9C6E-EDBC-EEA3-4F2C-DD111C78803E}"/>
-              </a:ext>
-            </a:extLst>
-          </p:cNvPr>
-          <p:cNvSpPr txBox="1"/>
-          <p:nvPr/>
+          <p:cNvPr id="12" name="Titre 1">
+            <a:extLst>
+              <a:ext uri="{FF2B5EF4-FFF2-40B4-BE49-F238E27FC236}">
+                <a16:creationId xmlns:a16="http://schemas.microsoft.com/office/drawing/2014/main" id="{455AC645-6D72-D1AA-C3CC-9BD5C6E00946}"/>
+              </a:ext>
+            </a:extLst>
+          </p:cNvPr>
+          <p:cNvSpPr txBox="1">
+            <a:spLocks/>
+          </p:cNvSpPr>
+          <p:nvPr>
+            <p:custDataLst>
+              <p:tags r:id="rId10"/>
+            </p:custDataLst>
+          </p:nvPr>
         </p:nvSpPr>
         <p:spPr>
           <a:xfrm>
-            <a:off x="3858093" y="4148020"/>
-            <a:ext cx="4387578" cy="1426609"/>
+            <a:off x="2048483" y="3635425"/>
+            <a:ext cx="8062552" cy="778324"/>
           </a:xfrm>
           <a:prstGeom prst="rect">
             <a:avLst/>
           </a:prstGeom>
-          <a:noFill/>
         </p:spPr>
         <p:txBody>
-          <a:bodyPr wrap="square">
-            <a:spAutoFit/>
+          <a:bodyPr vert="horz" lIns="91440" tIns="45720" rIns="91440" bIns="45720" rtlCol="0" anchor="t">
+            <a:noAutofit/>
           </a:bodyPr>
-          <a:lstStyle/>
-          <a:p>
-            <a:pPr>
+          <a:lstStyle>
+            <a:lvl1pPr algn="ctr" defTabSz="914400" rtl="0" eaLnBrk="1" latinLnBrk="0" hangingPunct="1">
               <a:lnSpc>
-                <a:spcPct val="150000"/>
+                <a:spcPct val="90000"/>
+              </a:lnSpc>
+              <a:spcBef>
+                <a:spcPct val="0"/>
+              </a:spcBef>
+              <a:buNone/>
+              <a:defRPr sz="6000" kern="1200">
+                <a:solidFill>
+                  <a:schemeClr val="tx1"/>
+                </a:solidFill>
+                <a:latin typeface="+mj-lt"/>
+                <a:ea typeface="+mj-ea"/>
+                <a:cs typeface="+mj-cs"/>
+              </a:defRPr>
+            </a:lvl1pPr>
+          </a:lstStyle>
+          <a:p>
+            <a:pPr algn="l">
+              <a:lnSpc>
+                <a:spcPct val="100000"/>
               </a:lnSpc>
             </a:pPr>
             <a:r>
-              <a:rPr lang="fr-FR" sz="6600" cap="all" dirty="0">
-                <a:solidFill>
-                  <a:srgbClr val="00B050"/>
-                </a:solidFill>
-                <a:latin typeface="Segoe UI Black" panose="020B0A02040204020203" pitchFamily="34" charset="0"/>
-                <a:ea typeface="Segoe UI Black" panose="020B0A02040204020203" pitchFamily="34" charset="0"/>
+              <a:rPr lang="fr-FR" sz="2800" dirty="0">
+                <a:solidFill>
+                  <a:srgbClr val="525252"/>
+                </a:solidFill>
+                <a:latin typeface="Franklin Gothic Heavy" panose="020B0903020102020204" pitchFamily="34" charset="0"/>
               </a:rPr>
-              <a:t>POSSIBLE</a:t>
+              <a:t>ET CERTAINEMENT AUSSI DES RESSOURCES TECHNIQUES (DEV OPS).</a:t>
             </a:r>
+            <a:endParaRPr lang="fr-FR" sz="2800" cap="all" dirty="0">
+              <a:solidFill>
+                <a:srgbClr val="10181D"/>
+              </a:solidFill>
+              <a:latin typeface="Franklin Gothic Heavy" panose="020B0903020102020204" pitchFamily="34" charset="0"/>
+            </a:endParaRPr>
           </a:p>
         </p:txBody>
       </p:sp>
     </p:spTree>
     <p:extLst>
       <p:ext uri="{BB962C8B-B14F-4D97-AF65-F5344CB8AC3E}">
-        <p14:creationId xmlns:p14="http://schemas.microsoft.com/office/powerpoint/2010/main" val="2614277017"/>
+        <p14:creationId xmlns:p14="http://schemas.microsoft.com/office/powerpoint/2010/main" val="1925902729"/>
       </p:ext>
     </p:extLst>
   </p:cSld>
@@ -14609,8 +15384,8 @@
         </p:nvSpPr>
         <p:spPr>
           <a:xfrm>
-            <a:off x="1321084" y="304254"/>
-            <a:ext cx="10062560" cy="1062625"/>
+            <a:off x="2251554" y="1564186"/>
+            <a:ext cx="7688892" cy="1062625"/>
           </a:xfrm>
           <a:prstGeom prst="rect">
             <a:avLst/>
@@ -14653,7 +15428,7 @@
                 <a:latin typeface="Segoe UI Black" panose="020B0A02040204020203" pitchFamily="34" charset="0"/>
                 <a:ea typeface="Segoe UI Black" panose="020B0A02040204020203" pitchFamily="34" charset="0"/>
               </a:rPr>
-              <a:t>RÉPONDRE AUX CONTRAINTES</a:t>
+              <a:t>MERCI DE VOTRE ATTENTION !</a:t>
             </a:r>
           </a:p>
         </p:txBody>
@@ -14804,505 +15579,10 @@
           </a:p>
         </p:txBody>
       </p:sp>
-      <p:pic>
-        <p:nvPicPr>
-          <p:cNvPr id="3" name="Picture 6" descr="An Oversimplified Introduction to PySpark for Programmers | Analytics Vidhya">
-            <a:extLst>
-              <a:ext uri="{FF2B5EF4-FFF2-40B4-BE49-F238E27FC236}">
-                <a16:creationId xmlns:a16="http://schemas.microsoft.com/office/drawing/2014/main" id="{ACB71194-093A-349B-1D02-250AB3910A32}"/>
-              </a:ext>
-            </a:extLst>
-          </p:cNvPr>
-          <p:cNvPicPr>
-            <a:picLocks noChangeAspect="1" noChangeArrowheads="1"/>
-          </p:cNvPicPr>
-          <p:nvPr/>
-        </p:nvPicPr>
-        <p:blipFill>
-          <a:blip r:embed="rId8">
-            <a:extLst>
-              <a:ext uri="{28A0092B-C50C-407E-A947-70E740481C1C}">
-                <a14:useLocalDpi xmlns:a14="http://schemas.microsoft.com/office/drawing/2010/main" val="0"/>
-              </a:ext>
-            </a:extLst>
-          </a:blip>
-          <a:srcRect/>
-          <a:stretch>
-            <a:fillRect/>
-          </a:stretch>
-        </p:blipFill>
-        <p:spPr bwMode="auto">
-          <a:xfrm>
-            <a:off x="731296" y="1698624"/>
-            <a:ext cx="3164115" cy="1730375"/>
-          </a:xfrm>
-          <a:prstGeom prst="rect">
-            <a:avLst/>
-          </a:prstGeom>
-          <a:noFill/>
-          <a:extLst>
-            <a:ext uri="{909E8E84-426E-40DD-AFC4-6F175D3DCCD1}">
-              <a14:hiddenFill xmlns:a14="http://schemas.microsoft.com/office/drawing/2010/main">
-                <a:solidFill>
-                  <a:srgbClr val="FFFFFF"/>
-                </a:solidFill>
-              </a14:hiddenFill>
-            </a:ext>
-          </a:extLst>
-        </p:spPr>
-      </p:pic>
-      <p:pic>
-        <p:nvPicPr>
-          <p:cNvPr id="5" name="Picture 2" descr="Databricks · GitHub">
-            <a:extLst>
-              <a:ext uri="{FF2B5EF4-FFF2-40B4-BE49-F238E27FC236}">
-                <a16:creationId xmlns:a16="http://schemas.microsoft.com/office/drawing/2014/main" id="{8687DD6B-6D1C-12D1-8416-CEA502D23892}"/>
-              </a:ext>
-            </a:extLst>
-          </p:cNvPr>
-          <p:cNvPicPr>
-            <a:picLocks noChangeAspect="1" noChangeArrowheads="1"/>
-          </p:cNvPicPr>
-          <p:nvPr/>
-        </p:nvPicPr>
-        <p:blipFill>
-          <a:blip r:embed="rId9">
-            <a:extLst>
-              <a:ext uri="{28A0092B-C50C-407E-A947-70E740481C1C}">
-                <a14:useLocalDpi xmlns:a14="http://schemas.microsoft.com/office/drawing/2010/main" val="0"/>
-              </a:ext>
-            </a:extLst>
-          </a:blip>
-          <a:srcRect/>
-          <a:stretch>
-            <a:fillRect/>
-          </a:stretch>
-        </p:blipFill>
-        <p:spPr bwMode="auto">
-          <a:xfrm>
-            <a:off x="5090621" y="1698624"/>
-            <a:ext cx="1781378" cy="1781378"/>
-          </a:xfrm>
-          <a:prstGeom prst="rect">
-            <a:avLst/>
-          </a:prstGeom>
-          <a:noFill/>
-          <a:extLst>
-            <a:ext uri="{909E8E84-426E-40DD-AFC4-6F175D3DCCD1}">
-              <a14:hiddenFill xmlns:a14="http://schemas.microsoft.com/office/drawing/2010/main">
-                <a:solidFill>
-                  <a:srgbClr val="FFFFFF"/>
-                </a:solidFill>
-              </a14:hiddenFill>
-            </a:ext>
-          </a:extLst>
-        </p:spPr>
-      </p:pic>
-      <p:sp>
-        <p:nvSpPr>
-          <p:cNvPr id="6" name="Titre 1">
-            <a:extLst>
-              <a:ext uri="{FF2B5EF4-FFF2-40B4-BE49-F238E27FC236}">
-                <a16:creationId xmlns:a16="http://schemas.microsoft.com/office/drawing/2014/main" id="{3AF0553D-E557-AC05-EA26-448E71A692B6}"/>
-              </a:ext>
-            </a:extLst>
-          </p:cNvPr>
-          <p:cNvSpPr txBox="1">
-            <a:spLocks/>
-          </p:cNvSpPr>
-          <p:nvPr>
-            <p:custDataLst>
-              <p:tags r:id="rId3"/>
-            </p:custDataLst>
-          </p:nvPr>
-        </p:nvSpPr>
-        <p:spPr>
-          <a:xfrm>
-            <a:off x="4156734" y="1187585"/>
-            <a:ext cx="672564" cy="1062625"/>
-          </a:xfrm>
-          <a:prstGeom prst="rect">
-            <a:avLst/>
-          </a:prstGeom>
-        </p:spPr>
-        <p:txBody>
-          <a:bodyPr vert="horz" lIns="91440" tIns="45720" rIns="91440" bIns="45720" rtlCol="0" anchor="t">
-            <a:noAutofit/>
-          </a:bodyPr>
-          <a:lstStyle>
-            <a:lvl1pPr algn="ctr" defTabSz="914400" rtl="0" eaLnBrk="1" latinLnBrk="0" hangingPunct="1">
-              <a:lnSpc>
-                <a:spcPct val="90000"/>
-              </a:lnSpc>
-              <a:spcBef>
-                <a:spcPct val="0"/>
-              </a:spcBef>
-              <a:buNone/>
-              <a:defRPr sz="6000" kern="1200">
-                <a:solidFill>
-                  <a:schemeClr val="tx1"/>
-                </a:solidFill>
-                <a:latin typeface="+mj-lt"/>
-                <a:ea typeface="+mj-ea"/>
-                <a:cs typeface="+mj-cs"/>
-              </a:defRPr>
-            </a:lvl1pPr>
-          </a:lstStyle>
-          <a:p>
-            <a:pPr>
-              <a:lnSpc>
-                <a:spcPct val="150000"/>
-              </a:lnSpc>
-            </a:pPr>
-            <a:r>
-              <a:rPr lang="fr-FR" sz="9600" cap="all" dirty="0">
-                <a:solidFill>
-                  <a:srgbClr val="525252"/>
-                </a:solidFill>
-                <a:latin typeface="Segoe UI Black" panose="020B0A02040204020203" pitchFamily="34" charset="0"/>
-                <a:ea typeface="Segoe UI Black" panose="020B0A02040204020203" pitchFamily="34" charset="0"/>
-              </a:rPr>
-              <a:t>+</a:t>
-            </a:r>
-          </a:p>
-        </p:txBody>
-      </p:sp>
-      <p:sp>
-        <p:nvSpPr>
-          <p:cNvPr id="7" name="Titre 1">
-            <a:extLst>
-              <a:ext uri="{FF2B5EF4-FFF2-40B4-BE49-F238E27FC236}">
-                <a16:creationId xmlns:a16="http://schemas.microsoft.com/office/drawing/2014/main" id="{9224FDFB-1091-A068-773A-E0E7C010BC03}"/>
-              </a:ext>
-            </a:extLst>
-          </p:cNvPr>
-          <p:cNvSpPr txBox="1">
-            <a:spLocks/>
-          </p:cNvSpPr>
-          <p:nvPr>
-            <p:custDataLst>
-              <p:tags r:id="rId4"/>
-            </p:custDataLst>
-          </p:nvPr>
-        </p:nvSpPr>
-        <p:spPr>
-          <a:xfrm>
-            <a:off x="7239319" y="1167311"/>
-            <a:ext cx="672564" cy="1062625"/>
-          </a:xfrm>
-          <a:prstGeom prst="rect">
-            <a:avLst/>
-          </a:prstGeom>
-        </p:spPr>
-        <p:txBody>
-          <a:bodyPr vert="horz" lIns="91440" tIns="45720" rIns="91440" bIns="45720" rtlCol="0" anchor="t">
-            <a:noAutofit/>
-          </a:bodyPr>
-          <a:lstStyle>
-            <a:lvl1pPr algn="ctr" defTabSz="914400" rtl="0" eaLnBrk="1" latinLnBrk="0" hangingPunct="1">
-              <a:lnSpc>
-                <a:spcPct val="90000"/>
-              </a:lnSpc>
-              <a:spcBef>
-                <a:spcPct val="0"/>
-              </a:spcBef>
-              <a:buNone/>
-              <a:defRPr sz="6000" kern="1200">
-                <a:solidFill>
-                  <a:schemeClr val="tx1"/>
-                </a:solidFill>
-                <a:latin typeface="+mj-lt"/>
-                <a:ea typeface="+mj-ea"/>
-                <a:cs typeface="+mj-cs"/>
-              </a:defRPr>
-            </a:lvl1pPr>
-          </a:lstStyle>
-          <a:p>
-            <a:pPr>
-              <a:lnSpc>
-                <a:spcPct val="150000"/>
-              </a:lnSpc>
-            </a:pPr>
-            <a:r>
-              <a:rPr lang="fr-FR" sz="9600" cap="all" dirty="0">
-                <a:solidFill>
-                  <a:srgbClr val="525252"/>
-                </a:solidFill>
-                <a:latin typeface="Segoe UI Black" panose="020B0A02040204020203" pitchFamily="34" charset="0"/>
-                <a:ea typeface="Segoe UI Black" panose="020B0A02040204020203" pitchFamily="34" charset="0"/>
-              </a:rPr>
-              <a:t>+</a:t>
-            </a:r>
-          </a:p>
-        </p:txBody>
-      </p:sp>
-      <p:pic>
-        <p:nvPicPr>
-          <p:cNvPr id="2050" name="Picture 2" descr="Amazon Web Services — Wikipédia">
-            <a:extLst>
-              <a:ext uri="{FF2B5EF4-FFF2-40B4-BE49-F238E27FC236}">
-                <a16:creationId xmlns:a16="http://schemas.microsoft.com/office/drawing/2014/main" id="{BFA9ED53-A363-F224-D3E1-8D3C19D18E48}"/>
-              </a:ext>
-            </a:extLst>
-          </p:cNvPr>
-          <p:cNvPicPr>
-            <a:picLocks noChangeAspect="1" noChangeArrowheads="1"/>
-          </p:cNvPicPr>
-          <p:nvPr/>
-        </p:nvPicPr>
-        <p:blipFill>
-          <a:blip r:embed="rId10">
-            <a:extLst>
-              <a:ext uri="{28A0092B-C50C-407E-A947-70E740481C1C}">
-                <a14:useLocalDpi xmlns:a14="http://schemas.microsoft.com/office/drawing/2010/main" val="0"/>
-              </a:ext>
-            </a:extLst>
-          </a:blip>
-          <a:srcRect/>
-          <a:stretch>
-            <a:fillRect/>
-          </a:stretch>
-        </p:blipFill>
-        <p:spPr bwMode="auto">
-          <a:xfrm>
-            <a:off x="8279204" y="1906912"/>
-            <a:ext cx="2629120" cy="1573090"/>
-          </a:xfrm>
-          <a:prstGeom prst="rect">
-            <a:avLst/>
-          </a:prstGeom>
-          <a:noFill/>
-          <a:extLst>
-            <a:ext uri="{909E8E84-426E-40DD-AFC4-6F175D3DCCD1}">
-              <a14:hiddenFill xmlns:a14="http://schemas.microsoft.com/office/drawing/2010/main">
-                <a:solidFill>
-                  <a:srgbClr val="FFFFFF"/>
-                </a:solidFill>
-              </a14:hiddenFill>
-            </a:ext>
-          </a:extLst>
-        </p:spPr>
-      </p:pic>
-      <p:sp>
-        <p:nvSpPr>
-          <p:cNvPr id="13" name="Titre 1">
-            <a:extLst>
-              <a:ext uri="{FF2B5EF4-FFF2-40B4-BE49-F238E27FC236}">
-                <a16:creationId xmlns:a16="http://schemas.microsoft.com/office/drawing/2014/main" id="{53DF77A7-4EE7-D599-B23A-B6E67906BCCD}"/>
-              </a:ext>
-            </a:extLst>
-          </p:cNvPr>
-          <p:cNvSpPr txBox="1">
-            <a:spLocks/>
-          </p:cNvSpPr>
-          <p:nvPr>
-            <p:custDataLst>
-              <p:tags r:id="rId5"/>
-            </p:custDataLst>
-          </p:nvPr>
-        </p:nvSpPr>
-        <p:spPr>
-          <a:xfrm>
-            <a:off x="2769285" y="3423137"/>
-            <a:ext cx="672564" cy="1062625"/>
-          </a:xfrm>
-          <a:prstGeom prst="rect">
-            <a:avLst/>
-          </a:prstGeom>
-        </p:spPr>
-        <p:txBody>
-          <a:bodyPr vert="horz" lIns="91440" tIns="45720" rIns="91440" bIns="45720" rtlCol="0" anchor="t">
-            <a:noAutofit/>
-          </a:bodyPr>
-          <a:lstStyle>
-            <a:lvl1pPr algn="ctr" defTabSz="914400" rtl="0" eaLnBrk="1" latinLnBrk="0" hangingPunct="1">
-              <a:lnSpc>
-                <a:spcPct val="90000"/>
-              </a:lnSpc>
-              <a:spcBef>
-                <a:spcPct val="0"/>
-              </a:spcBef>
-              <a:buNone/>
-              <a:defRPr sz="6000" kern="1200">
-                <a:solidFill>
-                  <a:schemeClr val="tx1"/>
-                </a:solidFill>
-                <a:latin typeface="+mj-lt"/>
-                <a:ea typeface="+mj-ea"/>
-                <a:cs typeface="+mj-cs"/>
-              </a:defRPr>
-            </a:lvl1pPr>
-          </a:lstStyle>
-          <a:p>
-            <a:pPr>
-              <a:lnSpc>
-                <a:spcPct val="150000"/>
-              </a:lnSpc>
-            </a:pPr>
-            <a:r>
-              <a:rPr lang="fr-FR" sz="9600" cap="all" dirty="0">
-                <a:solidFill>
-                  <a:srgbClr val="525252"/>
-                </a:solidFill>
-                <a:latin typeface="Segoe UI Black" panose="020B0A02040204020203" pitchFamily="34" charset="0"/>
-                <a:ea typeface="Segoe UI Black" panose="020B0A02040204020203" pitchFamily="34" charset="0"/>
-              </a:rPr>
-              <a:t>=</a:t>
-            </a:r>
-          </a:p>
-        </p:txBody>
-      </p:sp>
-      <p:pic>
-        <p:nvPicPr>
-          <p:cNvPr id="14" name="Graphique 13" descr="Argent">
-            <a:extLst>
-              <a:ext uri="{FF2B5EF4-FFF2-40B4-BE49-F238E27FC236}">
-                <a16:creationId xmlns:a16="http://schemas.microsoft.com/office/drawing/2014/main" id="{1FDB9744-EB83-1035-E92D-6692AEE664E9}"/>
-              </a:ext>
-            </a:extLst>
-          </p:cNvPr>
-          <p:cNvPicPr>
-            <a:picLocks noChangeAspect="1"/>
-          </p:cNvPicPr>
-          <p:nvPr/>
-        </p:nvPicPr>
-        <p:blipFill>
-          <a:blip r:embed="rId11">
-            <a:extLst>
-              <a:ext uri="{28A0092B-C50C-407E-A947-70E740481C1C}">
-                <a14:useLocalDpi xmlns:a14="http://schemas.microsoft.com/office/drawing/2010/main" val="0"/>
-              </a:ext>
-              <a:ext uri="{96DAC541-7B7A-43D3-8B79-37D633B846F1}">
-                <asvg:svgBlip xmlns:asvg="http://schemas.microsoft.com/office/drawing/2016/SVG/main" r:embed="rId12"/>
-              </a:ext>
-            </a:extLst>
-          </a:blip>
-          <a:stretch>
-            <a:fillRect/>
-          </a:stretch>
-        </p:blipFill>
-        <p:spPr>
-          <a:xfrm>
-            <a:off x="3896912" y="3465855"/>
-            <a:ext cx="2039814" cy="2039814"/>
-          </a:xfrm>
-          <a:prstGeom prst="rect">
-            <a:avLst/>
-          </a:prstGeom>
-        </p:spPr>
-      </p:pic>
-      <p:sp>
-        <p:nvSpPr>
-          <p:cNvPr id="15" name="Titre 1">
-            <a:extLst>
-              <a:ext uri="{FF2B5EF4-FFF2-40B4-BE49-F238E27FC236}">
-                <a16:creationId xmlns:a16="http://schemas.microsoft.com/office/drawing/2014/main" id="{2288EDCC-CA87-DF83-E069-60ECD0AB596C}"/>
-              </a:ext>
-            </a:extLst>
-          </p:cNvPr>
-          <p:cNvSpPr txBox="1">
-            <a:spLocks/>
-          </p:cNvSpPr>
-          <p:nvPr>
-            <p:custDataLst>
-              <p:tags r:id="rId6"/>
-            </p:custDataLst>
-          </p:nvPr>
-        </p:nvSpPr>
-        <p:spPr>
-          <a:xfrm>
-            <a:off x="6391789" y="3423136"/>
-            <a:ext cx="672564" cy="1062625"/>
-          </a:xfrm>
-          <a:prstGeom prst="rect">
-            <a:avLst/>
-          </a:prstGeom>
-        </p:spPr>
-        <p:txBody>
-          <a:bodyPr vert="horz" lIns="91440" tIns="45720" rIns="91440" bIns="45720" rtlCol="0" anchor="t">
-            <a:noAutofit/>
-          </a:bodyPr>
-          <a:lstStyle>
-            <a:lvl1pPr algn="ctr" defTabSz="914400" rtl="0" eaLnBrk="1" latinLnBrk="0" hangingPunct="1">
-              <a:lnSpc>
-                <a:spcPct val="90000"/>
-              </a:lnSpc>
-              <a:spcBef>
-                <a:spcPct val="0"/>
-              </a:spcBef>
-              <a:buNone/>
-              <a:defRPr sz="6000" kern="1200">
-                <a:solidFill>
-                  <a:schemeClr val="tx1"/>
-                </a:solidFill>
-                <a:latin typeface="+mj-lt"/>
-                <a:ea typeface="+mj-ea"/>
-                <a:cs typeface="+mj-cs"/>
-              </a:defRPr>
-            </a:lvl1pPr>
-          </a:lstStyle>
-          <a:p>
-            <a:pPr>
-              <a:lnSpc>
-                <a:spcPct val="150000"/>
-              </a:lnSpc>
-            </a:pPr>
-            <a:r>
-              <a:rPr lang="fr-FR" sz="9600" cap="all" dirty="0">
-                <a:solidFill>
-                  <a:srgbClr val="525252"/>
-                </a:solidFill>
-                <a:latin typeface="Segoe UI Black" panose="020B0A02040204020203" pitchFamily="34" charset="0"/>
-                <a:ea typeface="Segoe UI Black" panose="020B0A02040204020203" pitchFamily="34" charset="0"/>
-              </a:rPr>
-              <a:t>+</a:t>
-            </a:r>
-          </a:p>
-        </p:txBody>
-      </p:sp>
-      <p:pic>
-        <p:nvPicPr>
-          <p:cNvPr id="17" name="Graphique 16" descr="Tête avec engrenages">
-            <a:extLst>
-              <a:ext uri="{FF2B5EF4-FFF2-40B4-BE49-F238E27FC236}">
-                <a16:creationId xmlns:a16="http://schemas.microsoft.com/office/drawing/2014/main" id="{F49251F7-AEC3-9829-CECE-62B156B3A47E}"/>
-              </a:ext>
-            </a:extLst>
-          </p:cNvPr>
-          <p:cNvPicPr>
-            <a:picLocks noChangeAspect="1"/>
-          </p:cNvPicPr>
-          <p:nvPr/>
-        </p:nvPicPr>
-        <p:blipFill>
-          <a:blip r:embed="rId13">
-            <a:extLst>
-              <a:ext uri="{28A0092B-C50C-407E-A947-70E740481C1C}">
-                <a14:useLocalDpi xmlns:a14="http://schemas.microsoft.com/office/drawing/2010/main" val="0"/>
-              </a:ext>
-              <a:ext uri="{96DAC541-7B7A-43D3-8B79-37D633B846F1}">
-                <asvg:svgBlip xmlns:asvg="http://schemas.microsoft.com/office/drawing/2016/SVG/main" r:embed="rId14"/>
-              </a:ext>
-            </a:extLst>
-          </a:blip>
-          <a:stretch>
-            <a:fillRect/>
-          </a:stretch>
-        </p:blipFill>
-        <p:spPr>
-          <a:xfrm>
-            <a:off x="7519416" y="3725146"/>
-            <a:ext cx="1612579" cy="1612579"/>
-          </a:xfrm>
-          <a:prstGeom prst="rect">
-            <a:avLst/>
-          </a:prstGeom>
-        </p:spPr>
-      </p:pic>
     </p:spTree>
     <p:extLst>
       <p:ext uri="{BB962C8B-B14F-4D97-AF65-F5344CB8AC3E}">
-        <p14:creationId xmlns:p14="http://schemas.microsoft.com/office/powerpoint/2010/main" val="771346774"/>
+        <p14:creationId xmlns:p14="http://schemas.microsoft.com/office/powerpoint/2010/main" val="1121566493"/>
       </p:ext>
     </p:extLst>
   </p:cSld>
@@ -15782,1016 +16062,6 @@
     <p:extLst>
       <p:ext uri="{BB962C8B-B14F-4D97-AF65-F5344CB8AC3E}">
         <p14:creationId xmlns:p14="http://schemas.microsoft.com/office/powerpoint/2010/main" val="867286560"/>
-      </p:ext>
-    </p:extLst>
-  </p:cSld>
-  <p:clrMapOvr>
-    <a:masterClrMapping/>
-  </p:clrMapOvr>
-</p:sld>
-</file>
-
-<file path=ppt/slides/slide30.xml><?xml version="1.0" encoding="utf-8"?>
-<p:sld xmlns:a="http://schemas.openxmlformats.org/drawingml/2006/main" xmlns:r="http://schemas.openxmlformats.org/officeDocument/2006/relationships" xmlns:p="http://schemas.openxmlformats.org/presentationml/2006/main">
-  <p:cSld>
-    <p:bg>
-      <p:bgPr>
-        <a:gradFill flip="none" rotWithShape="1">
-          <a:gsLst>
-            <a:gs pos="0">
-              <a:schemeClr val="accent1">
-                <a:lumMod val="5000"/>
-                <a:lumOff val="95000"/>
-              </a:schemeClr>
-            </a:gs>
-            <a:gs pos="74000">
-              <a:schemeClr val="bg1"/>
-            </a:gs>
-            <a:gs pos="83000">
-              <a:schemeClr val="bg1"/>
-            </a:gs>
-            <a:gs pos="100000">
-              <a:srgbClr val="621516"/>
-            </a:gs>
-          </a:gsLst>
-          <a:lin ang="5400000" scaled="1"/>
-          <a:tileRect/>
-        </a:gradFill>
-        <a:effectLst/>
-      </p:bgPr>
-    </p:bg>
-    <p:spTree>
-      <p:nvGrpSpPr>
-        <p:cNvPr id="1" name=""/>
-        <p:cNvGrpSpPr/>
-        <p:nvPr/>
-      </p:nvGrpSpPr>
-      <p:grpSpPr>
-        <a:xfrm>
-          <a:off x="0" y="0"/>
-          <a:ext cx="0" cy="0"/>
-          <a:chOff x="0" y="0"/>
-          <a:chExt cx="0" cy="0"/>
-        </a:xfrm>
-      </p:grpSpPr>
-      <p:sp>
-        <p:nvSpPr>
-          <p:cNvPr id="2" name="Titre 1">
-            <a:extLst>
-              <a:ext uri="{FF2B5EF4-FFF2-40B4-BE49-F238E27FC236}">
-                <a16:creationId xmlns:a16="http://schemas.microsoft.com/office/drawing/2014/main" id="{62EDAB49-663B-20A7-4386-A8BC2BEB0D35}"/>
-              </a:ext>
-            </a:extLst>
-          </p:cNvPr>
-          <p:cNvSpPr txBox="1">
-            <a:spLocks/>
-          </p:cNvSpPr>
-          <p:nvPr>
-            <p:custDataLst>
-              <p:tags r:id="rId1"/>
-            </p:custDataLst>
-          </p:nvPr>
-        </p:nvSpPr>
-        <p:spPr>
-          <a:xfrm>
-            <a:off x="3741124" y="384164"/>
-            <a:ext cx="4759569" cy="1062625"/>
-          </a:xfrm>
-          <a:prstGeom prst="rect">
-            <a:avLst/>
-          </a:prstGeom>
-        </p:spPr>
-        <p:txBody>
-          <a:bodyPr vert="horz" lIns="91440" tIns="45720" rIns="91440" bIns="45720" rtlCol="0" anchor="t">
-            <a:noAutofit/>
-          </a:bodyPr>
-          <a:lstStyle>
-            <a:lvl1pPr algn="ctr" defTabSz="914400" rtl="0" eaLnBrk="1" latinLnBrk="0" hangingPunct="1">
-              <a:lnSpc>
-                <a:spcPct val="90000"/>
-              </a:lnSpc>
-              <a:spcBef>
-                <a:spcPct val="0"/>
-              </a:spcBef>
-              <a:buNone/>
-              <a:defRPr sz="6000" kern="1200">
-                <a:solidFill>
-                  <a:schemeClr val="tx1"/>
-                </a:solidFill>
-                <a:latin typeface="+mj-lt"/>
-                <a:ea typeface="+mj-ea"/>
-                <a:cs typeface="+mj-cs"/>
-              </a:defRPr>
-            </a:lvl1pPr>
-          </a:lstStyle>
-          <a:p>
-            <a:pPr algn="l">
-              <a:lnSpc>
-                <a:spcPct val="150000"/>
-              </a:lnSpc>
-            </a:pPr>
-            <a:r>
-              <a:rPr lang="fr-FR" sz="4800" cap="all" dirty="0">
-                <a:solidFill>
-                  <a:srgbClr val="621516"/>
-                </a:solidFill>
-                <a:latin typeface="Segoe UI Black" panose="020B0A02040204020203" pitchFamily="34" charset="0"/>
-                <a:ea typeface="Segoe UI Black" panose="020B0A02040204020203" pitchFamily="34" charset="0"/>
-              </a:rPr>
-              <a:t>CONCLUSION :</a:t>
-            </a:r>
-          </a:p>
-        </p:txBody>
-      </p:sp>
-      <p:sp>
-        <p:nvSpPr>
-          <p:cNvPr id="8" name="Espace réservé du numéro de diapositive 2">
-            <a:extLst>
-              <a:ext uri="{FF2B5EF4-FFF2-40B4-BE49-F238E27FC236}">
-                <a16:creationId xmlns:a16="http://schemas.microsoft.com/office/drawing/2014/main" id="{401D1855-D5DB-757A-D335-4F769C1A9B9F}"/>
-              </a:ext>
-            </a:extLst>
-          </p:cNvPr>
-          <p:cNvSpPr txBox="1">
-            <a:spLocks/>
-          </p:cNvSpPr>
-          <p:nvPr>
-            <p:custDataLst>
-              <p:tags r:id="rId2"/>
-            </p:custDataLst>
-          </p:nvPr>
-        </p:nvSpPr>
-        <p:spPr>
-          <a:xfrm>
-            <a:off x="11171300" y="6239446"/>
-            <a:ext cx="811019" cy="503578"/>
-          </a:xfrm>
-          <a:prstGeom prst="rect">
-            <a:avLst/>
-          </a:prstGeom>
-        </p:spPr>
-        <p:txBody>
-          <a:bodyPr vert="horz" lIns="91440" tIns="45720" rIns="91440" bIns="45720" rtlCol="0" anchor="ctr"/>
-          <a:lstStyle>
-            <a:defPPr>
-              <a:defRPr lang="fr-FR"/>
-            </a:defPPr>
-            <a:lvl1pPr marL="0" algn="r" defTabSz="914400" rtl="0" eaLnBrk="1" latinLnBrk="0" hangingPunct="1">
-              <a:defRPr sz="1200" kern="1200">
-                <a:solidFill>
-                  <a:schemeClr val="tx1">
-                    <a:tint val="75000"/>
-                  </a:schemeClr>
-                </a:solidFill>
-                <a:latin typeface="+mn-lt"/>
-                <a:ea typeface="+mn-ea"/>
-                <a:cs typeface="+mn-cs"/>
-              </a:defRPr>
-            </a:lvl1pPr>
-            <a:lvl2pPr marL="457200" algn="l" defTabSz="914400" rtl="0" eaLnBrk="1" latinLnBrk="0" hangingPunct="1">
-              <a:defRPr sz="1800" kern="1200">
-                <a:solidFill>
-                  <a:schemeClr val="tx1"/>
-                </a:solidFill>
-                <a:latin typeface="+mn-lt"/>
-                <a:ea typeface="+mn-ea"/>
-                <a:cs typeface="+mn-cs"/>
-              </a:defRPr>
-            </a:lvl2pPr>
-            <a:lvl3pPr marL="914400" algn="l" defTabSz="914400" rtl="0" eaLnBrk="1" latinLnBrk="0" hangingPunct="1">
-              <a:defRPr sz="1800" kern="1200">
-                <a:solidFill>
-                  <a:schemeClr val="tx1"/>
-                </a:solidFill>
-                <a:latin typeface="+mn-lt"/>
-                <a:ea typeface="+mn-ea"/>
-                <a:cs typeface="+mn-cs"/>
-              </a:defRPr>
-            </a:lvl3pPr>
-            <a:lvl4pPr marL="1371600" algn="l" defTabSz="914400" rtl="0" eaLnBrk="1" latinLnBrk="0" hangingPunct="1">
-              <a:defRPr sz="1800" kern="1200">
-                <a:solidFill>
-                  <a:schemeClr val="tx1"/>
-                </a:solidFill>
-                <a:latin typeface="+mn-lt"/>
-                <a:ea typeface="+mn-ea"/>
-                <a:cs typeface="+mn-cs"/>
-              </a:defRPr>
-            </a:lvl4pPr>
-            <a:lvl5pPr marL="1828800" algn="l" defTabSz="914400" rtl="0" eaLnBrk="1" latinLnBrk="0" hangingPunct="1">
-              <a:defRPr sz="1800" kern="1200">
-                <a:solidFill>
-                  <a:schemeClr val="tx1"/>
-                </a:solidFill>
-                <a:latin typeface="+mn-lt"/>
-                <a:ea typeface="+mn-ea"/>
-                <a:cs typeface="+mn-cs"/>
-              </a:defRPr>
-            </a:lvl5pPr>
-            <a:lvl6pPr marL="2286000" algn="l" defTabSz="914400" rtl="0" eaLnBrk="1" latinLnBrk="0" hangingPunct="1">
-              <a:defRPr sz="1800" kern="1200">
-                <a:solidFill>
-                  <a:schemeClr val="tx1"/>
-                </a:solidFill>
-                <a:latin typeface="+mn-lt"/>
-                <a:ea typeface="+mn-ea"/>
-                <a:cs typeface="+mn-cs"/>
-              </a:defRPr>
-            </a:lvl6pPr>
-            <a:lvl7pPr marL="2743200" algn="l" defTabSz="914400" rtl="0" eaLnBrk="1" latinLnBrk="0" hangingPunct="1">
-              <a:defRPr sz="1800" kern="1200">
-                <a:solidFill>
-                  <a:schemeClr val="tx1"/>
-                </a:solidFill>
-                <a:latin typeface="+mn-lt"/>
-                <a:ea typeface="+mn-ea"/>
-                <a:cs typeface="+mn-cs"/>
-              </a:defRPr>
-            </a:lvl7pPr>
-            <a:lvl8pPr marL="3200400" algn="l" defTabSz="914400" rtl="0" eaLnBrk="1" latinLnBrk="0" hangingPunct="1">
-              <a:defRPr sz="1800" kern="1200">
-                <a:solidFill>
-                  <a:schemeClr val="tx1"/>
-                </a:solidFill>
-                <a:latin typeface="+mn-lt"/>
-                <a:ea typeface="+mn-ea"/>
-                <a:cs typeface="+mn-cs"/>
-              </a:defRPr>
-            </a:lvl8pPr>
-            <a:lvl9pPr marL="3657600" algn="l" defTabSz="914400" rtl="0" eaLnBrk="1" latinLnBrk="0" hangingPunct="1">
-              <a:defRPr sz="1800" kern="1200">
-                <a:solidFill>
-                  <a:schemeClr val="tx1"/>
-                </a:solidFill>
-                <a:latin typeface="+mn-lt"/>
-                <a:ea typeface="+mn-ea"/>
-                <a:cs typeface="+mn-cs"/>
-              </a:defRPr>
-            </a:lvl9pPr>
-          </a:lstStyle>
-          <a:p>
-            <a:fld id="{C01389E6-C847-4AD0-B56D-D205B2EAB1EE}" type="slidenum">
-              <a:rPr lang="en-US" sz="3200" smtClean="0">
-                <a:solidFill>
-                  <a:schemeClr val="bg1"/>
-                </a:solidFill>
-                <a:latin typeface="Gill Sans MT" panose="020B0502020104020203" pitchFamily="34" charset="0"/>
-              </a:rPr>
-              <a:pPr/>
-              <a:t>30</a:t>
-            </a:fld>
-            <a:endParaRPr lang="en-US" sz="3200" dirty="0">
-              <a:solidFill>
-                <a:schemeClr val="bg1"/>
-              </a:solidFill>
-              <a:latin typeface="Gill Sans MT" panose="020B0502020104020203" pitchFamily="34" charset="0"/>
-            </a:endParaRPr>
-          </a:p>
-        </p:txBody>
-      </p:sp>
-      <p:pic>
-        <p:nvPicPr>
-          <p:cNvPr id="3" name="Graphique 2" descr="Engrenage">
-            <a:extLst>
-              <a:ext uri="{FF2B5EF4-FFF2-40B4-BE49-F238E27FC236}">
-                <a16:creationId xmlns:a16="http://schemas.microsoft.com/office/drawing/2014/main" id="{2E58558E-7EDA-C72D-ED1A-2AF3F87718E0}"/>
-              </a:ext>
-            </a:extLst>
-          </p:cNvPr>
-          <p:cNvPicPr>
-            <a:picLocks noChangeAspect="1"/>
-          </p:cNvPicPr>
-          <p:nvPr>
-            <p:custDataLst>
-              <p:tags r:id="rId3"/>
-            </p:custDataLst>
-          </p:nvPr>
-        </p:nvPicPr>
-        <p:blipFill>
-          <a:blip r:embed="rId12">
-            <a:extLst>
-              <a:ext uri="{28A0092B-C50C-407E-A947-70E740481C1C}">
-                <a14:useLocalDpi xmlns:a14="http://schemas.microsoft.com/office/drawing/2010/main" val="0"/>
-              </a:ext>
-              <a:ext uri="{96DAC541-7B7A-43D3-8B79-37D633B846F1}">
-                <asvg:svgBlip xmlns:asvg="http://schemas.microsoft.com/office/drawing/2016/SVG/main" r:embed="rId13"/>
-              </a:ext>
-            </a:extLst>
-          </a:blip>
-          <a:stretch>
-            <a:fillRect/>
-          </a:stretch>
-        </p:blipFill>
-        <p:spPr>
-          <a:xfrm>
-            <a:off x="1201371" y="1506485"/>
-            <a:ext cx="888261" cy="914400"/>
-          </a:xfrm>
-          <a:prstGeom prst="rect">
-            <a:avLst/>
-          </a:prstGeom>
-        </p:spPr>
-      </p:pic>
-      <p:sp>
-        <p:nvSpPr>
-          <p:cNvPr id="4" name="Titre 1">
-            <a:extLst>
-              <a:ext uri="{FF2B5EF4-FFF2-40B4-BE49-F238E27FC236}">
-                <a16:creationId xmlns:a16="http://schemas.microsoft.com/office/drawing/2014/main" id="{E6FBF720-CE6A-6DEB-168B-A1D2452B8BC6}"/>
-              </a:ext>
-            </a:extLst>
-          </p:cNvPr>
-          <p:cNvSpPr txBox="1">
-            <a:spLocks/>
-          </p:cNvSpPr>
-          <p:nvPr>
-            <p:custDataLst>
-              <p:tags r:id="rId4"/>
-            </p:custDataLst>
-          </p:nvPr>
-        </p:nvSpPr>
-        <p:spPr>
-          <a:xfrm>
-            <a:off x="2089632" y="1496092"/>
-            <a:ext cx="8777660" cy="778324"/>
-          </a:xfrm>
-          <a:prstGeom prst="rect">
-            <a:avLst/>
-          </a:prstGeom>
-        </p:spPr>
-        <p:txBody>
-          <a:bodyPr vert="horz" lIns="91440" tIns="45720" rIns="91440" bIns="45720" rtlCol="0" anchor="t">
-            <a:noAutofit/>
-          </a:bodyPr>
-          <a:lstStyle>
-            <a:lvl1pPr algn="ctr" defTabSz="914400" rtl="0" eaLnBrk="1" latinLnBrk="0" hangingPunct="1">
-              <a:lnSpc>
-                <a:spcPct val="90000"/>
-              </a:lnSpc>
-              <a:spcBef>
-                <a:spcPct val="0"/>
-              </a:spcBef>
-              <a:buNone/>
-              <a:defRPr sz="6000" kern="1200">
-                <a:solidFill>
-                  <a:schemeClr val="tx1"/>
-                </a:solidFill>
-                <a:latin typeface="+mj-lt"/>
-                <a:ea typeface="+mj-ea"/>
-                <a:cs typeface="+mj-cs"/>
-              </a:defRPr>
-            </a:lvl1pPr>
-          </a:lstStyle>
-          <a:p>
-            <a:pPr algn="l">
-              <a:lnSpc>
-                <a:spcPct val="100000"/>
-              </a:lnSpc>
-            </a:pPr>
-            <a:r>
-              <a:rPr lang="fr-FR" sz="2800" dirty="0">
-                <a:solidFill>
-                  <a:srgbClr val="525252"/>
-                </a:solidFill>
-                <a:latin typeface="Franklin Gothic Heavy" panose="020B0903020102020204" pitchFamily="34" charset="0"/>
-              </a:rPr>
-              <a:t>LES PREMIÈRES BRIQUES DU DÉPLOIEMENT SONT EN PLACE.</a:t>
-            </a:r>
-            <a:endParaRPr lang="fr-FR" sz="2800" cap="all" dirty="0">
-              <a:solidFill>
-                <a:srgbClr val="10181D"/>
-              </a:solidFill>
-              <a:latin typeface="Franklin Gothic Heavy" panose="020B0903020102020204" pitchFamily="34" charset="0"/>
-            </a:endParaRPr>
-          </a:p>
-        </p:txBody>
-      </p:sp>
-      <p:pic>
-        <p:nvPicPr>
-          <p:cNvPr id="5" name="Graphique 4" descr="Engrenage">
-            <a:extLst>
-              <a:ext uri="{FF2B5EF4-FFF2-40B4-BE49-F238E27FC236}">
-                <a16:creationId xmlns:a16="http://schemas.microsoft.com/office/drawing/2014/main" id="{7438FAB6-A4C8-4B96-E889-EF9B276A7124}"/>
-              </a:ext>
-            </a:extLst>
-          </p:cNvPr>
-          <p:cNvPicPr>
-            <a:picLocks noChangeAspect="1"/>
-          </p:cNvPicPr>
-          <p:nvPr>
-            <p:custDataLst>
-              <p:tags r:id="rId5"/>
-            </p:custDataLst>
-          </p:nvPr>
-        </p:nvPicPr>
-        <p:blipFill>
-          <a:blip r:embed="rId12">
-            <a:extLst>
-              <a:ext uri="{28A0092B-C50C-407E-A947-70E740481C1C}">
-                <a14:useLocalDpi xmlns:a14="http://schemas.microsoft.com/office/drawing/2010/main" val="0"/>
-              </a:ext>
-              <a:ext uri="{96DAC541-7B7A-43D3-8B79-37D633B846F1}">
-                <asvg:svgBlip xmlns:asvg="http://schemas.microsoft.com/office/drawing/2016/SVG/main" r:embed="rId13"/>
-              </a:ext>
-            </a:extLst>
-          </a:blip>
-          <a:stretch>
-            <a:fillRect/>
-          </a:stretch>
-        </p:blipFill>
-        <p:spPr>
-          <a:xfrm>
-            <a:off x="1192704" y="2581048"/>
-            <a:ext cx="888261" cy="914400"/>
-          </a:xfrm>
-          <a:prstGeom prst="rect">
-            <a:avLst/>
-          </a:prstGeom>
-        </p:spPr>
-      </p:pic>
-      <p:sp>
-        <p:nvSpPr>
-          <p:cNvPr id="6" name="Titre 1">
-            <a:extLst>
-              <a:ext uri="{FF2B5EF4-FFF2-40B4-BE49-F238E27FC236}">
-                <a16:creationId xmlns:a16="http://schemas.microsoft.com/office/drawing/2014/main" id="{BE263A90-EDCC-B9A7-F712-728B536AE88C}"/>
-              </a:ext>
-            </a:extLst>
-          </p:cNvPr>
-          <p:cNvSpPr txBox="1">
-            <a:spLocks/>
-          </p:cNvSpPr>
-          <p:nvPr>
-            <p:custDataLst>
-              <p:tags r:id="rId6"/>
-            </p:custDataLst>
-          </p:nvPr>
-        </p:nvSpPr>
-        <p:spPr>
-          <a:xfrm>
-            <a:off x="2048483" y="2514600"/>
-            <a:ext cx="8062552" cy="778324"/>
-          </a:xfrm>
-          <a:prstGeom prst="rect">
-            <a:avLst/>
-          </a:prstGeom>
-        </p:spPr>
-        <p:txBody>
-          <a:bodyPr vert="horz" lIns="91440" tIns="45720" rIns="91440" bIns="45720" rtlCol="0" anchor="t">
-            <a:noAutofit/>
-          </a:bodyPr>
-          <a:lstStyle>
-            <a:lvl1pPr algn="ctr" defTabSz="914400" rtl="0" eaLnBrk="1" latinLnBrk="0" hangingPunct="1">
-              <a:lnSpc>
-                <a:spcPct val="90000"/>
-              </a:lnSpc>
-              <a:spcBef>
-                <a:spcPct val="0"/>
-              </a:spcBef>
-              <a:buNone/>
-              <a:defRPr sz="6000" kern="1200">
-                <a:solidFill>
-                  <a:schemeClr val="tx1"/>
-                </a:solidFill>
-                <a:latin typeface="+mj-lt"/>
-                <a:ea typeface="+mj-ea"/>
-                <a:cs typeface="+mj-cs"/>
-              </a:defRPr>
-            </a:lvl1pPr>
-          </a:lstStyle>
-          <a:p>
-            <a:pPr algn="l">
-              <a:lnSpc>
-                <a:spcPct val="100000"/>
-              </a:lnSpc>
-            </a:pPr>
-            <a:r>
-              <a:rPr lang="fr-FR" sz="2800" dirty="0">
-                <a:solidFill>
-                  <a:srgbClr val="525252"/>
-                </a:solidFill>
-                <a:latin typeface="Franklin Gothic Heavy" panose="020B0903020102020204" pitchFamily="34" charset="0"/>
-              </a:rPr>
-              <a:t>MAIS UN BON MODÈLE VA NÉCESSITER UN VÉRITABLE BUDGET…</a:t>
-            </a:r>
-            <a:endParaRPr lang="fr-FR" sz="2800" cap="all" dirty="0">
-              <a:solidFill>
-                <a:srgbClr val="10181D"/>
-              </a:solidFill>
-              <a:latin typeface="Franklin Gothic Heavy" panose="020B0903020102020204" pitchFamily="34" charset="0"/>
-            </a:endParaRPr>
-          </a:p>
-        </p:txBody>
-      </p:sp>
-      <p:pic>
-        <p:nvPicPr>
-          <p:cNvPr id="7" name="Graphique 6" descr="Engrenage">
-            <a:extLst>
-              <a:ext uri="{FF2B5EF4-FFF2-40B4-BE49-F238E27FC236}">
-                <a16:creationId xmlns:a16="http://schemas.microsoft.com/office/drawing/2014/main" id="{7C47F082-6B08-4D75-0F4E-6AEDB9C99674}"/>
-              </a:ext>
-            </a:extLst>
-          </p:cNvPr>
-          <p:cNvPicPr>
-            <a:picLocks noChangeAspect="1"/>
-          </p:cNvPicPr>
-          <p:nvPr>
-            <p:custDataLst>
-              <p:tags r:id="rId7"/>
-            </p:custDataLst>
-          </p:nvPr>
-        </p:nvPicPr>
-        <p:blipFill>
-          <a:blip r:embed="rId12">
-            <a:extLst>
-              <a:ext uri="{28A0092B-C50C-407E-A947-70E740481C1C}">
-                <a14:useLocalDpi xmlns:a14="http://schemas.microsoft.com/office/drawing/2010/main" val="0"/>
-              </a:ext>
-              <a:ext uri="{96DAC541-7B7A-43D3-8B79-37D633B846F1}">
-                <asvg:svgBlip xmlns:asvg="http://schemas.microsoft.com/office/drawing/2016/SVG/main" r:embed="rId13"/>
-              </a:ext>
-            </a:extLst>
-          </a:blip>
-          <a:stretch>
-            <a:fillRect/>
-          </a:stretch>
-        </p:blipFill>
-        <p:spPr>
-          <a:xfrm>
-            <a:off x="1201370" y="3664213"/>
-            <a:ext cx="888261" cy="914400"/>
-          </a:xfrm>
-          <a:prstGeom prst="rect">
-            <a:avLst/>
-          </a:prstGeom>
-        </p:spPr>
-      </p:pic>
-      <p:pic>
-        <p:nvPicPr>
-          <p:cNvPr id="10" name="Graphique 9" descr="Engrenage">
-            <a:extLst>
-              <a:ext uri="{FF2B5EF4-FFF2-40B4-BE49-F238E27FC236}">
-                <a16:creationId xmlns:a16="http://schemas.microsoft.com/office/drawing/2014/main" id="{ED3271FC-0B51-4D6F-ABBC-3A663A0D4C49}"/>
-              </a:ext>
-            </a:extLst>
-          </p:cNvPr>
-          <p:cNvPicPr>
-            <a:picLocks noChangeAspect="1"/>
-          </p:cNvPicPr>
-          <p:nvPr>
-            <p:custDataLst>
-              <p:tags r:id="rId8"/>
-            </p:custDataLst>
-          </p:nvPr>
-        </p:nvPicPr>
-        <p:blipFill>
-          <a:blip r:embed="rId12">
-            <a:extLst>
-              <a:ext uri="{28A0092B-C50C-407E-A947-70E740481C1C}">
-                <a14:useLocalDpi xmlns:a14="http://schemas.microsoft.com/office/drawing/2010/main" val="0"/>
-              </a:ext>
-              <a:ext uri="{96DAC541-7B7A-43D3-8B79-37D633B846F1}">
-                <asvg:svgBlip xmlns:asvg="http://schemas.microsoft.com/office/drawing/2016/SVG/main" r:embed="rId13"/>
-              </a:ext>
-            </a:extLst>
-          </a:blip>
-          <a:stretch>
-            <a:fillRect/>
-          </a:stretch>
-        </p:blipFill>
-        <p:spPr>
-          <a:xfrm>
-            <a:off x="1214441" y="4718591"/>
-            <a:ext cx="888261" cy="914400"/>
-          </a:xfrm>
-          <a:prstGeom prst="rect">
-            <a:avLst/>
-          </a:prstGeom>
-        </p:spPr>
-      </p:pic>
-      <p:sp>
-        <p:nvSpPr>
-          <p:cNvPr id="11" name="Titre 1">
-            <a:extLst>
-              <a:ext uri="{FF2B5EF4-FFF2-40B4-BE49-F238E27FC236}">
-                <a16:creationId xmlns:a16="http://schemas.microsoft.com/office/drawing/2014/main" id="{F374D36D-5F86-25C4-4040-D1DACABD6150}"/>
-              </a:ext>
-            </a:extLst>
-          </p:cNvPr>
-          <p:cNvSpPr txBox="1">
-            <a:spLocks/>
-          </p:cNvSpPr>
-          <p:nvPr>
-            <p:custDataLst>
-              <p:tags r:id="rId9"/>
-            </p:custDataLst>
-          </p:nvPr>
-        </p:nvSpPr>
-        <p:spPr>
-          <a:xfrm>
-            <a:off x="2048483" y="4687884"/>
-            <a:ext cx="9114702" cy="778324"/>
-          </a:xfrm>
-          <a:prstGeom prst="rect">
-            <a:avLst/>
-          </a:prstGeom>
-        </p:spPr>
-        <p:txBody>
-          <a:bodyPr vert="horz" lIns="91440" tIns="45720" rIns="91440" bIns="45720" rtlCol="0" anchor="t">
-            <a:noAutofit/>
-          </a:bodyPr>
-          <a:lstStyle>
-            <a:lvl1pPr algn="ctr" defTabSz="914400" rtl="0" eaLnBrk="1" latinLnBrk="0" hangingPunct="1">
-              <a:lnSpc>
-                <a:spcPct val="90000"/>
-              </a:lnSpc>
-              <a:spcBef>
-                <a:spcPct val="0"/>
-              </a:spcBef>
-              <a:buNone/>
-              <a:defRPr sz="6000" kern="1200">
-                <a:solidFill>
-                  <a:schemeClr val="tx1"/>
-                </a:solidFill>
-                <a:latin typeface="+mj-lt"/>
-                <a:ea typeface="+mj-ea"/>
-                <a:cs typeface="+mj-cs"/>
-              </a:defRPr>
-            </a:lvl1pPr>
-          </a:lstStyle>
-          <a:p>
-            <a:pPr algn="l">
-              <a:lnSpc>
-                <a:spcPct val="100000"/>
-              </a:lnSpc>
-            </a:pPr>
-            <a:r>
-              <a:rPr lang="fr-FR" sz="2800" cap="all" dirty="0">
-                <a:solidFill>
-                  <a:srgbClr val="525252"/>
-                </a:solidFill>
-                <a:latin typeface="Franklin Gothic Heavy" panose="020B0903020102020204" pitchFamily="34" charset="0"/>
-              </a:rPr>
-              <a:t>les contraintes budgétaires et techniques ont pesé très fortement sur ce projet.</a:t>
-            </a:r>
-            <a:endParaRPr lang="fr-FR" sz="2800" cap="all" dirty="0">
-              <a:solidFill>
-                <a:srgbClr val="10181D"/>
-              </a:solidFill>
-              <a:latin typeface="Franklin Gothic Heavy" panose="020B0903020102020204" pitchFamily="34" charset="0"/>
-            </a:endParaRPr>
-          </a:p>
-        </p:txBody>
-      </p:sp>
-      <p:sp>
-        <p:nvSpPr>
-          <p:cNvPr id="12" name="Titre 1">
-            <a:extLst>
-              <a:ext uri="{FF2B5EF4-FFF2-40B4-BE49-F238E27FC236}">
-                <a16:creationId xmlns:a16="http://schemas.microsoft.com/office/drawing/2014/main" id="{455AC645-6D72-D1AA-C3CC-9BD5C6E00946}"/>
-              </a:ext>
-            </a:extLst>
-          </p:cNvPr>
-          <p:cNvSpPr txBox="1">
-            <a:spLocks/>
-          </p:cNvSpPr>
-          <p:nvPr>
-            <p:custDataLst>
-              <p:tags r:id="rId10"/>
-            </p:custDataLst>
-          </p:nvPr>
-        </p:nvSpPr>
-        <p:spPr>
-          <a:xfrm>
-            <a:off x="2048483" y="3635425"/>
-            <a:ext cx="8062552" cy="778324"/>
-          </a:xfrm>
-          <a:prstGeom prst="rect">
-            <a:avLst/>
-          </a:prstGeom>
-        </p:spPr>
-        <p:txBody>
-          <a:bodyPr vert="horz" lIns="91440" tIns="45720" rIns="91440" bIns="45720" rtlCol="0" anchor="t">
-            <a:noAutofit/>
-          </a:bodyPr>
-          <a:lstStyle>
-            <a:lvl1pPr algn="ctr" defTabSz="914400" rtl="0" eaLnBrk="1" latinLnBrk="0" hangingPunct="1">
-              <a:lnSpc>
-                <a:spcPct val="90000"/>
-              </a:lnSpc>
-              <a:spcBef>
-                <a:spcPct val="0"/>
-              </a:spcBef>
-              <a:buNone/>
-              <a:defRPr sz="6000" kern="1200">
-                <a:solidFill>
-                  <a:schemeClr val="tx1"/>
-                </a:solidFill>
-                <a:latin typeface="+mj-lt"/>
-                <a:ea typeface="+mj-ea"/>
-                <a:cs typeface="+mj-cs"/>
-              </a:defRPr>
-            </a:lvl1pPr>
-          </a:lstStyle>
-          <a:p>
-            <a:pPr algn="l">
-              <a:lnSpc>
-                <a:spcPct val="100000"/>
-              </a:lnSpc>
-            </a:pPr>
-            <a:r>
-              <a:rPr lang="fr-FR" sz="2800" dirty="0">
-                <a:solidFill>
-                  <a:srgbClr val="525252"/>
-                </a:solidFill>
-                <a:latin typeface="Franklin Gothic Heavy" panose="020B0903020102020204" pitchFamily="34" charset="0"/>
-              </a:rPr>
-              <a:t>ET CERTAINEMENT AUSSI DES RESSOURCES TECHNIQUES (ADMINISTRATEUR RÉSEAU).</a:t>
-            </a:r>
-            <a:endParaRPr lang="fr-FR" sz="2800" cap="all" dirty="0">
-              <a:solidFill>
-                <a:srgbClr val="10181D"/>
-              </a:solidFill>
-              <a:latin typeface="Franklin Gothic Heavy" panose="020B0903020102020204" pitchFamily="34" charset="0"/>
-            </a:endParaRPr>
-          </a:p>
-        </p:txBody>
-      </p:sp>
-    </p:spTree>
-    <p:extLst>
-      <p:ext uri="{BB962C8B-B14F-4D97-AF65-F5344CB8AC3E}">
-        <p14:creationId xmlns:p14="http://schemas.microsoft.com/office/powerpoint/2010/main" val="1925902729"/>
-      </p:ext>
-    </p:extLst>
-  </p:cSld>
-  <p:clrMapOvr>
-    <a:masterClrMapping/>
-  </p:clrMapOvr>
-</p:sld>
-</file>
-
-<file path=ppt/slides/slide31.xml><?xml version="1.0" encoding="utf-8"?>
-<p:sld xmlns:a="http://schemas.openxmlformats.org/drawingml/2006/main" xmlns:r="http://schemas.openxmlformats.org/officeDocument/2006/relationships" xmlns:p="http://schemas.openxmlformats.org/presentationml/2006/main">
-  <p:cSld>
-    <p:bg>
-      <p:bgPr>
-        <a:gradFill flip="none" rotWithShape="1">
-          <a:gsLst>
-            <a:gs pos="0">
-              <a:schemeClr val="accent1">
-                <a:lumMod val="5000"/>
-                <a:lumOff val="95000"/>
-              </a:schemeClr>
-            </a:gs>
-            <a:gs pos="74000">
-              <a:schemeClr val="bg1"/>
-            </a:gs>
-            <a:gs pos="83000">
-              <a:schemeClr val="bg1"/>
-            </a:gs>
-            <a:gs pos="100000">
-              <a:srgbClr val="621516"/>
-            </a:gs>
-          </a:gsLst>
-          <a:lin ang="5400000" scaled="1"/>
-          <a:tileRect/>
-        </a:gradFill>
-        <a:effectLst/>
-      </p:bgPr>
-    </p:bg>
-    <p:spTree>
-      <p:nvGrpSpPr>
-        <p:cNvPr id="1" name=""/>
-        <p:cNvGrpSpPr/>
-        <p:nvPr/>
-      </p:nvGrpSpPr>
-      <p:grpSpPr>
-        <a:xfrm>
-          <a:off x="0" y="0"/>
-          <a:ext cx="0" cy="0"/>
-          <a:chOff x="0" y="0"/>
-          <a:chExt cx="0" cy="0"/>
-        </a:xfrm>
-      </p:grpSpPr>
-      <p:sp>
-        <p:nvSpPr>
-          <p:cNvPr id="2" name="Titre 1">
-            <a:extLst>
-              <a:ext uri="{FF2B5EF4-FFF2-40B4-BE49-F238E27FC236}">
-                <a16:creationId xmlns:a16="http://schemas.microsoft.com/office/drawing/2014/main" id="{62EDAB49-663B-20A7-4386-A8BC2BEB0D35}"/>
-              </a:ext>
-            </a:extLst>
-          </p:cNvPr>
-          <p:cNvSpPr txBox="1">
-            <a:spLocks/>
-          </p:cNvSpPr>
-          <p:nvPr>
-            <p:custDataLst>
-              <p:tags r:id="rId1"/>
-            </p:custDataLst>
-          </p:nvPr>
-        </p:nvSpPr>
-        <p:spPr>
-          <a:xfrm>
-            <a:off x="2251554" y="1564186"/>
-            <a:ext cx="7688892" cy="1062625"/>
-          </a:xfrm>
-          <a:prstGeom prst="rect">
-            <a:avLst/>
-          </a:prstGeom>
-        </p:spPr>
-        <p:txBody>
-          <a:bodyPr vert="horz" lIns="91440" tIns="45720" rIns="91440" bIns="45720" rtlCol="0" anchor="t">
-            <a:noAutofit/>
-          </a:bodyPr>
-          <a:lstStyle>
-            <a:lvl1pPr algn="ctr" defTabSz="914400" rtl="0" eaLnBrk="1" latinLnBrk="0" hangingPunct="1">
-              <a:lnSpc>
-                <a:spcPct val="90000"/>
-              </a:lnSpc>
-              <a:spcBef>
-                <a:spcPct val="0"/>
-              </a:spcBef>
-              <a:buNone/>
-              <a:defRPr sz="6000" kern="1200">
-                <a:solidFill>
-                  <a:schemeClr val="tx1"/>
-                </a:solidFill>
-                <a:latin typeface="+mj-lt"/>
-                <a:ea typeface="+mj-ea"/>
-                <a:cs typeface="+mj-cs"/>
-              </a:defRPr>
-            </a:lvl1pPr>
-          </a:lstStyle>
-          <a:p>
-            <a:pPr>
-              <a:lnSpc>
-                <a:spcPct val="150000"/>
-              </a:lnSpc>
-            </a:pPr>
-            <a:r>
-              <a:rPr lang="fr-FR" sz="4800" cap="all" dirty="0">
-                <a:solidFill>
-                  <a:srgbClr val="621516"/>
-                </a:solidFill>
-                <a:latin typeface="Segoe UI Black" panose="020B0A02040204020203" pitchFamily="34" charset="0"/>
-                <a:ea typeface="Segoe UI Black" panose="020B0A02040204020203" pitchFamily="34" charset="0"/>
-              </a:rPr>
-              <a:t>MERCI DE VOTRE ATTENTION !</a:t>
-            </a:r>
-          </a:p>
-        </p:txBody>
-      </p:sp>
-      <p:sp>
-        <p:nvSpPr>
-          <p:cNvPr id="8" name="Espace réservé du numéro de diapositive 2">
-            <a:extLst>
-              <a:ext uri="{FF2B5EF4-FFF2-40B4-BE49-F238E27FC236}">
-                <a16:creationId xmlns:a16="http://schemas.microsoft.com/office/drawing/2014/main" id="{401D1855-D5DB-757A-D335-4F769C1A9B9F}"/>
-              </a:ext>
-            </a:extLst>
-          </p:cNvPr>
-          <p:cNvSpPr txBox="1">
-            <a:spLocks/>
-          </p:cNvSpPr>
-          <p:nvPr>
-            <p:custDataLst>
-              <p:tags r:id="rId2"/>
-            </p:custDataLst>
-          </p:nvPr>
-        </p:nvSpPr>
-        <p:spPr>
-          <a:xfrm>
-            <a:off x="11171300" y="6239446"/>
-            <a:ext cx="811019" cy="503578"/>
-          </a:xfrm>
-          <a:prstGeom prst="rect">
-            <a:avLst/>
-          </a:prstGeom>
-        </p:spPr>
-        <p:txBody>
-          <a:bodyPr vert="horz" lIns="91440" tIns="45720" rIns="91440" bIns="45720" rtlCol="0" anchor="ctr"/>
-          <a:lstStyle>
-            <a:defPPr>
-              <a:defRPr lang="fr-FR"/>
-            </a:defPPr>
-            <a:lvl1pPr marL="0" algn="r" defTabSz="914400" rtl="0" eaLnBrk="1" latinLnBrk="0" hangingPunct="1">
-              <a:defRPr sz="1200" kern="1200">
-                <a:solidFill>
-                  <a:schemeClr val="tx1">
-                    <a:tint val="75000"/>
-                  </a:schemeClr>
-                </a:solidFill>
-                <a:latin typeface="+mn-lt"/>
-                <a:ea typeface="+mn-ea"/>
-                <a:cs typeface="+mn-cs"/>
-              </a:defRPr>
-            </a:lvl1pPr>
-            <a:lvl2pPr marL="457200" algn="l" defTabSz="914400" rtl="0" eaLnBrk="1" latinLnBrk="0" hangingPunct="1">
-              <a:defRPr sz="1800" kern="1200">
-                <a:solidFill>
-                  <a:schemeClr val="tx1"/>
-                </a:solidFill>
-                <a:latin typeface="+mn-lt"/>
-                <a:ea typeface="+mn-ea"/>
-                <a:cs typeface="+mn-cs"/>
-              </a:defRPr>
-            </a:lvl2pPr>
-            <a:lvl3pPr marL="914400" algn="l" defTabSz="914400" rtl="0" eaLnBrk="1" latinLnBrk="0" hangingPunct="1">
-              <a:defRPr sz="1800" kern="1200">
-                <a:solidFill>
-                  <a:schemeClr val="tx1"/>
-                </a:solidFill>
-                <a:latin typeface="+mn-lt"/>
-                <a:ea typeface="+mn-ea"/>
-                <a:cs typeface="+mn-cs"/>
-              </a:defRPr>
-            </a:lvl3pPr>
-            <a:lvl4pPr marL="1371600" algn="l" defTabSz="914400" rtl="0" eaLnBrk="1" latinLnBrk="0" hangingPunct="1">
-              <a:defRPr sz="1800" kern="1200">
-                <a:solidFill>
-                  <a:schemeClr val="tx1"/>
-                </a:solidFill>
-                <a:latin typeface="+mn-lt"/>
-                <a:ea typeface="+mn-ea"/>
-                <a:cs typeface="+mn-cs"/>
-              </a:defRPr>
-            </a:lvl4pPr>
-            <a:lvl5pPr marL="1828800" algn="l" defTabSz="914400" rtl="0" eaLnBrk="1" latinLnBrk="0" hangingPunct="1">
-              <a:defRPr sz="1800" kern="1200">
-                <a:solidFill>
-                  <a:schemeClr val="tx1"/>
-                </a:solidFill>
-                <a:latin typeface="+mn-lt"/>
-                <a:ea typeface="+mn-ea"/>
-                <a:cs typeface="+mn-cs"/>
-              </a:defRPr>
-            </a:lvl5pPr>
-            <a:lvl6pPr marL="2286000" algn="l" defTabSz="914400" rtl="0" eaLnBrk="1" latinLnBrk="0" hangingPunct="1">
-              <a:defRPr sz="1800" kern="1200">
-                <a:solidFill>
-                  <a:schemeClr val="tx1"/>
-                </a:solidFill>
-                <a:latin typeface="+mn-lt"/>
-                <a:ea typeface="+mn-ea"/>
-                <a:cs typeface="+mn-cs"/>
-              </a:defRPr>
-            </a:lvl6pPr>
-            <a:lvl7pPr marL="2743200" algn="l" defTabSz="914400" rtl="0" eaLnBrk="1" latinLnBrk="0" hangingPunct="1">
-              <a:defRPr sz="1800" kern="1200">
-                <a:solidFill>
-                  <a:schemeClr val="tx1"/>
-                </a:solidFill>
-                <a:latin typeface="+mn-lt"/>
-                <a:ea typeface="+mn-ea"/>
-                <a:cs typeface="+mn-cs"/>
-              </a:defRPr>
-            </a:lvl7pPr>
-            <a:lvl8pPr marL="3200400" algn="l" defTabSz="914400" rtl="0" eaLnBrk="1" latinLnBrk="0" hangingPunct="1">
-              <a:defRPr sz="1800" kern="1200">
-                <a:solidFill>
-                  <a:schemeClr val="tx1"/>
-                </a:solidFill>
-                <a:latin typeface="+mn-lt"/>
-                <a:ea typeface="+mn-ea"/>
-                <a:cs typeface="+mn-cs"/>
-              </a:defRPr>
-            </a:lvl8pPr>
-            <a:lvl9pPr marL="3657600" algn="l" defTabSz="914400" rtl="0" eaLnBrk="1" latinLnBrk="0" hangingPunct="1">
-              <a:defRPr sz="1800" kern="1200">
-                <a:solidFill>
-                  <a:schemeClr val="tx1"/>
-                </a:solidFill>
-                <a:latin typeface="+mn-lt"/>
-                <a:ea typeface="+mn-ea"/>
-                <a:cs typeface="+mn-cs"/>
-              </a:defRPr>
-            </a:lvl9pPr>
-          </a:lstStyle>
-          <a:p>
-            <a:fld id="{C01389E6-C847-4AD0-B56D-D205B2EAB1EE}" type="slidenum">
-              <a:rPr lang="en-US" sz="3200" smtClean="0">
-                <a:solidFill>
-                  <a:schemeClr val="bg1"/>
-                </a:solidFill>
-                <a:latin typeface="Gill Sans MT" panose="020B0502020104020203" pitchFamily="34" charset="0"/>
-              </a:rPr>
-              <a:pPr/>
-              <a:t>31</a:t>
-            </a:fld>
-            <a:endParaRPr lang="en-US" sz="3200" dirty="0">
-              <a:solidFill>
-                <a:schemeClr val="bg1"/>
-              </a:solidFill>
-              <a:latin typeface="Gill Sans MT" panose="020B0502020104020203" pitchFamily="34" charset="0"/>
-            </a:endParaRPr>
-          </a:p>
-        </p:txBody>
-      </p:sp>
-    </p:spTree>
-    <p:extLst>
-      <p:ext uri="{BB962C8B-B14F-4D97-AF65-F5344CB8AC3E}">
-        <p14:creationId xmlns:p14="http://schemas.microsoft.com/office/powerpoint/2010/main" val="1121566493"/>
       </p:ext>
     </p:extLst>
   </p:cSld>
@@ -19572,13 +18842,13 @@
           <p:nvPr/>
         </p:nvPicPr>
         <p:blipFill>
-          <a:blip r:embed="rId10">
+          <a:blip r:embed="rId9">
             <a:extLst>
               <a:ext uri="{28A0092B-C50C-407E-A947-70E740481C1C}">
                 <a14:useLocalDpi xmlns:a14="http://schemas.microsoft.com/office/drawing/2010/main" val="0"/>
               </a:ext>
               <a:ext uri="{96DAC541-7B7A-43D3-8B79-37D633B846F1}">
-                <asvg:svgBlip xmlns:asvg="http://schemas.microsoft.com/office/drawing/2016/SVG/main" r:embed="rId11"/>
+                <asvg:svgBlip xmlns:asvg="http://schemas.microsoft.com/office/drawing/2016/SVG/main" r:embed="rId10"/>
               </a:ext>
             </a:extLst>
           </a:blip>
@@ -19697,13 +18967,13 @@
           <p:nvPr/>
         </p:nvPicPr>
         <p:blipFill>
-          <a:blip r:embed="rId12">
+          <a:blip r:embed="rId11">
             <a:extLst>
               <a:ext uri="{28A0092B-C50C-407E-A947-70E740481C1C}">
                 <a14:useLocalDpi xmlns:a14="http://schemas.microsoft.com/office/drawing/2010/main" val="0"/>
               </a:ext>
               <a:ext uri="{96DAC541-7B7A-43D3-8B79-37D633B846F1}">
-                <asvg:svgBlip xmlns:asvg="http://schemas.microsoft.com/office/drawing/2016/SVG/main" r:embed="rId13"/>
+                <asvg:svgBlip xmlns:asvg="http://schemas.microsoft.com/office/drawing/2016/SVG/main" r:embed="rId12"/>
               </a:ext>
             </a:extLst>
           </a:blip>
@@ -19713,7 +18983,7 @@
         </p:blipFill>
         <p:spPr>
           <a:xfrm>
-            <a:off x="2780795" y="1970626"/>
+            <a:off x="2840319" y="1749455"/>
             <a:ext cx="1407190" cy="1407190"/>
           </a:xfrm>
           <a:prstGeom prst="rect">
@@ -19741,7 +19011,7 @@
         </p:nvSpPr>
         <p:spPr>
           <a:xfrm>
-            <a:off x="1933007" y="3202672"/>
+            <a:off x="1997494" y="2982370"/>
             <a:ext cx="3012831" cy="1062625"/>
           </a:xfrm>
           <a:prstGeom prst="rect">
@@ -19820,7 +19090,7 @@
         </p:nvSpPr>
         <p:spPr>
           <a:xfrm>
-            <a:off x="3826977" y="2285375"/>
+            <a:off x="4568922" y="2216287"/>
             <a:ext cx="3012831" cy="1062625"/>
           </a:xfrm>
           <a:prstGeom prst="rect">
@@ -19901,13 +19171,13 @@
           <p:nvPr/>
         </p:nvPicPr>
         <p:blipFill>
-          <a:blip r:embed="rId14">
+          <a:blip r:embed="rId13">
             <a:extLst>
               <a:ext uri="{28A0092B-C50C-407E-A947-70E740481C1C}">
                 <a14:useLocalDpi xmlns:a14="http://schemas.microsoft.com/office/drawing/2010/main" val="0"/>
               </a:ext>
               <a:ext uri="{96DAC541-7B7A-43D3-8B79-37D633B846F1}">
-                <asvg:svgBlip xmlns:asvg="http://schemas.microsoft.com/office/drawing/2016/SVG/main" r:embed="rId15"/>
+                <asvg:svgBlip xmlns:asvg="http://schemas.microsoft.com/office/drawing/2016/SVG/main" r:embed="rId14"/>
               </a:ext>
             </a:extLst>
           </a:blip>
@@ -19917,8 +19187,8 @@
         </p:blipFill>
         <p:spPr>
           <a:xfrm>
-            <a:off x="5635502" y="4754517"/>
-            <a:ext cx="971213" cy="971213"/>
+            <a:off x="5609692" y="4716030"/>
+            <a:ext cx="1062625" cy="1062625"/>
           </a:xfrm>
           <a:prstGeom prst="rect">
             <a:avLst/>
@@ -19981,10 +19251,10 @@
       </p:sp>
       <p:sp>
         <p:nvSpPr>
-          <p:cNvPr id="20" name="Flèche : droite 19">
-            <a:extLst>
-              <a:ext uri="{FF2B5EF4-FFF2-40B4-BE49-F238E27FC236}">
-                <a16:creationId xmlns:a16="http://schemas.microsoft.com/office/drawing/2014/main" id="{CDB32426-D7AB-581C-F629-0099FD4560AB}"/>
+          <p:cNvPr id="21" name="Flèche : droite 20">
+            <a:extLst>
+              <a:ext uri="{FF2B5EF4-FFF2-40B4-BE49-F238E27FC236}">
+                <a16:creationId xmlns:a16="http://schemas.microsoft.com/office/drawing/2014/main" id="{21F64D0A-DF7D-1F04-DCA7-483CC14CF1B7}"/>
               </a:ext>
             </a:extLst>
           </p:cNvPr>
@@ -19992,9 +19262,9 @@
           <p:nvPr/>
         </p:nvSpPr>
         <p:spPr>
-          <a:xfrm rot="10800000">
-            <a:off x="6768407" y="5076189"/>
-            <a:ext cx="2009488" cy="574430"/>
+          <a:xfrm rot="2870597">
+            <a:off x="3862868" y="3894404"/>
+            <a:ext cx="2017462" cy="574430"/>
           </a:xfrm>
           <a:prstGeom prst="rightArrow">
             <a:avLst/>
@@ -20033,12 +19303,51 @@
           </a:p>
         </p:txBody>
       </p:sp>
+      <p:pic>
+        <p:nvPicPr>
+          <p:cNvPr id="6" name="Graphique 5" descr="Planète">
+            <a:extLst>
+              <a:ext uri="{FF2B5EF4-FFF2-40B4-BE49-F238E27FC236}">
+                <a16:creationId xmlns:a16="http://schemas.microsoft.com/office/drawing/2014/main" id="{4CE9D12A-4961-D207-4336-990560E6FA9C}"/>
+              </a:ext>
+            </a:extLst>
+          </p:cNvPr>
+          <p:cNvPicPr>
+            <a:picLocks noChangeAspect="1"/>
+          </p:cNvPicPr>
+          <p:nvPr/>
+        </p:nvPicPr>
+        <p:blipFill>
+          <a:blip r:embed="rId15">
+            <a:extLst>
+              <a:ext uri="{28A0092B-C50C-407E-A947-70E740481C1C}">
+                <a14:useLocalDpi xmlns:a14="http://schemas.microsoft.com/office/drawing/2010/main" val="0"/>
+              </a:ext>
+              <a:ext uri="{96DAC541-7B7A-43D3-8B79-37D633B846F1}">
+                <asvg:svgBlip xmlns:asvg="http://schemas.microsoft.com/office/drawing/2016/SVG/main" r:embed="rId16"/>
+              </a:ext>
+            </a:extLst>
+          </a:blip>
+          <a:stretch>
+            <a:fillRect/>
+          </a:stretch>
+        </p:blipFill>
+        <p:spPr>
+          <a:xfrm>
+            <a:off x="5178163" y="1229198"/>
+            <a:ext cx="1885890" cy="1885890"/>
+          </a:xfrm>
+          <a:prstGeom prst="rect">
+            <a:avLst/>
+          </a:prstGeom>
+        </p:spPr>
+      </p:pic>
       <p:sp>
         <p:nvSpPr>
-          <p:cNvPr id="21" name="Flèche : droite 20">
-            <a:extLst>
-              <a:ext uri="{FF2B5EF4-FFF2-40B4-BE49-F238E27FC236}">
-                <a16:creationId xmlns:a16="http://schemas.microsoft.com/office/drawing/2014/main" id="{21F64D0A-DF7D-1F04-DCA7-483CC14CF1B7}"/>
+          <p:cNvPr id="3" name="Flèche : droite 2">
+            <a:extLst>
+              <a:ext uri="{FF2B5EF4-FFF2-40B4-BE49-F238E27FC236}">
+                <a16:creationId xmlns:a16="http://schemas.microsoft.com/office/drawing/2014/main" id="{DEF66C5B-9320-8D2D-C0C9-6F4BB2100E12}"/>
               </a:ext>
             </a:extLst>
           </p:cNvPr>
@@ -20046,9 +19355,9 @@
           <p:nvPr/>
         </p:nvSpPr>
         <p:spPr>
-          <a:xfrm rot="2330629">
-            <a:off x="3786437" y="4047197"/>
-            <a:ext cx="2017462" cy="574430"/>
+          <a:xfrm rot="5400000">
+            <a:off x="5417891" y="3740802"/>
+            <a:ext cx="1424529" cy="574430"/>
           </a:xfrm>
           <a:prstGeom prst="rightArrow">
             <a:avLst/>
@@ -20087,12 +19396,88 @@
           </a:p>
         </p:txBody>
       </p:sp>
+      <p:sp>
+        <p:nvSpPr>
+          <p:cNvPr id="10" name="Titre 1">
+            <a:extLst>
+              <a:ext uri="{FF2B5EF4-FFF2-40B4-BE49-F238E27FC236}">
+                <a16:creationId xmlns:a16="http://schemas.microsoft.com/office/drawing/2014/main" id="{E71CD233-A09B-7B4F-989D-F6C60BFC4643}"/>
+              </a:ext>
+            </a:extLst>
+          </p:cNvPr>
+          <p:cNvSpPr txBox="1">
+            <a:spLocks/>
+          </p:cNvSpPr>
+          <p:nvPr>
+            <p:custDataLst>
+              <p:tags r:id="rId6"/>
+            </p:custDataLst>
+          </p:nvPr>
+        </p:nvSpPr>
+        <p:spPr>
+          <a:xfrm>
+            <a:off x="7903166" y="2960681"/>
+            <a:ext cx="1769577" cy="1062625"/>
+          </a:xfrm>
+          <a:prstGeom prst="rect">
+            <a:avLst/>
+          </a:prstGeom>
+        </p:spPr>
+        <p:txBody>
+          <a:bodyPr vert="horz" lIns="91440" tIns="45720" rIns="91440" bIns="45720" rtlCol="0" anchor="t">
+            <a:noAutofit/>
+          </a:bodyPr>
+          <a:lstStyle>
+            <a:lvl1pPr algn="ctr" defTabSz="914400" rtl="0" eaLnBrk="1" latinLnBrk="0" hangingPunct="1">
+              <a:lnSpc>
+                <a:spcPct val="90000"/>
+              </a:lnSpc>
+              <a:spcBef>
+                <a:spcPct val="0"/>
+              </a:spcBef>
+              <a:buNone/>
+              <a:defRPr sz="6000" kern="1200">
+                <a:solidFill>
+                  <a:schemeClr val="tx1"/>
+                </a:solidFill>
+                <a:latin typeface="+mj-lt"/>
+                <a:ea typeface="+mj-ea"/>
+                <a:cs typeface="+mj-cs"/>
+              </a:defRPr>
+            </a:lvl1pPr>
+          </a:lstStyle>
+          <a:p>
+            <a:pPr>
+              <a:lnSpc>
+                <a:spcPct val="150000"/>
+              </a:lnSpc>
+            </a:pPr>
+            <a:r>
+              <a:rPr lang="fr-FR" sz="2000" cap="all" dirty="0">
+                <a:solidFill>
+                  <a:srgbClr val="525252"/>
+                </a:solidFill>
+                <a:latin typeface="Segoe UI Black" panose="020B0A02040204020203" pitchFamily="34" charset="0"/>
+                <a:ea typeface="Segoe UI Black" panose="020B0A02040204020203" pitchFamily="34" charset="0"/>
+              </a:rPr>
+              <a:t>VÉRACITÉ</a:t>
+            </a:r>
+            <a:endParaRPr lang="fr-FR" sz="2000" cap="all" dirty="0">
+              <a:solidFill>
+                <a:srgbClr val="621516"/>
+              </a:solidFill>
+              <a:latin typeface="Segoe UI Black" panose="020B0A02040204020203" pitchFamily="34" charset="0"/>
+              <a:ea typeface="Segoe UI Black" panose="020B0A02040204020203" pitchFamily="34" charset="0"/>
+            </a:endParaRPr>
+          </a:p>
+        </p:txBody>
+      </p:sp>
       <p:pic>
         <p:nvPicPr>
-          <p:cNvPr id="6" name="Graphique 5" descr="Planète">
-            <a:extLst>
-              <a:ext uri="{FF2B5EF4-FFF2-40B4-BE49-F238E27FC236}">
-                <a16:creationId xmlns:a16="http://schemas.microsoft.com/office/drawing/2014/main" id="{4CE9D12A-4961-D207-4336-990560E6FA9C}"/>
+          <p:cNvPr id="14" name="Graphique 13" descr="Pièces de puzzle">
+            <a:extLst>
+              <a:ext uri="{FF2B5EF4-FFF2-40B4-BE49-F238E27FC236}">
+                <a16:creationId xmlns:a16="http://schemas.microsoft.com/office/drawing/2014/main" id="{5B1860EE-F342-B8DE-38D1-1E4BCED26899}"/>
               </a:ext>
             </a:extLst>
           </p:cNvPr>
@@ -20102,13 +19487,13 @@
           <p:nvPr/>
         </p:nvPicPr>
         <p:blipFill>
-          <a:blip r:embed="rId16">
+          <a:blip r:embed="rId17">
             <a:extLst>
               <a:ext uri="{28A0092B-C50C-407E-A947-70E740481C1C}">
                 <a14:useLocalDpi xmlns:a14="http://schemas.microsoft.com/office/drawing/2010/main" val="0"/>
               </a:ext>
               <a:ext uri="{96DAC541-7B7A-43D3-8B79-37D633B846F1}">
-                <asvg:svgBlip xmlns:asvg="http://schemas.microsoft.com/office/drawing/2016/SVG/main" r:embed="rId17"/>
+                <asvg:svgBlip xmlns:asvg="http://schemas.microsoft.com/office/drawing/2016/SVG/main" r:embed="rId18"/>
               </a:ext>
             </a:extLst>
           </a:blip>
@@ -20118,8 +19503,8 @@
         </p:blipFill>
         <p:spPr>
           <a:xfrm>
-            <a:off x="4352404" y="1387885"/>
-            <a:ext cx="1885890" cy="1885890"/>
+            <a:off x="8190994" y="1733687"/>
+            <a:ext cx="1438726" cy="1438726"/>
           </a:xfrm>
           <a:prstGeom prst="rect">
             <a:avLst/>
@@ -20128,10 +19513,128 @@
       </p:pic>
       <p:sp>
         <p:nvSpPr>
-          <p:cNvPr id="3" name="Flèche : droite 2">
-            <a:extLst>
-              <a:ext uri="{FF2B5EF4-FFF2-40B4-BE49-F238E27FC236}">
-                <a16:creationId xmlns:a16="http://schemas.microsoft.com/office/drawing/2014/main" id="{DEF66C5B-9320-8D2D-C0C9-6F4BB2100E12}"/>
+          <p:cNvPr id="15" name="Titre 1">
+            <a:extLst>
+              <a:ext uri="{FF2B5EF4-FFF2-40B4-BE49-F238E27FC236}">
+                <a16:creationId xmlns:a16="http://schemas.microsoft.com/office/drawing/2014/main" id="{9C18A9F8-61D1-2DB2-F8D5-7A30BE1EF2D8}"/>
+              </a:ext>
+            </a:extLst>
+          </p:cNvPr>
+          <p:cNvSpPr txBox="1">
+            <a:spLocks/>
+          </p:cNvSpPr>
+          <p:nvPr>
+            <p:custDataLst>
+              <p:tags r:id="rId7"/>
+            </p:custDataLst>
+          </p:nvPr>
+        </p:nvSpPr>
+        <p:spPr>
+          <a:xfrm>
+            <a:off x="8260555" y="5079144"/>
+            <a:ext cx="3012831" cy="1062625"/>
+          </a:xfrm>
+          <a:prstGeom prst="rect">
+            <a:avLst/>
+          </a:prstGeom>
+        </p:spPr>
+        <p:txBody>
+          <a:bodyPr vert="horz" lIns="91440" tIns="45720" rIns="91440" bIns="45720" rtlCol="0" anchor="t">
+            <a:noAutofit/>
+          </a:bodyPr>
+          <a:lstStyle>
+            <a:lvl1pPr algn="ctr" defTabSz="914400" rtl="0" eaLnBrk="1" latinLnBrk="0" hangingPunct="1">
+              <a:lnSpc>
+                <a:spcPct val="90000"/>
+              </a:lnSpc>
+              <a:spcBef>
+                <a:spcPct val="0"/>
+              </a:spcBef>
+              <a:buNone/>
+              <a:defRPr sz="6000" kern="1200">
+                <a:solidFill>
+                  <a:schemeClr val="tx1"/>
+                </a:solidFill>
+                <a:latin typeface="+mj-lt"/>
+                <a:ea typeface="+mj-ea"/>
+                <a:cs typeface="+mj-cs"/>
+              </a:defRPr>
+            </a:lvl1pPr>
+          </a:lstStyle>
+          <a:p>
+            <a:pPr>
+              <a:lnSpc>
+                <a:spcPct val="150000"/>
+              </a:lnSpc>
+            </a:pPr>
+            <a:r>
+              <a:rPr lang="fr-FR" sz="2000" cap="all" dirty="0">
+                <a:solidFill>
+                  <a:srgbClr val="525252"/>
+                </a:solidFill>
+                <a:latin typeface="Segoe UI Black" panose="020B0A02040204020203" pitchFamily="34" charset="0"/>
+                <a:ea typeface="Segoe UI Black" panose="020B0A02040204020203" pitchFamily="34" charset="0"/>
+              </a:rPr>
+              <a:t>VALEUR</a:t>
+            </a:r>
+            <a:r>
+              <a:rPr lang="fr-FR" sz="2000" cap="all" dirty="0">
+                <a:solidFill>
+                  <a:srgbClr val="621516"/>
+                </a:solidFill>
+                <a:latin typeface="Segoe UI Black" panose="020B0A02040204020203" pitchFamily="34" charset="0"/>
+                <a:ea typeface="Segoe UI Black" panose="020B0A02040204020203" pitchFamily="34" charset="0"/>
+              </a:rPr>
+              <a:t> </a:t>
+            </a:r>
+          </a:p>
+        </p:txBody>
+      </p:sp>
+      <p:pic>
+        <p:nvPicPr>
+          <p:cNvPr id="23" name="Graphique 22" descr="Pièces">
+            <a:extLst>
+              <a:ext uri="{FF2B5EF4-FFF2-40B4-BE49-F238E27FC236}">
+                <a16:creationId xmlns:a16="http://schemas.microsoft.com/office/drawing/2014/main" id="{CC00E704-FFCF-59F6-5D2E-2F3376FE321B}"/>
+              </a:ext>
+            </a:extLst>
+          </p:cNvPr>
+          <p:cNvPicPr>
+            <a:picLocks noChangeAspect="1"/>
+          </p:cNvPicPr>
+          <p:nvPr/>
+        </p:nvPicPr>
+        <p:blipFill>
+          <a:blip r:embed="rId19">
+            <a:extLst>
+              <a:ext uri="{28A0092B-C50C-407E-A947-70E740481C1C}">
+                <a14:useLocalDpi xmlns:a14="http://schemas.microsoft.com/office/drawing/2010/main" val="0"/>
+              </a:ext>
+              <a:ext uri="{96DAC541-7B7A-43D3-8B79-37D633B846F1}">
+                <asvg:svgBlip xmlns:asvg="http://schemas.microsoft.com/office/drawing/2016/SVG/main" r:embed="rId20"/>
+              </a:ext>
+            </a:extLst>
+          </a:blip>
+          <a:stretch>
+            <a:fillRect/>
+          </a:stretch>
+        </p:blipFill>
+        <p:spPr>
+          <a:xfrm>
+            <a:off x="9171336" y="3935690"/>
+            <a:ext cx="1263148" cy="1263148"/>
+          </a:xfrm>
+          <a:prstGeom prst="rect">
+            <a:avLst/>
+          </a:prstGeom>
+        </p:spPr>
+      </p:pic>
+      <p:sp>
+        <p:nvSpPr>
+          <p:cNvPr id="13" name="Flèche : droite 12">
+            <a:extLst>
+              <a:ext uri="{FF2B5EF4-FFF2-40B4-BE49-F238E27FC236}">
+                <a16:creationId xmlns:a16="http://schemas.microsoft.com/office/drawing/2014/main" id="{4C514229-09DB-C884-1FA8-EA84530C3982}"/>
               </a:ext>
             </a:extLst>
           </p:cNvPr>
@@ -20139,9 +19642,9 @@
           <p:nvPr/>
         </p:nvSpPr>
         <p:spPr>
-          <a:xfrm rot="4135449">
-            <a:off x="5008592" y="3702683"/>
-            <a:ext cx="1424529" cy="574430"/>
+          <a:xfrm rot="10800000">
+            <a:off x="6839808" y="5076189"/>
+            <a:ext cx="2068802" cy="574430"/>
           </a:xfrm>
           <a:prstGeom prst="rightArrow">
             <a:avLst/>
@@ -20182,10 +19685,10 @@
       </p:sp>
       <p:sp>
         <p:nvSpPr>
-          <p:cNvPr id="8" name="Flèche : droite 7">
-            <a:extLst>
-              <a:ext uri="{FF2B5EF4-FFF2-40B4-BE49-F238E27FC236}">
-                <a16:creationId xmlns:a16="http://schemas.microsoft.com/office/drawing/2014/main" id="{A5157B36-476A-2256-631D-4436BA83D76C}"/>
+          <p:cNvPr id="20" name="Flèche : droite 19">
+            <a:extLst>
+              <a:ext uri="{FF2B5EF4-FFF2-40B4-BE49-F238E27FC236}">
+                <a16:creationId xmlns:a16="http://schemas.microsoft.com/office/drawing/2014/main" id="{AC8C3641-F82F-9D39-FEAF-D69B6E645AD4}"/>
               </a:ext>
             </a:extLst>
           </p:cNvPr>
@@ -20193,9 +19696,9 @@
           <p:nvPr/>
         </p:nvSpPr>
         <p:spPr>
-          <a:xfrm rot="6778135">
-            <a:off x="5953883" y="3710246"/>
-            <a:ext cx="1424529" cy="574430"/>
+          <a:xfrm rot="8128545">
+            <a:off x="6378122" y="3875391"/>
+            <a:ext cx="2017462" cy="574430"/>
           </a:xfrm>
           <a:prstGeom prst="rightArrow">
             <a:avLst/>
@@ -20234,408 +19737,6 @@
           </a:p>
         </p:txBody>
       </p:sp>
-      <p:sp>
-        <p:nvSpPr>
-          <p:cNvPr id="10" name="Titre 1">
-            <a:extLst>
-              <a:ext uri="{FF2B5EF4-FFF2-40B4-BE49-F238E27FC236}">
-                <a16:creationId xmlns:a16="http://schemas.microsoft.com/office/drawing/2014/main" id="{E71CD233-A09B-7B4F-989D-F6C60BFC4643}"/>
-              </a:ext>
-            </a:extLst>
-          </p:cNvPr>
-          <p:cNvSpPr txBox="1">
-            <a:spLocks/>
-          </p:cNvSpPr>
-          <p:nvPr>
-            <p:custDataLst>
-              <p:tags r:id="rId6"/>
-            </p:custDataLst>
-          </p:nvPr>
-        </p:nvSpPr>
-        <p:spPr>
-          <a:xfrm>
-            <a:off x="6178842" y="2768432"/>
-            <a:ext cx="1769577" cy="1062625"/>
-          </a:xfrm>
-          <a:prstGeom prst="rect">
-            <a:avLst/>
-          </a:prstGeom>
-        </p:spPr>
-        <p:txBody>
-          <a:bodyPr vert="horz" lIns="91440" tIns="45720" rIns="91440" bIns="45720" rtlCol="0" anchor="t">
-            <a:noAutofit/>
-          </a:bodyPr>
-          <a:lstStyle>
-            <a:lvl1pPr algn="ctr" defTabSz="914400" rtl="0" eaLnBrk="1" latinLnBrk="0" hangingPunct="1">
-              <a:lnSpc>
-                <a:spcPct val="90000"/>
-              </a:lnSpc>
-              <a:spcBef>
-                <a:spcPct val="0"/>
-              </a:spcBef>
-              <a:buNone/>
-              <a:defRPr sz="6000" kern="1200">
-                <a:solidFill>
-                  <a:schemeClr val="tx1"/>
-                </a:solidFill>
-                <a:latin typeface="+mj-lt"/>
-                <a:ea typeface="+mj-ea"/>
-                <a:cs typeface="+mj-cs"/>
-              </a:defRPr>
-            </a:lvl1pPr>
-          </a:lstStyle>
-          <a:p>
-            <a:pPr>
-              <a:lnSpc>
-                <a:spcPct val="150000"/>
-              </a:lnSpc>
-            </a:pPr>
-            <a:r>
-              <a:rPr lang="fr-FR" sz="2000" cap="all" dirty="0">
-                <a:solidFill>
-                  <a:srgbClr val="525252"/>
-                </a:solidFill>
-                <a:latin typeface="Segoe UI Black" panose="020B0A02040204020203" pitchFamily="34" charset="0"/>
-                <a:ea typeface="Segoe UI Black" panose="020B0A02040204020203" pitchFamily="34" charset="0"/>
-              </a:rPr>
-              <a:t>VÉRACITÉ</a:t>
-            </a:r>
-            <a:endParaRPr lang="fr-FR" sz="2000" cap="all" dirty="0">
-              <a:solidFill>
-                <a:srgbClr val="621516"/>
-              </a:solidFill>
-              <a:latin typeface="Segoe UI Black" panose="020B0A02040204020203" pitchFamily="34" charset="0"/>
-              <a:ea typeface="Segoe UI Black" panose="020B0A02040204020203" pitchFamily="34" charset="0"/>
-            </a:endParaRPr>
-          </a:p>
-        </p:txBody>
-      </p:sp>
-      <p:sp>
-        <p:nvSpPr>
-          <p:cNvPr id="11" name="Flèche : droite 10">
-            <a:extLst>
-              <a:ext uri="{FF2B5EF4-FFF2-40B4-BE49-F238E27FC236}">
-                <a16:creationId xmlns:a16="http://schemas.microsoft.com/office/drawing/2014/main" id="{A004D367-8021-CF84-7048-85DAAC1E61EC}"/>
-              </a:ext>
-            </a:extLst>
-          </p:cNvPr>
-          <p:cNvSpPr/>
-          <p:nvPr/>
-        </p:nvSpPr>
-        <p:spPr>
-          <a:xfrm rot="8718199">
-            <a:off x="6552141" y="4072762"/>
-            <a:ext cx="2017462" cy="574430"/>
-          </a:xfrm>
-          <a:prstGeom prst="rightArrow">
-            <a:avLst/>
-          </a:prstGeom>
-          <a:solidFill>
-            <a:srgbClr val="FFC000"/>
-          </a:solidFill>
-          <a:ln>
-            <a:solidFill>
-              <a:srgbClr val="FFC000"/>
-            </a:solidFill>
-          </a:ln>
-        </p:spPr>
-        <p:style>
-          <a:lnRef idx="2">
-            <a:schemeClr val="accent1">
-              <a:shade val="50000"/>
-            </a:schemeClr>
-          </a:lnRef>
-          <a:fillRef idx="1">
-            <a:schemeClr val="accent1"/>
-          </a:fillRef>
-          <a:effectRef idx="0">
-            <a:schemeClr val="accent1"/>
-          </a:effectRef>
-          <a:fontRef idx="minor">
-            <a:schemeClr val="lt1"/>
-          </a:fontRef>
-        </p:style>
-        <p:txBody>
-          <a:bodyPr rtlCol="0" anchor="ctr"/>
-          <a:lstStyle/>
-          <a:p>
-            <a:pPr algn="ctr"/>
-            <a:endParaRPr lang="fr-FR"/>
-          </a:p>
-        </p:txBody>
-      </p:sp>
-      <p:pic>
-        <p:nvPicPr>
-          <p:cNvPr id="14" name="Graphique 13" descr="Pièces de puzzle">
-            <a:extLst>
-              <a:ext uri="{FF2B5EF4-FFF2-40B4-BE49-F238E27FC236}">
-                <a16:creationId xmlns:a16="http://schemas.microsoft.com/office/drawing/2014/main" id="{5B1860EE-F342-B8DE-38D1-1E4BCED26899}"/>
-              </a:ext>
-            </a:extLst>
-          </p:cNvPr>
-          <p:cNvPicPr>
-            <a:picLocks noChangeAspect="1"/>
-          </p:cNvPicPr>
-          <p:nvPr/>
-        </p:nvPicPr>
-        <p:blipFill>
-          <a:blip r:embed="rId18">
-            <a:extLst>
-              <a:ext uri="{28A0092B-C50C-407E-A947-70E740481C1C}">
-                <a14:useLocalDpi xmlns:a14="http://schemas.microsoft.com/office/drawing/2010/main" val="0"/>
-              </a:ext>
-              <a:ext uri="{96DAC541-7B7A-43D3-8B79-37D633B846F1}">
-                <asvg:svgBlip xmlns:asvg="http://schemas.microsoft.com/office/drawing/2016/SVG/main" r:embed="rId19"/>
-              </a:ext>
-            </a:extLst>
-          </a:blip>
-          <a:stretch>
-            <a:fillRect/>
-          </a:stretch>
-        </p:blipFill>
-        <p:spPr>
-          <a:xfrm>
-            <a:off x="6489177" y="1589227"/>
-            <a:ext cx="1438726" cy="1438726"/>
-          </a:xfrm>
-          <a:prstGeom prst="rect">
-            <a:avLst/>
-          </a:prstGeom>
-        </p:spPr>
-      </p:pic>
-      <p:sp>
-        <p:nvSpPr>
-          <p:cNvPr id="15" name="Titre 1">
-            <a:extLst>
-              <a:ext uri="{FF2B5EF4-FFF2-40B4-BE49-F238E27FC236}">
-                <a16:creationId xmlns:a16="http://schemas.microsoft.com/office/drawing/2014/main" id="{9C18A9F8-61D1-2DB2-F8D5-7A30BE1EF2D8}"/>
-              </a:ext>
-            </a:extLst>
-          </p:cNvPr>
-          <p:cNvSpPr txBox="1">
-            <a:spLocks/>
-          </p:cNvSpPr>
-          <p:nvPr>
-            <p:custDataLst>
-              <p:tags r:id="rId7"/>
-            </p:custDataLst>
-          </p:nvPr>
-        </p:nvSpPr>
-        <p:spPr>
-          <a:xfrm>
-            <a:off x="7424124" y="3202671"/>
-            <a:ext cx="3012831" cy="1062625"/>
-          </a:xfrm>
-          <a:prstGeom prst="rect">
-            <a:avLst/>
-          </a:prstGeom>
-        </p:spPr>
-        <p:txBody>
-          <a:bodyPr vert="horz" lIns="91440" tIns="45720" rIns="91440" bIns="45720" rtlCol="0" anchor="t">
-            <a:noAutofit/>
-          </a:bodyPr>
-          <a:lstStyle>
-            <a:lvl1pPr algn="ctr" defTabSz="914400" rtl="0" eaLnBrk="1" latinLnBrk="0" hangingPunct="1">
-              <a:lnSpc>
-                <a:spcPct val="90000"/>
-              </a:lnSpc>
-              <a:spcBef>
-                <a:spcPct val="0"/>
-              </a:spcBef>
-              <a:buNone/>
-              <a:defRPr sz="6000" kern="1200">
-                <a:solidFill>
-                  <a:schemeClr val="tx1"/>
-                </a:solidFill>
-                <a:latin typeface="+mj-lt"/>
-                <a:ea typeface="+mj-ea"/>
-                <a:cs typeface="+mj-cs"/>
-              </a:defRPr>
-            </a:lvl1pPr>
-          </a:lstStyle>
-          <a:p>
-            <a:pPr>
-              <a:lnSpc>
-                <a:spcPct val="150000"/>
-              </a:lnSpc>
-            </a:pPr>
-            <a:r>
-              <a:rPr lang="fr-FR" sz="2000" cap="all" dirty="0">
-                <a:solidFill>
-                  <a:srgbClr val="525252"/>
-                </a:solidFill>
-                <a:latin typeface="Segoe UI Black" panose="020B0A02040204020203" pitchFamily="34" charset="0"/>
-                <a:ea typeface="Segoe UI Black" panose="020B0A02040204020203" pitchFamily="34" charset="0"/>
-              </a:rPr>
-              <a:t>VALEUR</a:t>
-            </a:r>
-            <a:r>
-              <a:rPr lang="fr-FR" sz="2000" cap="all" dirty="0">
-                <a:solidFill>
-                  <a:srgbClr val="621516"/>
-                </a:solidFill>
-                <a:latin typeface="Segoe UI Black" panose="020B0A02040204020203" pitchFamily="34" charset="0"/>
-                <a:ea typeface="Segoe UI Black" panose="020B0A02040204020203" pitchFamily="34" charset="0"/>
-              </a:rPr>
-              <a:t> </a:t>
-            </a:r>
-          </a:p>
-        </p:txBody>
-      </p:sp>
-      <p:sp>
-        <p:nvSpPr>
-          <p:cNvPr id="17" name="Titre 1">
-            <a:extLst>
-              <a:ext uri="{FF2B5EF4-FFF2-40B4-BE49-F238E27FC236}">
-                <a16:creationId xmlns:a16="http://schemas.microsoft.com/office/drawing/2014/main" id="{F09F737C-EDB4-7C51-77F9-50198E6F7287}"/>
-              </a:ext>
-            </a:extLst>
-          </p:cNvPr>
-          <p:cNvSpPr txBox="1">
-            <a:spLocks/>
-          </p:cNvSpPr>
-          <p:nvPr>
-            <p:custDataLst>
-              <p:tags r:id="rId8"/>
-            </p:custDataLst>
-          </p:nvPr>
-        </p:nvSpPr>
-        <p:spPr>
-          <a:xfrm>
-            <a:off x="8298966" y="5076189"/>
-            <a:ext cx="3012831" cy="1062625"/>
-          </a:xfrm>
-          <a:prstGeom prst="rect">
-            <a:avLst/>
-          </a:prstGeom>
-        </p:spPr>
-        <p:txBody>
-          <a:bodyPr vert="horz" lIns="91440" tIns="45720" rIns="91440" bIns="45720" rtlCol="0" anchor="t">
-            <a:noAutofit/>
-          </a:bodyPr>
-          <a:lstStyle>
-            <a:lvl1pPr algn="ctr" defTabSz="914400" rtl="0" eaLnBrk="1" latinLnBrk="0" hangingPunct="1">
-              <a:lnSpc>
-                <a:spcPct val="90000"/>
-              </a:lnSpc>
-              <a:spcBef>
-                <a:spcPct val="0"/>
-              </a:spcBef>
-              <a:buNone/>
-              <a:defRPr sz="6000" kern="1200">
-                <a:solidFill>
-                  <a:schemeClr val="tx1"/>
-                </a:solidFill>
-                <a:latin typeface="+mj-lt"/>
-                <a:ea typeface="+mj-ea"/>
-                <a:cs typeface="+mj-cs"/>
-              </a:defRPr>
-            </a:lvl1pPr>
-          </a:lstStyle>
-          <a:p>
-            <a:pPr>
-              <a:lnSpc>
-                <a:spcPct val="150000"/>
-              </a:lnSpc>
-            </a:pPr>
-            <a:r>
-              <a:rPr lang="fr-FR" sz="2000" cap="all" dirty="0">
-                <a:solidFill>
-                  <a:srgbClr val="525252"/>
-                </a:solidFill>
-                <a:latin typeface="Segoe UI Black" panose="020B0A02040204020203" pitchFamily="34" charset="0"/>
-                <a:ea typeface="Segoe UI Black" panose="020B0A02040204020203" pitchFamily="34" charset="0"/>
-              </a:rPr>
-              <a:t>VARIABILITÉ</a:t>
-            </a:r>
-            <a:endParaRPr lang="fr-FR" sz="2000" cap="all" dirty="0">
-              <a:solidFill>
-                <a:srgbClr val="621516"/>
-              </a:solidFill>
-              <a:latin typeface="Segoe UI Black" panose="020B0A02040204020203" pitchFamily="34" charset="0"/>
-              <a:ea typeface="Segoe UI Black" panose="020B0A02040204020203" pitchFamily="34" charset="0"/>
-            </a:endParaRPr>
-          </a:p>
-        </p:txBody>
-      </p:sp>
-      <p:pic>
-        <p:nvPicPr>
-          <p:cNvPr id="23" name="Graphique 22" descr="Pièces">
-            <a:extLst>
-              <a:ext uri="{FF2B5EF4-FFF2-40B4-BE49-F238E27FC236}">
-                <a16:creationId xmlns:a16="http://schemas.microsoft.com/office/drawing/2014/main" id="{CC00E704-FFCF-59F6-5D2E-2F3376FE321B}"/>
-              </a:ext>
-            </a:extLst>
-          </p:cNvPr>
-          <p:cNvPicPr>
-            <a:picLocks noChangeAspect="1"/>
-          </p:cNvPicPr>
-          <p:nvPr/>
-        </p:nvPicPr>
-        <p:blipFill>
-          <a:blip r:embed="rId20">
-            <a:extLst>
-              <a:ext uri="{28A0092B-C50C-407E-A947-70E740481C1C}">
-                <a14:useLocalDpi xmlns:a14="http://schemas.microsoft.com/office/drawing/2010/main" val="0"/>
-              </a:ext>
-              <a:ext uri="{96DAC541-7B7A-43D3-8B79-37D633B846F1}">
-                <asvg:svgBlip xmlns:asvg="http://schemas.microsoft.com/office/drawing/2016/SVG/main" r:embed="rId21"/>
-              </a:ext>
-            </a:extLst>
-          </a:blip>
-          <a:stretch>
-            <a:fillRect/>
-          </a:stretch>
-        </p:blipFill>
-        <p:spPr>
-          <a:xfrm>
-            <a:off x="8298966" y="2084852"/>
-            <a:ext cx="1263148" cy="1263148"/>
-          </a:xfrm>
-          <a:prstGeom prst="rect">
-            <a:avLst/>
-          </a:prstGeom>
-        </p:spPr>
-      </p:pic>
-      <p:pic>
-        <p:nvPicPr>
-          <p:cNvPr id="25" name="Graphique 24" descr="Statistiques">
-            <a:extLst>
-              <a:ext uri="{FF2B5EF4-FFF2-40B4-BE49-F238E27FC236}">
-                <a16:creationId xmlns:a16="http://schemas.microsoft.com/office/drawing/2014/main" id="{0C0A7698-0E40-968D-5B2E-100B494A082E}"/>
-              </a:ext>
-            </a:extLst>
-          </p:cNvPr>
-          <p:cNvPicPr>
-            <a:picLocks noChangeAspect="1"/>
-          </p:cNvPicPr>
-          <p:nvPr/>
-        </p:nvPicPr>
-        <p:blipFill>
-          <a:blip r:embed="rId22">
-            <a:extLst>
-              <a:ext uri="{28A0092B-C50C-407E-A947-70E740481C1C}">
-                <a14:useLocalDpi xmlns:a14="http://schemas.microsoft.com/office/drawing/2010/main" val="0"/>
-              </a:ext>
-              <a:ext uri="{96DAC541-7B7A-43D3-8B79-37D633B846F1}">
-                <asvg:svgBlip xmlns:asvg="http://schemas.microsoft.com/office/drawing/2016/SVG/main" r:embed="rId23"/>
-              </a:ext>
-            </a:extLst>
-          </a:blip>
-          <a:stretch>
-            <a:fillRect/>
-          </a:stretch>
-        </p:blipFill>
-        <p:spPr>
-          <a:xfrm>
-            <a:off x="9138036" y="3923294"/>
-            <a:ext cx="1349857" cy="1349857"/>
-          </a:xfrm>
-          <a:prstGeom prst="rect">
-            <a:avLst/>
-          </a:prstGeom>
-        </p:spPr>
-      </p:pic>
     </p:spTree>
     <p:extLst>
       <p:ext uri="{BB962C8B-B14F-4D97-AF65-F5344CB8AC3E}">
@@ -20658,54 +19759,6 @@
 <file path=ppt/tags/tag10.xml><?xml version="1.0" encoding="utf-8"?>
 <p:tagLst xmlns:a="http://schemas.openxmlformats.org/drawingml/2006/main" xmlns:r="http://schemas.openxmlformats.org/officeDocument/2006/relationships" xmlns:p="http://schemas.openxmlformats.org/presentationml/2006/main">
   <p:tag name="NUM" val="2"/>
-</p:tagLst>
-</file>
-
-<file path=ppt/tags/tag100.xml><?xml version="1.0" encoding="utf-8"?>
-<p:tagLst xmlns:a="http://schemas.openxmlformats.org/drawingml/2006/main" xmlns:r="http://schemas.openxmlformats.org/officeDocument/2006/relationships" xmlns:p="http://schemas.openxmlformats.org/presentationml/2006/main">
-  <p:tag name="NUM" val="5"/>
-</p:tagLst>
-</file>
-
-<file path=ppt/tags/tag101.xml><?xml version="1.0" encoding="utf-8"?>
-<p:tagLst xmlns:a="http://schemas.openxmlformats.org/drawingml/2006/main" xmlns:r="http://schemas.openxmlformats.org/officeDocument/2006/relationships" xmlns:p="http://schemas.openxmlformats.org/presentationml/2006/main">
-  <p:tag name="NUM" val="6"/>
-</p:tagLst>
-</file>
-
-<file path=ppt/tags/tag102.xml><?xml version="1.0" encoding="utf-8"?>
-<p:tagLst xmlns:a="http://schemas.openxmlformats.org/drawingml/2006/main" xmlns:r="http://schemas.openxmlformats.org/officeDocument/2006/relationships" xmlns:p="http://schemas.openxmlformats.org/presentationml/2006/main">
-  <p:tag name="NUM" val="5"/>
-</p:tagLst>
-</file>
-
-<file path=ppt/tags/tag103.xml><?xml version="1.0" encoding="utf-8"?>
-<p:tagLst xmlns:a="http://schemas.openxmlformats.org/drawingml/2006/main" xmlns:r="http://schemas.openxmlformats.org/officeDocument/2006/relationships" xmlns:p="http://schemas.openxmlformats.org/presentationml/2006/main">
-  <p:tag name="NUM" val="5"/>
-</p:tagLst>
-</file>
-
-<file path=ppt/tags/tag104.xml><?xml version="1.0" encoding="utf-8"?>
-<p:tagLst xmlns:a="http://schemas.openxmlformats.org/drawingml/2006/main" xmlns:r="http://schemas.openxmlformats.org/officeDocument/2006/relationships" xmlns:p="http://schemas.openxmlformats.org/presentationml/2006/main">
-  <p:tag name="NUM" val="6"/>
-</p:tagLst>
-</file>
-
-<file path=ppt/tags/tag105.xml><?xml version="1.0" encoding="utf-8"?>
-<p:tagLst xmlns:a="http://schemas.openxmlformats.org/drawingml/2006/main" xmlns:r="http://schemas.openxmlformats.org/officeDocument/2006/relationships" xmlns:p="http://schemas.openxmlformats.org/presentationml/2006/main">
-  <p:tag name="NUM" val="6"/>
-</p:tagLst>
-</file>
-
-<file path=ppt/tags/tag106.xml><?xml version="1.0" encoding="utf-8"?>
-<p:tagLst xmlns:a="http://schemas.openxmlformats.org/drawingml/2006/main" xmlns:r="http://schemas.openxmlformats.org/officeDocument/2006/relationships" xmlns:p="http://schemas.openxmlformats.org/presentationml/2006/main">
-  <p:tag name="NUM" val="2"/>
-</p:tagLst>
-</file>
-
-<file path=ppt/tags/tag107.xml><?xml version="1.0" encoding="utf-8"?>
-<p:tagLst xmlns:a="http://schemas.openxmlformats.org/drawingml/2006/main" xmlns:r="http://schemas.openxmlformats.org/officeDocument/2006/relationships" xmlns:p="http://schemas.openxmlformats.org/presentationml/2006/main">
-  <p:tag name="NUM" val="1"/>
 </p:tagLst>
 </file>
 
@@ -20807,13 +19860,13 @@
 
 <file path=ppt/tags/tag26.xml><?xml version="1.0" encoding="utf-8"?>
 <p:tagLst xmlns:a="http://schemas.openxmlformats.org/drawingml/2006/main" xmlns:r="http://schemas.openxmlformats.org/officeDocument/2006/relationships" xmlns:p="http://schemas.openxmlformats.org/presentationml/2006/main">
-  <p:tag name="NUM" val="2"/>
+  <p:tag name="NUM" val="1"/>
 </p:tagLst>
 </file>
 
 <file path=ppt/tags/tag27.xml><?xml version="1.0" encoding="utf-8"?>
 <p:tagLst xmlns:a="http://schemas.openxmlformats.org/drawingml/2006/main" xmlns:r="http://schemas.openxmlformats.org/officeDocument/2006/relationships" xmlns:p="http://schemas.openxmlformats.org/presentationml/2006/main">
-  <p:tag name="NUM" val="1"/>
+  <p:tag name="NUM" val="2"/>
 </p:tagLst>
 </file>
 
@@ -20837,13 +19890,13 @@
 
 <file path=ppt/tags/tag30.xml><?xml version="1.0" encoding="utf-8"?>
 <p:tagLst xmlns:a="http://schemas.openxmlformats.org/drawingml/2006/main" xmlns:r="http://schemas.openxmlformats.org/officeDocument/2006/relationships" xmlns:p="http://schemas.openxmlformats.org/presentationml/2006/main">
-  <p:tag name="NUM" val="2"/>
+  <p:tag name="NUM" val="1"/>
 </p:tagLst>
 </file>
 
 <file path=ppt/tags/tag31.xml><?xml version="1.0" encoding="utf-8"?>
 <p:tagLst xmlns:a="http://schemas.openxmlformats.org/drawingml/2006/main" xmlns:r="http://schemas.openxmlformats.org/officeDocument/2006/relationships" xmlns:p="http://schemas.openxmlformats.org/presentationml/2006/main">
-  <p:tag name="NUM" val="1"/>
+  <p:tag name="NUM" val="2"/>
 </p:tagLst>
 </file>
 
@@ -20903,7 +19956,7 @@
 
 <file path=ppt/tags/tag40.xml><?xml version="1.0" encoding="utf-8"?>
 <p:tagLst xmlns:a="http://schemas.openxmlformats.org/drawingml/2006/main" xmlns:r="http://schemas.openxmlformats.org/officeDocument/2006/relationships" xmlns:p="http://schemas.openxmlformats.org/presentationml/2006/main">
-  <p:tag name="NUM" val="2"/>
+  <p:tag name="NUM" val="1"/>
 </p:tagLst>
 </file>
 
@@ -20915,13 +19968,13 @@
 
 <file path=ppt/tags/tag42.xml><?xml version="1.0" encoding="utf-8"?>
 <p:tagLst xmlns:a="http://schemas.openxmlformats.org/drawingml/2006/main" xmlns:r="http://schemas.openxmlformats.org/officeDocument/2006/relationships" xmlns:p="http://schemas.openxmlformats.org/presentationml/2006/main">
-  <p:tag name="NUM" val="1"/>
+  <p:tag name="NUM" val="2"/>
 </p:tagLst>
 </file>
 
 <file path=ppt/tags/tag43.xml><?xml version="1.0" encoding="utf-8"?>
 <p:tagLst xmlns:a="http://schemas.openxmlformats.org/drawingml/2006/main" xmlns:r="http://schemas.openxmlformats.org/officeDocument/2006/relationships" xmlns:p="http://schemas.openxmlformats.org/presentationml/2006/main">
-  <p:tag name="NUM" val="2"/>
+  <p:tag name="NUM" val="1"/>
 </p:tagLst>
 </file>
 
@@ -20933,13 +19986,13 @@
 
 <file path=ppt/tags/tag45.xml><?xml version="1.0" encoding="utf-8"?>
 <p:tagLst xmlns:a="http://schemas.openxmlformats.org/drawingml/2006/main" xmlns:r="http://schemas.openxmlformats.org/officeDocument/2006/relationships" xmlns:p="http://schemas.openxmlformats.org/presentationml/2006/main">
-  <p:tag name="NUM" val="1"/>
+  <p:tag name="NUM" val="2"/>
 </p:tagLst>
 </file>
 
 <file path=ppt/tags/tag46.xml><?xml version="1.0" encoding="utf-8"?>
 <p:tagLst xmlns:a="http://schemas.openxmlformats.org/drawingml/2006/main" xmlns:r="http://schemas.openxmlformats.org/officeDocument/2006/relationships" xmlns:p="http://schemas.openxmlformats.org/presentationml/2006/main">
-  <p:tag name="NUM" val="2"/>
+  <p:tag name="NUM" val="1"/>
 </p:tagLst>
 </file>
 
@@ -20951,7 +20004,7 @@
 
 <file path=ppt/tags/tag48.xml><?xml version="1.0" encoding="utf-8"?>
 <p:tagLst xmlns:a="http://schemas.openxmlformats.org/drawingml/2006/main" xmlns:r="http://schemas.openxmlformats.org/officeDocument/2006/relationships" xmlns:p="http://schemas.openxmlformats.org/presentationml/2006/main">
-  <p:tag name="NUM" val="1"/>
+  <p:tag name="NUM" val="2"/>
 </p:tagLst>
 </file>
 
@@ -20975,13 +20028,13 @@
 
 <file path=ppt/tags/tag51.xml><?xml version="1.0" encoding="utf-8"?>
 <p:tagLst xmlns:a="http://schemas.openxmlformats.org/drawingml/2006/main" xmlns:r="http://schemas.openxmlformats.org/officeDocument/2006/relationships" xmlns:p="http://schemas.openxmlformats.org/presentationml/2006/main">
-  <p:tag name="NUM" val="2"/>
+  <p:tag name="NUM" val="1"/>
 </p:tagLst>
 </file>
 
 <file path=ppt/tags/tag52.xml><?xml version="1.0" encoding="utf-8"?>
 <p:tagLst xmlns:a="http://schemas.openxmlformats.org/drawingml/2006/main" xmlns:r="http://schemas.openxmlformats.org/officeDocument/2006/relationships" xmlns:p="http://schemas.openxmlformats.org/presentationml/2006/main">
-  <p:tag name="NUM" val="1"/>
+  <p:tag name="NUM" val="2"/>
 </p:tagLst>
 </file>
 
@@ -21023,7 +20076,7 @@
 
 <file path=ppt/tags/tag59.xml><?xml version="1.0" encoding="utf-8"?>
 <p:tagLst xmlns:a="http://schemas.openxmlformats.org/drawingml/2006/main" xmlns:r="http://schemas.openxmlformats.org/officeDocument/2006/relationships" xmlns:p="http://schemas.openxmlformats.org/presentationml/2006/main">
-  <p:tag name="NUM" val="2"/>
+  <p:tag name="NUM" val="1"/>
 </p:tagLst>
 </file>
 
@@ -21041,31 +20094,31 @@
 
 <file path=ppt/tags/tag61.xml><?xml version="1.0" encoding="utf-8"?>
 <p:tagLst xmlns:a="http://schemas.openxmlformats.org/drawingml/2006/main" xmlns:r="http://schemas.openxmlformats.org/officeDocument/2006/relationships" xmlns:p="http://schemas.openxmlformats.org/presentationml/2006/main">
-  <p:tag name="NUM" val="1"/>
+  <p:tag name="NUM" val="2"/>
 </p:tagLst>
 </file>
 
 <file path=ppt/tags/tag62.xml><?xml version="1.0" encoding="utf-8"?>
 <p:tagLst xmlns:a="http://schemas.openxmlformats.org/drawingml/2006/main" xmlns:r="http://schemas.openxmlformats.org/officeDocument/2006/relationships" xmlns:p="http://schemas.openxmlformats.org/presentationml/2006/main">
-  <p:tag name="NUM" val="2"/>
+  <p:tag name="NUM" val="1"/>
 </p:tagLst>
 </file>
 
 <file path=ppt/tags/tag63.xml><?xml version="1.0" encoding="utf-8"?>
 <p:tagLst xmlns:a="http://schemas.openxmlformats.org/drawingml/2006/main" xmlns:r="http://schemas.openxmlformats.org/officeDocument/2006/relationships" xmlns:p="http://schemas.openxmlformats.org/presentationml/2006/main">
-  <p:tag name="NUM" val="1"/>
+  <p:tag name="NUM" val="2"/>
 </p:tagLst>
 </file>
 
 <file path=ppt/tags/tag64.xml><?xml version="1.0" encoding="utf-8"?>
 <p:tagLst xmlns:a="http://schemas.openxmlformats.org/drawingml/2006/main" xmlns:r="http://schemas.openxmlformats.org/officeDocument/2006/relationships" xmlns:p="http://schemas.openxmlformats.org/presentationml/2006/main">
-  <p:tag name="NUM" val="2"/>
+  <p:tag name="NUM" val="1"/>
 </p:tagLst>
 </file>
 
 <file path=ppt/tags/tag65.xml><?xml version="1.0" encoding="utf-8"?>
 <p:tagLst xmlns:a="http://schemas.openxmlformats.org/drawingml/2006/main" xmlns:r="http://schemas.openxmlformats.org/officeDocument/2006/relationships" xmlns:p="http://schemas.openxmlformats.org/presentationml/2006/main">
-  <p:tag name="NUM" val="1"/>
+  <p:tag name="NUM" val="2"/>
 </p:tagLst>
 </file>
 
@@ -21101,13 +20154,13 @@
 
 <file path=ppt/tags/tag70.xml><?xml version="1.0" encoding="utf-8"?>
 <p:tagLst xmlns:a="http://schemas.openxmlformats.org/drawingml/2006/main" xmlns:r="http://schemas.openxmlformats.org/officeDocument/2006/relationships" xmlns:p="http://schemas.openxmlformats.org/presentationml/2006/main">
-  <p:tag name="NUM" val="2"/>
+  <p:tag name="NUM" val="1"/>
 </p:tagLst>
 </file>
 
 <file path=ppt/tags/tag71.xml><?xml version="1.0" encoding="utf-8"?>
 <p:tagLst xmlns:a="http://schemas.openxmlformats.org/drawingml/2006/main" xmlns:r="http://schemas.openxmlformats.org/officeDocument/2006/relationships" xmlns:p="http://schemas.openxmlformats.org/presentationml/2006/main">
-  <p:tag name="NUM" val="1"/>
+  <p:tag name="NUM" val="2"/>
 </p:tagLst>
 </file>
 
@@ -21131,31 +20184,31 @@
 
 <file path=ppt/tags/tag75.xml><?xml version="1.0" encoding="utf-8"?>
 <p:tagLst xmlns:a="http://schemas.openxmlformats.org/drawingml/2006/main" xmlns:r="http://schemas.openxmlformats.org/officeDocument/2006/relationships" xmlns:p="http://schemas.openxmlformats.org/presentationml/2006/main">
-  <p:tag name="NUM" val="4"/>
+  <p:tag name="NUM" val="2"/>
 </p:tagLst>
 </file>
 
 <file path=ppt/tags/tag76.xml><?xml version="1.0" encoding="utf-8"?>
 <p:tagLst xmlns:a="http://schemas.openxmlformats.org/drawingml/2006/main" xmlns:r="http://schemas.openxmlformats.org/officeDocument/2006/relationships" xmlns:p="http://schemas.openxmlformats.org/presentationml/2006/main">
-  <p:tag name="NUM" val="1"/>
+  <p:tag name="NUM" val="2"/>
 </p:tagLst>
 </file>
 
 <file path=ppt/tags/tag77.xml><?xml version="1.0" encoding="utf-8"?>
 <p:tagLst xmlns:a="http://schemas.openxmlformats.org/drawingml/2006/main" xmlns:r="http://schemas.openxmlformats.org/officeDocument/2006/relationships" xmlns:p="http://schemas.openxmlformats.org/presentationml/2006/main">
-  <p:tag name="NUM" val="2"/>
+  <p:tag name="NUM" val="1"/>
 </p:tagLst>
 </file>
 
 <file path=ppt/tags/tag78.xml><?xml version="1.0" encoding="utf-8"?>
 <p:tagLst xmlns:a="http://schemas.openxmlformats.org/drawingml/2006/main" xmlns:r="http://schemas.openxmlformats.org/officeDocument/2006/relationships" xmlns:p="http://schemas.openxmlformats.org/presentationml/2006/main">
-  <p:tag name="NUM" val="1"/>
+  <p:tag name="NUM" val="2"/>
 </p:tagLst>
 </file>
 
 <file path=ppt/tags/tag79.xml><?xml version="1.0" encoding="utf-8"?>
 <p:tagLst xmlns:a="http://schemas.openxmlformats.org/drawingml/2006/main" xmlns:r="http://schemas.openxmlformats.org/officeDocument/2006/relationships" xmlns:p="http://schemas.openxmlformats.org/presentationml/2006/main">
-  <p:tag name="NUM" val="4"/>
+  <p:tag name="NUM" val="2"/>
 </p:tagLst>
 </file>
 
@@ -21173,19 +20226,19 @@
 
 <file path=ppt/tags/tag81.xml><?xml version="1.0" encoding="utf-8"?>
 <p:tagLst xmlns:a="http://schemas.openxmlformats.org/drawingml/2006/main" xmlns:r="http://schemas.openxmlformats.org/officeDocument/2006/relationships" xmlns:p="http://schemas.openxmlformats.org/presentationml/2006/main">
-  <p:tag name="NUM" val="1"/>
+  <p:tag name="NUM" val="2"/>
 </p:tagLst>
 </file>
 
 <file path=ppt/tags/tag82.xml><?xml version="1.0" encoding="utf-8"?>
 <p:tagLst xmlns:a="http://schemas.openxmlformats.org/drawingml/2006/main" xmlns:r="http://schemas.openxmlformats.org/officeDocument/2006/relationships" xmlns:p="http://schemas.openxmlformats.org/presentationml/2006/main">
-  <p:tag name="NUM" val="2"/>
+  <p:tag name="NUM" val="1"/>
 </p:tagLst>
 </file>
 
 <file path=ppt/tags/tag83.xml><?xml version="1.0" encoding="utf-8"?>
 <p:tagLst xmlns:a="http://schemas.openxmlformats.org/drawingml/2006/main" xmlns:r="http://schemas.openxmlformats.org/officeDocument/2006/relationships" xmlns:p="http://schemas.openxmlformats.org/presentationml/2006/main">
-  <p:tag name="NUM" val="1"/>
+  <p:tag name="NUM" val="2"/>
 </p:tagLst>
 </file>
 
@@ -21203,7 +20256,7 @@
 
 <file path=ppt/tags/tag86.xml><?xml version="1.0" encoding="utf-8"?>
 <p:tagLst xmlns:a="http://schemas.openxmlformats.org/drawingml/2006/main" xmlns:r="http://schemas.openxmlformats.org/officeDocument/2006/relationships" xmlns:p="http://schemas.openxmlformats.org/presentationml/2006/main">
-  <p:tag name="NUM" val="1"/>
+  <p:tag name="NUM" val="2"/>
 </p:tagLst>
 </file>
 
@@ -21215,13 +20268,13 @@
 
 <file path=ppt/tags/tag88.xml><?xml version="1.0" encoding="utf-8"?>
 <p:tagLst xmlns:a="http://schemas.openxmlformats.org/drawingml/2006/main" xmlns:r="http://schemas.openxmlformats.org/officeDocument/2006/relationships" xmlns:p="http://schemas.openxmlformats.org/presentationml/2006/main">
-  <p:tag name="NUM" val="2"/>
+  <p:tag name="NUM" val="1"/>
 </p:tagLst>
 </file>
 
 <file path=ppt/tags/tag89.xml><?xml version="1.0" encoding="utf-8"?>
 <p:tagLst xmlns:a="http://schemas.openxmlformats.org/drawingml/2006/main" xmlns:r="http://schemas.openxmlformats.org/officeDocument/2006/relationships" xmlns:p="http://schemas.openxmlformats.org/presentationml/2006/main">
-  <p:tag name="NUM" val="2"/>
+  <p:tag name="NUM" val="5"/>
 </p:tagLst>
 </file>
 
@@ -21233,61 +20286,55 @@
 
 <file path=ppt/tags/tag90.xml><?xml version="1.0" encoding="utf-8"?>
 <p:tagLst xmlns:a="http://schemas.openxmlformats.org/drawingml/2006/main" xmlns:r="http://schemas.openxmlformats.org/officeDocument/2006/relationships" xmlns:p="http://schemas.openxmlformats.org/presentationml/2006/main">
-  <p:tag name="NUM" val="2"/>
+  <p:tag name="NUM" val="6"/>
 </p:tagLst>
 </file>
 
 <file path=ppt/tags/tag91.xml><?xml version="1.0" encoding="utf-8"?>
 <p:tagLst xmlns:a="http://schemas.openxmlformats.org/drawingml/2006/main" xmlns:r="http://schemas.openxmlformats.org/officeDocument/2006/relationships" xmlns:p="http://schemas.openxmlformats.org/presentationml/2006/main">
-  <p:tag name="NUM" val="1"/>
+  <p:tag name="NUM" val="5"/>
 </p:tagLst>
 </file>
 
 <file path=ppt/tags/tag92.xml><?xml version="1.0" encoding="utf-8"?>
 <p:tagLst xmlns:a="http://schemas.openxmlformats.org/drawingml/2006/main" xmlns:r="http://schemas.openxmlformats.org/officeDocument/2006/relationships" xmlns:p="http://schemas.openxmlformats.org/presentationml/2006/main">
-  <p:tag name="NUM" val="2"/>
+  <p:tag name="NUM" val="6"/>
 </p:tagLst>
 </file>
 
 <file path=ppt/tags/tag93.xml><?xml version="1.0" encoding="utf-8"?>
 <p:tagLst xmlns:a="http://schemas.openxmlformats.org/drawingml/2006/main" xmlns:r="http://schemas.openxmlformats.org/officeDocument/2006/relationships" xmlns:p="http://schemas.openxmlformats.org/presentationml/2006/main">
-  <p:tag name="NUM" val="2"/>
+  <p:tag name="NUM" val="5"/>
 </p:tagLst>
 </file>
 
 <file path=ppt/tags/tag94.xml><?xml version="1.0" encoding="utf-8"?>
 <p:tagLst xmlns:a="http://schemas.openxmlformats.org/drawingml/2006/main" xmlns:r="http://schemas.openxmlformats.org/officeDocument/2006/relationships" xmlns:p="http://schemas.openxmlformats.org/presentationml/2006/main">
-  <p:tag name="NUM" val="2"/>
+  <p:tag name="NUM" val="5"/>
 </p:tagLst>
 </file>
 
 <file path=ppt/tags/tag95.xml><?xml version="1.0" encoding="utf-8"?>
 <p:tagLst xmlns:a="http://schemas.openxmlformats.org/drawingml/2006/main" xmlns:r="http://schemas.openxmlformats.org/officeDocument/2006/relationships" xmlns:p="http://schemas.openxmlformats.org/presentationml/2006/main">
-  <p:tag name="NUM" val="2"/>
+  <p:tag name="NUM" val="6"/>
 </p:tagLst>
 </file>
 
 <file path=ppt/tags/tag96.xml><?xml version="1.0" encoding="utf-8"?>
 <p:tagLst xmlns:a="http://schemas.openxmlformats.org/drawingml/2006/main" xmlns:r="http://schemas.openxmlformats.org/officeDocument/2006/relationships" xmlns:p="http://schemas.openxmlformats.org/presentationml/2006/main">
-  <p:tag name="NUM" val="2"/>
+  <p:tag name="NUM" val="6"/>
 </p:tagLst>
 </file>
 
 <file path=ppt/tags/tag97.xml><?xml version="1.0" encoding="utf-8"?>
 <p:tagLst xmlns:a="http://schemas.openxmlformats.org/drawingml/2006/main" xmlns:r="http://schemas.openxmlformats.org/officeDocument/2006/relationships" xmlns:p="http://schemas.openxmlformats.org/presentationml/2006/main">
-  <p:tag name="NUM" val="1"/>
+  <p:tag name="NUM" val="2"/>
 </p:tagLst>
 </file>
 
 <file path=ppt/tags/tag98.xml><?xml version="1.0" encoding="utf-8"?>
 <p:tagLst xmlns:a="http://schemas.openxmlformats.org/drawingml/2006/main" xmlns:r="http://schemas.openxmlformats.org/officeDocument/2006/relationships" xmlns:p="http://schemas.openxmlformats.org/presentationml/2006/main">
-  <p:tag name="NUM" val="5"/>
-</p:tagLst>
-</file>
-
-<file path=ppt/tags/tag99.xml><?xml version="1.0" encoding="utf-8"?>
-<p:tagLst xmlns:a="http://schemas.openxmlformats.org/drawingml/2006/main" xmlns:r="http://schemas.openxmlformats.org/officeDocument/2006/relationships" xmlns:p="http://schemas.openxmlformats.org/presentationml/2006/main">
-  <p:tag name="NUM" val="6"/>
+  <p:tag name="NUM" val="1"/>
 </p:tagLst>
 </file>
 
